--- a/Tidyverse presentation.pptx
+++ b/Tidyverse presentation.pptx
@@ -4,18 +4,21 @@
   <p:sldMasterIdLst>
     <p:sldMasterId id="2147483648" r:id="rId1"/>
     <p:sldMasterId id="2147483660" r:id="rId2"/>
+    <p:sldMasterId id="2147483677" r:id="rId3"/>
   </p:sldMasterIdLst>
   <p:sldIdLst>
-    <p:sldId id="257" r:id="rId3"/>
-    <p:sldId id="258" r:id="rId4"/>
-    <p:sldId id="259" r:id="rId5"/>
-    <p:sldId id="256" r:id="rId6"/>
-    <p:sldId id="266" r:id="rId7"/>
-    <p:sldId id="260" r:id="rId8"/>
-    <p:sldId id="261" r:id="rId9"/>
-    <p:sldId id="262" r:id="rId10"/>
-    <p:sldId id="263" r:id="rId11"/>
-    <p:sldId id="264" r:id="rId12"/>
+    <p:sldId id="257" r:id="rId4"/>
+    <p:sldId id="267" r:id="rId5"/>
+    <p:sldId id="268" r:id="rId6"/>
+    <p:sldId id="258" r:id="rId7"/>
+    <p:sldId id="259" r:id="rId8"/>
+    <p:sldId id="256" r:id="rId9"/>
+    <p:sldId id="266" r:id="rId10"/>
+    <p:sldId id="260" r:id="rId11"/>
+    <p:sldId id="261" r:id="rId12"/>
+    <p:sldId id="262" r:id="rId13"/>
+    <p:sldId id="263" r:id="rId14"/>
+    <p:sldId id="264" r:id="rId15"/>
   </p:sldIdLst>
   <p:sldSz cx="12192000" cy="6858000"/>
   <p:notesSz cx="6858000" cy="9144000"/>
@@ -114,6 +117,11 @@
       </a:defRPr>
     </a:lvl9pPr>
   </p:defaultTextStyle>
+  <p:extLst>
+    <p:ext uri="{EFAFB233-063F-42B5-8137-9DF3F51BA10A}">
+      <p15:sldGuideLst xmlns:p15="http://schemas.microsoft.com/office/powerpoint/2012/main"/>
+    </p:ext>
+  </p:extLst>
 </p:presentation>
 </file>
 
@@ -276,7 +284,7 @@
           <a:p>
             <a:fld id="{BC1A65E1-0B5E-40C6-B8C7-3A260322B58E}" type="datetimeFigureOut">
               <a:rPr lang="en-US" smtClean="0"/>
-              <a:t>15-12-2019</a:t>
+              <a:t>12/17/2019</a:t>
             </a:fld>
             <a:endParaRPr lang="en-US"/>
           </a:p>
@@ -474,7 +482,7 @@
           <a:p>
             <a:fld id="{BC1A65E1-0B5E-40C6-B8C7-3A260322B58E}" type="datetimeFigureOut">
               <a:rPr lang="en-US" smtClean="0"/>
-              <a:t>15-12-2019</a:t>
+              <a:t>12/17/2019</a:t>
             </a:fld>
             <a:endParaRPr lang="en-US"/>
           </a:p>
@@ -682,7 +690,7 @@
           <a:p>
             <a:fld id="{BC1A65E1-0B5E-40C6-B8C7-3A260322B58E}" type="datetimeFigureOut">
               <a:rPr lang="en-US" smtClean="0"/>
-              <a:t>15-12-2019</a:t>
+              <a:t>12/17/2019</a:t>
             </a:fld>
             <a:endParaRPr lang="en-US"/>
           </a:p>
@@ -3271,7 +3279,7 @@
           <a:p>
             <a:fld id="{BC1A65E1-0B5E-40C6-B8C7-3A260322B58E}" type="datetimeFigureOut">
               <a:rPr lang="en-US" smtClean="0"/>
-              <a:t>15-12-2019</a:t>
+              <a:t>12/17/2019</a:t>
             </a:fld>
             <a:endParaRPr lang="en-US"/>
           </a:p>
@@ -9622,6 +9630,428 @@
 </p:sldLayout>
 </file>
 
+<file path=ppt/slideLayouts/slideLayout28.xml><?xml version="1.0" encoding="utf-8"?>
+<p:sldLayout xmlns:a="http://schemas.openxmlformats.org/drawingml/2006/main" xmlns:r="http://schemas.openxmlformats.org/officeDocument/2006/relationships" xmlns:p="http://schemas.openxmlformats.org/presentationml/2006/main" type="title" preserve="1">
+  <p:cSld name="Title Slide">
+    <p:spTree>
+      <p:nvGrpSpPr>
+        <p:cNvPr id="1" name=""/>
+        <p:cNvGrpSpPr/>
+        <p:nvPr/>
+      </p:nvGrpSpPr>
+      <p:grpSpPr>
+        <a:xfrm>
+          <a:off x="0" y="0"/>
+          <a:ext cx="0" cy="0"/>
+          <a:chOff x="0" y="0"/>
+          <a:chExt cx="0" cy="0"/>
+        </a:xfrm>
+      </p:grpSpPr>
+      <p:sp>
+        <p:nvSpPr>
+          <p:cNvPr id="2" name="Title 1">
+            <a:extLst>
+              <a:ext uri="{FF2B5EF4-FFF2-40B4-BE49-F238E27FC236}">
+                <a16:creationId xmlns:a16="http://schemas.microsoft.com/office/drawing/2014/main" id="{B75E901D-D0A2-2A4A-A186-E9C42AECCD41}"/>
+              </a:ext>
+            </a:extLst>
+          </p:cNvPr>
+          <p:cNvSpPr>
+            <a:spLocks noGrp="1"/>
+          </p:cNvSpPr>
+          <p:nvPr>
+            <p:ph type="ctrTitle"/>
+          </p:nvPr>
+        </p:nvSpPr>
+        <p:spPr>
+          <a:xfrm>
+            <a:off x="1524000" y="1122363"/>
+            <a:ext cx="9144000" cy="2387600"/>
+          </a:xfrm>
+        </p:spPr>
+        <p:txBody>
+          <a:bodyPr anchor="b"/>
+          <a:lstStyle>
+            <a:lvl1pPr algn="ctr">
+              <a:defRPr sz="6000"/>
+            </a:lvl1pPr>
+          </a:lstStyle>
+          <a:p>
+            <a:r>
+              <a:rPr lang="en-US"/>
+              <a:t>Click to edit Master title style</a:t>
+            </a:r>
+            <a:endParaRPr lang="en-CA"/>
+          </a:p>
+        </p:txBody>
+      </p:sp>
+      <p:sp>
+        <p:nvSpPr>
+          <p:cNvPr id="3" name="Subtitle 2">
+            <a:extLst>
+              <a:ext uri="{FF2B5EF4-FFF2-40B4-BE49-F238E27FC236}">
+                <a16:creationId xmlns:a16="http://schemas.microsoft.com/office/drawing/2014/main" id="{3A30FBB0-2988-8D45-8F98-9609F4A8D886}"/>
+              </a:ext>
+            </a:extLst>
+          </p:cNvPr>
+          <p:cNvSpPr>
+            <a:spLocks noGrp="1"/>
+          </p:cNvSpPr>
+          <p:nvPr>
+            <p:ph type="subTitle" idx="1"/>
+          </p:nvPr>
+        </p:nvSpPr>
+        <p:spPr>
+          <a:xfrm>
+            <a:off x="1524000" y="3602038"/>
+            <a:ext cx="9144000" cy="1655762"/>
+          </a:xfrm>
+        </p:spPr>
+        <p:txBody>
+          <a:bodyPr/>
+          <a:lstStyle>
+            <a:lvl1pPr marL="0" indent="0" algn="ctr">
+              <a:buNone/>
+              <a:defRPr sz="2400"/>
+            </a:lvl1pPr>
+            <a:lvl2pPr marL="457200" indent="0" algn="ctr">
+              <a:buNone/>
+              <a:defRPr sz="2000"/>
+            </a:lvl2pPr>
+            <a:lvl3pPr marL="914400" indent="0" algn="ctr">
+              <a:buNone/>
+              <a:defRPr sz="1800"/>
+            </a:lvl3pPr>
+            <a:lvl4pPr marL="1371600" indent="0" algn="ctr">
+              <a:buNone/>
+              <a:defRPr sz="1600"/>
+            </a:lvl4pPr>
+            <a:lvl5pPr marL="1828800" indent="0" algn="ctr">
+              <a:buNone/>
+              <a:defRPr sz="1600"/>
+            </a:lvl5pPr>
+            <a:lvl6pPr marL="2286000" indent="0" algn="ctr">
+              <a:buNone/>
+              <a:defRPr sz="1600"/>
+            </a:lvl6pPr>
+            <a:lvl7pPr marL="2743200" indent="0" algn="ctr">
+              <a:buNone/>
+              <a:defRPr sz="1600"/>
+            </a:lvl7pPr>
+            <a:lvl8pPr marL="3200400" indent="0" algn="ctr">
+              <a:buNone/>
+              <a:defRPr sz="1600"/>
+            </a:lvl8pPr>
+            <a:lvl9pPr marL="3657600" indent="0" algn="ctr">
+              <a:buNone/>
+              <a:defRPr sz="1600"/>
+            </a:lvl9pPr>
+          </a:lstStyle>
+          <a:p>
+            <a:r>
+              <a:rPr lang="en-US"/>
+              <a:t>Click to edit Master subtitle style</a:t>
+            </a:r>
+            <a:endParaRPr lang="en-CA"/>
+          </a:p>
+        </p:txBody>
+      </p:sp>
+      <p:sp>
+        <p:nvSpPr>
+          <p:cNvPr id="4" name="Date Placeholder 3">
+            <a:extLst>
+              <a:ext uri="{FF2B5EF4-FFF2-40B4-BE49-F238E27FC236}">
+                <a16:creationId xmlns:a16="http://schemas.microsoft.com/office/drawing/2014/main" id="{E93736CB-FFF8-174A-B0C1-9411F2595047}"/>
+              </a:ext>
+            </a:extLst>
+          </p:cNvPr>
+          <p:cNvSpPr>
+            <a:spLocks noGrp="1"/>
+          </p:cNvSpPr>
+          <p:nvPr>
+            <p:ph type="dt" sz="half" idx="10"/>
+          </p:nvPr>
+        </p:nvSpPr>
+        <p:spPr/>
+        <p:txBody>
+          <a:bodyPr/>
+          <a:lstStyle/>
+          <a:p>
+            <a:fld id="{DEBB6FD2-60FE-344E-91AF-0698351BC236}" type="datetimeFigureOut">
+              <a:rPr lang="en-CA" smtClean="0"/>
+              <a:t>2019-12-17</a:t>
+            </a:fld>
+            <a:endParaRPr lang="en-CA"/>
+          </a:p>
+        </p:txBody>
+      </p:sp>
+      <p:sp>
+        <p:nvSpPr>
+          <p:cNvPr id="5" name="Footer Placeholder 4">
+            <a:extLst>
+              <a:ext uri="{FF2B5EF4-FFF2-40B4-BE49-F238E27FC236}">
+                <a16:creationId xmlns:a16="http://schemas.microsoft.com/office/drawing/2014/main" id="{3A946336-3050-F545-952C-DC46CDC3E243}"/>
+              </a:ext>
+            </a:extLst>
+          </p:cNvPr>
+          <p:cNvSpPr>
+            <a:spLocks noGrp="1"/>
+          </p:cNvSpPr>
+          <p:nvPr>
+            <p:ph type="ftr" sz="quarter" idx="11"/>
+          </p:nvPr>
+        </p:nvSpPr>
+        <p:spPr/>
+        <p:txBody>
+          <a:bodyPr/>
+          <a:lstStyle/>
+          <a:p>
+            <a:endParaRPr lang="en-CA"/>
+          </a:p>
+        </p:txBody>
+      </p:sp>
+      <p:sp>
+        <p:nvSpPr>
+          <p:cNvPr id="6" name="Slide Number Placeholder 5">
+            <a:extLst>
+              <a:ext uri="{FF2B5EF4-FFF2-40B4-BE49-F238E27FC236}">
+                <a16:creationId xmlns:a16="http://schemas.microsoft.com/office/drawing/2014/main" id="{6627AD44-0063-3746-A230-A6FE1D102C2D}"/>
+              </a:ext>
+            </a:extLst>
+          </p:cNvPr>
+          <p:cNvSpPr>
+            <a:spLocks noGrp="1"/>
+          </p:cNvSpPr>
+          <p:nvPr>
+            <p:ph type="sldNum" sz="quarter" idx="12"/>
+          </p:nvPr>
+        </p:nvSpPr>
+        <p:spPr/>
+        <p:txBody>
+          <a:bodyPr/>
+          <a:lstStyle/>
+          <a:p>
+            <a:fld id="{40B10ABB-9049-7C45-B665-823037FC0C49}" type="slidenum">
+              <a:rPr lang="en-CA" smtClean="0"/>
+              <a:t>‹#›</a:t>
+            </a:fld>
+            <a:endParaRPr lang="en-CA"/>
+          </a:p>
+        </p:txBody>
+      </p:sp>
+    </p:spTree>
+    <p:extLst>
+      <p:ext uri="{BB962C8B-B14F-4D97-AF65-F5344CB8AC3E}">
+        <p14:creationId xmlns:p14="http://schemas.microsoft.com/office/powerpoint/2010/main" val="3095130318"/>
+      </p:ext>
+    </p:extLst>
+  </p:cSld>
+  <p:clrMapOvr>
+    <a:masterClrMapping/>
+  </p:clrMapOvr>
+</p:sldLayout>
+</file>
+
+<file path=ppt/slideLayouts/slideLayout29.xml><?xml version="1.0" encoding="utf-8"?>
+<p:sldLayout xmlns:a="http://schemas.openxmlformats.org/drawingml/2006/main" xmlns:r="http://schemas.openxmlformats.org/officeDocument/2006/relationships" xmlns:p="http://schemas.openxmlformats.org/presentationml/2006/main" type="obj" preserve="1">
+  <p:cSld name="Title and Content">
+    <p:spTree>
+      <p:nvGrpSpPr>
+        <p:cNvPr id="1" name=""/>
+        <p:cNvGrpSpPr/>
+        <p:nvPr/>
+      </p:nvGrpSpPr>
+      <p:grpSpPr>
+        <a:xfrm>
+          <a:off x="0" y="0"/>
+          <a:ext cx="0" cy="0"/>
+          <a:chOff x="0" y="0"/>
+          <a:chExt cx="0" cy="0"/>
+        </a:xfrm>
+      </p:grpSpPr>
+      <p:sp>
+        <p:nvSpPr>
+          <p:cNvPr id="2" name="Title 1">
+            <a:extLst>
+              <a:ext uri="{FF2B5EF4-FFF2-40B4-BE49-F238E27FC236}">
+                <a16:creationId xmlns:a16="http://schemas.microsoft.com/office/drawing/2014/main" id="{9400A671-479D-904E-8ECF-4972702C88F7}"/>
+              </a:ext>
+            </a:extLst>
+          </p:cNvPr>
+          <p:cNvSpPr>
+            <a:spLocks noGrp="1"/>
+          </p:cNvSpPr>
+          <p:nvPr>
+            <p:ph type="title"/>
+          </p:nvPr>
+        </p:nvSpPr>
+        <p:spPr/>
+        <p:txBody>
+          <a:bodyPr/>
+          <a:lstStyle/>
+          <a:p>
+            <a:r>
+              <a:rPr lang="en-US"/>
+              <a:t>Click to edit Master title style</a:t>
+            </a:r>
+            <a:endParaRPr lang="en-CA"/>
+          </a:p>
+        </p:txBody>
+      </p:sp>
+      <p:sp>
+        <p:nvSpPr>
+          <p:cNvPr id="3" name="Content Placeholder 2">
+            <a:extLst>
+              <a:ext uri="{FF2B5EF4-FFF2-40B4-BE49-F238E27FC236}">
+                <a16:creationId xmlns:a16="http://schemas.microsoft.com/office/drawing/2014/main" id="{BA2EDFEA-33F9-084A-8C55-682CF7FDD6A9}"/>
+              </a:ext>
+            </a:extLst>
+          </p:cNvPr>
+          <p:cNvSpPr>
+            <a:spLocks noGrp="1"/>
+          </p:cNvSpPr>
+          <p:nvPr>
+            <p:ph idx="1"/>
+          </p:nvPr>
+        </p:nvSpPr>
+        <p:spPr/>
+        <p:txBody>
+          <a:bodyPr/>
+          <a:lstStyle/>
+          <a:p>
+            <a:pPr lvl="0"/>
+            <a:r>
+              <a:rPr lang="en-US"/>
+              <a:t>Click to edit Master text styles</a:t>
+            </a:r>
+          </a:p>
+          <a:p>
+            <a:pPr lvl="1"/>
+            <a:r>
+              <a:rPr lang="en-US"/>
+              <a:t>Second level</a:t>
+            </a:r>
+          </a:p>
+          <a:p>
+            <a:pPr lvl="2"/>
+            <a:r>
+              <a:rPr lang="en-US"/>
+              <a:t>Third level</a:t>
+            </a:r>
+          </a:p>
+          <a:p>
+            <a:pPr lvl="3"/>
+            <a:r>
+              <a:rPr lang="en-US"/>
+              <a:t>Fourth level</a:t>
+            </a:r>
+          </a:p>
+          <a:p>
+            <a:pPr lvl="4"/>
+            <a:r>
+              <a:rPr lang="en-US"/>
+              <a:t>Fifth level</a:t>
+            </a:r>
+            <a:endParaRPr lang="en-CA"/>
+          </a:p>
+        </p:txBody>
+      </p:sp>
+      <p:sp>
+        <p:nvSpPr>
+          <p:cNvPr id="4" name="Date Placeholder 3">
+            <a:extLst>
+              <a:ext uri="{FF2B5EF4-FFF2-40B4-BE49-F238E27FC236}">
+                <a16:creationId xmlns:a16="http://schemas.microsoft.com/office/drawing/2014/main" id="{725CFBCF-068F-8F4F-AB8F-DB541E25357B}"/>
+              </a:ext>
+            </a:extLst>
+          </p:cNvPr>
+          <p:cNvSpPr>
+            <a:spLocks noGrp="1"/>
+          </p:cNvSpPr>
+          <p:nvPr>
+            <p:ph type="dt" sz="half" idx="10"/>
+          </p:nvPr>
+        </p:nvSpPr>
+        <p:spPr/>
+        <p:txBody>
+          <a:bodyPr/>
+          <a:lstStyle/>
+          <a:p>
+            <a:fld id="{DEBB6FD2-60FE-344E-91AF-0698351BC236}" type="datetimeFigureOut">
+              <a:rPr lang="en-CA" smtClean="0"/>
+              <a:t>2019-12-17</a:t>
+            </a:fld>
+            <a:endParaRPr lang="en-CA"/>
+          </a:p>
+        </p:txBody>
+      </p:sp>
+      <p:sp>
+        <p:nvSpPr>
+          <p:cNvPr id="5" name="Footer Placeholder 4">
+            <a:extLst>
+              <a:ext uri="{FF2B5EF4-FFF2-40B4-BE49-F238E27FC236}">
+                <a16:creationId xmlns:a16="http://schemas.microsoft.com/office/drawing/2014/main" id="{F6C09213-2748-0F4F-A93B-C6CD5DBAF46F}"/>
+              </a:ext>
+            </a:extLst>
+          </p:cNvPr>
+          <p:cNvSpPr>
+            <a:spLocks noGrp="1"/>
+          </p:cNvSpPr>
+          <p:nvPr>
+            <p:ph type="ftr" sz="quarter" idx="11"/>
+          </p:nvPr>
+        </p:nvSpPr>
+        <p:spPr/>
+        <p:txBody>
+          <a:bodyPr/>
+          <a:lstStyle/>
+          <a:p>
+            <a:endParaRPr lang="en-CA"/>
+          </a:p>
+        </p:txBody>
+      </p:sp>
+      <p:sp>
+        <p:nvSpPr>
+          <p:cNvPr id="6" name="Slide Number Placeholder 5">
+            <a:extLst>
+              <a:ext uri="{FF2B5EF4-FFF2-40B4-BE49-F238E27FC236}">
+                <a16:creationId xmlns:a16="http://schemas.microsoft.com/office/drawing/2014/main" id="{93C31CF3-BCA8-5148-8683-5E9136C5C2C6}"/>
+              </a:ext>
+            </a:extLst>
+          </p:cNvPr>
+          <p:cNvSpPr>
+            <a:spLocks noGrp="1"/>
+          </p:cNvSpPr>
+          <p:nvPr>
+            <p:ph type="sldNum" sz="quarter" idx="12"/>
+          </p:nvPr>
+        </p:nvSpPr>
+        <p:spPr/>
+        <p:txBody>
+          <a:bodyPr/>
+          <a:lstStyle/>
+          <a:p>
+            <a:fld id="{40B10ABB-9049-7C45-B665-823037FC0C49}" type="slidenum">
+              <a:rPr lang="en-CA" smtClean="0"/>
+              <a:t>‹#›</a:t>
+            </a:fld>
+            <a:endParaRPr lang="en-CA"/>
+          </a:p>
+        </p:txBody>
+      </p:sp>
+    </p:spTree>
+    <p:extLst>
+      <p:ext uri="{BB962C8B-B14F-4D97-AF65-F5344CB8AC3E}">
+        <p14:creationId xmlns:p14="http://schemas.microsoft.com/office/powerpoint/2010/main" val="3435094476"/>
+      </p:ext>
+    </p:extLst>
+  </p:cSld>
+  <p:clrMapOvr>
+    <a:masterClrMapping/>
+  </p:clrMapOvr>
+</p:sldLayout>
+</file>
+
 <file path=ppt/slideLayouts/slideLayout3.xml><?xml version="1.0" encoding="utf-8"?>
 <p:sldLayout xmlns:a="http://schemas.openxmlformats.org/drawingml/2006/main" xmlns:r="http://schemas.openxmlformats.org/officeDocument/2006/relationships" xmlns:p="http://schemas.openxmlformats.org/presentationml/2006/main" type="secHead" preserve="1">
   <p:cSld name="Section Header">
@@ -9824,7 +10254,7 @@
           <a:p>
             <a:fld id="{BC1A65E1-0B5E-40C6-B8C7-3A260322B58E}" type="datetimeFigureOut">
               <a:rPr lang="en-US" smtClean="0"/>
-              <a:t>15-12-2019</a:t>
+              <a:t>12/17/2019</a:t>
             </a:fld>
             <a:endParaRPr lang="en-US"/>
           </a:p>
@@ -9888,6 +10318,2232 @@
     <p:extLst>
       <p:ext uri="{BB962C8B-B14F-4D97-AF65-F5344CB8AC3E}">
         <p14:creationId xmlns:p14="http://schemas.microsoft.com/office/powerpoint/2010/main" val="2582932374"/>
+      </p:ext>
+    </p:extLst>
+  </p:cSld>
+  <p:clrMapOvr>
+    <a:masterClrMapping/>
+  </p:clrMapOvr>
+</p:sldLayout>
+</file>
+
+<file path=ppt/slideLayouts/slideLayout30.xml><?xml version="1.0" encoding="utf-8"?>
+<p:sldLayout xmlns:a="http://schemas.openxmlformats.org/drawingml/2006/main" xmlns:r="http://schemas.openxmlformats.org/officeDocument/2006/relationships" xmlns:p="http://schemas.openxmlformats.org/presentationml/2006/main" type="secHead" preserve="1">
+  <p:cSld name="Section Header">
+    <p:spTree>
+      <p:nvGrpSpPr>
+        <p:cNvPr id="1" name=""/>
+        <p:cNvGrpSpPr/>
+        <p:nvPr/>
+      </p:nvGrpSpPr>
+      <p:grpSpPr>
+        <a:xfrm>
+          <a:off x="0" y="0"/>
+          <a:ext cx="0" cy="0"/>
+          <a:chOff x="0" y="0"/>
+          <a:chExt cx="0" cy="0"/>
+        </a:xfrm>
+      </p:grpSpPr>
+      <p:sp>
+        <p:nvSpPr>
+          <p:cNvPr id="2" name="Title 1">
+            <a:extLst>
+              <a:ext uri="{FF2B5EF4-FFF2-40B4-BE49-F238E27FC236}">
+                <a16:creationId xmlns:a16="http://schemas.microsoft.com/office/drawing/2014/main" id="{F4AD5038-3D86-CF4C-B881-BB1E44E042B1}"/>
+              </a:ext>
+            </a:extLst>
+          </p:cNvPr>
+          <p:cNvSpPr>
+            <a:spLocks noGrp="1"/>
+          </p:cNvSpPr>
+          <p:nvPr>
+            <p:ph type="title"/>
+          </p:nvPr>
+        </p:nvSpPr>
+        <p:spPr>
+          <a:xfrm>
+            <a:off x="831850" y="1709738"/>
+            <a:ext cx="10515600" cy="2852737"/>
+          </a:xfrm>
+        </p:spPr>
+        <p:txBody>
+          <a:bodyPr anchor="b"/>
+          <a:lstStyle>
+            <a:lvl1pPr>
+              <a:defRPr sz="6000"/>
+            </a:lvl1pPr>
+          </a:lstStyle>
+          <a:p>
+            <a:r>
+              <a:rPr lang="en-US"/>
+              <a:t>Click to edit Master title style</a:t>
+            </a:r>
+            <a:endParaRPr lang="en-CA"/>
+          </a:p>
+        </p:txBody>
+      </p:sp>
+      <p:sp>
+        <p:nvSpPr>
+          <p:cNvPr id="3" name="Text Placeholder 2">
+            <a:extLst>
+              <a:ext uri="{FF2B5EF4-FFF2-40B4-BE49-F238E27FC236}">
+                <a16:creationId xmlns:a16="http://schemas.microsoft.com/office/drawing/2014/main" id="{DB90E946-156A-E944-AB40-C89B671EE6DB}"/>
+              </a:ext>
+            </a:extLst>
+          </p:cNvPr>
+          <p:cNvSpPr>
+            <a:spLocks noGrp="1"/>
+          </p:cNvSpPr>
+          <p:nvPr>
+            <p:ph type="body" idx="1"/>
+          </p:nvPr>
+        </p:nvSpPr>
+        <p:spPr>
+          <a:xfrm>
+            <a:off x="831850" y="4589463"/>
+            <a:ext cx="10515600" cy="1500187"/>
+          </a:xfrm>
+        </p:spPr>
+        <p:txBody>
+          <a:bodyPr/>
+          <a:lstStyle>
+            <a:lvl1pPr marL="0" indent="0">
+              <a:buNone/>
+              <a:defRPr sz="2400">
+                <a:solidFill>
+                  <a:schemeClr val="tx1">
+                    <a:tint val="75000"/>
+                  </a:schemeClr>
+                </a:solidFill>
+              </a:defRPr>
+            </a:lvl1pPr>
+            <a:lvl2pPr marL="457200" indent="0">
+              <a:buNone/>
+              <a:defRPr sz="2000">
+                <a:solidFill>
+                  <a:schemeClr val="tx1">
+                    <a:tint val="75000"/>
+                  </a:schemeClr>
+                </a:solidFill>
+              </a:defRPr>
+            </a:lvl2pPr>
+            <a:lvl3pPr marL="914400" indent="0">
+              <a:buNone/>
+              <a:defRPr sz="1800">
+                <a:solidFill>
+                  <a:schemeClr val="tx1">
+                    <a:tint val="75000"/>
+                  </a:schemeClr>
+                </a:solidFill>
+              </a:defRPr>
+            </a:lvl3pPr>
+            <a:lvl4pPr marL="1371600" indent="0">
+              <a:buNone/>
+              <a:defRPr sz="1600">
+                <a:solidFill>
+                  <a:schemeClr val="tx1">
+                    <a:tint val="75000"/>
+                  </a:schemeClr>
+                </a:solidFill>
+              </a:defRPr>
+            </a:lvl4pPr>
+            <a:lvl5pPr marL="1828800" indent="0">
+              <a:buNone/>
+              <a:defRPr sz="1600">
+                <a:solidFill>
+                  <a:schemeClr val="tx1">
+                    <a:tint val="75000"/>
+                  </a:schemeClr>
+                </a:solidFill>
+              </a:defRPr>
+            </a:lvl5pPr>
+            <a:lvl6pPr marL="2286000" indent="0">
+              <a:buNone/>
+              <a:defRPr sz="1600">
+                <a:solidFill>
+                  <a:schemeClr val="tx1">
+                    <a:tint val="75000"/>
+                  </a:schemeClr>
+                </a:solidFill>
+              </a:defRPr>
+            </a:lvl6pPr>
+            <a:lvl7pPr marL="2743200" indent="0">
+              <a:buNone/>
+              <a:defRPr sz="1600">
+                <a:solidFill>
+                  <a:schemeClr val="tx1">
+                    <a:tint val="75000"/>
+                  </a:schemeClr>
+                </a:solidFill>
+              </a:defRPr>
+            </a:lvl7pPr>
+            <a:lvl8pPr marL="3200400" indent="0">
+              <a:buNone/>
+              <a:defRPr sz="1600">
+                <a:solidFill>
+                  <a:schemeClr val="tx1">
+                    <a:tint val="75000"/>
+                  </a:schemeClr>
+                </a:solidFill>
+              </a:defRPr>
+            </a:lvl8pPr>
+            <a:lvl9pPr marL="3657600" indent="0">
+              <a:buNone/>
+              <a:defRPr sz="1600">
+                <a:solidFill>
+                  <a:schemeClr val="tx1">
+                    <a:tint val="75000"/>
+                  </a:schemeClr>
+                </a:solidFill>
+              </a:defRPr>
+            </a:lvl9pPr>
+          </a:lstStyle>
+          <a:p>
+            <a:pPr lvl="0"/>
+            <a:r>
+              <a:rPr lang="en-US"/>
+              <a:t>Click to edit Master text styles</a:t>
+            </a:r>
+          </a:p>
+        </p:txBody>
+      </p:sp>
+      <p:sp>
+        <p:nvSpPr>
+          <p:cNvPr id="4" name="Date Placeholder 3">
+            <a:extLst>
+              <a:ext uri="{FF2B5EF4-FFF2-40B4-BE49-F238E27FC236}">
+                <a16:creationId xmlns:a16="http://schemas.microsoft.com/office/drawing/2014/main" id="{3B3F4BFB-74AB-AD4D-B950-1CFF0595BC1E}"/>
+              </a:ext>
+            </a:extLst>
+          </p:cNvPr>
+          <p:cNvSpPr>
+            <a:spLocks noGrp="1"/>
+          </p:cNvSpPr>
+          <p:nvPr>
+            <p:ph type="dt" sz="half" idx="10"/>
+          </p:nvPr>
+        </p:nvSpPr>
+        <p:spPr/>
+        <p:txBody>
+          <a:bodyPr/>
+          <a:lstStyle/>
+          <a:p>
+            <a:fld id="{DEBB6FD2-60FE-344E-91AF-0698351BC236}" type="datetimeFigureOut">
+              <a:rPr lang="en-CA" smtClean="0"/>
+              <a:t>2019-12-17</a:t>
+            </a:fld>
+            <a:endParaRPr lang="en-CA"/>
+          </a:p>
+        </p:txBody>
+      </p:sp>
+      <p:sp>
+        <p:nvSpPr>
+          <p:cNvPr id="5" name="Footer Placeholder 4">
+            <a:extLst>
+              <a:ext uri="{FF2B5EF4-FFF2-40B4-BE49-F238E27FC236}">
+                <a16:creationId xmlns:a16="http://schemas.microsoft.com/office/drawing/2014/main" id="{3F74B279-88FE-2248-89FB-5CB7B547237B}"/>
+              </a:ext>
+            </a:extLst>
+          </p:cNvPr>
+          <p:cNvSpPr>
+            <a:spLocks noGrp="1"/>
+          </p:cNvSpPr>
+          <p:nvPr>
+            <p:ph type="ftr" sz="quarter" idx="11"/>
+          </p:nvPr>
+        </p:nvSpPr>
+        <p:spPr/>
+        <p:txBody>
+          <a:bodyPr/>
+          <a:lstStyle/>
+          <a:p>
+            <a:endParaRPr lang="en-CA"/>
+          </a:p>
+        </p:txBody>
+      </p:sp>
+      <p:sp>
+        <p:nvSpPr>
+          <p:cNvPr id="6" name="Slide Number Placeholder 5">
+            <a:extLst>
+              <a:ext uri="{FF2B5EF4-FFF2-40B4-BE49-F238E27FC236}">
+                <a16:creationId xmlns:a16="http://schemas.microsoft.com/office/drawing/2014/main" id="{7167285A-8592-E649-B3F1-474CF65CA0D2}"/>
+              </a:ext>
+            </a:extLst>
+          </p:cNvPr>
+          <p:cNvSpPr>
+            <a:spLocks noGrp="1"/>
+          </p:cNvSpPr>
+          <p:nvPr>
+            <p:ph type="sldNum" sz="quarter" idx="12"/>
+          </p:nvPr>
+        </p:nvSpPr>
+        <p:spPr/>
+        <p:txBody>
+          <a:bodyPr/>
+          <a:lstStyle/>
+          <a:p>
+            <a:fld id="{40B10ABB-9049-7C45-B665-823037FC0C49}" type="slidenum">
+              <a:rPr lang="en-CA" smtClean="0"/>
+              <a:t>‹#›</a:t>
+            </a:fld>
+            <a:endParaRPr lang="en-CA"/>
+          </a:p>
+        </p:txBody>
+      </p:sp>
+    </p:spTree>
+    <p:extLst>
+      <p:ext uri="{BB962C8B-B14F-4D97-AF65-F5344CB8AC3E}">
+        <p14:creationId xmlns:p14="http://schemas.microsoft.com/office/powerpoint/2010/main" val="76931270"/>
+      </p:ext>
+    </p:extLst>
+  </p:cSld>
+  <p:clrMapOvr>
+    <a:masterClrMapping/>
+  </p:clrMapOvr>
+</p:sldLayout>
+</file>
+
+<file path=ppt/slideLayouts/slideLayout31.xml><?xml version="1.0" encoding="utf-8"?>
+<p:sldLayout xmlns:a="http://schemas.openxmlformats.org/drawingml/2006/main" xmlns:r="http://schemas.openxmlformats.org/officeDocument/2006/relationships" xmlns:p="http://schemas.openxmlformats.org/presentationml/2006/main" type="twoObj" preserve="1">
+  <p:cSld name="Two Content">
+    <p:spTree>
+      <p:nvGrpSpPr>
+        <p:cNvPr id="1" name=""/>
+        <p:cNvGrpSpPr/>
+        <p:nvPr/>
+      </p:nvGrpSpPr>
+      <p:grpSpPr>
+        <a:xfrm>
+          <a:off x="0" y="0"/>
+          <a:ext cx="0" cy="0"/>
+          <a:chOff x="0" y="0"/>
+          <a:chExt cx="0" cy="0"/>
+        </a:xfrm>
+      </p:grpSpPr>
+      <p:sp>
+        <p:nvSpPr>
+          <p:cNvPr id="2" name="Title 1">
+            <a:extLst>
+              <a:ext uri="{FF2B5EF4-FFF2-40B4-BE49-F238E27FC236}">
+                <a16:creationId xmlns:a16="http://schemas.microsoft.com/office/drawing/2014/main" id="{DC0926AB-E2CF-034A-A54A-F35A972525C3}"/>
+              </a:ext>
+            </a:extLst>
+          </p:cNvPr>
+          <p:cNvSpPr>
+            <a:spLocks noGrp="1"/>
+          </p:cNvSpPr>
+          <p:nvPr>
+            <p:ph type="title"/>
+          </p:nvPr>
+        </p:nvSpPr>
+        <p:spPr/>
+        <p:txBody>
+          <a:bodyPr/>
+          <a:lstStyle/>
+          <a:p>
+            <a:r>
+              <a:rPr lang="en-US"/>
+              <a:t>Click to edit Master title style</a:t>
+            </a:r>
+            <a:endParaRPr lang="en-CA"/>
+          </a:p>
+        </p:txBody>
+      </p:sp>
+      <p:sp>
+        <p:nvSpPr>
+          <p:cNvPr id="3" name="Content Placeholder 2">
+            <a:extLst>
+              <a:ext uri="{FF2B5EF4-FFF2-40B4-BE49-F238E27FC236}">
+                <a16:creationId xmlns:a16="http://schemas.microsoft.com/office/drawing/2014/main" id="{58168D53-A0F4-2647-A384-1032DCD51C4D}"/>
+              </a:ext>
+            </a:extLst>
+          </p:cNvPr>
+          <p:cNvSpPr>
+            <a:spLocks noGrp="1"/>
+          </p:cNvSpPr>
+          <p:nvPr>
+            <p:ph sz="half" idx="1"/>
+          </p:nvPr>
+        </p:nvSpPr>
+        <p:spPr>
+          <a:xfrm>
+            <a:off x="838200" y="1825625"/>
+            <a:ext cx="5181600" cy="4351338"/>
+          </a:xfrm>
+        </p:spPr>
+        <p:txBody>
+          <a:bodyPr/>
+          <a:lstStyle/>
+          <a:p>
+            <a:pPr lvl="0"/>
+            <a:r>
+              <a:rPr lang="en-US"/>
+              <a:t>Click to edit Master text styles</a:t>
+            </a:r>
+          </a:p>
+          <a:p>
+            <a:pPr lvl="1"/>
+            <a:r>
+              <a:rPr lang="en-US"/>
+              <a:t>Second level</a:t>
+            </a:r>
+          </a:p>
+          <a:p>
+            <a:pPr lvl="2"/>
+            <a:r>
+              <a:rPr lang="en-US"/>
+              <a:t>Third level</a:t>
+            </a:r>
+          </a:p>
+          <a:p>
+            <a:pPr lvl="3"/>
+            <a:r>
+              <a:rPr lang="en-US"/>
+              <a:t>Fourth level</a:t>
+            </a:r>
+          </a:p>
+          <a:p>
+            <a:pPr lvl="4"/>
+            <a:r>
+              <a:rPr lang="en-US"/>
+              <a:t>Fifth level</a:t>
+            </a:r>
+            <a:endParaRPr lang="en-CA"/>
+          </a:p>
+        </p:txBody>
+      </p:sp>
+      <p:sp>
+        <p:nvSpPr>
+          <p:cNvPr id="4" name="Content Placeholder 3">
+            <a:extLst>
+              <a:ext uri="{FF2B5EF4-FFF2-40B4-BE49-F238E27FC236}">
+                <a16:creationId xmlns:a16="http://schemas.microsoft.com/office/drawing/2014/main" id="{4FC9C185-90AF-F041-8834-1EAF764BFD9D}"/>
+              </a:ext>
+            </a:extLst>
+          </p:cNvPr>
+          <p:cNvSpPr>
+            <a:spLocks noGrp="1"/>
+          </p:cNvSpPr>
+          <p:nvPr>
+            <p:ph sz="half" idx="2"/>
+          </p:nvPr>
+        </p:nvSpPr>
+        <p:spPr>
+          <a:xfrm>
+            <a:off x="6172200" y="1825625"/>
+            <a:ext cx="5181600" cy="4351338"/>
+          </a:xfrm>
+        </p:spPr>
+        <p:txBody>
+          <a:bodyPr/>
+          <a:lstStyle/>
+          <a:p>
+            <a:pPr lvl="0"/>
+            <a:r>
+              <a:rPr lang="en-US"/>
+              <a:t>Click to edit Master text styles</a:t>
+            </a:r>
+          </a:p>
+          <a:p>
+            <a:pPr lvl="1"/>
+            <a:r>
+              <a:rPr lang="en-US"/>
+              <a:t>Second level</a:t>
+            </a:r>
+          </a:p>
+          <a:p>
+            <a:pPr lvl="2"/>
+            <a:r>
+              <a:rPr lang="en-US"/>
+              <a:t>Third level</a:t>
+            </a:r>
+          </a:p>
+          <a:p>
+            <a:pPr lvl="3"/>
+            <a:r>
+              <a:rPr lang="en-US"/>
+              <a:t>Fourth level</a:t>
+            </a:r>
+          </a:p>
+          <a:p>
+            <a:pPr lvl="4"/>
+            <a:r>
+              <a:rPr lang="en-US"/>
+              <a:t>Fifth level</a:t>
+            </a:r>
+            <a:endParaRPr lang="en-CA"/>
+          </a:p>
+        </p:txBody>
+      </p:sp>
+      <p:sp>
+        <p:nvSpPr>
+          <p:cNvPr id="5" name="Date Placeholder 4">
+            <a:extLst>
+              <a:ext uri="{FF2B5EF4-FFF2-40B4-BE49-F238E27FC236}">
+                <a16:creationId xmlns:a16="http://schemas.microsoft.com/office/drawing/2014/main" id="{2C9FBA6C-4995-1149-98C9-D54252139DD3}"/>
+              </a:ext>
+            </a:extLst>
+          </p:cNvPr>
+          <p:cNvSpPr>
+            <a:spLocks noGrp="1"/>
+          </p:cNvSpPr>
+          <p:nvPr>
+            <p:ph type="dt" sz="half" idx="10"/>
+          </p:nvPr>
+        </p:nvSpPr>
+        <p:spPr/>
+        <p:txBody>
+          <a:bodyPr/>
+          <a:lstStyle/>
+          <a:p>
+            <a:fld id="{DEBB6FD2-60FE-344E-91AF-0698351BC236}" type="datetimeFigureOut">
+              <a:rPr lang="en-CA" smtClean="0"/>
+              <a:t>2019-12-17</a:t>
+            </a:fld>
+            <a:endParaRPr lang="en-CA"/>
+          </a:p>
+        </p:txBody>
+      </p:sp>
+      <p:sp>
+        <p:nvSpPr>
+          <p:cNvPr id="6" name="Footer Placeholder 5">
+            <a:extLst>
+              <a:ext uri="{FF2B5EF4-FFF2-40B4-BE49-F238E27FC236}">
+                <a16:creationId xmlns:a16="http://schemas.microsoft.com/office/drawing/2014/main" id="{DB31038E-A492-8540-9F9F-EA33DC52E48A}"/>
+              </a:ext>
+            </a:extLst>
+          </p:cNvPr>
+          <p:cNvSpPr>
+            <a:spLocks noGrp="1"/>
+          </p:cNvSpPr>
+          <p:nvPr>
+            <p:ph type="ftr" sz="quarter" idx="11"/>
+          </p:nvPr>
+        </p:nvSpPr>
+        <p:spPr/>
+        <p:txBody>
+          <a:bodyPr/>
+          <a:lstStyle/>
+          <a:p>
+            <a:endParaRPr lang="en-CA"/>
+          </a:p>
+        </p:txBody>
+      </p:sp>
+      <p:sp>
+        <p:nvSpPr>
+          <p:cNvPr id="7" name="Slide Number Placeholder 6">
+            <a:extLst>
+              <a:ext uri="{FF2B5EF4-FFF2-40B4-BE49-F238E27FC236}">
+                <a16:creationId xmlns:a16="http://schemas.microsoft.com/office/drawing/2014/main" id="{188B2F8B-0436-E843-8AE8-6CC742FA7DAE}"/>
+              </a:ext>
+            </a:extLst>
+          </p:cNvPr>
+          <p:cNvSpPr>
+            <a:spLocks noGrp="1"/>
+          </p:cNvSpPr>
+          <p:nvPr>
+            <p:ph type="sldNum" sz="quarter" idx="12"/>
+          </p:nvPr>
+        </p:nvSpPr>
+        <p:spPr/>
+        <p:txBody>
+          <a:bodyPr/>
+          <a:lstStyle/>
+          <a:p>
+            <a:fld id="{40B10ABB-9049-7C45-B665-823037FC0C49}" type="slidenum">
+              <a:rPr lang="en-CA" smtClean="0"/>
+              <a:t>‹#›</a:t>
+            </a:fld>
+            <a:endParaRPr lang="en-CA"/>
+          </a:p>
+        </p:txBody>
+      </p:sp>
+    </p:spTree>
+    <p:extLst>
+      <p:ext uri="{BB962C8B-B14F-4D97-AF65-F5344CB8AC3E}">
+        <p14:creationId xmlns:p14="http://schemas.microsoft.com/office/powerpoint/2010/main" val="1220009645"/>
+      </p:ext>
+    </p:extLst>
+  </p:cSld>
+  <p:clrMapOvr>
+    <a:masterClrMapping/>
+  </p:clrMapOvr>
+</p:sldLayout>
+</file>
+
+<file path=ppt/slideLayouts/slideLayout32.xml><?xml version="1.0" encoding="utf-8"?>
+<p:sldLayout xmlns:a="http://schemas.openxmlformats.org/drawingml/2006/main" xmlns:r="http://schemas.openxmlformats.org/officeDocument/2006/relationships" xmlns:p="http://schemas.openxmlformats.org/presentationml/2006/main" type="twoTxTwoObj" preserve="1">
+  <p:cSld name="Comparison">
+    <p:spTree>
+      <p:nvGrpSpPr>
+        <p:cNvPr id="1" name=""/>
+        <p:cNvGrpSpPr/>
+        <p:nvPr/>
+      </p:nvGrpSpPr>
+      <p:grpSpPr>
+        <a:xfrm>
+          <a:off x="0" y="0"/>
+          <a:ext cx="0" cy="0"/>
+          <a:chOff x="0" y="0"/>
+          <a:chExt cx="0" cy="0"/>
+        </a:xfrm>
+      </p:grpSpPr>
+      <p:sp>
+        <p:nvSpPr>
+          <p:cNvPr id="2" name="Title 1">
+            <a:extLst>
+              <a:ext uri="{FF2B5EF4-FFF2-40B4-BE49-F238E27FC236}">
+                <a16:creationId xmlns:a16="http://schemas.microsoft.com/office/drawing/2014/main" id="{3984560E-A175-1A4A-BD60-9A0DE90C5534}"/>
+              </a:ext>
+            </a:extLst>
+          </p:cNvPr>
+          <p:cNvSpPr>
+            <a:spLocks noGrp="1"/>
+          </p:cNvSpPr>
+          <p:nvPr>
+            <p:ph type="title"/>
+          </p:nvPr>
+        </p:nvSpPr>
+        <p:spPr>
+          <a:xfrm>
+            <a:off x="839788" y="365125"/>
+            <a:ext cx="10515600" cy="1325563"/>
+          </a:xfrm>
+        </p:spPr>
+        <p:txBody>
+          <a:bodyPr/>
+          <a:lstStyle/>
+          <a:p>
+            <a:r>
+              <a:rPr lang="en-US"/>
+              <a:t>Click to edit Master title style</a:t>
+            </a:r>
+            <a:endParaRPr lang="en-CA"/>
+          </a:p>
+        </p:txBody>
+      </p:sp>
+      <p:sp>
+        <p:nvSpPr>
+          <p:cNvPr id="3" name="Text Placeholder 2">
+            <a:extLst>
+              <a:ext uri="{FF2B5EF4-FFF2-40B4-BE49-F238E27FC236}">
+                <a16:creationId xmlns:a16="http://schemas.microsoft.com/office/drawing/2014/main" id="{756E515F-D8B1-9A47-84C3-DC24CEB96E8F}"/>
+              </a:ext>
+            </a:extLst>
+          </p:cNvPr>
+          <p:cNvSpPr>
+            <a:spLocks noGrp="1"/>
+          </p:cNvSpPr>
+          <p:nvPr>
+            <p:ph type="body" idx="1"/>
+          </p:nvPr>
+        </p:nvSpPr>
+        <p:spPr>
+          <a:xfrm>
+            <a:off x="839788" y="1681163"/>
+            <a:ext cx="5157787" cy="823912"/>
+          </a:xfrm>
+        </p:spPr>
+        <p:txBody>
+          <a:bodyPr anchor="b"/>
+          <a:lstStyle>
+            <a:lvl1pPr marL="0" indent="0">
+              <a:buNone/>
+              <a:defRPr sz="2400" b="1"/>
+            </a:lvl1pPr>
+            <a:lvl2pPr marL="457200" indent="0">
+              <a:buNone/>
+              <a:defRPr sz="2000" b="1"/>
+            </a:lvl2pPr>
+            <a:lvl3pPr marL="914400" indent="0">
+              <a:buNone/>
+              <a:defRPr sz="1800" b="1"/>
+            </a:lvl3pPr>
+            <a:lvl4pPr marL="1371600" indent="0">
+              <a:buNone/>
+              <a:defRPr sz="1600" b="1"/>
+            </a:lvl4pPr>
+            <a:lvl5pPr marL="1828800" indent="0">
+              <a:buNone/>
+              <a:defRPr sz="1600" b="1"/>
+            </a:lvl5pPr>
+            <a:lvl6pPr marL="2286000" indent="0">
+              <a:buNone/>
+              <a:defRPr sz="1600" b="1"/>
+            </a:lvl6pPr>
+            <a:lvl7pPr marL="2743200" indent="0">
+              <a:buNone/>
+              <a:defRPr sz="1600" b="1"/>
+            </a:lvl7pPr>
+            <a:lvl8pPr marL="3200400" indent="0">
+              <a:buNone/>
+              <a:defRPr sz="1600" b="1"/>
+            </a:lvl8pPr>
+            <a:lvl9pPr marL="3657600" indent="0">
+              <a:buNone/>
+              <a:defRPr sz="1600" b="1"/>
+            </a:lvl9pPr>
+          </a:lstStyle>
+          <a:p>
+            <a:pPr lvl="0"/>
+            <a:r>
+              <a:rPr lang="en-US"/>
+              <a:t>Click to edit Master text styles</a:t>
+            </a:r>
+          </a:p>
+        </p:txBody>
+      </p:sp>
+      <p:sp>
+        <p:nvSpPr>
+          <p:cNvPr id="4" name="Content Placeholder 3">
+            <a:extLst>
+              <a:ext uri="{FF2B5EF4-FFF2-40B4-BE49-F238E27FC236}">
+                <a16:creationId xmlns:a16="http://schemas.microsoft.com/office/drawing/2014/main" id="{103206BF-F902-3942-A884-811F34CF7523}"/>
+              </a:ext>
+            </a:extLst>
+          </p:cNvPr>
+          <p:cNvSpPr>
+            <a:spLocks noGrp="1"/>
+          </p:cNvSpPr>
+          <p:nvPr>
+            <p:ph sz="half" idx="2"/>
+          </p:nvPr>
+        </p:nvSpPr>
+        <p:spPr>
+          <a:xfrm>
+            <a:off x="839788" y="2505075"/>
+            <a:ext cx="5157787" cy="3684588"/>
+          </a:xfrm>
+        </p:spPr>
+        <p:txBody>
+          <a:bodyPr/>
+          <a:lstStyle/>
+          <a:p>
+            <a:pPr lvl="0"/>
+            <a:r>
+              <a:rPr lang="en-US"/>
+              <a:t>Click to edit Master text styles</a:t>
+            </a:r>
+          </a:p>
+          <a:p>
+            <a:pPr lvl="1"/>
+            <a:r>
+              <a:rPr lang="en-US"/>
+              <a:t>Second level</a:t>
+            </a:r>
+          </a:p>
+          <a:p>
+            <a:pPr lvl="2"/>
+            <a:r>
+              <a:rPr lang="en-US"/>
+              <a:t>Third level</a:t>
+            </a:r>
+          </a:p>
+          <a:p>
+            <a:pPr lvl="3"/>
+            <a:r>
+              <a:rPr lang="en-US"/>
+              <a:t>Fourth level</a:t>
+            </a:r>
+          </a:p>
+          <a:p>
+            <a:pPr lvl="4"/>
+            <a:r>
+              <a:rPr lang="en-US"/>
+              <a:t>Fifth level</a:t>
+            </a:r>
+            <a:endParaRPr lang="en-CA"/>
+          </a:p>
+        </p:txBody>
+      </p:sp>
+      <p:sp>
+        <p:nvSpPr>
+          <p:cNvPr id="5" name="Text Placeholder 4">
+            <a:extLst>
+              <a:ext uri="{FF2B5EF4-FFF2-40B4-BE49-F238E27FC236}">
+                <a16:creationId xmlns:a16="http://schemas.microsoft.com/office/drawing/2014/main" id="{4600F759-B192-7249-926A-C72894B8D7E5}"/>
+              </a:ext>
+            </a:extLst>
+          </p:cNvPr>
+          <p:cNvSpPr>
+            <a:spLocks noGrp="1"/>
+          </p:cNvSpPr>
+          <p:nvPr>
+            <p:ph type="body" sz="quarter" idx="3"/>
+          </p:nvPr>
+        </p:nvSpPr>
+        <p:spPr>
+          <a:xfrm>
+            <a:off x="6172200" y="1681163"/>
+            <a:ext cx="5183188" cy="823912"/>
+          </a:xfrm>
+        </p:spPr>
+        <p:txBody>
+          <a:bodyPr anchor="b"/>
+          <a:lstStyle>
+            <a:lvl1pPr marL="0" indent="0">
+              <a:buNone/>
+              <a:defRPr sz="2400" b="1"/>
+            </a:lvl1pPr>
+            <a:lvl2pPr marL="457200" indent="0">
+              <a:buNone/>
+              <a:defRPr sz="2000" b="1"/>
+            </a:lvl2pPr>
+            <a:lvl3pPr marL="914400" indent="0">
+              <a:buNone/>
+              <a:defRPr sz="1800" b="1"/>
+            </a:lvl3pPr>
+            <a:lvl4pPr marL="1371600" indent="0">
+              <a:buNone/>
+              <a:defRPr sz="1600" b="1"/>
+            </a:lvl4pPr>
+            <a:lvl5pPr marL="1828800" indent="0">
+              <a:buNone/>
+              <a:defRPr sz="1600" b="1"/>
+            </a:lvl5pPr>
+            <a:lvl6pPr marL="2286000" indent="0">
+              <a:buNone/>
+              <a:defRPr sz="1600" b="1"/>
+            </a:lvl6pPr>
+            <a:lvl7pPr marL="2743200" indent="0">
+              <a:buNone/>
+              <a:defRPr sz="1600" b="1"/>
+            </a:lvl7pPr>
+            <a:lvl8pPr marL="3200400" indent="0">
+              <a:buNone/>
+              <a:defRPr sz="1600" b="1"/>
+            </a:lvl8pPr>
+            <a:lvl9pPr marL="3657600" indent="0">
+              <a:buNone/>
+              <a:defRPr sz="1600" b="1"/>
+            </a:lvl9pPr>
+          </a:lstStyle>
+          <a:p>
+            <a:pPr lvl="0"/>
+            <a:r>
+              <a:rPr lang="en-US"/>
+              <a:t>Click to edit Master text styles</a:t>
+            </a:r>
+          </a:p>
+        </p:txBody>
+      </p:sp>
+      <p:sp>
+        <p:nvSpPr>
+          <p:cNvPr id="6" name="Content Placeholder 5">
+            <a:extLst>
+              <a:ext uri="{FF2B5EF4-FFF2-40B4-BE49-F238E27FC236}">
+                <a16:creationId xmlns:a16="http://schemas.microsoft.com/office/drawing/2014/main" id="{9B7D641C-2A2A-E742-A72E-840F3DEAC059}"/>
+              </a:ext>
+            </a:extLst>
+          </p:cNvPr>
+          <p:cNvSpPr>
+            <a:spLocks noGrp="1"/>
+          </p:cNvSpPr>
+          <p:nvPr>
+            <p:ph sz="quarter" idx="4"/>
+          </p:nvPr>
+        </p:nvSpPr>
+        <p:spPr>
+          <a:xfrm>
+            <a:off x="6172200" y="2505075"/>
+            <a:ext cx="5183188" cy="3684588"/>
+          </a:xfrm>
+        </p:spPr>
+        <p:txBody>
+          <a:bodyPr/>
+          <a:lstStyle/>
+          <a:p>
+            <a:pPr lvl="0"/>
+            <a:r>
+              <a:rPr lang="en-US"/>
+              <a:t>Click to edit Master text styles</a:t>
+            </a:r>
+          </a:p>
+          <a:p>
+            <a:pPr lvl="1"/>
+            <a:r>
+              <a:rPr lang="en-US"/>
+              <a:t>Second level</a:t>
+            </a:r>
+          </a:p>
+          <a:p>
+            <a:pPr lvl="2"/>
+            <a:r>
+              <a:rPr lang="en-US"/>
+              <a:t>Third level</a:t>
+            </a:r>
+          </a:p>
+          <a:p>
+            <a:pPr lvl="3"/>
+            <a:r>
+              <a:rPr lang="en-US"/>
+              <a:t>Fourth level</a:t>
+            </a:r>
+          </a:p>
+          <a:p>
+            <a:pPr lvl="4"/>
+            <a:r>
+              <a:rPr lang="en-US"/>
+              <a:t>Fifth level</a:t>
+            </a:r>
+            <a:endParaRPr lang="en-CA"/>
+          </a:p>
+        </p:txBody>
+      </p:sp>
+      <p:sp>
+        <p:nvSpPr>
+          <p:cNvPr id="7" name="Date Placeholder 6">
+            <a:extLst>
+              <a:ext uri="{FF2B5EF4-FFF2-40B4-BE49-F238E27FC236}">
+                <a16:creationId xmlns:a16="http://schemas.microsoft.com/office/drawing/2014/main" id="{54D9EBED-E9BB-2643-B74B-3DA76898214D}"/>
+              </a:ext>
+            </a:extLst>
+          </p:cNvPr>
+          <p:cNvSpPr>
+            <a:spLocks noGrp="1"/>
+          </p:cNvSpPr>
+          <p:nvPr>
+            <p:ph type="dt" sz="half" idx="10"/>
+          </p:nvPr>
+        </p:nvSpPr>
+        <p:spPr/>
+        <p:txBody>
+          <a:bodyPr/>
+          <a:lstStyle/>
+          <a:p>
+            <a:fld id="{DEBB6FD2-60FE-344E-91AF-0698351BC236}" type="datetimeFigureOut">
+              <a:rPr lang="en-CA" smtClean="0"/>
+              <a:t>2019-12-17</a:t>
+            </a:fld>
+            <a:endParaRPr lang="en-CA"/>
+          </a:p>
+        </p:txBody>
+      </p:sp>
+      <p:sp>
+        <p:nvSpPr>
+          <p:cNvPr id="8" name="Footer Placeholder 7">
+            <a:extLst>
+              <a:ext uri="{FF2B5EF4-FFF2-40B4-BE49-F238E27FC236}">
+                <a16:creationId xmlns:a16="http://schemas.microsoft.com/office/drawing/2014/main" id="{919DB014-6888-054F-9D20-EF19FB35E391}"/>
+              </a:ext>
+            </a:extLst>
+          </p:cNvPr>
+          <p:cNvSpPr>
+            <a:spLocks noGrp="1"/>
+          </p:cNvSpPr>
+          <p:nvPr>
+            <p:ph type="ftr" sz="quarter" idx="11"/>
+          </p:nvPr>
+        </p:nvSpPr>
+        <p:spPr/>
+        <p:txBody>
+          <a:bodyPr/>
+          <a:lstStyle/>
+          <a:p>
+            <a:endParaRPr lang="en-CA"/>
+          </a:p>
+        </p:txBody>
+      </p:sp>
+      <p:sp>
+        <p:nvSpPr>
+          <p:cNvPr id="9" name="Slide Number Placeholder 8">
+            <a:extLst>
+              <a:ext uri="{FF2B5EF4-FFF2-40B4-BE49-F238E27FC236}">
+                <a16:creationId xmlns:a16="http://schemas.microsoft.com/office/drawing/2014/main" id="{27C6B37B-877D-6345-8C66-570C3E380157}"/>
+              </a:ext>
+            </a:extLst>
+          </p:cNvPr>
+          <p:cNvSpPr>
+            <a:spLocks noGrp="1"/>
+          </p:cNvSpPr>
+          <p:nvPr>
+            <p:ph type="sldNum" sz="quarter" idx="12"/>
+          </p:nvPr>
+        </p:nvSpPr>
+        <p:spPr/>
+        <p:txBody>
+          <a:bodyPr/>
+          <a:lstStyle/>
+          <a:p>
+            <a:fld id="{40B10ABB-9049-7C45-B665-823037FC0C49}" type="slidenum">
+              <a:rPr lang="en-CA" smtClean="0"/>
+              <a:t>‹#›</a:t>
+            </a:fld>
+            <a:endParaRPr lang="en-CA"/>
+          </a:p>
+        </p:txBody>
+      </p:sp>
+    </p:spTree>
+    <p:extLst>
+      <p:ext uri="{BB962C8B-B14F-4D97-AF65-F5344CB8AC3E}">
+        <p14:creationId xmlns:p14="http://schemas.microsoft.com/office/powerpoint/2010/main" val="2483333971"/>
+      </p:ext>
+    </p:extLst>
+  </p:cSld>
+  <p:clrMapOvr>
+    <a:masterClrMapping/>
+  </p:clrMapOvr>
+</p:sldLayout>
+</file>
+
+<file path=ppt/slideLayouts/slideLayout33.xml><?xml version="1.0" encoding="utf-8"?>
+<p:sldLayout xmlns:a="http://schemas.openxmlformats.org/drawingml/2006/main" xmlns:r="http://schemas.openxmlformats.org/officeDocument/2006/relationships" xmlns:p="http://schemas.openxmlformats.org/presentationml/2006/main" type="titleOnly" preserve="1">
+  <p:cSld name="Title Only">
+    <p:spTree>
+      <p:nvGrpSpPr>
+        <p:cNvPr id="1" name=""/>
+        <p:cNvGrpSpPr/>
+        <p:nvPr/>
+      </p:nvGrpSpPr>
+      <p:grpSpPr>
+        <a:xfrm>
+          <a:off x="0" y="0"/>
+          <a:ext cx="0" cy="0"/>
+          <a:chOff x="0" y="0"/>
+          <a:chExt cx="0" cy="0"/>
+        </a:xfrm>
+      </p:grpSpPr>
+      <p:sp>
+        <p:nvSpPr>
+          <p:cNvPr id="2" name="Title 1">
+            <a:extLst>
+              <a:ext uri="{FF2B5EF4-FFF2-40B4-BE49-F238E27FC236}">
+                <a16:creationId xmlns:a16="http://schemas.microsoft.com/office/drawing/2014/main" id="{CB5A72DF-F5D5-D94E-9A98-08F10FF74F46}"/>
+              </a:ext>
+            </a:extLst>
+          </p:cNvPr>
+          <p:cNvSpPr>
+            <a:spLocks noGrp="1"/>
+          </p:cNvSpPr>
+          <p:nvPr>
+            <p:ph type="title"/>
+          </p:nvPr>
+        </p:nvSpPr>
+        <p:spPr/>
+        <p:txBody>
+          <a:bodyPr/>
+          <a:lstStyle/>
+          <a:p>
+            <a:r>
+              <a:rPr lang="en-US"/>
+              <a:t>Click to edit Master title style</a:t>
+            </a:r>
+            <a:endParaRPr lang="en-CA"/>
+          </a:p>
+        </p:txBody>
+      </p:sp>
+      <p:sp>
+        <p:nvSpPr>
+          <p:cNvPr id="3" name="Date Placeholder 2">
+            <a:extLst>
+              <a:ext uri="{FF2B5EF4-FFF2-40B4-BE49-F238E27FC236}">
+                <a16:creationId xmlns:a16="http://schemas.microsoft.com/office/drawing/2014/main" id="{8977CA60-FF72-784C-813E-3844F14ACDF7}"/>
+              </a:ext>
+            </a:extLst>
+          </p:cNvPr>
+          <p:cNvSpPr>
+            <a:spLocks noGrp="1"/>
+          </p:cNvSpPr>
+          <p:nvPr>
+            <p:ph type="dt" sz="half" idx="10"/>
+          </p:nvPr>
+        </p:nvSpPr>
+        <p:spPr/>
+        <p:txBody>
+          <a:bodyPr/>
+          <a:lstStyle/>
+          <a:p>
+            <a:fld id="{DEBB6FD2-60FE-344E-91AF-0698351BC236}" type="datetimeFigureOut">
+              <a:rPr lang="en-CA" smtClean="0"/>
+              <a:t>2019-12-17</a:t>
+            </a:fld>
+            <a:endParaRPr lang="en-CA"/>
+          </a:p>
+        </p:txBody>
+      </p:sp>
+      <p:sp>
+        <p:nvSpPr>
+          <p:cNvPr id="4" name="Footer Placeholder 3">
+            <a:extLst>
+              <a:ext uri="{FF2B5EF4-FFF2-40B4-BE49-F238E27FC236}">
+                <a16:creationId xmlns:a16="http://schemas.microsoft.com/office/drawing/2014/main" id="{1FF5952E-C04B-3C4B-8790-3F32096F7224}"/>
+              </a:ext>
+            </a:extLst>
+          </p:cNvPr>
+          <p:cNvSpPr>
+            <a:spLocks noGrp="1"/>
+          </p:cNvSpPr>
+          <p:nvPr>
+            <p:ph type="ftr" sz="quarter" idx="11"/>
+          </p:nvPr>
+        </p:nvSpPr>
+        <p:spPr/>
+        <p:txBody>
+          <a:bodyPr/>
+          <a:lstStyle/>
+          <a:p>
+            <a:endParaRPr lang="en-CA"/>
+          </a:p>
+        </p:txBody>
+      </p:sp>
+      <p:sp>
+        <p:nvSpPr>
+          <p:cNvPr id="5" name="Slide Number Placeholder 4">
+            <a:extLst>
+              <a:ext uri="{FF2B5EF4-FFF2-40B4-BE49-F238E27FC236}">
+                <a16:creationId xmlns:a16="http://schemas.microsoft.com/office/drawing/2014/main" id="{8B80FA29-E0B4-664A-8D6B-985221E7F1A5}"/>
+              </a:ext>
+            </a:extLst>
+          </p:cNvPr>
+          <p:cNvSpPr>
+            <a:spLocks noGrp="1"/>
+          </p:cNvSpPr>
+          <p:nvPr>
+            <p:ph type="sldNum" sz="quarter" idx="12"/>
+          </p:nvPr>
+        </p:nvSpPr>
+        <p:spPr/>
+        <p:txBody>
+          <a:bodyPr/>
+          <a:lstStyle/>
+          <a:p>
+            <a:fld id="{40B10ABB-9049-7C45-B665-823037FC0C49}" type="slidenum">
+              <a:rPr lang="en-CA" smtClean="0"/>
+              <a:t>‹#›</a:t>
+            </a:fld>
+            <a:endParaRPr lang="en-CA"/>
+          </a:p>
+        </p:txBody>
+      </p:sp>
+    </p:spTree>
+    <p:extLst>
+      <p:ext uri="{BB962C8B-B14F-4D97-AF65-F5344CB8AC3E}">
+        <p14:creationId xmlns:p14="http://schemas.microsoft.com/office/powerpoint/2010/main" val="413084482"/>
+      </p:ext>
+    </p:extLst>
+  </p:cSld>
+  <p:clrMapOvr>
+    <a:masterClrMapping/>
+  </p:clrMapOvr>
+</p:sldLayout>
+</file>
+
+<file path=ppt/slideLayouts/slideLayout34.xml><?xml version="1.0" encoding="utf-8"?>
+<p:sldLayout xmlns:a="http://schemas.openxmlformats.org/drawingml/2006/main" xmlns:r="http://schemas.openxmlformats.org/officeDocument/2006/relationships" xmlns:p="http://schemas.openxmlformats.org/presentationml/2006/main" type="blank" preserve="1">
+  <p:cSld name="Blank">
+    <p:spTree>
+      <p:nvGrpSpPr>
+        <p:cNvPr id="1" name=""/>
+        <p:cNvGrpSpPr/>
+        <p:nvPr/>
+      </p:nvGrpSpPr>
+      <p:grpSpPr>
+        <a:xfrm>
+          <a:off x="0" y="0"/>
+          <a:ext cx="0" cy="0"/>
+          <a:chOff x="0" y="0"/>
+          <a:chExt cx="0" cy="0"/>
+        </a:xfrm>
+      </p:grpSpPr>
+      <p:sp>
+        <p:nvSpPr>
+          <p:cNvPr id="2" name="Date Placeholder 1">
+            <a:extLst>
+              <a:ext uri="{FF2B5EF4-FFF2-40B4-BE49-F238E27FC236}">
+                <a16:creationId xmlns:a16="http://schemas.microsoft.com/office/drawing/2014/main" id="{A4F1D35C-3E8E-0949-A12A-1590F81964FF}"/>
+              </a:ext>
+            </a:extLst>
+          </p:cNvPr>
+          <p:cNvSpPr>
+            <a:spLocks noGrp="1"/>
+          </p:cNvSpPr>
+          <p:nvPr>
+            <p:ph type="dt" sz="half" idx="10"/>
+          </p:nvPr>
+        </p:nvSpPr>
+        <p:spPr/>
+        <p:txBody>
+          <a:bodyPr/>
+          <a:lstStyle/>
+          <a:p>
+            <a:fld id="{DEBB6FD2-60FE-344E-91AF-0698351BC236}" type="datetimeFigureOut">
+              <a:rPr lang="en-CA" smtClean="0"/>
+              <a:t>2019-12-17</a:t>
+            </a:fld>
+            <a:endParaRPr lang="en-CA"/>
+          </a:p>
+        </p:txBody>
+      </p:sp>
+      <p:sp>
+        <p:nvSpPr>
+          <p:cNvPr id="3" name="Footer Placeholder 2">
+            <a:extLst>
+              <a:ext uri="{FF2B5EF4-FFF2-40B4-BE49-F238E27FC236}">
+                <a16:creationId xmlns:a16="http://schemas.microsoft.com/office/drawing/2014/main" id="{015D6ED7-3B2F-994F-B51D-88DCF9EC2A03}"/>
+              </a:ext>
+            </a:extLst>
+          </p:cNvPr>
+          <p:cNvSpPr>
+            <a:spLocks noGrp="1"/>
+          </p:cNvSpPr>
+          <p:nvPr>
+            <p:ph type="ftr" sz="quarter" idx="11"/>
+          </p:nvPr>
+        </p:nvSpPr>
+        <p:spPr/>
+        <p:txBody>
+          <a:bodyPr/>
+          <a:lstStyle/>
+          <a:p>
+            <a:endParaRPr lang="en-CA"/>
+          </a:p>
+        </p:txBody>
+      </p:sp>
+      <p:sp>
+        <p:nvSpPr>
+          <p:cNvPr id="4" name="Slide Number Placeholder 3">
+            <a:extLst>
+              <a:ext uri="{FF2B5EF4-FFF2-40B4-BE49-F238E27FC236}">
+                <a16:creationId xmlns:a16="http://schemas.microsoft.com/office/drawing/2014/main" id="{B10C1936-18B4-0F44-BBBF-C9E8021D4281}"/>
+              </a:ext>
+            </a:extLst>
+          </p:cNvPr>
+          <p:cNvSpPr>
+            <a:spLocks noGrp="1"/>
+          </p:cNvSpPr>
+          <p:nvPr>
+            <p:ph type="sldNum" sz="quarter" idx="12"/>
+          </p:nvPr>
+        </p:nvSpPr>
+        <p:spPr/>
+        <p:txBody>
+          <a:bodyPr/>
+          <a:lstStyle/>
+          <a:p>
+            <a:fld id="{40B10ABB-9049-7C45-B665-823037FC0C49}" type="slidenum">
+              <a:rPr lang="en-CA" smtClean="0"/>
+              <a:t>‹#›</a:t>
+            </a:fld>
+            <a:endParaRPr lang="en-CA"/>
+          </a:p>
+        </p:txBody>
+      </p:sp>
+    </p:spTree>
+    <p:extLst>
+      <p:ext uri="{BB962C8B-B14F-4D97-AF65-F5344CB8AC3E}">
+        <p14:creationId xmlns:p14="http://schemas.microsoft.com/office/powerpoint/2010/main" val="1653193704"/>
+      </p:ext>
+    </p:extLst>
+  </p:cSld>
+  <p:clrMapOvr>
+    <a:masterClrMapping/>
+  </p:clrMapOvr>
+</p:sldLayout>
+</file>
+
+<file path=ppt/slideLayouts/slideLayout35.xml><?xml version="1.0" encoding="utf-8"?>
+<p:sldLayout xmlns:a="http://schemas.openxmlformats.org/drawingml/2006/main" xmlns:r="http://schemas.openxmlformats.org/officeDocument/2006/relationships" xmlns:p="http://schemas.openxmlformats.org/presentationml/2006/main" type="objTx" preserve="1">
+  <p:cSld name="Content with Caption">
+    <p:spTree>
+      <p:nvGrpSpPr>
+        <p:cNvPr id="1" name=""/>
+        <p:cNvGrpSpPr/>
+        <p:nvPr/>
+      </p:nvGrpSpPr>
+      <p:grpSpPr>
+        <a:xfrm>
+          <a:off x="0" y="0"/>
+          <a:ext cx="0" cy="0"/>
+          <a:chOff x="0" y="0"/>
+          <a:chExt cx="0" cy="0"/>
+        </a:xfrm>
+      </p:grpSpPr>
+      <p:sp>
+        <p:nvSpPr>
+          <p:cNvPr id="2" name="Title 1">
+            <a:extLst>
+              <a:ext uri="{FF2B5EF4-FFF2-40B4-BE49-F238E27FC236}">
+                <a16:creationId xmlns:a16="http://schemas.microsoft.com/office/drawing/2014/main" id="{EDD4F285-C143-9F4A-961B-0082A043F9FA}"/>
+              </a:ext>
+            </a:extLst>
+          </p:cNvPr>
+          <p:cNvSpPr>
+            <a:spLocks noGrp="1"/>
+          </p:cNvSpPr>
+          <p:nvPr>
+            <p:ph type="title"/>
+          </p:nvPr>
+        </p:nvSpPr>
+        <p:spPr>
+          <a:xfrm>
+            <a:off x="839788" y="457200"/>
+            <a:ext cx="3932237" cy="1600200"/>
+          </a:xfrm>
+        </p:spPr>
+        <p:txBody>
+          <a:bodyPr anchor="b"/>
+          <a:lstStyle>
+            <a:lvl1pPr>
+              <a:defRPr sz="3200"/>
+            </a:lvl1pPr>
+          </a:lstStyle>
+          <a:p>
+            <a:r>
+              <a:rPr lang="en-US"/>
+              <a:t>Click to edit Master title style</a:t>
+            </a:r>
+            <a:endParaRPr lang="en-CA"/>
+          </a:p>
+        </p:txBody>
+      </p:sp>
+      <p:sp>
+        <p:nvSpPr>
+          <p:cNvPr id="3" name="Content Placeholder 2">
+            <a:extLst>
+              <a:ext uri="{FF2B5EF4-FFF2-40B4-BE49-F238E27FC236}">
+                <a16:creationId xmlns:a16="http://schemas.microsoft.com/office/drawing/2014/main" id="{3DBC1DAC-C8E9-E045-AEC6-17D095D4946E}"/>
+              </a:ext>
+            </a:extLst>
+          </p:cNvPr>
+          <p:cNvSpPr>
+            <a:spLocks noGrp="1"/>
+          </p:cNvSpPr>
+          <p:nvPr>
+            <p:ph idx="1"/>
+          </p:nvPr>
+        </p:nvSpPr>
+        <p:spPr>
+          <a:xfrm>
+            <a:off x="5183188" y="987425"/>
+            <a:ext cx="6172200" cy="4873625"/>
+          </a:xfrm>
+        </p:spPr>
+        <p:txBody>
+          <a:bodyPr/>
+          <a:lstStyle>
+            <a:lvl1pPr>
+              <a:defRPr sz="3200"/>
+            </a:lvl1pPr>
+            <a:lvl2pPr>
+              <a:defRPr sz="2800"/>
+            </a:lvl2pPr>
+            <a:lvl3pPr>
+              <a:defRPr sz="2400"/>
+            </a:lvl3pPr>
+            <a:lvl4pPr>
+              <a:defRPr sz="2000"/>
+            </a:lvl4pPr>
+            <a:lvl5pPr>
+              <a:defRPr sz="2000"/>
+            </a:lvl5pPr>
+            <a:lvl6pPr>
+              <a:defRPr sz="2000"/>
+            </a:lvl6pPr>
+            <a:lvl7pPr>
+              <a:defRPr sz="2000"/>
+            </a:lvl7pPr>
+            <a:lvl8pPr>
+              <a:defRPr sz="2000"/>
+            </a:lvl8pPr>
+            <a:lvl9pPr>
+              <a:defRPr sz="2000"/>
+            </a:lvl9pPr>
+          </a:lstStyle>
+          <a:p>
+            <a:pPr lvl="0"/>
+            <a:r>
+              <a:rPr lang="en-US"/>
+              <a:t>Click to edit Master text styles</a:t>
+            </a:r>
+          </a:p>
+          <a:p>
+            <a:pPr lvl="1"/>
+            <a:r>
+              <a:rPr lang="en-US"/>
+              <a:t>Second level</a:t>
+            </a:r>
+          </a:p>
+          <a:p>
+            <a:pPr lvl="2"/>
+            <a:r>
+              <a:rPr lang="en-US"/>
+              <a:t>Third level</a:t>
+            </a:r>
+          </a:p>
+          <a:p>
+            <a:pPr lvl="3"/>
+            <a:r>
+              <a:rPr lang="en-US"/>
+              <a:t>Fourth level</a:t>
+            </a:r>
+          </a:p>
+          <a:p>
+            <a:pPr lvl="4"/>
+            <a:r>
+              <a:rPr lang="en-US"/>
+              <a:t>Fifth level</a:t>
+            </a:r>
+            <a:endParaRPr lang="en-CA"/>
+          </a:p>
+        </p:txBody>
+      </p:sp>
+      <p:sp>
+        <p:nvSpPr>
+          <p:cNvPr id="4" name="Text Placeholder 3">
+            <a:extLst>
+              <a:ext uri="{FF2B5EF4-FFF2-40B4-BE49-F238E27FC236}">
+                <a16:creationId xmlns:a16="http://schemas.microsoft.com/office/drawing/2014/main" id="{43CBD3DA-200B-BE4E-9DB7-945BD4A14F3C}"/>
+              </a:ext>
+            </a:extLst>
+          </p:cNvPr>
+          <p:cNvSpPr>
+            <a:spLocks noGrp="1"/>
+          </p:cNvSpPr>
+          <p:nvPr>
+            <p:ph type="body" sz="half" idx="2"/>
+          </p:nvPr>
+        </p:nvSpPr>
+        <p:spPr>
+          <a:xfrm>
+            <a:off x="839788" y="2057400"/>
+            <a:ext cx="3932237" cy="3811588"/>
+          </a:xfrm>
+        </p:spPr>
+        <p:txBody>
+          <a:bodyPr/>
+          <a:lstStyle>
+            <a:lvl1pPr marL="0" indent="0">
+              <a:buNone/>
+              <a:defRPr sz="1600"/>
+            </a:lvl1pPr>
+            <a:lvl2pPr marL="457200" indent="0">
+              <a:buNone/>
+              <a:defRPr sz="1400"/>
+            </a:lvl2pPr>
+            <a:lvl3pPr marL="914400" indent="0">
+              <a:buNone/>
+              <a:defRPr sz="1200"/>
+            </a:lvl3pPr>
+            <a:lvl4pPr marL="1371600" indent="0">
+              <a:buNone/>
+              <a:defRPr sz="1000"/>
+            </a:lvl4pPr>
+            <a:lvl5pPr marL="1828800" indent="0">
+              <a:buNone/>
+              <a:defRPr sz="1000"/>
+            </a:lvl5pPr>
+            <a:lvl6pPr marL="2286000" indent="0">
+              <a:buNone/>
+              <a:defRPr sz="1000"/>
+            </a:lvl6pPr>
+            <a:lvl7pPr marL="2743200" indent="0">
+              <a:buNone/>
+              <a:defRPr sz="1000"/>
+            </a:lvl7pPr>
+            <a:lvl8pPr marL="3200400" indent="0">
+              <a:buNone/>
+              <a:defRPr sz="1000"/>
+            </a:lvl8pPr>
+            <a:lvl9pPr marL="3657600" indent="0">
+              <a:buNone/>
+              <a:defRPr sz="1000"/>
+            </a:lvl9pPr>
+          </a:lstStyle>
+          <a:p>
+            <a:pPr lvl="0"/>
+            <a:r>
+              <a:rPr lang="en-US"/>
+              <a:t>Click to edit Master text styles</a:t>
+            </a:r>
+          </a:p>
+        </p:txBody>
+      </p:sp>
+      <p:sp>
+        <p:nvSpPr>
+          <p:cNvPr id="5" name="Date Placeholder 4">
+            <a:extLst>
+              <a:ext uri="{FF2B5EF4-FFF2-40B4-BE49-F238E27FC236}">
+                <a16:creationId xmlns:a16="http://schemas.microsoft.com/office/drawing/2014/main" id="{13560EB4-B9F8-4A4A-8712-95B5237401B4}"/>
+              </a:ext>
+            </a:extLst>
+          </p:cNvPr>
+          <p:cNvSpPr>
+            <a:spLocks noGrp="1"/>
+          </p:cNvSpPr>
+          <p:nvPr>
+            <p:ph type="dt" sz="half" idx="10"/>
+          </p:nvPr>
+        </p:nvSpPr>
+        <p:spPr/>
+        <p:txBody>
+          <a:bodyPr/>
+          <a:lstStyle/>
+          <a:p>
+            <a:fld id="{DEBB6FD2-60FE-344E-91AF-0698351BC236}" type="datetimeFigureOut">
+              <a:rPr lang="en-CA" smtClean="0"/>
+              <a:t>2019-12-17</a:t>
+            </a:fld>
+            <a:endParaRPr lang="en-CA"/>
+          </a:p>
+        </p:txBody>
+      </p:sp>
+      <p:sp>
+        <p:nvSpPr>
+          <p:cNvPr id="6" name="Footer Placeholder 5">
+            <a:extLst>
+              <a:ext uri="{FF2B5EF4-FFF2-40B4-BE49-F238E27FC236}">
+                <a16:creationId xmlns:a16="http://schemas.microsoft.com/office/drawing/2014/main" id="{D4093882-8B0E-A84B-8DBC-08409033FC45}"/>
+              </a:ext>
+            </a:extLst>
+          </p:cNvPr>
+          <p:cNvSpPr>
+            <a:spLocks noGrp="1"/>
+          </p:cNvSpPr>
+          <p:nvPr>
+            <p:ph type="ftr" sz="quarter" idx="11"/>
+          </p:nvPr>
+        </p:nvSpPr>
+        <p:spPr/>
+        <p:txBody>
+          <a:bodyPr/>
+          <a:lstStyle/>
+          <a:p>
+            <a:endParaRPr lang="en-CA"/>
+          </a:p>
+        </p:txBody>
+      </p:sp>
+      <p:sp>
+        <p:nvSpPr>
+          <p:cNvPr id="7" name="Slide Number Placeholder 6">
+            <a:extLst>
+              <a:ext uri="{FF2B5EF4-FFF2-40B4-BE49-F238E27FC236}">
+                <a16:creationId xmlns:a16="http://schemas.microsoft.com/office/drawing/2014/main" id="{4D75E319-177D-0447-9904-89A26E19B6AD}"/>
+              </a:ext>
+            </a:extLst>
+          </p:cNvPr>
+          <p:cNvSpPr>
+            <a:spLocks noGrp="1"/>
+          </p:cNvSpPr>
+          <p:nvPr>
+            <p:ph type="sldNum" sz="quarter" idx="12"/>
+          </p:nvPr>
+        </p:nvSpPr>
+        <p:spPr/>
+        <p:txBody>
+          <a:bodyPr/>
+          <a:lstStyle/>
+          <a:p>
+            <a:fld id="{40B10ABB-9049-7C45-B665-823037FC0C49}" type="slidenum">
+              <a:rPr lang="en-CA" smtClean="0"/>
+              <a:t>‹#›</a:t>
+            </a:fld>
+            <a:endParaRPr lang="en-CA"/>
+          </a:p>
+        </p:txBody>
+      </p:sp>
+    </p:spTree>
+    <p:extLst>
+      <p:ext uri="{BB962C8B-B14F-4D97-AF65-F5344CB8AC3E}">
+        <p14:creationId xmlns:p14="http://schemas.microsoft.com/office/powerpoint/2010/main" val="29163867"/>
+      </p:ext>
+    </p:extLst>
+  </p:cSld>
+  <p:clrMapOvr>
+    <a:masterClrMapping/>
+  </p:clrMapOvr>
+</p:sldLayout>
+</file>
+
+<file path=ppt/slideLayouts/slideLayout36.xml><?xml version="1.0" encoding="utf-8"?>
+<p:sldLayout xmlns:a="http://schemas.openxmlformats.org/drawingml/2006/main" xmlns:r="http://schemas.openxmlformats.org/officeDocument/2006/relationships" xmlns:p="http://schemas.openxmlformats.org/presentationml/2006/main" type="picTx" preserve="1">
+  <p:cSld name="Picture with Caption">
+    <p:spTree>
+      <p:nvGrpSpPr>
+        <p:cNvPr id="1" name=""/>
+        <p:cNvGrpSpPr/>
+        <p:nvPr/>
+      </p:nvGrpSpPr>
+      <p:grpSpPr>
+        <a:xfrm>
+          <a:off x="0" y="0"/>
+          <a:ext cx="0" cy="0"/>
+          <a:chOff x="0" y="0"/>
+          <a:chExt cx="0" cy="0"/>
+        </a:xfrm>
+      </p:grpSpPr>
+      <p:sp>
+        <p:nvSpPr>
+          <p:cNvPr id="2" name="Title 1">
+            <a:extLst>
+              <a:ext uri="{FF2B5EF4-FFF2-40B4-BE49-F238E27FC236}">
+                <a16:creationId xmlns:a16="http://schemas.microsoft.com/office/drawing/2014/main" id="{F6DDFB95-CD96-8040-91E3-87EAAD5CE021}"/>
+              </a:ext>
+            </a:extLst>
+          </p:cNvPr>
+          <p:cNvSpPr>
+            <a:spLocks noGrp="1"/>
+          </p:cNvSpPr>
+          <p:nvPr>
+            <p:ph type="title"/>
+          </p:nvPr>
+        </p:nvSpPr>
+        <p:spPr>
+          <a:xfrm>
+            <a:off x="839788" y="457200"/>
+            <a:ext cx="3932237" cy="1600200"/>
+          </a:xfrm>
+        </p:spPr>
+        <p:txBody>
+          <a:bodyPr anchor="b"/>
+          <a:lstStyle>
+            <a:lvl1pPr>
+              <a:defRPr sz="3200"/>
+            </a:lvl1pPr>
+          </a:lstStyle>
+          <a:p>
+            <a:r>
+              <a:rPr lang="en-US"/>
+              <a:t>Click to edit Master title style</a:t>
+            </a:r>
+            <a:endParaRPr lang="en-CA"/>
+          </a:p>
+        </p:txBody>
+      </p:sp>
+      <p:sp>
+        <p:nvSpPr>
+          <p:cNvPr id="3" name="Picture Placeholder 2">
+            <a:extLst>
+              <a:ext uri="{FF2B5EF4-FFF2-40B4-BE49-F238E27FC236}">
+                <a16:creationId xmlns:a16="http://schemas.microsoft.com/office/drawing/2014/main" id="{74574710-F72E-1042-A1C2-62635F8AAC4D}"/>
+              </a:ext>
+            </a:extLst>
+          </p:cNvPr>
+          <p:cNvSpPr>
+            <a:spLocks noGrp="1"/>
+          </p:cNvSpPr>
+          <p:nvPr>
+            <p:ph type="pic" idx="1"/>
+          </p:nvPr>
+        </p:nvSpPr>
+        <p:spPr>
+          <a:xfrm>
+            <a:off x="5183188" y="987425"/>
+            <a:ext cx="6172200" cy="4873625"/>
+          </a:xfrm>
+        </p:spPr>
+        <p:txBody>
+          <a:bodyPr/>
+          <a:lstStyle>
+            <a:lvl1pPr marL="0" indent="0">
+              <a:buNone/>
+              <a:defRPr sz="3200"/>
+            </a:lvl1pPr>
+            <a:lvl2pPr marL="457200" indent="0">
+              <a:buNone/>
+              <a:defRPr sz="2800"/>
+            </a:lvl2pPr>
+            <a:lvl3pPr marL="914400" indent="0">
+              <a:buNone/>
+              <a:defRPr sz="2400"/>
+            </a:lvl3pPr>
+            <a:lvl4pPr marL="1371600" indent="0">
+              <a:buNone/>
+              <a:defRPr sz="2000"/>
+            </a:lvl4pPr>
+            <a:lvl5pPr marL="1828800" indent="0">
+              <a:buNone/>
+              <a:defRPr sz="2000"/>
+            </a:lvl5pPr>
+            <a:lvl6pPr marL="2286000" indent="0">
+              <a:buNone/>
+              <a:defRPr sz="2000"/>
+            </a:lvl6pPr>
+            <a:lvl7pPr marL="2743200" indent="0">
+              <a:buNone/>
+              <a:defRPr sz="2000"/>
+            </a:lvl7pPr>
+            <a:lvl8pPr marL="3200400" indent="0">
+              <a:buNone/>
+              <a:defRPr sz="2000"/>
+            </a:lvl8pPr>
+            <a:lvl9pPr marL="3657600" indent="0">
+              <a:buNone/>
+              <a:defRPr sz="2000"/>
+            </a:lvl9pPr>
+          </a:lstStyle>
+          <a:p>
+            <a:endParaRPr lang="en-CA"/>
+          </a:p>
+        </p:txBody>
+      </p:sp>
+      <p:sp>
+        <p:nvSpPr>
+          <p:cNvPr id="4" name="Text Placeholder 3">
+            <a:extLst>
+              <a:ext uri="{FF2B5EF4-FFF2-40B4-BE49-F238E27FC236}">
+                <a16:creationId xmlns:a16="http://schemas.microsoft.com/office/drawing/2014/main" id="{B32069A6-A512-6740-8691-10BC203C9B6C}"/>
+              </a:ext>
+            </a:extLst>
+          </p:cNvPr>
+          <p:cNvSpPr>
+            <a:spLocks noGrp="1"/>
+          </p:cNvSpPr>
+          <p:nvPr>
+            <p:ph type="body" sz="half" idx="2"/>
+          </p:nvPr>
+        </p:nvSpPr>
+        <p:spPr>
+          <a:xfrm>
+            <a:off x="839788" y="2057400"/>
+            <a:ext cx="3932237" cy="3811588"/>
+          </a:xfrm>
+        </p:spPr>
+        <p:txBody>
+          <a:bodyPr/>
+          <a:lstStyle>
+            <a:lvl1pPr marL="0" indent="0">
+              <a:buNone/>
+              <a:defRPr sz="1600"/>
+            </a:lvl1pPr>
+            <a:lvl2pPr marL="457200" indent="0">
+              <a:buNone/>
+              <a:defRPr sz="1400"/>
+            </a:lvl2pPr>
+            <a:lvl3pPr marL="914400" indent="0">
+              <a:buNone/>
+              <a:defRPr sz="1200"/>
+            </a:lvl3pPr>
+            <a:lvl4pPr marL="1371600" indent="0">
+              <a:buNone/>
+              <a:defRPr sz="1000"/>
+            </a:lvl4pPr>
+            <a:lvl5pPr marL="1828800" indent="0">
+              <a:buNone/>
+              <a:defRPr sz="1000"/>
+            </a:lvl5pPr>
+            <a:lvl6pPr marL="2286000" indent="0">
+              <a:buNone/>
+              <a:defRPr sz="1000"/>
+            </a:lvl6pPr>
+            <a:lvl7pPr marL="2743200" indent="0">
+              <a:buNone/>
+              <a:defRPr sz="1000"/>
+            </a:lvl7pPr>
+            <a:lvl8pPr marL="3200400" indent="0">
+              <a:buNone/>
+              <a:defRPr sz="1000"/>
+            </a:lvl8pPr>
+            <a:lvl9pPr marL="3657600" indent="0">
+              <a:buNone/>
+              <a:defRPr sz="1000"/>
+            </a:lvl9pPr>
+          </a:lstStyle>
+          <a:p>
+            <a:pPr lvl="0"/>
+            <a:r>
+              <a:rPr lang="en-US"/>
+              <a:t>Click to edit Master text styles</a:t>
+            </a:r>
+          </a:p>
+        </p:txBody>
+      </p:sp>
+      <p:sp>
+        <p:nvSpPr>
+          <p:cNvPr id="5" name="Date Placeholder 4">
+            <a:extLst>
+              <a:ext uri="{FF2B5EF4-FFF2-40B4-BE49-F238E27FC236}">
+                <a16:creationId xmlns:a16="http://schemas.microsoft.com/office/drawing/2014/main" id="{4350EC43-1BE8-AB4A-95DD-A4E0EE404798}"/>
+              </a:ext>
+            </a:extLst>
+          </p:cNvPr>
+          <p:cNvSpPr>
+            <a:spLocks noGrp="1"/>
+          </p:cNvSpPr>
+          <p:nvPr>
+            <p:ph type="dt" sz="half" idx="10"/>
+          </p:nvPr>
+        </p:nvSpPr>
+        <p:spPr/>
+        <p:txBody>
+          <a:bodyPr/>
+          <a:lstStyle/>
+          <a:p>
+            <a:fld id="{DEBB6FD2-60FE-344E-91AF-0698351BC236}" type="datetimeFigureOut">
+              <a:rPr lang="en-CA" smtClean="0"/>
+              <a:t>2019-12-17</a:t>
+            </a:fld>
+            <a:endParaRPr lang="en-CA"/>
+          </a:p>
+        </p:txBody>
+      </p:sp>
+      <p:sp>
+        <p:nvSpPr>
+          <p:cNvPr id="6" name="Footer Placeholder 5">
+            <a:extLst>
+              <a:ext uri="{FF2B5EF4-FFF2-40B4-BE49-F238E27FC236}">
+                <a16:creationId xmlns:a16="http://schemas.microsoft.com/office/drawing/2014/main" id="{7A4BB32C-FEA6-7C4D-BE6B-7D06E0645724}"/>
+              </a:ext>
+            </a:extLst>
+          </p:cNvPr>
+          <p:cNvSpPr>
+            <a:spLocks noGrp="1"/>
+          </p:cNvSpPr>
+          <p:nvPr>
+            <p:ph type="ftr" sz="quarter" idx="11"/>
+          </p:nvPr>
+        </p:nvSpPr>
+        <p:spPr/>
+        <p:txBody>
+          <a:bodyPr/>
+          <a:lstStyle/>
+          <a:p>
+            <a:endParaRPr lang="en-CA"/>
+          </a:p>
+        </p:txBody>
+      </p:sp>
+      <p:sp>
+        <p:nvSpPr>
+          <p:cNvPr id="7" name="Slide Number Placeholder 6">
+            <a:extLst>
+              <a:ext uri="{FF2B5EF4-FFF2-40B4-BE49-F238E27FC236}">
+                <a16:creationId xmlns:a16="http://schemas.microsoft.com/office/drawing/2014/main" id="{AE5ECF86-0CC8-8248-BEAD-EFD0CB50C5B0}"/>
+              </a:ext>
+            </a:extLst>
+          </p:cNvPr>
+          <p:cNvSpPr>
+            <a:spLocks noGrp="1"/>
+          </p:cNvSpPr>
+          <p:nvPr>
+            <p:ph type="sldNum" sz="quarter" idx="12"/>
+          </p:nvPr>
+        </p:nvSpPr>
+        <p:spPr/>
+        <p:txBody>
+          <a:bodyPr/>
+          <a:lstStyle/>
+          <a:p>
+            <a:fld id="{40B10ABB-9049-7C45-B665-823037FC0C49}" type="slidenum">
+              <a:rPr lang="en-CA" smtClean="0"/>
+              <a:t>‹#›</a:t>
+            </a:fld>
+            <a:endParaRPr lang="en-CA"/>
+          </a:p>
+        </p:txBody>
+      </p:sp>
+    </p:spTree>
+    <p:extLst>
+      <p:ext uri="{BB962C8B-B14F-4D97-AF65-F5344CB8AC3E}">
+        <p14:creationId xmlns:p14="http://schemas.microsoft.com/office/powerpoint/2010/main" val="62569283"/>
+      </p:ext>
+    </p:extLst>
+  </p:cSld>
+  <p:clrMapOvr>
+    <a:masterClrMapping/>
+  </p:clrMapOvr>
+</p:sldLayout>
+</file>
+
+<file path=ppt/slideLayouts/slideLayout37.xml><?xml version="1.0" encoding="utf-8"?>
+<p:sldLayout xmlns:a="http://schemas.openxmlformats.org/drawingml/2006/main" xmlns:r="http://schemas.openxmlformats.org/officeDocument/2006/relationships" xmlns:p="http://schemas.openxmlformats.org/presentationml/2006/main" type="vertTx" preserve="1">
+  <p:cSld name="Title and Vertical Text">
+    <p:spTree>
+      <p:nvGrpSpPr>
+        <p:cNvPr id="1" name=""/>
+        <p:cNvGrpSpPr/>
+        <p:nvPr/>
+      </p:nvGrpSpPr>
+      <p:grpSpPr>
+        <a:xfrm>
+          <a:off x="0" y="0"/>
+          <a:ext cx="0" cy="0"/>
+          <a:chOff x="0" y="0"/>
+          <a:chExt cx="0" cy="0"/>
+        </a:xfrm>
+      </p:grpSpPr>
+      <p:sp>
+        <p:nvSpPr>
+          <p:cNvPr id="2" name="Title 1">
+            <a:extLst>
+              <a:ext uri="{FF2B5EF4-FFF2-40B4-BE49-F238E27FC236}">
+                <a16:creationId xmlns:a16="http://schemas.microsoft.com/office/drawing/2014/main" id="{83DB27CD-3AC8-B541-9011-6F31E55E48E8}"/>
+              </a:ext>
+            </a:extLst>
+          </p:cNvPr>
+          <p:cNvSpPr>
+            <a:spLocks noGrp="1"/>
+          </p:cNvSpPr>
+          <p:nvPr>
+            <p:ph type="title"/>
+          </p:nvPr>
+        </p:nvSpPr>
+        <p:spPr/>
+        <p:txBody>
+          <a:bodyPr/>
+          <a:lstStyle/>
+          <a:p>
+            <a:r>
+              <a:rPr lang="en-US"/>
+              <a:t>Click to edit Master title style</a:t>
+            </a:r>
+            <a:endParaRPr lang="en-CA"/>
+          </a:p>
+        </p:txBody>
+      </p:sp>
+      <p:sp>
+        <p:nvSpPr>
+          <p:cNvPr id="3" name="Vertical Text Placeholder 2">
+            <a:extLst>
+              <a:ext uri="{FF2B5EF4-FFF2-40B4-BE49-F238E27FC236}">
+                <a16:creationId xmlns:a16="http://schemas.microsoft.com/office/drawing/2014/main" id="{4F77CDCE-92C5-1347-B5FE-8A4C5E0CC304}"/>
+              </a:ext>
+            </a:extLst>
+          </p:cNvPr>
+          <p:cNvSpPr>
+            <a:spLocks noGrp="1"/>
+          </p:cNvSpPr>
+          <p:nvPr>
+            <p:ph type="body" orient="vert" idx="1"/>
+          </p:nvPr>
+        </p:nvSpPr>
+        <p:spPr/>
+        <p:txBody>
+          <a:bodyPr vert="eaVert"/>
+          <a:lstStyle/>
+          <a:p>
+            <a:pPr lvl="0"/>
+            <a:r>
+              <a:rPr lang="en-US"/>
+              <a:t>Click to edit Master text styles</a:t>
+            </a:r>
+          </a:p>
+          <a:p>
+            <a:pPr lvl="1"/>
+            <a:r>
+              <a:rPr lang="en-US"/>
+              <a:t>Second level</a:t>
+            </a:r>
+          </a:p>
+          <a:p>
+            <a:pPr lvl="2"/>
+            <a:r>
+              <a:rPr lang="en-US"/>
+              <a:t>Third level</a:t>
+            </a:r>
+          </a:p>
+          <a:p>
+            <a:pPr lvl="3"/>
+            <a:r>
+              <a:rPr lang="en-US"/>
+              <a:t>Fourth level</a:t>
+            </a:r>
+          </a:p>
+          <a:p>
+            <a:pPr lvl="4"/>
+            <a:r>
+              <a:rPr lang="en-US"/>
+              <a:t>Fifth level</a:t>
+            </a:r>
+            <a:endParaRPr lang="en-CA"/>
+          </a:p>
+        </p:txBody>
+      </p:sp>
+      <p:sp>
+        <p:nvSpPr>
+          <p:cNvPr id="4" name="Date Placeholder 3">
+            <a:extLst>
+              <a:ext uri="{FF2B5EF4-FFF2-40B4-BE49-F238E27FC236}">
+                <a16:creationId xmlns:a16="http://schemas.microsoft.com/office/drawing/2014/main" id="{A9C1DCFE-C56E-0749-90BF-43E91C2B5F2A}"/>
+              </a:ext>
+            </a:extLst>
+          </p:cNvPr>
+          <p:cNvSpPr>
+            <a:spLocks noGrp="1"/>
+          </p:cNvSpPr>
+          <p:nvPr>
+            <p:ph type="dt" sz="half" idx="10"/>
+          </p:nvPr>
+        </p:nvSpPr>
+        <p:spPr/>
+        <p:txBody>
+          <a:bodyPr/>
+          <a:lstStyle/>
+          <a:p>
+            <a:fld id="{DEBB6FD2-60FE-344E-91AF-0698351BC236}" type="datetimeFigureOut">
+              <a:rPr lang="en-CA" smtClean="0"/>
+              <a:t>2019-12-17</a:t>
+            </a:fld>
+            <a:endParaRPr lang="en-CA"/>
+          </a:p>
+        </p:txBody>
+      </p:sp>
+      <p:sp>
+        <p:nvSpPr>
+          <p:cNvPr id="5" name="Footer Placeholder 4">
+            <a:extLst>
+              <a:ext uri="{FF2B5EF4-FFF2-40B4-BE49-F238E27FC236}">
+                <a16:creationId xmlns:a16="http://schemas.microsoft.com/office/drawing/2014/main" id="{E483D20E-8E61-8248-8891-229814F3CDFA}"/>
+              </a:ext>
+            </a:extLst>
+          </p:cNvPr>
+          <p:cNvSpPr>
+            <a:spLocks noGrp="1"/>
+          </p:cNvSpPr>
+          <p:nvPr>
+            <p:ph type="ftr" sz="quarter" idx="11"/>
+          </p:nvPr>
+        </p:nvSpPr>
+        <p:spPr/>
+        <p:txBody>
+          <a:bodyPr/>
+          <a:lstStyle/>
+          <a:p>
+            <a:endParaRPr lang="en-CA"/>
+          </a:p>
+        </p:txBody>
+      </p:sp>
+      <p:sp>
+        <p:nvSpPr>
+          <p:cNvPr id="6" name="Slide Number Placeholder 5">
+            <a:extLst>
+              <a:ext uri="{FF2B5EF4-FFF2-40B4-BE49-F238E27FC236}">
+                <a16:creationId xmlns:a16="http://schemas.microsoft.com/office/drawing/2014/main" id="{EACB3F5D-4E65-F349-A40A-96F1A328791B}"/>
+              </a:ext>
+            </a:extLst>
+          </p:cNvPr>
+          <p:cNvSpPr>
+            <a:spLocks noGrp="1"/>
+          </p:cNvSpPr>
+          <p:nvPr>
+            <p:ph type="sldNum" sz="quarter" idx="12"/>
+          </p:nvPr>
+        </p:nvSpPr>
+        <p:spPr/>
+        <p:txBody>
+          <a:bodyPr/>
+          <a:lstStyle/>
+          <a:p>
+            <a:fld id="{40B10ABB-9049-7C45-B665-823037FC0C49}" type="slidenum">
+              <a:rPr lang="en-CA" smtClean="0"/>
+              <a:t>‹#›</a:t>
+            </a:fld>
+            <a:endParaRPr lang="en-CA"/>
+          </a:p>
+        </p:txBody>
+      </p:sp>
+    </p:spTree>
+    <p:extLst>
+      <p:ext uri="{BB962C8B-B14F-4D97-AF65-F5344CB8AC3E}">
+        <p14:creationId xmlns:p14="http://schemas.microsoft.com/office/powerpoint/2010/main" val="1433283387"/>
+      </p:ext>
+    </p:extLst>
+  </p:cSld>
+  <p:clrMapOvr>
+    <a:masterClrMapping/>
+  </p:clrMapOvr>
+</p:sldLayout>
+</file>
+
+<file path=ppt/slideLayouts/slideLayout38.xml><?xml version="1.0" encoding="utf-8"?>
+<p:sldLayout xmlns:a="http://schemas.openxmlformats.org/drawingml/2006/main" xmlns:r="http://schemas.openxmlformats.org/officeDocument/2006/relationships" xmlns:p="http://schemas.openxmlformats.org/presentationml/2006/main" type="vertTitleAndTx" preserve="1">
+  <p:cSld name="Vertical Title and Text">
+    <p:spTree>
+      <p:nvGrpSpPr>
+        <p:cNvPr id="1" name=""/>
+        <p:cNvGrpSpPr/>
+        <p:nvPr/>
+      </p:nvGrpSpPr>
+      <p:grpSpPr>
+        <a:xfrm>
+          <a:off x="0" y="0"/>
+          <a:ext cx="0" cy="0"/>
+          <a:chOff x="0" y="0"/>
+          <a:chExt cx="0" cy="0"/>
+        </a:xfrm>
+      </p:grpSpPr>
+      <p:sp>
+        <p:nvSpPr>
+          <p:cNvPr id="2" name="Vertical Title 1">
+            <a:extLst>
+              <a:ext uri="{FF2B5EF4-FFF2-40B4-BE49-F238E27FC236}">
+                <a16:creationId xmlns:a16="http://schemas.microsoft.com/office/drawing/2014/main" id="{B54CF190-EEE8-E748-8EEC-84297A3FB4B8}"/>
+              </a:ext>
+            </a:extLst>
+          </p:cNvPr>
+          <p:cNvSpPr>
+            <a:spLocks noGrp="1"/>
+          </p:cNvSpPr>
+          <p:nvPr>
+            <p:ph type="title" orient="vert"/>
+          </p:nvPr>
+        </p:nvSpPr>
+        <p:spPr>
+          <a:xfrm>
+            <a:off x="8724900" y="365125"/>
+            <a:ext cx="2628900" cy="5811838"/>
+          </a:xfrm>
+        </p:spPr>
+        <p:txBody>
+          <a:bodyPr vert="eaVert"/>
+          <a:lstStyle/>
+          <a:p>
+            <a:r>
+              <a:rPr lang="en-US"/>
+              <a:t>Click to edit Master title style</a:t>
+            </a:r>
+            <a:endParaRPr lang="en-CA"/>
+          </a:p>
+        </p:txBody>
+      </p:sp>
+      <p:sp>
+        <p:nvSpPr>
+          <p:cNvPr id="3" name="Vertical Text Placeholder 2">
+            <a:extLst>
+              <a:ext uri="{FF2B5EF4-FFF2-40B4-BE49-F238E27FC236}">
+                <a16:creationId xmlns:a16="http://schemas.microsoft.com/office/drawing/2014/main" id="{3251D186-EE97-034D-BA96-C76ABFC9015C}"/>
+              </a:ext>
+            </a:extLst>
+          </p:cNvPr>
+          <p:cNvSpPr>
+            <a:spLocks noGrp="1"/>
+          </p:cNvSpPr>
+          <p:nvPr>
+            <p:ph type="body" orient="vert" idx="1"/>
+          </p:nvPr>
+        </p:nvSpPr>
+        <p:spPr>
+          <a:xfrm>
+            <a:off x="838200" y="365125"/>
+            <a:ext cx="7734300" cy="5811838"/>
+          </a:xfrm>
+        </p:spPr>
+        <p:txBody>
+          <a:bodyPr vert="eaVert"/>
+          <a:lstStyle/>
+          <a:p>
+            <a:pPr lvl="0"/>
+            <a:r>
+              <a:rPr lang="en-US"/>
+              <a:t>Click to edit Master text styles</a:t>
+            </a:r>
+          </a:p>
+          <a:p>
+            <a:pPr lvl="1"/>
+            <a:r>
+              <a:rPr lang="en-US"/>
+              <a:t>Second level</a:t>
+            </a:r>
+          </a:p>
+          <a:p>
+            <a:pPr lvl="2"/>
+            <a:r>
+              <a:rPr lang="en-US"/>
+              <a:t>Third level</a:t>
+            </a:r>
+          </a:p>
+          <a:p>
+            <a:pPr lvl="3"/>
+            <a:r>
+              <a:rPr lang="en-US"/>
+              <a:t>Fourth level</a:t>
+            </a:r>
+          </a:p>
+          <a:p>
+            <a:pPr lvl="4"/>
+            <a:r>
+              <a:rPr lang="en-US"/>
+              <a:t>Fifth level</a:t>
+            </a:r>
+            <a:endParaRPr lang="en-CA"/>
+          </a:p>
+        </p:txBody>
+      </p:sp>
+      <p:sp>
+        <p:nvSpPr>
+          <p:cNvPr id="4" name="Date Placeholder 3">
+            <a:extLst>
+              <a:ext uri="{FF2B5EF4-FFF2-40B4-BE49-F238E27FC236}">
+                <a16:creationId xmlns:a16="http://schemas.microsoft.com/office/drawing/2014/main" id="{73FB2C32-C097-8142-A829-E14F424749B9}"/>
+              </a:ext>
+            </a:extLst>
+          </p:cNvPr>
+          <p:cNvSpPr>
+            <a:spLocks noGrp="1"/>
+          </p:cNvSpPr>
+          <p:nvPr>
+            <p:ph type="dt" sz="half" idx="10"/>
+          </p:nvPr>
+        </p:nvSpPr>
+        <p:spPr/>
+        <p:txBody>
+          <a:bodyPr/>
+          <a:lstStyle/>
+          <a:p>
+            <a:fld id="{DEBB6FD2-60FE-344E-91AF-0698351BC236}" type="datetimeFigureOut">
+              <a:rPr lang="en-CA" smtClean="0"/>
+              <a:t>2019-12-17</a:t>
+            </a:fld>
+            <a:endParaRPr lang="en-CA"/>
+          </a:p>
+        </p:txBody>
+      </p:sp>
+      <p:sp>
+        <p:nvSpPr>
+          <p:cNvPr id="5" name="Footer Placeholder 4">
+            <a:extLst>
+              <a:ext uri="{FF2B5EF4-FFF2-40B4-BE49-F238E27FC236}">
+                <a16:creationId xmlns:a16="http://schemas.microsoft.com/office/drawing/2014/main" id="{4D5BCD64-E936-BF43-ACA1-B50431463F59}"/>
+              </a:ext>
+            </a:extLst>
+          </p:cNvPr>
+          <p:cNvSpPr>
+            <a:spLocks noGrp="1"/>
+          </p:cNvSpPr>
+          <p:nvPr>
+            <p:ph type="ftr" sz="quarter" idx="11"/>
+          </p:nvPr>
+        </p:nvSpPr>
+        <p:spPr/>
+        <p:txBody>
+          <a:bodyPr/>
+          <a:lstStyle/>
+          <a:p>
+            <a:endParaRPr lang="en-CA"/>
+          </a:p>
+        </p:txBody>
+      </p:sp>
+      <p:sp>
+        <p:nvSpPr>
+          <p:cNvPr id="6" name="Slide Number Placeholder 5">
+            <a:extLst>
+              <a:ext uri="{FF2B5EF4-FFF2-40B4-BE49-F238E27FC236}">
+                <a16:creationId xmlns:a16="http://schemas.microsoft.com/office/drawing/2014/main" id="{5B15ECB1-D2E3-6B4E-A124-1091FC2ACB62}"/>
+              </a:ext>
+            </a:extLst>
+          </p:cNvPr>
+          <p:cNvSpPr>
+            <a:spLocks noGrp="1"/>
+          </p:cNvSpPr>
+          <p:nvPr>
+            <p:ph type="sldNum" sz="quarter" idx="12"/>
+          </p:nvPr>
+        </p:nvSpPr>
+        <p:spPr/>
+        <p:txBody>
+          <a:bodyPr/>
+          <a:lstStyle/>
+          <a:p>
+            <a:fld id="{40B10ABB-9049-7C45-B665-823037FC0C49}" type="slidenum">
+              <a:rPr lang="en-CA" smtClean="0"/>
+              <a:t>‹#›</a:t>
+            </a:fld>
+            <a:endParaRPr lang="en-CA"/>
+          </a:p>
+        </p:txBody>
+      </p:sp>
+    </p:spTree>
+    <p:extLst>
+      <p:ext uri="{BB962C8B-B14F-4D97-AF65-F5344CB8AC3E}">
+        <p14:creationId xmlns:p14="http://schemas.microsoft.com/office/powerpoint/2010/main" val="3067706397"/>
       </p:ext>
     </p:extLst>
   </p:cSld>
@@ -10089,7 +12745,7 @@
           <a:p>
             <a:fld id="{BC1A65E1-0B5E-40C6-B8C7-3A260322B58E}" type="datetimeFigureOut">
               <a:rPr lang="en-US" smtClean="0"/>
-              <a:t>15-12-2019</a:t>
+              <a:t>12/17/2019</a:t>
             </a:fld>
             <a:endParaRPr lang="en-US"/>
           </a:p>
@@ -10501,7 +13157,7 @@
           <a:p>
             <a:fld id="{BC1A65E1-0B5E-40C6-B8C7-3A260322B58E}" type="datetimeFigureOut">
               <a:rPr lang="en-US" smtClean="0"/>
-              <a:t>15-12-2019</a:t>
+              <a:t>12/17/2019</a:t>
             </a:fld>
             <a:endParaRPr lang="en-US"/>
           </a:p>
@@ -10642,7 +13298,7 @@
           <a:p>
             <a:fld id="{BC1A65E1-0B5E-40C6-B8C7-3A260322B58E}" type="datetimeFigureOut">
               <a:rPr lang="en-US" smtClean="0"/>
-              <a:t>15-12-2019</a:t>
+              <a:t>12/17/2019</a:t>
             </a:fld>
             <a:endParaRPr lang="en-US"/>
           </a:p>
@@ -10755,7 +13411,7 @@
           <a:p>
             <a:fld id="{BC1A65E1-0B5E-40C6-B8C7-3A260322B58E}" type="datetimeFigureOut">
               <a:rPr lang="en-US" smtClean="0"/>
-              <a:t>15-12-2019</a:t>
+              <a:t>12/17/2019</a:t>
             </a:fld>
             <a:endParaRPr lang="en-US"/>
           </a:p>
@@ -11066,7 +13722,7 @@
           <a:p>
             <a:fld id="{BC1A65E1-0B5E-40C6-B8C7-3A260322B58E}" type="datetimeFigureOut">
               <a:rPr lang="en-US" smtClean="0"/>
-              <a:t>15-12-2019</a:t>
+              <a:t>12/17/2019</a:t>
             </a:fld>
             <a:endParaRPr lang="en-US"/>
           </a:p>
@@ -11354,7 +14010,7 @@
           <a:p>
             <a:fld id="{BC1A65E1-0B5E-40C6-B8C7-3A260322B58E}" type="datetimeFigureOut">
               <a:rPr lang="en-US" smtClean="0"/>
-              <a:t>15-12-2019</a:t>
+              <a:t>12/17/2019</a:t>
             </a:fld>
             <a:endParaRPr lang="en-US"/>
           </a:p>
@@ -11595,7 +14251,7 @@
           <a:p>
             <a:fld id="{BC1A65E1-0B5E-40C6-B8C7-3A260322B58E}" type="datetimeFigureOut">
               <a:rPr lang="en-US" smtClean="0"/>
-              <a:t>15-12-2019</a:t>
+              <a:t>12/17/2019</a:t>
             </a:fld>
             <a:endParaRPr lang="en-US"/>
           </a:p>
@@ -12532,6 +15188,576 @@
 </p:sldMaster>
 </file>
 
+<file path=ppt/slideMasters/slideMaster3.xml><?xml version="1.0" encoding="utf-8"?>
+<p:sldMaster xmlns:a="http://schemas.openxmlformats.org/drawingml/2006/main" xmlns:r="http://schemas.openxmlformats.org/officeDocument/2006/relationships" xmlns:p="http://schemas.openxmlformats.org/presentationml/2006/main">
+  <p:cSld>
+    <p:bg>
+      <p:bgRef idx="1001">
+        <a:schemeClr val="bg1"/>
+      </p:bgRef>
+    </p:bg>
+    <p:spTree>
+      <p:nvGrpSpPr>
+        <p:cNvPr id="1" name=""/>
+        <p:cNvGrpSpPr/>
+        <p:nvPr/>
+      </p:nvGrpSpPr>
+      <p:grpSpPr>
+        <a:xfrm>
+          <a:off x="0" y="0"/>
+          <a:ext cx="0" cy="0"/>
+          <a:chOff x="0" y="0"/>
+          <a:chExt cx="0" cy="0"/>
+        </a:xfrm>
+      </p:grpSpPr>
+      <p:sp>
+        <p:nvSpPr>
+          <p:cNvPr id="2" name="Title Placeholder 1">
+            <a:extLst>
+              <a:ext uri="{FF2B5EF4-FFF2-40B4-BE49-F238E27FC236}">
+                <a16:creationId xmlns:a16="http://schemas.microsoft.com/office/drawing/2014/main" id="{7047A17F-9E23-184A-95BB-38D9E4C0B123}"/>
+              </a:ext>
+            </a:extLst>
+          </p:cNvPr>
+          <p:cNvSpPr>
+            <a:spLocks noGrp="1"/>
+          </p:cNvSpPr>
+          <p:nvPr>
+            <p:ph type="title"/>
+          </p:nvPr>
+        </p:nvSpPr>
+        <p:spPr>
+          <a:xfrm>
+            <a:off x="838200" y="365125"/>
+            <a:ext cx="10515600" cy="1325563"/>
+          </a:xfrm>
+          <a:prstGeom prst="rect">
+            <a:avLst/>
+          </a:prstGeom>
+        </p:spPr>
+        <p:txBody>
+          <a:bodyPr vert="horz" lIns="91440" tIns="45720" rIns="91440" bIns="45720" rtlCol="0" anchor="ctr">
+            <a:normAutofit/>
+          </a:bodyPr>
+          <a:lstStyle/>
+          <a:p>
+            <a:r>
+              <a:rPr lang="en-US"/>
+              <a:t>Click to edit Master title style</a:t>
+            </a:r>
+            <a:endParaRPr lang="en-CA"/>
+          </a:p>
+        </p:txBody>
+      </p:sp>
+      <p:sp>
+        <p:nvSpPr>
+          <p:cNvPr id="3" name="Text Placeholder 2">
+            <a:extLst>
+              <a:ext uri="{FF2B5EF4-FFF2-40B4-BE49-F238E27FC236}">
+                <a16:creationId xmlns:a16="http://schemas.microsoft.com/office/drawing/2014/main" id="{6BFF2A17-656F-2242-9A38-8CA0B3233E4E}"/>
+              </a:ext>
+            </a:extLst>
+          </p:cNvPr>
+          <p:cNvSpPr>
+            <a:spLocks noGrp="1"/>
+          </p:cNvSpPr>
+          <p:nvPr>
+            <p:ph type="body" idx="1"/>
+          </p:nvPr>
+        </p:nvSpPr>
+        <p:spPr>
+          <a:xfrm>
+            <a:off x="838200" y="1825625"/>
+            <a:ext cx="10515600" cy="4351338"/>
+          </a:xfrm>
+          <a:prstGeom prst="rect">
+            <a:avLst/>
+          </a:prstGeom>
+        </p:spPr>
+        <p:txBody>
+          <a:bodyPr vert="horz" lIns="91440" tIns="45720" rIns="91440" bIns="45720" rtlCol="0">
+            <a:normAutofit/>
+          </a:bodyPr>
+          <a:lstStyle/>
+          <a:p>
+            <a:pPr lvl="0"/>
+            <a:r>
+              <a:rPr lang="en-US"/>
+              <a:t>Click to edit Master text styles</a:t>
+            </a:r>
+          </a:p>
+          <a:p>
+            <a:pPr lvl="1"/>
+            <a:r>
+              <a:rPr lang="en-US"/>
+              <a:t>Second level</a:t>
+            </a:r>
+          </a:p>
+          <a:p>
+            <a:pPr lvl="2"/>
+            <a:r>
+              <a:rPr lang="en-US"/>
+              <a:t>Third level</a:t>
+            </a:r>
+          </a:p>
+          <a:p>
+            <a:pPr lvl="3"/>
+            <a:r>
+              <a:rPr lang="en-US"/>
+              <a:t>Fourth level</a:t>
+            </a:r>
+          </a:p>
+          <a:p>
+            <a:pPr lvl="4"/>
+            <a:r>
+              <a:rPr lang="en-US"/>
+              <a:t>Fifth level</a:t>
+            </a:r>
+            <a:endParaRPr lang="en-CA"/>
+          </a:p>
+        </p:txBody>
+      </p:sp>
+      <p:sp>
+        <p:nvSpPr>
+          <p:cNvPr id="4" name="Date Placeholder 3">
+            <a:extLst>
+              <a:ext uri="{FF2B5EF4-FFF2-40B4-BE49-F238E27FC236}">
+                <a16:creationId xmlns:a16="http://schemas.microsoft.com/office/drawing/2014/main" id="{275FAC80-F5D1-0D4B-9B2D-B035C26AB34A}"/>
+              </a:ext>
+            </a:extLst>
+          </p:cNvPr>
+          <p:cNvSpPr>
+            <a:spLocks noGrp="1"/>
+          </p:cNvSpPr>
+          <p:nvPr>
+            <p:ph type="dt" sz="half" idx="2"/>
+          </p:nvPr>
+        </p:nvSpPr>
+        <p:spPr>
+          <a:xfrm>
+            <a:off x="838200" y="6356350"/>
+            <a:ext cx="2743200" cy="365125"/>
+          </a:xfrm>
+          <a:prstGeom prst="rect">
+            <a:avLst/>
+          </a:prstGeom>
+        </p:spPr>
+        <p:txBody>
+          <a:bodyPr vert="horz" lIns="91440" tIns="45720" rIns="91440" bIns="45720" rtlCol="0" anchor="ctr"/>
+          <a:lstStyle>
+            <a:lvl1pPr algn="l">
+              <a:defRPr sz="1200">
+                <a:solidFill>
+                  <a:schemeClr val="tx1">
+                    <a:tint val="75000"/>
+                  </a:schemeClr>
+                </a:solidFill>
+              </a:defRPr>
+            </a:lvl1pPr>
+          </a:lstStyle>
+          <a:p>
+            <a:fld id="{DEBB6FD2-60FE-344E-91AF-0698351BC236}" type="datetimeFigureOut">
+              <a:rPr lang="en-CA" smtClean="0"/>
+              <a:t>2019-12-17</a:t>
+            </a:fld>
+            <a:endParaRPr lang="en-CA"/>
+          </a:p>
+        </p:txBody>
+      </p:sp>
+      <p:sp>
+        <p:nvSpPr>
+          <p:cNvPr id="5" name="Footer Placeholder 4">
+            <a:extLst>
+              <a:ext uri="{FF2B5EF4-FFF2-40B4-BE49-F238E27FC236}">
+                <a16:creationId xmlns:a16="http://schemas.microsoft.com/office/drawing/2014/main" id="{1D25F8C7-2F8D-3746-97BB-A410A21E9C83}"/>
+              </a:ext>
+            </a:extLst>
+          </p:cNvPr>
+          <p:cNvSpPr>
+            <a:spLocks noGrp="1"/>
+          </p:cNvSpPr>
+          <p:nvPr>
+            <p:ph type="ftr" sz="quarter" idx="3"/>
+          </p:nvPr>
+        </p:nvSpPr>
+        <p:spPr>
+          <a:xfrm>
+            <a:off x="4038600" y="6356350"/>
+            <a:ext cx="4114800" cy="365125"/>
+          </a:xfrm>
+          <a:prstGeom prst="rect">
+            <a:avLst/>
+          </a:prstGeom>
+        </p:spPr>
+        <p:txBody>
+          <a:bodyPr vert="horz" lIns="91440" tIns="45720" rIns="91440" bIns="45720" rtlCol="0" anchor="ctr"/>
+          <a:lstStyle>
+            <a:lvl1pPr algn="ctr">
+              <a:defRPr sz="1200">
+                <a:solidFill>
+                  <a:schemeClr val="tx1">
+                    <a:tint val="75000"/>
+                  </a:schemeClr>
+                </a:solidFill>
+              </a:defRPr>
+            </a:lvl1pPr>
+          </a:lstStyle>
+          <a:p>
+            <a:endParaRPr lang="en-CA"/>
+          </a:p>
+        </p:txBody>
+      </p:sp>
+      <p:sp>
+        <p:nvSpPr>
+          <p:cNvPr id="6" name="Slide Number Placeholder 5">
+            <a:extLst>
+              <a:ext uri="{FF2B5EF4-FFF2-40B4-BE49-F238E27FC236}">
+                <a16:creationId xmlns:a16="http://schemas.microsoft.com/office/drawing/2014/main" id="{D00CA8EA-ED91-4147-A7FC-9D86489FE1E8}"/>
+              </a:ext>
+            </a:extLst>
+          </p:cNvPr>
+          <p:cNvSpPr>
+            <a:spLocks noGrp="1"/>
+          </p:cNvSpPr>
+          <p:nvPr>
+            <p:ph type="sldNum" sz="quarter" idx="4"/>
+          </p:nvPr>
+        </p:nvSpPr>
+        <p:spPr>
+          <a:xfrm>
+            <a:off x="8610600" y="6356350"/>
+            <a:ext cx="2743200" cy="365125"/>
+          </a:xfrm>
+          <a:prstGeom prst="rect">
+            <a:avLst/>
+          </a:prstGeom>
+        </p:spPr>
+        <p:txBody>
+          <a:bodyPr vert="horz" lIns="91440" tIns="45720" rIns="91440" bIns="45720" rtlCol="0" anchor="ctr"/>
+          <a:lstStyle>
+            <a:lvl1pPr algn="r">
+              <a:defRPr sz="1200">
+                <a:solidFill>
+                  <a:schemeClr val="tx1">
+                    <a:tint val="75000"/>
+                  </a:schemeClr>
+                </a:solidFill>
+              </a:defRPr>
+            </a:lvl1pPr>
+          </a:lstStyle>
+          <a:p>
+            <a:fld id="{40B10ABB-9049-7C45-B665-823037FC0C49}" type="slidenum">
+              <a:rPr lang="en-CA" smtClean="0"/>
+              <a:t>‹#›</a:t>
+            </a:fld>
+            <a:endParaRPr lang="en-CA"/>
+          </a:p>
+        </p:txBody>
+      </p:sp>
+    </p:spTree>
+    <p:extLst>
+      <p:ext uri="{BB962C8B-B14F-4D97-AF65-F5344CB8AC3E}">
+        <p14:creationId xmlns:p14="http://schemas.microsoft.com/office/powerpoint/2010/main" val="3346729893"/>
+      </p:ext>
+    </p:extLst>
+  </p:cSld>
+  <p:clrMap bg1="lt1" tx1="dk1" bg2="lt2" tx2="dk2" accent1="accent1" accent2="accent2" accent3="accent3" accent4="accent4" accent5="accent5" accent6="accent6" hlink="hlink" folHlink="folHlink"/>
+  <p:sldLayoutIdLst>
+    <p:sldLayoutId id="2147483678" r:id="rId1"/>
+    <p:sldLayoutId id="2147483679" r:id="rId2"/>
+    <p:sldLayoutId id="2147483680" r:id="rId3"/>
+    <p:sldLayoutId id="2147483681" r:id="rId4"/>
+    <p:sldLayoutId id="2147483682" r:id="rId5"/>
+    <p:sldLayoutId id="2147483683" r:id="rId6"/>
+    <p:sldLayoutId id="2147483684" r:id="rId7"/>
+    <p:sldLayoutId id="2147483685" r:id="rId8"/>
+    <p:sldLayoutId id="2147483686" r:id="rId9"/>
+    <p:sldLayoutId id="2147483687" r:id="rId10"/>
+    <p:sldLayoutId id="2147483688" r:id="rId11"/>
+  </p:sldLayoutIdLst>
+  <p:txStyles>
+    <p:titleStyle>
+      <a:lvl1pPr algn="l" defTabSz="914400" rtl="0" eaLnBrk="1" latinLnBrk="0" hangingPunct="1">
+        <a:lnSpc>
+          <a:spcPct val="90000"/>
+        </a:lnSpc>
+        <a:spcBef>
+          <a:spcPct val="0"/>
+        </a:spcBef>
+        <a:buNone/>
+        <a:defRPr sz="4400" kern="1200">
+          <a:solidFill>
+            <a:schemeClr val="tx1"/>
+          </a:solidFill>
+          <a:latin typeface="+mj-lt"/>
+          <a:ea typeface="+mj-ea"/>
+          <a:cs typeface="+mj-cs"/>
+        </a:defRPr>
+      </a:lvl1pPr>
+    </p:titleStyle>
+    <p:bodyStyle>
+      <a:lvl1pPr marL="228600" indent="-228600" algn="l" defTabSz="914400" rtl="0" eaLnBrk="1" latinLnBrk="0" hangingPunct="1">
+        <a:lnSpc>
+          <a:spcPct val="90000"/>
+        </a:lnSpc>
+        <a:spcBef>
+          <a:spcPts val="1000"/>
+        </a:spcBef>
+        <a:buFont typeface="Arial" panose="020B0604020202020204" pitchFamily="34" charset="0"/>
+        <a:buChar char="•"/>
+        <a:defRPr sz="2800" kern="1200">
+          <a:solidFill>
+            <a:schemeClr val="tx1"/>
+          </a:solidFill>
+          <a:latin typeface="+mn-lt"/>
+          <a:ea typeface="+mn-ea"/>
+          <a:cs typeface="+mn-cs"/>
+        </a:defRPr>
+      </a:lvl1pPr>
+      <a:lvl2pPr marL="685800" indent="-228600" algn="l" defTabSz="914400" rtl="0" eaLnBrk="1" latinLnBrk="0" hangingPunct="1">
+        <a:lnSpc>
+          <a:spcPct val="90000"/>
+        </a:lnSpc>
+        <a:spcBef>
+          <a:spcPts val="500"/>
+        </a:spcBef>
+        <a:buFont typeface="Arial" panose="020B0604020202020204" pitchFamily="34" charset="0"/>
+        <a:buChar char="•"/>
+        <a:defRPr sz="2400" kern="1200">
+          <a:solidFill>
+            <a:schemeClr val="tx1"/>
+          </a:solidFill>
+          <a:latin typeface="+mn-lt"/>
+          <a:ea typeface="+mn-ea"/>
+          <a:cs typeface="+mn-cs"/>
+        </a:defRPr>
+      </a:lvl2pPr>
+      <a:lvl3pPr marL="1143000" indent="-228600" algn="l" defTabSz="914400" rtl="0" eaLnBrk="1" latinLnBrk="0" hangingPunct="1">
+        <a:lnSpc>
+          <a:spcPct val="90000"/>
+        </a:lnSpc>
+        <a:spcBef>
+          <a:spcPts val="500"/>
+        </a:spcBef>
+        <a:buFont typeface="Arial" panose="020B0604020202020204" pitchFamily="34" charset="0"/>
+        <a:buChar char="•"/>
+        <a:defRPr sz="2000" kern="1200">
+          <a:solidFill>
+            <a:schemeClr val="tx1"/>
+          </a:solidFill>
+          <a:latin typeface="+mn-lt"/>
+          <a:ea typeface="+mn-ea"/>
+          <a:cs typeface="+mn-cs"/>
+        </a:defRPr>
+      </a:lvl3pPr>
+      <a:lvl4pPr marL="1600200" indent="-228600" algn="l" defTabSz="914400" rtl="0" eaLnBrk="1" latinLnBrk="0" hangingPunct="1">
+        <a:lnSpc>
+          <a:spcPct val="90000"/>
+        </a:lnSpc>
+        <a:spcBef>
+          <a:spcPts val="500"/>
+        </a:spcBef>
+        <a:buFont typeface="Arial" panose="020B0604020202020204" pitchFamily="34" charset="0"/>
+        <a:buChar char="•"/>
+        <a:defRPr sz="1800" kern="1200">
+          <a:solidFill>
+            <a:schemeClr val="tx1"/>
+          </a:solidFill>
+          <a:latin typeface="+mn-lt"/>
+          <a:ea typeface="+mn-ea"/>
+          <a:cs typeface="+mn-cs"/>
+        </a:defRPr>
+      </a:lvl4pPr>
+      <a:lvl5pPr marL="2057400" indent="-228600" algn="l" defTabSz="914400" rtl="0" eaLnBrk="1" latinLnBrk="0" hangingPunct="1">
+        <a:lnSpc>
+          <a:spcPct val="90000"/>
+        </a:lnSpc>
+        <a:spcBef>
+          <a:spcPts val="500"/>
+        </a:spcBef>
+        <a:buFont typeface="Arial" panose="020B0604020202020204" pitchFamily="34" charset="0"/>
+        <a:buChar char="•"/>
+        <a:defRPr sz="1800" kern="1200">
+          <a:solidFill>
+            <a:schemeClr val="tx1"/>
+          </a:solidFill>
+          <a:latin typeface="+mn-lt"/>
+          <a:ea typeface="+mn-ea"/>
+          <a:cs typeface="+mn-cs"/>
+        </a:defRPr>
+      </a:lvl5pPr>
+      <a:lvl6pPr marL="2514600" indent="-228600" algn="l" defTabSz="914400" rtl="0" eaLnBrk="1" latinLnBrk="0" hangingPunct="1">
+        <a:lnSpc>
+          <a:spcPct val="90000"/>
+        </a:lnSpc>
+        <a:spcBef>
+          <a:spcPts val="500"/>
+        </a:spcBef>
+        <a:buFont typeface="Arial" panose="020B0604020202020204" pitchFamily="34" charset="0"/>
+        <a:buChar char="•"/>
+        <a:defRPr sz="1800" kern="1200">
+          <a:solidFill>
+            <a:schemeClr val="tx1"/>
+          </a:solidFill>
+          <a:latin typeface="+mn-lt"/>
+          <a:ea typeface="+mn-ea"/>
+          <a:cs typeface="+mn-cs"/>
+        </a:defRPr>
+      </a:lvl6pPr>
+      <a:lvl7pPr marL="2971800" indent="-228600" algn="l" defTabSz="914400" rtl="0" eaLnBrk="1" latinLnBrk="0" hangingPunct="1">
+        <a:lnSpc>
+          <a:spcPct val="90000"/>
+        </a:lnSpc>
+        <a:spcBef>
+          <a:spcPts val="500"/>
+        </a:spcBef>
+        <a:buFont typeface="Arial" panose="020B0604020202020204" pitchFamily="34" charset="0"/>
+        <a:buChar char="•"/>
+        <a:defRPr sz="1800" kern="1200">
+          <a:solidFill>
+            <a:schemeClr val="tx1"/>
+          </a:solidFill>
+          <a:latin typeface="+mn-lt"/>
+          <a:ea typeface="+mn-ea"/>
+          <a:cs typeface="+mn-cs"/>
+        </a:defRPr>
+      </a:lvl7pPr>
+      <a:lvl8pPr marL="3429000" indent="-228600" algn="l" defTabSz="914400" rtl="0" eaLnBrk="1" latinLnBrk="0" hangingPunct="1">
+        <a:lnSpc>
+          <a:spcPct val="90000"/>
+        </a:lnSpc>
+        <a:spcBef>
+          <a:spcPts val="500"/>
+        </a:spcBef>
+        <a:buFont typeface="Arial" panose="020B0604020202020204" pitchFamily="34" charset="0"/>
+        <a:buChar char="•"/>
+        <a:defRPr sz="1800" kern="1200">
+          <a:solidFill>
+            <a:schemeClr val="tx1"/>
+          </a:solidFill>
+          <a:latin typeface="+mn-lt"/>
+          <a:ea typeface="+mn-ea"/>
+          <a:cs typeface="+mn-cs"/>
+        </a:defRPr>
+      </a:lvl8pPr>
+      <a:lvl9pPr marL="3886200" indent="-228600" algn="l" defTabSz="914400" rtl="0" eaLnBrk="1" latinLnBrk="0" hangingPunct="1">
+        <a:lnSpc>
+          <a:spcPct val="90000"/>
+        </a:lnSpc>
+        <a:spcBef>
+          <a:spcPts val="500"/>
+        </a:spcBef>
+        <a:buFont typeface="Arial" panose="020B0604020202020204" pitchFamily="34" charset="0"/>
+        <a:buChar char="•"/>
+        <a:defRPr sz="1800" kern="1200">
+          <a:solidFill>
+            <a:schemeClr val="tx1"/>
+          </a:solidFill>
+          <a:latin typeface="+mn-lt"/>
+          <a:ea typeface="+mn-ea"/>
+          <a:cs typeface="+mn-cs"/>
+        </a:defRPr>
+      </a:lvl9pPr>
+    </p:bodyStyle>
+    <p:otherStyle>
+      <a:defPPr>
+        <a:defRPr lang="en-US"/>
+      </a:defPPr>
+      <a:lvl1pPr marL="0" algn="l" defTabSz="914400" rtl="0" eaLnBrk="1" latinLnBrk="0" hangingPunct="1">
+        <a:defRPr sz="1800" kern="1200">
+          <a:solidFill>
+            <a:schemeClr val="tx1"/>
+          </a:solidFill>
+          <a:latin typeface="+mn-lt"/>
+          <a:ea typeface="+mn-ea"/>
+          <a:cs typeface="+mn-cs"/>
+        </a:defRPr>
+      </a:lvl1pPr>
+      <a:lvl2pPr marL="457200" algn="l" defTabSz="914400" rtl="0" eaLnBrk="1" latinLnBrk="0" hangingPunct="1">
+        <a:defRPr sz="1800" kern="1200">
+          <a:solidFill>
+            <a:schemeClr val="tx1"/>
+          </a:solidFill>
+          <a:latin typeface="+mn-lt"/>
+          <a:ea typeface="+mn-ea"/>
+          <a:cs typeface="+mn-cs"/>
+        </a:defRPr>
+      </a:lvl2pPr>
+      <a:lvl3pPr marL="914400" algn="l" defTabSz="914400" rtl="0" eaLnBrk="1" latinLnBrk="0" hangingPunct="1">
+        <a:defRPr sz="1800" kern="1200">
+          <a:solidFill>
+            <a:schemeClr val="tx1"/>
+          </a:solidFill>
+          <a:latin typeface="+mn-lt"/>
+          <a:ea typeface="+mn-ea"/>
+          <a:cs typeface="+mn-cs"/>
+        </a:defRPr>
+      </a:lvl3pPr>
+      <a:lvl4pPr marL="1371600" algn="l" defTabSz="914400" rtl="0" eaLnBrk="1" latinLnBrk="0" hangingPunct="1">
+        <a:defRPr sz="1800" kern="1200">
+          <a:solidFill>
+            <a:schemeClr val="tx1"/>
+          </a:solidFill>
+          <a:latin typeface="+mn-lt"/>
+          <a:ea typeface="+mn-ea"/>
+          <a:cs typeface="+mn-cs"/>
+        </a:defRPr>
+      </a:lvl4pPr>
+      <a:lvl5pPr marL="1828800" algn="l" defTabSz="914400" rtl="0" eaLnBrk="1" latinLnBrk="0" hangingPunct="1">
+        <a:defRPr sz="1800" kern="1200">
+          <a:solidFill>
+            <a:schemeClr val="tx1"/>
+          </a:solidFill>
+          <a:latin typeface="+mn-lt"/>
+          <a:ea typeface="+mn-ea"/>
+          <a:cs typeface="+mn-cs"/>
+        </a:defRPr>
+      </a:lvl5pPr>
+      <a:lvl6pPr marL="2286000" algn="l" defTabSz="914400" rtl="0" eaLnBrk="1" latinLnBrk="0" hangingPunct="1">
+        <a:defRPr sz="1800" kern="1200">
+          <a:solidFill>
+            <a:schemeClr val="tx1"/>
+          </a:solidFill>
+          <a:latin typeface="+mn-lt"/>
+          <a:ea typeface="+mn-ea"/>
+          <a:cs typeface="+mn-cs"/>
+        </a:defRPr>
+      </a:lvl6pPr>
+      <a:lvl7pPr marL="2743200" algn="l" defTabSz="914400" rtl="0" eaLnBrk="1" latinLnBrk="0" hangingPunct="1">
+        <a:defRPr sz="1800" kern="1200">
+          <a:solidFill>
+            <a:schemeClr val="tx1"/>
+          </a:solidFill>
+          <a:latin typeface="+mn-lt"/>
+          <a:ea typeface="+mn-ea"/>
+          <a:cs typeface="+mn-cs"/>
+        </a:defRPr>
+      </a:lvl7pPr>
+      <a:lvl8pPr marL="3200400" algn="l" defTabSz="914400" rtl="0" eaLnBrk="1" latinLnBrk="0" hangingPunct="1">
+        <a:defRPr sz="1800" kern="1200">
+          <a:solidFill>
+            <a:schemeClr val="tx1"/>
+          </a:solidFill>
+          <a:latin typeface="+mn-lt"/>
+          <a:ea typeface="+mn-ea"/>
+          <a:cs typeface="+mn-cs"/>
+        </a:defRPr>
+      </a:lvl8pPr>
+      <a:lvl9pPr marL="3657600" algn="l" defTabSz="914400" rtl="0" eaLnBrk="1" latinLnBrk="0" hangingPunct="1">
+        <a:defRPr sz="1800" kern="1200">
+          <a:solidFill>
+            <a:schemeClr val="tx1"/>
+          </a:solidFill>
+          <a:latin typeface="+mn-lt"/>
+          <a:ea typeface="+mn-ea"/>
+          <a:cs typeface="+mn-cs"/>
+        </a:defRPr>
+      </a:lvl9pPr>
+    </p:otherStyle>
+  </p:txStyles>
+</p:sldMaster>
+</file>
+
 <file path=ppt/slides/slide1.xml><?xml version="1.0" encoding="utf-8"?>
 <p:sld xmlns:a="http://schemas.openxmlformats.org/drawingml/2006/main" xmlns:r="http://schemas.openxmlformats.org/officeDocument/2006/relationships" xmlns:p="http://schemas.openxmlformats.org/presentationml/2006/main">
   <p:cSld>
@@ -12620,6 +15846,126 @@
           <p:cNvPr id="2" name="Picture 1">
             <a:extLst>
               <a:ext uri="{FF2B5EF4-FFF2-40B4-BE49-F238E27FC236}">
+                <a16:creationId xmlns:a16="http://schemas.microsoft.com/office/drawing/2014/main" id="{FE898BED-CE7E-428D-B5D5-016500288809}"/>
+              </a:ext>
+            </a:extLst>
+          </p:cNvPr>
+          <p:cNvPicPr>
+            <a:picLocks noChangeAspect="1"/>
+          </p:cNvPicPr>
+          <p:nvPr/>
+        </p:nvPicPr>
+        <p:blipFill>
+          <a:blip r:embed="rId2"/>
+          <a:stretch>
+            <a:fillRect/>
+          </a:stretch>
+        </p:blipFill>
+        <p:spPr>
+          <a:xfrm>
+            <a:off x="936654" y="-1"/>
+            <a:ext cx="10318692" cy="6858002"/>
+          </a:xfrm>
+          <a:prstGeom prst="rect">
+            <a:avLst/>
+          </a:prstGeom>
+        </p:spPr>
+      </p:pic>
+    </p:spTree>
+    <p:extLst>
+      <p:ext uri="{BB962C8B-B14F-4D97-AF65-F5344CB8AC3E}">
+        <p14:creationId xmlns:p14="http://schemas.microsoft.com/office/powerpoint/2010/main" val="1664749927"/>
+      </p:ext>
+    </p:extLst>
+  </p:cSld>
+  <p:clrMapOvr>
+    <a:masterClrMapping/>
+  </p:clrMapOvr>
+</p:sld>
+</file>
+
+<file path=ppt/slides/slide11.xml><?xml version="1.0" encoding="utf-8"?>
+<p:sld xmlns:a="http://schemas.openxmlformats.org/drawingml/2006/main" xmlns:r="http://schemas.openxmlformats.org/officeDocument/2006/relationships" xmlns:p="http://schemas.openxmlformats.org/presentationml/2006/main">
+  <p:cSld>
+    <p:spTree>
+      <p:nvGrpSpPr>
+        <p:cNvPr id="1" name=""/>
+        <p:cNvGrpSpPr/>
+        <p:nvPr/>
+      </p:nvGrpSpPr>
+      <p:grpSpPr>
+        <a:xfrm>
+          <a:off x="0" y="0"/>
+          <a:ext cx="0" cy="0"/>
+          <a:chOff x="0" y="0"/>
+          <a:chExt cx="0" cy="0"/>
+        </a:xfrm>
+      </p:grpSpPr>
+      <p:pic>
+        <p:nvPicPr>
+          <p:cNvPr id="2" name="Picture 1">
+            <a:extLst>
+              <a:ext uri="{FF2B5EF4-FFF2-40B4-BE49-F238E27FC236}">
+                <a16:creationId xmlns:a16="http://schemas.microsoft.com/office/drawing/2014/main" id="{754B4131-3045-4B27-B166-78DF89DCEF37}"/>
+              </a:ext>
+            </a:extLst>
+          </p:cNvPr>
+          <p:cNvPicPr>
+            <a:picLocks noChangeAspect="1"/>
+          </p:cNvPicPr>
+          <p:nvPr/>
+        </p:nvPicPr>
+        <p:blipFill>
+          <a:blip r:embed="rId2"/>
+          <a:stretch>
+            <a:fillRect/>
+          </a:stretch>
+        </p:blipFill>
+        <p:spPr>
+          <a:xfrm>
+            <a:off x="1947862" y="323850"/>
+            <a:ext cx="8296275" cy="6210300"/>
+          </a:xfrm>
+          <a:prstGeom prst="rect">
+            <a:avLst/>
+          </a:prstGeom>
+        </p:spPr>
+      </p:pic>
+    </p:spTree>
+    <p:extLst>
+      <p:ext uri="{BB962C8B-B14F-4D97-AF65-F5344CB8AC3E}">
+        <p14:creationId xmlns:p14="http://schemas.microsoft.com/office/powerpoint/2010/main" val="1857644472"/>
+      </p:ext>
+    </p:extLst>
+  </p:cSld>
+  <p:clrMapOvr>
+    <a:masterClrMapping/>
+  </p:clrMapOvr>
+</p:sld>
+</file>
+
+<file path=ppt/slides/slide12.xml><?xml version="1.0" encoding="utf-8"?>
+<p:sld xmlns:a="http://schemas.openxmlformats.org/drawingml/2006/main" xmlns:r="http://schemas.openxmlformats.org/officeDocument/2006/relationships" xmlns:p="http://schemas.openxmlformats.org/presentationml/2006/main">
+  <p:cSld>
+    <p:spTree>
+      <p:nvGrpSpPr>
+        <p:cNvPr id="1" name=""/>
+        <p:cNvGrpSpPr/>
+        <p:nvPr/>
+      </p:nvGrpSpPr>
+      <p:grpSpPr>
+        <a:xfrm>
+          <a:off x="0" y="0"/>
+          <a:ext cx="0" cy="0"/>
+          <a:chOff x="0" y="0"/>
+          <a:chExt cx="0" cy="0"/>
+        </a:xfrm>
+      </p:grpSpPr>
+      <p:pic>
+        <p:nvPicPr>
+          <p:cNvPr id="2" name="Picture 1">
+            <a:extLst>
+              <a:ext uri="{FF2B5EF4-FFF2-40B4-BE49-F238E27FC236}">
                 <a16:creationId xmlns:a16="http://schemas.microsoft.com/office/drawing/2014/main" id="{201420B1-5315-44DE-B50A-A113A1BFD28B}"/>
               </a:ext>
             </a:extLst>
@@ -12659,6 +16005,2274 @@
 </file>
 
 <file path=ppt/slides/slide2.xml><?xml version="1.0" encoding="utf-8"?>
+<p:sld xmlns:a="http://schemas.openxmlformats.org/drawingml/2006/main" xmlns:r="http://schemas.openxmlformats.org/officeDocument/2006/relationships" xmlns:p="http://schemas.openxmlformats.org/presentationml/2006/main">
+  <p:cSld>
+    <p:bg>
+      <p:bgPr>
+        <a:solidFill>
+          <a:schemeClr val="bg1"/>
+        </a:solidFill>
+        <a:effectLst/>
+      </p:bgPr>
+    </p:bg>
+    <p:spTree>
+      <p:nvGrpSpPr>
+        <p:cNvPr id="1" name=""/>
+        <p:cNvGrpSpPr/>
+        <p:nvPr/>
+      </p:nvGrpSpPr>
+      <p:grpSpPr>
+        <a:xfrm>
+          <a:off x="0" y="0"/>
+          <a:ext cx="0" cy="0"/>
+          <a:chOff x="0" y="0"/>
+          <a:chExt cx="0" cy="0"/>
+        </a:xfrm>
+      </p:grpSpPr>
+      <p:sp>
+        <p:nvSpPr>
+          <p:cNvPr id="13" name="Freeform: Shape 9">
+            <a:extLst>
+              <a:ext uri="{FF2B5EF4-FFF2-40B4-BE49-F238E27FC236}">
+                <a16:creationId xmlns:a16="http://schemas.microsoft.com/office/drawing/2014/main" id="{F60FCA6E-0894-46CD-BD49-5955A51E0084}"/>
+              </a:ext>
+              <a:ext uri="{C183D7F6-B498-43B3-948B-1728B52AA6E4}">
+                <adec:decorative xmlns="" xmlns:adec="http://schemas.microsoft.com/office/drawing/2017/decorative" val="1"/>
+              </a:ext>
+            </a:extLst>
+          </p:cNvPr>
+          <p:cNvSpPr>
+            <a:spLocks noGrp="1" noRot="1" noChangeAspect="1" noMove="1" noResize="1" noEditPoints="1" noAdjustHandles="1" noChangeArrowheads="1" noChangeShapeType="1" noTextEdit="1"/>
+          </p:cNvSpPr>
+          <p:nvPr>
+            <p:extLst>
+              <p:ext uri="{386F3935-93C4-4BCD-93E2-E3B085C9AB24}">
+                <p16:designElem xmlns:p16="http://schemas.microsoft.com/office/powerpoint/2015/main" val="1"/>
+              </p:ext>
+            </p:extLst>
+          </p:nvPr>
+        </p:nvSpPr>
+        <p:spPr>
+          <a:xfrm>
+            <a:off x="6831955" y="5346696"/>
+            <a:ext cx="5360045" cy="1511304"/>
+          </a:xfrm>
+          <a:custGeom>
+            <a:avLst/>
+            <a:gdLst>
+              <a:gd name="connsiteX0" fmla="*/ 4545473 w 5360045"/>
+              <a:gd name="connsiteY0" fmla="*/ 0 h 1511304"/>
+              <a:gd name="connsiteX1" fmla="*/ 5360045 w 5360045"/>
+              <a:gd name="connsiteY1" fmla="*/ 0 h 1511304"/>
+              <a:gd name="connsiteX2" fmla="*/ 5360045 w 5360045"/>
+              <a:gd name="connsiteY2" fmla="*/ 1046730 h 1511304"/>
+              <a:gd name="connsiteX3" fmla="*/ 5360045 w 5360045"/>
+              <a:gd name="connsiteY3" fmla="*/ 1508760 h 1511304"/>
+              <a:gd name="connsiteX4" fmla="*/ 5360045 w 5360045"/>
+              <a:gd name="connsiteY4" fmla="*/ 1511304 h 1511304"/>
+              <a:gd name="connsiteX5" fmla="*/ 4545474 w 5360045"/>
+              <a:gd name="connsiteY5" fmla="*/ 1511304 h 1511304"/>
+              <a:gd name="connsiteX6" fmla="*/ 2525897 w 5360045"/>
+              <a:gd name="connsiteY6" fmla="*/ 1511304 h 1511304"/>
+              <a:gd name="connsiteX7" fmla="*/ 0 w 5360045"/>
+              <a:gd name="connsiteY7" fmla="*/ 1511304 h 1511304"/>
+              <a:gd name="connsiteX8" fmla="*/ 697617 w 5360045"/>
+              <a:gd name="connsiteY8" fmla="*/ 3 h 1511304"/>
+              <a:gd name="connsiteX9" fmla="*/ 4545473 w 5360045"/>
+              <a:gd name="connsiteY9" fmla="*/ 3 h 1511304"/>
+            </a:gdLst>
+            <a:ahLst/>
+            <a:cxnLst>
+              <a:cxn ang="0">
+                <a:pos x="connsiteX0" y="connsiteY0"/>
+              </a:cxn>
+              <a:cxn ang="0">
+                <a:pos x="connsiteX1" y="connsiteY1"/>
+              </a:cxn>
+              <a:cxn ang="0">
+                <a:pos x="connsiteX2" y="connsiteY2"/>
+              </a:cxn>
+              <a:cxn ang="0">
+                <a:pos x="connsiteX3" y="connsiteY3"/>
+              </a:cxn>
+              <a:cxn ang="0">
+                <a:pos x="connsiteX4" y="connsiteY4"/>
+              </a:cxn>
+              <a:cxn ang="0">
+                <a:pos x="connsiteX5" y="connsiteY5"/>
+              </a:cxn>
+              <a:cxn ang="0">
+                <a:pos x="connsiteX6" y="connsiteY6"/>
+              </a:cxn>
+              <a:cxn ang="0">
+                <a:pos x="connsiteX7" y="connsiteY7"/>
+              </a:cxn>
+              <a:cxn ang="0">
+                <a:pos x="connsiteX8" y="connsiteY8"/>
+              </a:cxn>
+              <a:cxn ang="0">
+                <a:pos x="connsiteX9" y="connsiteY9"/>
+              </a:cxn>
+            </a:cxnLst>
+            <a:rect l="l" t="t" r="r" b="b"/>
+            <a:pathLst>
+              <a:path w="5360045" h="1511304">
+                <a:moveTo>
+                  <a:pt x="4545473" y="0"/>
+                </a:moveTo>
+                <a:lnTo>
+                  <a:pt x="5360045" y="0"/>
+                </a:lnTo>
+                <a:lnTo>
+                  <a:pt x="5360045" y="1046730"/>
+                </a:lnTo>
+                <a:lnTo>
+                  <a:pt x="5360045" y="1508760"/>
+                </a:lnTo>
+                <a:lnTo>
+                  <a:pt x="5360045" y="1511304"/>
+                </a:lnTo>
+                <a:lnTo>
+                  <a:pt x="4545474" y="1511304"/>
+                </a:lnTo>
+                <a:lnTo>
+                  <a:pt x="2525897" y="1511304"/>
+                </a:lnTo>
+                <a:lnTo>
+                  <a:pt x="0" y="1511304"/>
+                </a:lnTo>
+                <a:lnTo>
+                  <a:pt x="697617" y="3"/>
+                </a:lnTo>
+                <a:lnTo>
+                  <a:pt x="4545473" y="3"/>
+                </a:lnTo>
+                <a:close/>
+              </a:path>
+            </a:pathLst>
+          </a:custGeom>
+          <a:solidFill>
+            <a:srgbClr val="404040">
+              <a:alpha val="84706"/>
+            </a:srgbClr>
+          </a:solidFill>
+          <a:ln>
+            <a:noFill/>
+          </a:ln>
+        </p:spPr>
+        <p:style>
+          <a:lnRef idx="2">
+            <a:schemeClr val="accent1">
+              <a:shade val="50000"/>
+            </a:schemeClr>
+          </a:lnRef>
+          <a:fillRef idx="1">
+            <a:schemeClr val="accent1"/>
+          </a:fillRef>
+          <a:effectRef idx="0">
+            <a:schemeClr val="accent1"/>
+          </a:effectRef>
+          <a:fontRef idx="minor">
+            <a:schemeClr val="lt1"/>
+          </a:fontRef>
+        </p:style>
+        <p:txBody>
+          <a:bodyPr wrap="square" rtlCol="0" anchor="ctr">
+            <a:noAutofit/>
+          </a:bodyPr>
+          <a:lstStyle/>
+          <a:p>
+            <a:pPr marL="0" marR="0" lvl="0" indent="0" algn="ctr" defTabSz="914400" rtl="0" eaLnBrk="1" fontAlgn="auto" latinLnBrk="0" hangingPunct="1">
+              <a:lnSpc>
+                <a:spcPct val="100000"/>
+              </a:lnSpc>
+              <a:spcBef>
+                <a:spcPts val="0"/>
+              </a:spcBef>
+              <a:spcAft>
+                <a:spcPts val="0"/>
+              </a:spcAft>
+              <a:buClrTx/>
+              <a:buSzTx/>
+              <a:buFontTx/>
+              <a:buNone/>
+              <a:tabLst/>
+              <a:defRPr/>
+            </a:pPr>
+            <a:endParaRPr kumimoji="0" lang="en-US" sz="1800" b="0" i="0" u="none" strike="noStrike" kern="1200" cap="none" spc="0" normalizeH="0" baseline="0" noProof="0">
+              <a:ln>
+                <a:noFill/>
+              </a:ln>
+              <a:solidFill>
+                <a:prstClr val="white"/>
+              </a:solidFill>
+              <a:effectLst/>
+              <a:uLnTx/>
+              <a:uFillTx/>
+              <a:latin typeface="Calibri" panose="020F0502020204030204"/>
+              <a:ea typeface="+mn-ea"/>
+              <a:cs typeface="+mn-cs"/>
+            </a:endParaRPr>
+          </a:p>
+        </p:txBody>
+      </p:sp>
+      <p:sp>
+        <p:nvSpPr>
+          <p:cNvPr id="12" name="Freeform: Shape 11">
+            <a:extLst>
+              <a:ext uri="{FF2B5EF4-FFF2-40B4-BE49-F238E27FC236}">
+                <a16:creationId xmlns:a16="http://schemas.microsoft.com/office/drawing/2014/main" id="{E78C6E4B-A1F1-4B6C-97EC-BE997495D6AC}"/>
+              </a:ext>
+              <a:ext uri="{C183D7F6-B498-43B3-948B-1728B52AA6E4}">
+                <adec:decorative xmlns="" xmlns:adec="http://schemas.microsoft.com/office/drawing/2017/decorative" val="1"/>
+              </a:ext>
+            </a:extLst>
+          </p:cNvPr>
+          <p:cNvSpPr>
+            <a:spLocks noGrp="1" noRot="1" noChangeAspect="1" noMove="1" noResize="1" noEditPoints="1" noAdjustHandles="1" noChangeArrowheads="1" noChangeShapeType="1" noTextEdit="1"/>
+          </p:cNvSpPr>
+          <p:nvPr>
+            <p:extLst>
+              <p:ext uri="{386F3935-93C4-4BCD-93E2-E3B085C9AB24}">
+                <p16:designElem xmlns:p16="http://schemas.microsoft.com/office/powerpoint/2015/main" val="1"/>
+              </p:ext>
+            </p:extLst>
+          </p:nvPr>
+        </p:nvSpPr>
+        <p:spPr>
+          <a:xfrm>
+            <a:off x="0" y="5346694"/>
+            <a:ext cx="7346605" cy="1511306"/>
+          </a:xfrm>
+          <a:custGeom>
+            <a:avLst/>
+            <a:gdLst>
+              <a:gd name="connsiteX0" fmla="*/ 0 w 7346605"/>
+              <a:gd name="connsiteY0" fmla="*/ 0 h 1511306"/>
+              <a:gd name="connsiteX1" fmla="*/ 239486 w 7346605"/>
+              <a:gd name="connsiteY1" fmla="*/ 0 h 1511306"/>
+              <a:gd name="connsiteX2" fmla="*/ 1209568 w 7346605"/>
+              <a:gd name="connsiteY2" fmla="*/ 0 h 1511306"/>
+              <a:gd name="connsiteX3" fmla="*/ 2405743 w 7346605"/>
+              <a:gd name="connsiteY3" fmla="*/ 0 h 1511306"/>
+              <a:gd name="connsiteX4" fmla="*/ 2405743 w 7346605"/>
+              <a:gd name="connsiteY4" fmla="*/ 2544 h 1511306"/>
+              <a:gd name="connsiteX5" fmla="*/ 2801131 w 7346605"/>
+              <a:gd name="connsiteY5" fmla="*/ 2544 h 1511306"/>
+              <a:gd name="connsiteX6" fmla="*/ 2801131 w 7346605"/>
+              <a:gd name="connsiteY6" fmla="*/ 0 h 1511306"/>
+              <a:gd name="connsiteX7" fmla="*/ 7346605 w 7346605"/>
+              <a:gd name="connsiteY7" fmla="*/ 0 h 1511306"/>
+              <a:gd name="connsiteX8" fmla="*/ 6648988 w 7346605"/>
+              <a:gd name="connsiteY8" fmla="*/ 1511301 h 1511306"/>
+              <a:gd name="connsiteX9" fmla="*/ 2801132 w 7346605"/>
+              <a:gd name="connsiteY9" fmla="*/ 1511301 h 1511306"/>
+              <a:gd name="connsiteX10" fmla="*/ 2801132 w 7346605"/>
+              <a:gd name="connsiteY10" fmla="*/ 1511304 h 1511306"/>
+              <a:gd name="connsiteX11" fmla="*/ 2405743 w 7346605"/>
+              <a:gd name="connsiteY11" fmla="*/ 1511304 h 1511306"/>
+              <a:gd name="connsiteX12" fmla="*/ 2405743 w 7346605"/>
+              <a:gd name="connsiteY12" fmla="*/ 1511306 h 1511306"/>
+              <a:gd name="connsiteX13" fmla="*/ 1333411 w 7346605"/>
+              <a:gd name="connsiteY13" fmla="*/ 1511306 h 1511306"/>
+              <a:gd name="connsiteX14" fmla="*/ 1219208 w 7346605"/>
+              <a:gd name="connsiteY14" fmla="*/ 1511306 h 1511306"/>
+              <a:gd name="connsiteX15" fmla="*/ 1209568 w 7346605"/>
+              <a:gd name="connsiteY15" fmla="*/ 1511306 h 1511306"/>
+              <a:gd name="connsiteX16" fmla="*/ 239486 w 7346605"/>
+              <a:gd name="connsiteY16" fmla="*/ 1511306 h 1511306"/>
+              <a:gd name="connsiteX17" fmla="*/ 0 w 7346605"/>
+              <a:gd name="connsiteY17" fmla="*/ 1511306 h 1511306"/>
+            </a:gdLst>
+            <a:ahLst/>
+            <a:cxnLst>
+              <a:cxn ang="0">
+                <a:pos x="connsiteX0" y="connsiteY0"/>
+              </a:cxn>
+              <a:cxn ang="0">
+                <a:pos x="connsiteX1" y="connsiteY1"/>
+              </a:cxn>
+              <a:cxn ang="0">
+                <a:pos x="connsiteX2" y="connsiteY2"/>
+              </a:cxn>
+              <a:cxn ang="0">
+                <a:pos x="connsiteX3" y="connsiteY3"/>
+              </a:cxn>
+              <a:cxn ang="0">
+                <a:pos x="connsiteX4" y="connsiteY4"/>
+              </a:cxn>
+              <a:cxn ang="0">
+                <a:pos x="connsiteX5" y="connsiteY5"/>
+              </a:cxn>
+              <a:cxn ang="0">
+                <a:pos x="connsiteX6" y="connsiteY6"/>
+              </a:cxn>
+              <a:cxn ang="0">
+                <a:pos x="connsiteX7" y="connsiteY7"/>
+              </a:cxn>
+              <a:cxn ang="0">
+                <a:pos x="connsiteX8" y="connsiteY8"/>
+              </a:cxn>
+              <a:cxn ang="0">
+                <a:pos x="connsiteX9" y="connsiteY9"/>
+              </a:cxn>
+              <a:cxn ang="0">
+                <a:pos x="connsiteX10" y="connsiteY10"/>
+              </a:cxn>
+              <a:cxn ang="0">
+                <a:pos x="connsiteX11" y="connsiteY11"/>
+              </a:cxn>
+              <a:cxn ang="0">
+                <a:pos x="connsiteX12" y="connsiteY12"/>
+              </a:cxn>
+              <a:cxn ang="0">
+                <a:pos x="connsiteX13" y="connsiteY13"/>
+              </a:cxn>
+              <a:cxn ang="0">
+                <a:pos x="connsiteX14" y="connsiteY14"/>
+              </a:cxn>
+              <a:cxn ang="0">
+                <a:pos x="connsiteX15" y="connsiteY15"/>
+              </a:cxn>
+              <a:cxn ang="0">
+                <a:pos x="connsiteX16" y="connsiteY16"/>
+              </a:cxn>
+              <a:cxn ang="0">
+                <a:pos x="connsiteX17" y="connsiteY17"/>
+              </a:cxn>
+            </a:cxnLst>
+            <a:rect l="l" t="t" r="r" b="b"/>
+            <a:pathLst>
+              <a:path w="7346605" h="1511306">
+                <a:moveTo>
+                  <a:pt x="0" y="0"/>
+                </a:moveTo>
+                <a:lnTo>
+                  <a:pt x="239486" y="0"/>
+                </a:lnTo>
+                <a:lnTo>
+                  <a:pt x="1209568" y="0"/>
+                </a:lnTo>
+                <a:lnTo>
+                  <a:pt x="2405743" y="0"/>
+                </a:lnTo>
+                <a:lnTo>
+                  <a:pt x="2405743" y="2544"/>
+                </a:lnTo>
+                <a:lnTo>
+                  <a:pt x="2801131" y="2544"/>
+                </a:lnTo>
+                <a:lnTo>
+                  <a:pt x="2801131" y="0"/>
+                </a:lnTo>
+                <a:lnTo>
+                  <a:pt x="7346605" y="0"/>
+                </a:lnTo>
+                <a:lnTo>
+                  <a:pt x="6648988" y="1511301"/>
+                </a:lnTo>
+                <a:lnTo>
+                  <a:pt x="2801132" y="1511301"/>
+                </a:lnTo>
+                <a:lnTo>
+                  <a:pt x="2801132" y="1511304"/>
+                </a:lnTo>
+                <a:lnTo>
+                  <a:pt x="2405743" y="1511304"/>
+                </a:lnTo>
+                <a:lnTo>
+                  <a:pt x="2405743" y="1511306"/>
+                </a:lnTo>
+                <a:lnTo>
+                  <a:pt x="1333411" y="1511306"/>
+                </a:lnTo>
+                <a:lnTo>
+                  <a:pt x="1219208" y="1511306"/>
+                </a:lnTo>
+                <a:lnTo>
+                  <a:pt x="1209568" y="1511306"/>
+                </a:lnTo>
+                <a:lnTo>
+                  <a:pt x="239486" y="1511306"/>
+                </a:lnTo>
+                <a:lnTo>
+                  <a:pt x="0" y="1511306"/>
+                </a:lnTo>
+                <a:close/>
+              </a:path>
+            </a:pathLst>
+          </a:custGeom>
+          <a:solidFill>
+            <a:srgbClr val="D0CECE"/>
+          </a:solidFill>
+          <a:ln>
+            <a:noFill/>
+          </a:ln>
+        </p:spPr>
+        <p:style>
+          <a:lnRef idx="2">
+            <a:schemeClr val="accent1">
+              <a:shade val="50000"/>
+            </a:schemeClr>
+          </a:lnRef>
+          <a:fillRef idx="1">
+            <a:schemeClr val="accent1"/>
+          </a:fillRef>
+          <a:effectRef idx="0">
+            <a:schemeClr val="accent1"/>
+          </a:effectRef>
+          <a:fontRef idx="minor">
+            <a:schemeClr val="lt1"/>
+          </a:fontRef>
+        </p:style>
+        <p:txBody>
+          <a:bodyPr rtlCol="0" anchor="ctr"/>
+          <a:lstStyle/>
+          <a:p>
+            <a:pPr marL="0" marR="0" lvl="0" indent="0" algn="ctr" defTabSz="914400" rtl="0" eaLnBrk="1" fontAlgn="auto" latinLnBrk="0" hangingPunct="1">
+              <a:lnSpc>
+                <a:spcPct val="100000"/>
+              </a:lnSpc>
+              <a:spcBef>
+                <a:spcPts val="0"/>
+              </a:spcBef>
+              <a:spcAft>
+                <a:spcPts val="0"/>
+              </a:spcAft>
+              <a:buClrTx/>
+              <a:buSzTx/>
+              <a:buFontTx/>
+              <a:buNone/>
+              <a:tabLst/>
+              <a:defRPr/>
+            </a:pPr>
+            <a:endParaRPr kumimoji="0" lang="en-US" sz="1800" b="0" i="0" u="none" strike="noStrike" kern="1200" cap="none" spc="0" normalizeH="0" baseline="0" noProof="0">
+              <a:ln>
+                <a:noFill/>
+              </a:ln>
+              <a:solidFill>
+                <a:prstClr val="white">
+                  <a:lumMod val="95000"/>
+                </a:prstClr>
+              </a:solidFill>
+              <a:effectLst/>
+              <a:uLnTx/>
+              <a:uFillTx/>
+              <a:latin typeface="Calibri" panose="020F0502020204030204"/>
+              <a:ea typeface="+mn-ea"/>
+              <a:cs typeface="+mn-cs"/>
+            </a:endParaRPr>
+          </a:p>
+        </p:txBody>
+      </p:sp>
+      <p:sp>
+        <p:nvSpPr>
+          <p:cNvPr id="4" name="TextBox 3">
+            <a:extLst>
+              <a:ext uri="{FF2B5EF4-FFF2-40B4-BE49-F238E27FC236}">
+                <a16:creationId xmlns:a16="http://schemas.microsoft.com/office/drawing/2014/main" id="{A5BA8CC1-6104-BA42-9471-B17DC550FCC8}"/>
+              </a:ext>
+            </a:extLst>
+          </p:cNvPr>
+          <p:cNvSpPr txBox="1"/>
+          <p:nvPr/>
+        </p:nvSpPr>
+        <p:spPr>
+          <a:xfrm>
+            <a:off x="389683" y="5529884"/>
+            <a:ext cx="5693783" cy="1096331"/>
+          </a:xfrm>
+          <a:prstGeom prst="rect">
+            <a:avLst/>
+          </a:prstGeom>
+        </p:spPr>
+        <p:txBody>
+          <a:bodyPr vert="horz" lIns="91440" tIns="45720" rIns="91440" bIns="45720" rtlCol="0" anchor="ctr">
+            <a:normAutofit/>
+          </a:bodyPr>
+          <a:lstStyle/>
+          <a:p>
+            <a:pPr marL="0" marR="0" lvl="0" indent="0" algn="l" defTabSz="914400" rtl="0" eaLnBrk="1" fontAlgn="auto" latinLnBrk="0" hangingPunct="1">
+              <a:lnSpc>
+                <a:spcPct val="90000"/>
+              </a:lnSpc>
+              <a:spcBef>
+                <a:spcPct val="0"/>
+              </a:spcBef>
+              <a:spcAft>
+                <a:spcPts val="600"/>
+              </a:spcAft>
+              <a:buClrTx/>
+              <a:buSzTx/>
+              <a:buFontTx/>
+              <a:buNone/>
+              <a:tabLst/>
+              <a:defRPr/>
+            </a:pPr>
+            <a:r>
+              <a:rPr kumimoji="0" lang="en-US" sz="4000" b="1" i="0" u="none" strike="noStrike" kern="1200" cap="none" spc="0" normalizeH="0" baseline="0" noProof="0" dirty="0" smtClean="0">
+                <a:ln>
+                  <a:noFill/>
+                </a:ln>
+                <a:solidFill>
+                  <a:srgbClr val="303030"/>
+                </a:solidFill>
+                <a:effectLst/>
+                <a:uLnTx/>
+                <a:uFillTx/>
+                <a:latin typeface="Calibri Light" panose="020F0302020204030204"/>
+                <a:ea typeface="+mn-ea"/>
+                <a:cs typeface="+mn-cs"/>
+              </a:rPr>
+              <a:t>AGENDA: Manipulation</a:t>
+            </a:r>
+            <a:endParaRPr kumimoji="0" lang="en-US" sz="4000" b="1" i="0" u="none" strike="noStrike" kern="1200" cap="none" spc="0" normalizeH="0" baseline="0" noProof="0" dirty="0">
+              <a:ln>
+                <a:noFill/>
+              </a:ln>
+              <a:solidFill>
+                <a:srgbClr val="303030"/>
+              </a:solidFill>
+              <a:effectLst/>
+              <a:uLnTx/>
+              <a:uFillTx/>
+              <a:latin typeface="Calibri Light" panose="020F0302020204030204"/>
+              <a:ea typeface="+mn-ea"/>
+              <a:cs typeface="+mn-cs"/>
+            </a:endParaRPr>
+          </a:p>
+        </p:txBody>
+      </p:sp>
+      <p:pic>
+        <p:nvPicPr>
+          <p:cNvPr id="3" name="Picture 2">
+            <a:extLst>
+              <a:ext uri="{FF2B5EF4-FFF2-40B4-BE49-F238E27FC236}">
+                <a16:creationId xmlns:a16="http://schemas.microsoft.com/office/drawing/2014/main" id="{B0A5B9B6-518A-9340-A2D6-5B840631FCD2}"/>
+              </a:ext>
+            </a:extLst>
+          </p:cNvPr>
+          <p:cNvPicPr>
+            <a:picLocks noChangeAspect="1"/>
+          </p:cNvPicPr>
+          <p:nvPr/>
+        </p:nvPicPr>
+        <p:blipFill>
+          <a:blip r:embed="rId2"/>
+          <a:stretch>
+            <a:fillRect/>
+          </a:stretch>
+        </p:blipFill>
+        <p:spPr>
+          <a:xfrm>
+            <a:off x="6831955" y="1213079"/>
+            <a:ext cx="5061218" cy="2468880"/>
+          </a:xfrm>
+          <a:prstGeom prst="rect">
+            <a:avLst/>
+          </a:prstGeom>
+        </p:spPr>
+      </p:pic>
+      <p:sp>
+        <p:nvSpPr>
+          <p:cNvPr id="5" name="TextBox 4">
+            <a:extLst>
+              <a:ext uri="{FF2B5EF4-FFF2-40B4-BE49-F238E27FC236}">
+                <a16:creationId xmlns:a16="http://schemas.microsoft.com/office/drawing/2014/main" id="{9F801A05-8D8A-A049-B385-4AC7E25D26EF}"/>
+              </a:ext>
+            </a:extLst>
+          </p:cNvPr>
+          <p:cNvSpPr txBox="1"/>
+          <p:nvPr/>
+        </p:nvSpPr>
+        <p:spPr>
+          <a:xfrm>
+            <a:off x="389683" y="640735"/>
+            <a:ext cx="6561724" cy="4020458"/>
+          </a:xfrm>
+          <a:prstGeom prst="rect">
+            <a:avLst/>
+          </a:prstGeom>
+        </p:spPr>
+        <p:txBody>
+          <a:bodyPr vert="horz" lIns="91440" tIns="45720" rIns="91440" bIns="45720" rtlCol="0" anchor="ctr">
+            <a:normAutofit lnSpcReduction="10000"/>
+          </a:bodyPr>
+          <a:lstStyle/>
+          <a:p>
+            <a:pPr marL="0" marR="0" lvl="0" indent="0" algn="l" defTabSz="914400" rtl="0" eaLnBrk="1" fontAlgn="auto" latinLnBrk="0" hangingPunct="1">
+              <a:lnSpc>
+                <a:spcPct val="150000"/>
+              </a:lnSpc>
+              <a:spcBef>
+                <a:spcPts val="0"/>
+              </a:spcBef>
+              <a:spcAft>
+                <a:spcPts val="600"/>
+              </a:spcAft>
+              <a:buClrTx/>
+              <a:buSzTx/>
+              <a:buFontTx/>
+              <a:buNone/>
+              <a:tabLst/>
+              <a:defRPr/>
+            </a:pPr>
+            <a:r>
+              <a:rPr kumimoji="0" lang="en-US" sz="2000" b="0" i="0" u="none" strike="noStrike" kern="1200" cap="none" spc="0" normalizeH="0" baseline="0" noProof="0" dirty="0">
+                <a:ln>
+                  <a:noFill/>
+                </a:ln>
+                <a:solidFill>
+                  <a:prstClr val="black"/>
+                </a:solidFill>
+                <a:effectLst/>
+                <a:uLnTx/>
+                <a:uFillTx/>
+                <a:latin typeface="Calibri" panose="020F0502020204030204"/>
+                <a:ea typeface="+mn-ea"/>
+                <a:cs typeface="+mn-cs"/>
+              </a:rPr>
+              <a:t>Data analysis process in </a:t>
+            </a:r>
+            <a:r>
+              <a:rPr kumimoji="0" lang="en-US" sz="2000" b="0" i="0" u="none" strike="noStrike" kern="1200" cap="none" spc="0" normalizeH="0" baseline="0" noProof="0" dirty="0" err="1">
+                <a:ln>
+                  <a:noFill/>
+                </a:ln>
+                <a:solidFill>
+                  <a:prstClr val="black"/>
+                </a:solidFill>
+                <a:effectLst/>
+                <a:uLnTx/>
+                <a:uFillTx/>
+                <a:latin typeface="Calibri" panose="020F0502020204030204"/>
+                <a:ea typeface="+mn-ea"/>
+                <a:cs typeface="+mn-cs"/>
+              </a:rPr>
+              <a:t>Tidyverse</a:t>
+            </a:r>
+            <a:r>
+              <a:rPr kumimoji="0" lang="en-US" sz="2000" b="0" i="0" u="none" strike="noStrike" kern="1200" cap="none" spc="0" normalizeH="0" baseline="0" noProof="0" dirty="0">
+                <a:ln>
+                  <a:noFill/>
+                </a:ln>
+                <a:solidFill>
+                  <a:prstClr val="black"/>
+                </a:solidFill>
+                <a:effectLst/>
+                <a:uLnTx/>
+                <a:uFillTx/>
+                <a:latin typeface="Calibri" panose="020F0502020204030204"/>
+                <a:ea typeface="+mn-ea"/>
+                <a:cs typeface="+mn-cs"/>
+              </a:rPr>
+              <a:t> ecosystem (5mins) (XP)</a:t>
+            </a:r>
+          </a:p>
+          <a:p>
+            <a:pPr marL="0" marR="0" lvl="0" indent="0" algn="l" defTabSz="914400" rtl="0" eaLnBrk="1" fontAlgn="auto" latinLnBrk="0" hangingPunct="1">
+              <a:lnSpc>
+                <a:spcPct val="150000"/>
+              </a:lnSpc>
+              <a:spcBef>
+                <a:spcPts val="0"/>
+              </a:spcBef>
+              <a:spcAft>
+                <a:spcPts val="600"/>
+              </a:spcAft>
+              <a:buClrTx/>
+              <a:buSzTx/>
+              <a:buFontTx/>
+              <a:buNone/>
+              <a:tabLst/>
+              <a:defRPr/>
+            </a:pPr>
+            <a:r>
+              <a:rPr kumimoji="0" lang="en-US" sz="2000" b="0" i="0" u="none" strike="noStrike" kern="1200" cap="none" spc="0" normalizeH="0" baseline="0" noProof="0" dirty="0">
+                <a:ln>
+                  <a:noFill/>
+                </a:ln>
+                <a:solidFill>
+                  <a:prstClr val="black"/>
+                </a:solidFill>
+                <a:effectLst/>
+                <a:uLnTx/>
+                <a:uFillTx/>
+                <a:latin typeface="Calibri" panose="020F0502020204030204"/>
+                <a:ea typeface="+mn-ea"/>
+                <a:cs typeface="+mn-cs"/>
+              </a:rPr>
+              <a:t>Introducing key functions in </a:t>
+            </a:r>
+            <a:r>
+              <a:rPr kumimoji="0" lang="en-US" sz="2000" b="0" i="0" u="none" strike="noStrike" kern="1200" cap="none" spc="0" normalizeH="0" baseline="0" noProof="0" dirty="0" err="1">
+                <a:ln>
+                  <a:noFill/>
+                </a:ln>
+                <a:solidFill>
+                  <a:prstClr val="black"/>
+                </a:solidFill>
+                <a:effectLst/>
+                <a:uLnTx/>
+                <a:uFillTx/>
+                <a:latin typeface="Calibri" panose="020F0502020204030204"/>
+                <a:ea typeface="+mn-ea"/>
+                <a:cs typeface="+mn-cs"/>
+              </a:rPr>
+              <a:t>Tidyverse</a:t>
+            </a:r>
+            <a:r>
+              <a:rPr kumimoji="0" lang="en-US" sz="2000" b="0" i="0" u="none" strike="noStrike" kern="1200" cap="none" spc="0" normalizeH="0" baseline="0" noProof="0" dirty="0">
+                <a:ln>
+                  <a:noFill/>
+                </a:ln>
+                <a:solidFill>
+                  <a:prstClr val="black"/>
+                </a:solidFill>
+                <a:effectLst/>
+                <a:uLnTx/>
+                <a:uFillTx/>
+                <a:latin typeface="Calibri" panose="020F0502020204030204"/>
+                <a:ea typeface="+mn-ea"/>
+                <a:cs typeface="+mn-cs"/>
+              </a:rPr>
+              <a:t> (20mins) (QT)</a:t>
+            </a:r>
+          </a:p>
+          <a:p>
+            <a:pPr marL="1485900" marR="0" lvl="2" indent="-457200" algn="l" defTabSz="914400" rtl="0" eaLnBrk="1" fontAlgn="auto" latinLnBrk="0" hangingPunct="1">
+              <a:lnSpc>
+                <a:spcPct val="150000"/>
+              </a:lnSpc>
+              <a:spcBef>
+                <a:spcPts val="0"/>
+              </a:spcBef>
+              <a:spcAft>
+                <a:spcPts val="600"/>
+              </a:spcAft>
+              <a:buClrTx/>
+              <a:buSzTx/>
+              <a:buFont typeface="+mj-lt"/>
+              <a:buAutoNum type="arabicPeriod"/>
+              <a:tabLst/>
+              <a:defRPr/>
+            </a:pPr>
+            <a:r>
+              <a:rPr kumimoji="0" lang="en-US" sz="2000" b="0" i="0" u="none" strike="noStrike" kern="1200" cap="none" spc="0" normalizeH="0" baseline="0" noProof="0" dirty="0">
+                <a:ln>
+                  <a:noFill/>
+                </a:ln>
+                <a:solidFill>
+                  <a:prstClr val="black"/>
+                </a:solidFill>
+                <a:effectLst/>
+                <a:uLnTx/>
+                <a:uFillTx/>
+                <a:latin typeface="Calibri" panose="020F0502020204030204"/>
+                <a:ea typeface="+mn-ea"/>
+                <a:cs typeface="+mn-cs"/>
+              </a:rPr>
+              <a:t>Import</a:t>
+            </a:r>
+          </a:p>
+          <a:p>
+            <a:pPr marL="1485900" marR="0" lvl="2" indent="-457200" algn="l" defTabSz="914400" rtl="0" eaLnBrk="1" fontAlgn="auto" latinLnBrk="0" hangingPunct="1">
+              <a:lnSpc>
+                <a:spcPct val="150000"/>
+              </a:lnSpc>
+              <a:spcBef>
+                <a:spcPts val="0"/>
+              </a:spcBef>
+              <a:spcAft>
+                <a:spcPts val="600"/>
+              </a:spcAft>
+              <a:buClrTx/>
+              <a:buSzTx/>
+              <a:buFont typeface="+mj-lt"/>
+              <a:buAutoNum type="arabicPeriod"/>
+              <a:tabLst/>
+              <a:defRPr/>
+            </a:pPr>
+            <a:r>
+              <a:rPr kumimoji="0" lang="en-US" sz="2000" b="0" i="0" u="none" strike="noStrike" kern="1200" cap="none" spc="0" normalizeH="0" baseline="0" noProof="0" dirty="0">
+                <a:ln>
+                  <a:noFill/>
+                </a:ln>
+                <a:solidFill>
+                  <a:prstClr val="black"/>
+                </a:solidFill>
+                <a:effectLst/>
+                <a:uLnTx/>
+                <a:uFillTx/>
+                <a:latin typeface="Calibri" panose="020F0502020204030204"/>
+                <a:ea typeface="+mn-ea"/>
+                <a:cs typeface="+mn-cs"/>
+              </a:rPr>
+              <a:t>Tidy</a:t>
+            </a:r>
+          </a:p>
+          <a:p>
+            <a:pPr marL="1485900" marR="0" lvl="2" indent="-457200" algn="l" defTabSz="914400" rtl="0" eaLnBrk="1" fontAlgn="auto" latinLnBrk="0" hangingPunct="1">
+              <a:lnSpc>
+                <a:spcPct val="150000"/>
+              </a:lnSpc>
+              <a:spcBef>
+                <a:spcPts val="0"/>
+              </a:spcBef>
+              <a:spcAft>
+                <a:spcPts val="600"/>
+              </a:spcAft>
+              <a:buClrTx/>
+              <a:buSzTx/>
+              <a:buFont typeface="+mj-lt"/>
+              <a:buAutoNum type="arabicPeriod"/>
+              <a:tabLst/>
+              <a:defRPr/>
+            </a:pPr>
+            <a:r>
+              <a:rPr kumimoji="0" lang="en-US" sz="2000" b="0" i="0" u="none" strike="noStrike" kern="1200" cap="none" spc="0" normalizeH="0" baseline="0" noProof="0" dirty="0">
+                <a:ln>
+                  <a:noFill/>
+                </a:ln>
+                <a:solidFill>
+                  <a:prstClr val="black"/>
+                </a:solidFill>
+                <a:effectLst/>
+                <a:uLnTx/>
+                <a:uFillTx/>
+                <a:latin typeface="Calibri" panose="020F0502020204030204"/>
+                <a:ea typeface="+mn-ea"/>
+                <a:cs typeface="+mn-cs"/>
+              </a:rPr>
+              <a:t>Transformation</a:t>
+            </a:r>
+          </a:p>
+          <a:p>
+            <a:pPr marL="1485900" marR="0" lvl="2" indent="-457200" algn="l" defTabSz="914400" rtl="0" eaLnBrk="1" fontAlgn="auto" latinLnBrk="0" hangingPunct="1">
+              <a:lnSpc>
+                <a:spcPct val="150000"/>
+              </a:lnSpc>
+              <a:spcBef>
+                <a:spcPts val="0"/>
+              </a:spcBef>
+              <a:spcAft>
+                <a:spcPts val="600"/>
+              </a:spcAft>
+              <a:buClrTx/>
+              <a:buSzTx/>
+              <a:buFont typeface="+mj-lt"/>
+              <a:buAutoNum type="arabicPeriod"/>
+              <a:tabLst/>
+              <a:defRPr/>
+            </a:pPr>
+            <a:r>
+              <a:rPr kumimoji="0" lang="en-US" sz="2000" b="0" i="0" u="none" strike="noStrike" kern="1200" cap="none" spc="0" normalizeH="0" baseline="0" noProof="0" dirty="0" smtClean="0">
+                <a:ln>
+                  <a:noFill/>
+                </a:ln>
+                <a:solidFill>
+                  <a:prstClr val="black"/>
+                </a:solidFill>
+                <a:effectLst/>
+                <a:uLnTx/>
+                <a:uFillTx/>
+                <a:latin typeface="Calibri" panose="020F0502020204030204"/>
+                <a:ea typeface="+mn-ea"/>
+                <a:cs typeface="+mn-cs"/>
+              </a:rPr>
+              <a:t>Visualization (covered in next session)</a:t>
+            </a:r>
+            <a:endParaRPr kumimoji="0" lang="en-US" sz="2000" b="0" i="0" u="none" strike="noStrike" kern="1200" cap="none" spc="0" normalizeH="0" baseline="0" noProof="0" dirty="0">
+              <a:ln>
+                <a:noFill/>
+              </a:ln>
+              <a:solidFill>
+                <a:prstClr val="black"/>
+              </a:solidFill>
+              <a:effectLst/>
+              <a:uLnTx/>
+              <a:uFillTx/>
+              <a:latin typeface="Calibri" panose="020F0502020204030204"/>
+              <a:ea typeface="+mn-ea"/>
+              <a:cs typeface="+mn-cs"/>
+            </a:endParaRPr>
+          </a:p>
+          <a:p>
+            <a:pPr marL="0" marR="0" lvl="0" indent="0" algn="l" defTabSz="914400" rtl="0" eaLnBrk="1" fontAlgn="auto" latinLnBrk="0" hangingPunct="1">
+              <a:lnSpc>
+                <a:spcPct val="150000"/>
+              </a:lnSpc>
+              <a:spcBef>
+                <a:spcPts val="0"/>
+              </a:spcBef>
+              <a:spcAft>
+                <a:spcPts val="600"/>
+              </a:spcAft>
+              <a:buClrTx/>
+              <a:buSzTx/>
+              <a:buFontTx/>
+              <a:buNone/>
+              <a:tabLst/>
+              <a:defRPr/>
+            </a:pPr>
+            <a:r>
+              <a:rPr kumimoji="0" lang="en-US" sz="2000" b="0" i="0" u="none" strike="noStrike" kern="1200" cap="none" spc="0" normalizeH="0" baseline="0" noProof="0" dirty="0">
+                <a:ln>
+                  <a:noFill/>
+                </a:ln>
+                <a:solidFill>
+                  <a:prstClr val="black"/>
+                </a:solidFill>
+                <a:effectLst/>
+                <a:uLnTx/>
+                <a:uFillTx/>
+                <a:latin typeface="Calibri" panose="020F0502020204030204"/>
+                <a:ea typeface="+mn-ea"/>
+                <a:cs typeface="+mn-cs"/>
+              </a:rPr>
+              <a:t>Case Study: U.S. Air Pollution Analysis (20mins) (XP)</a:t>
+            </a:r>
+          </a:p>
+          <a:p>
+            <a:pPr marL="0" marR="0" lvl="0" indent="0" algn="l" defTabSz="914400" rtl="0" eaLnBrk="1" fontAlgn="auto" latinLnBrk="0" hangingPunct="1">
+              <a:lnSpc>
+                <a:spcPct val="150000"/>
+              </a:lnSpc>
+              <a:spcBef>
+                <a:spcPts val="0"/>
+              </a:spcBef>
+              <a:spcAft>
+                <a:spcPts val="600"/>
+              </a:spcAft>
+              <a:buClrTx/>
+              <a:buSzTx/>
+              <a:buFontTx/>
+              <a:buNone/>
+              <a:tabLst/>
+              <a:defRPr/>
+            </a:pPr>
+            <a:r>
+              <a:rPr kumimoji="0" lang="en-US" sz="1600" b="0" i="1" u="none" strike="noStrike" kern="1200" cap="none" spc="0" normalizeH="0" baseline="0" noProof="0" dirty="0">
+                <a:ln>
+                  <a:noFill/>
+                </a:ln>
+                <a:solidFill>
+                  <a:prstClr val="black"/>
+                </a:solidFill>
+                <a:effectLst/>
+                <a:uLnTx/>
+                <a:uFillTx/>
+                <a:latin typeface="Calibri" panose="020F0502020204030204"/>
+                <a:ea typeface="+mn-ea"/>
+                <a:cs typeface="+mn-cs"/>
+                <a:hlinkClick r:id="rId3"/>
+              </a:rPr>
+              <a:t>https://</a:t>
+            </a:r>
+            <a:r>
+              <a:rPr kumimoji="0" lang="en-US" sz="1600" b="0" i="1" u="none" strike="noStrike" kern="1200" cap="none" spc="0" normalizeH="0" baseline="0" noProof="0" dirty="0" smtClean="0">
+                <a:ln>
+                  <a:noFill/>
+                </a:ln>
+                <a:solidFill>
+                  <a:prstClr val="black"/>
+                </a:solidFill>
+                <a:effectLst/>
+                <a:uLnTx/>
+                <a:uFillTx/>
+                <a:latin typeface="Calibri" panose="020F0502020204030204"/>
+                <a:ea typeface="+mn-ea"/>
+                <a:cs typeface="+mn-cs"/>
+                <a:hlinkClick r:id="rId3"/>
+              </a:rPr>
+              <a:t>rpubs.com/monkey08091992/503363</a:t>
+            </a:r>
+            <a:endParaRPr kumimoji="0" lang="en-US" sz="1600" b="0" i="1" u="none" strike="noStrike" kern="1200" cap="none" spc="0" normalizeH="0" baseline="0" noProof="0" dirty="0">
+              <a:ln>
+                <a:noFill/>
+              </a:ln>
+              <a:solidFill>
+                <a:prstClr val="black"/>
+              </a:solidFill>
+              <a:effectLst/>
+              <a:uLnTx/>
+              <a:uFillTx/>
+              <a:latin typeface="Calibri" panose="020F0502020204030204"/>
+              <a:ea typeface="+mn-ea"/>
+              <a:cs typeface="+mn-cs"/>
+            </a:endParaRPr>
+          </a:p>
+        </p:txBody>
+      </p:sp>
+    </p:spTree>
+    <p:extLst>
+      <p:ext uri="{BB962C8B-B14F-4D97-AF65-F5344CB8AC3E}">
+        <p14:creationId xmlns:p14="http://schemas.microsoft.com/office/powerpoint/2010/main" val="3704867243"/>
+      </p:ext>
+    </p:extLst>
+  </p:cSld>
+  <p:clrMapOvr>
+    <a:masterClrMapping/>
+  </p:clrMapOvr>
+</p:sld>
+</file>
+
+<file path=ppt/slides/slide3.xml><?xml version="1.0" encoding="utf-8"?>
+<p:sld xmlns:a="http://schemas.openxmlformats.org/drawingml/2006/main" xmlns:r="http://schemas.openxmlformats.org/officeDocument/2006/relationships" xmlns:p="http://schemas.openxmlformats.org/presentationml/2006/main">
+  <p:cSld>
+    <p:bg>
+      <p:bgPr>
+        <a:solidFill>
+          <a:schemeClr val="bg1"/>
+        </a:solidFill>
+        <a:effectLst/>
+      </p:bgPr>
+    </p:bg>
+    <p:spTree>
+      <p:nvGrpSpPr>
+        <p:cNvPr id="1" name=""/>
+        <p:cNvGrpSpPr/>
+        <p:nvPr/>
+      </p:nvGrpSpPr>
+      <p:grpSpPr>
+        <a:xfrm>
+          <a:off x="0" y="0"/>
+          <a:ext cx="0" cy="0"/>
+          <a:chOff x="0" y="0"/>
+          <a:chExt cx="0" cy="0"/>
+        </a:xfrm>
+      </p:grpSpPr>
+      <p:sp>
+        <p:nvSpPr>
+          <p:cNvPr id="13" name="Freeform: Shape 9">
+            <a:extLst>
+              <a:ext uri="{FF2B5EF4-FFF2-40B4-BE49-F238E27FC236}">
+                <a16:creationId xmlns:a16="http://schemas.microsoft.com/office/drawing/2014/main" id="{F60FCA6E-0894-46CD-BD49-5955A51E0084}"/>
+              </a:ext>
+              <a:ext uri="{C183D7F6-B498-43B3-948B-1728B52AA6E4}">
+                <adec:decorative xmlns="" xmlns:adec="http://schemas.microsoft.com/office/drawing/2017/decorative" val="1"/>
+              </a:ext>
+            </a:extLst>
+          </p:cNvPr>
+          <p:cNvSpPr>
+            <a:spLocks noGrp="1" noRot="1" noChangeAspect="1" noMove="1" noResize="1" noEditPoints="1" noAdjustHandles="1" noChangeArrowheads="1" noChangeShapeType="1" noTextEdit="1"/>
+          </p:cNvSpPr>
+          <p:nvPr>
+            <p:extLst>
+              <p:ext uri="{386F3935-93C4-4BCD-93E2-E3B085C9AB24}">
+                <p16:designElem xmlns:p16="http://schemas.microsoft.com/office/powerpoint/2015/main" val="1"/>
+              </p:ext>
+            </p:extLst>
+          </p:nvPr>
+        </p:nvSpPr>
+        <p:spPr>
+          <a:xfrm>
+            <a:off x="6831955" y="5346696"/>
+            <a:ext cx="5360045" cy="1511304"/>
+          </a:xfrm>
+          <a:custGeom>
+            <a:avLst/>
+            <a:gdLst>
+              <a:gd name="connsiteX0" fmla="*/ 4545473 w 5360045"/>
+              <a:gd name="connsiteY0" fmla="*/ 0 h 1511304"/>
+              <a:gd name="connsiteX1" fmla="*/ 5360045 w 5360045"/>
+              <a:gd name="connsiteY1" fmla="*/ 0 h 1511304"/>
+              <a:gd name="connsiteX2" fmla="*/ 5360045 w 5360045"/>
+              <a:gd name="connsiteY2" fmla="*/ 1046730 h 1511304"/>
+              <a:gd name="connsiteX3" fmla="*/ 5360045 w 5360045"/>
+              <a:gd name="connsiteY3" fmla="*/ 1508760 h 1511304"/>
+              <a:gd name="connsiteX4" fmla="*/ 5360045 w 5360045"/>
+              <a:gd name="connsiteY4" fmla="*/ 1511304 h 1511304"/>
+              <a:gd name="connsiteX5" fmla="*/ 4545474 w 5360045"/>
+              <a:gd name="connsiteY5" fmla="*/ 1511304 h 1511304"/>
+              <a:gd name="connsiteX6" fmla="*/ 2525897 w 5360045"/>
+              <a:gd name="connsiteY6" fmla="*/ 1511304 h 1511304"/>
+              <a:gd name="connsiteX7" fmla="*/ 0 w 5360045"/>
+              <a:gd name="connsiteY7" fmla="*/ 1511304 h 1511304"/>
+              <a:gd name="connsiteX8" fmla="*/ 697617 w 5360045"/>
+              <a:gd name="connsiteY8" fmla="*/ 3 h 1511304"/>
+              <a:gd name="connsiteX9" fmla="*/ 4545473 w 5360045"/>
+              <a:gd name="connsiteY9" fmla="*/ 3 h 1511304"/>
+            </a:gdLst>
+            <a:ahLst/>
+            <a:cxnLst>
+              <a:cxn ang="0">
+                <a:pos x="connsiteX0" y="connsiteY0"/>
+              </a:cxn>
+              <a:cxn ang="0">
+                <a:pos x="connsiteX1" y="connsiteY1"/>
+              </a:cxn>
+              <a:cxn ang="0">
+                <a:pos x="connsiteX2" y="connsiteY2"/>
+              </a:cxn>
+              <a:cxn ang="0">
+                <a:pos x="connsiteX3" y="connsiteY3"/>
+              </a:cxn>
+              <a:cxn ang="0">
+                <a:pos x="connsiteX4" y="connsiteY4"/>
+              </a:cxn>
+              <a:cxn ang="0">
+                <a:pos x="connsiteX5" y="connsiteY5"/>
+              </a:cxn>
+              <a:cxn ang="0">
+                <a:pos x="connsiteX6" y="connsiteY6"/>
+              </a:cxn>
+              <a:cxn ang="0">
+                <a:pos x="connsiteX7" y="connsiteY7"/>
+              </a:cxn>
+              <a:cxn ang="0">
+                <a:pos x="connsiteX8" y="connsiteY8"/>
+              </a:cxn>
+              <a:cxn ang="0">
+                <a:pos x="connsiteX9" y="connsiteY9"/>
+              </a:cxn>
+            </a:cxnLst>
+            <a:rect l="l" t="t" r="r" b="b"/>
+            <a:pathLst>
+              <a:path w="5360045" h="1511304">
+                <a:moveTo>
+                  <a:pt x="4545473" y="0"/>
+                </a:moveTo>
+                <a:lnTo>
+                  <a:pt x="5360045" y="0"/>
+                </a:lnTo>
+                <a:lnTo>
+                  <a:pt x="5360045" y="1046730"/>
+                </a:lnTo>
+                <a:lnTo>
+                  <a:pt x="5360045" y="1508760"/>
+                </a:lnTo>
+                <a:lnTo>
+                  <a:pt x="5360045" y="1511304"/>
+                </a:lnTo>
+                <a:lnTo>
+                  <a:pt x="4545474" y="1511304"/>
+                </a:lnTo>
+                <a:lnTo>
+                  <a:pt x="2525897" y="1511304"/>
+                </a:lnTo>
+                <a:lnTo>
+                  <a:pt x="0" y="1511304"/>
+                </a:lnTo>
+                <a:lnTo>
+                  <a:pt x="697617" y="3"/>
+                </a:lnTo>
+                <a:lnTo>
+                  <a:pt x="4545473" y="3"/>
+                </a:lnTo>
+                <a:close/>
+              </a:path>
+            </a:pathLst>
+          </a:custGeom>
+          <a:solidFill>
+            <a:srgbClr val="404040">
+              <a:alpha val="84706"/>
+            </a:srgbClr>
+          </a:solidFill>
+          <a:ln>
+            <a:noFill/>
+          </a:ln>
+        </p:spPr>
+        <p:style>
+          <a:lnRef idx="2">
+            <a:schemeClr val="accent1">
+              <a:shade val="50000"/>
+            </a:schemeClr>
+          </a:lnRef>
+          <a:fillRef idx="1">
+            <a:schemeClr val="accent1"/>
+          </a:fillRef>
+          <a:effectRef idx="0">
+            <a:schemeClr val="accent1"/>
+          </a:effectRef>
+          <a:fontRef idx="minor">
+            <a:schemeClr val="lt1"/>
+          </a:fontRef>
+        </p:style>
+        <p:txBody>
+          <a:bodyPr wrap="square" rtlCol="0" anchor="ctr">
+            <a:noAutofit/>
+          </a:bodyPr>
+          <a:lstStyle/>
+          <a:p>
+            <a:pPr marL="0" marR="0" lvl="0" indent="0" algn="ctr" defTabSz="914400" rtl="0" eaLnBrk="1" fontAlgn="auto" latinLnBrk="0" hangingPunct="1">
+              <a:lnSpc>
+                <a:spcPct val="100000"/>
+              </a:lnSpc>
+              <a:spcBef>
+                <a:spcPts val="0"/>
+              </a:spcBef>
+              <a:spcAft>
+                <a:spcPts val="0"/>
+              </a:spcAft>
+              <a:buClrTx/>
+              <a:buSzTx/>
+              <a:buFontTx/>
+              <a:buNone/>
+              <a:tabLst/>
+              <a:defRPr/>
+            </a:pPr>
+            <a:endParaRPr kumimoji="0" lang="en-US" sz="1800" b="0" i="0" u="none" strike="noStrike" kern="1200" cap="none" spc="0" normalizeH="0" baseline="0" noProof="0">
+              <a:ln>
+                <a:noFill/>
+              </a:ln>
+              <a:solidFill>
+                <a:prstClr val="white"/>
+              </a:solidFill>
+              <a:effectLst/>
+              <a:uLnTx/>
+              <a:uFillTx/>
+              <a:latin typeface="Calibri" panose="020F0502020204030204"/>
+              <a:ea typeface="+mn-ea"/>
+              <a:cs typeface="+mn-cs"/>
+            </a:endParaRPr>
+          </a:p>
+        </p:txBody>
+      </p:sp>
+      <p:sp>
+        <p:nvSpPr>
+          <p:cNvPr id="12" name="Freeform: Shape 11">
+            <a:extLst>
+              <a:ext uri="{FF2B5EF4-FFF2-40B4-BE49-F238E27FC236}">
+                <a16:creationId xmlns:a16="http://schemas.microsoft.com/office/drawing/2014/main" id="{E78C6E4B-A1F1-4B6C-97EC-BE997495D6AC}"/>
+              </a:ext>
+              <a:ext uri="{C183D7F6-B498-43B3-948B-1728B52AA6E4}">
+                <adec:decorative xmlns="" xmlns:adec="http://schemas.microsoft.com/office/drawing/2017/decorative" val="1"/>
+              </a:ext>
+            </a:extLst>
+          </p:cNvPr>
+          <p:cNvSpPr>
+            <a:spLocks noGrp="1" noRot="1" noChangeAspect="1" noMove="1" noResize="1" noEditPoints="1" noAdjustHandles="1" noChangeArrowheads="1" noChangeShapeType="1" noTextEdit="1"/>
+          </p:cNvSpPr>
+          <p:nvPr>
+            <p:extLst>
+              <p:ext uri="{386F3935-93C4-4BCD-93E2-E3B085C9AB24}">
+                <p16:designElem xmlns:p16="http://schemas.microsoft.com/office/powerpoint/2015/main" val="1"/>
+              </p:ext>
+            </p:extLst>
+          </p:nvPr>
+        </p:nvSpPr>
+        <p:spPr>
+          <a:xfrm>
+            <a:off x="0" y="5346694"/>
+            <a:ext cx="7346605" cy="1511306"/>
+          </a:xfrm>
+          <a:custGeom>
+            <a:avLst/>
+            <a:gdLst>
+              <a:gd name="connsiteX0" fmla="*/ 0 w 7346605"/>
+              <a:gd name="connsiteY0" fmla="*/ 0 h 1511306"/>
+              <a:gd name="connsiteX1" fmla="*/ 239486 w 7346605"/>
+              <a:gd name="connsiteY1" fmla="*/ 0 h 1511306"/>
+              <a:gd name="connsiteX2" fmla="*/ 1209568 w 7346605"/>
+              <a:gd name="connsiteY2" fmla="*/ 0 h 1511306"/>
+              <a:gd name="connsiteX3" fmla="*/ 2405743 w 7346605"/>
+              <a:gd name="connsiteY3" fmla="*/ 0 h 1511306"/>
+              <a:gd name="connsiteX4" fmla="*/ 2405743 w 7346605"/>
+              <a:gd name="connsiteY4" fmla="*/ 2544 h 1511306"/>
+              <a:gd name="connsiteX5" fmla="*/ 2801131 w 7346605"/>
+              <a:gd name="connsiteY5" fmla="*/ 2544 h 1511306"/>
+              <a:gd name="connsiteX6" fmla="*/ 2801131 w 7346605"/>
+              <a:gd name="connsiteY6" fmla="*/ 0 h 1511306"/>
+              <a:gd name="connsiteX7" fmla="*/ 7346605 w 7346605"/>
+              <a:gd name="connsiteY7" fmla="*/ 0 h 1511306"/>
+              <a:gd name="connsiteX8" fmla="*/ 6648988 w 7346605"/>
+              <a:gd name="connsiteY8" fmla="*/ 1511301 h 1511306"/>
+              <a:gd name="connsiteX9" fmla="*/ 2801132 w 7346605"/>
+              <a:gd name="connsiteY9" fmla="*/ 1511301 h 1511306"/>
+              <a:gd name="connsiteX10" fmla="*/ 2801132 w 7346605"/>
+              <a:gd name="connsiteY10" fmla="*/ 1511304 h 1511306"/>
+              <a:gd name="connsiteX11" fmla="*/ 2405743 w 7346605"/>
+              <a:gd name="connsiteY11" fmla="*/ 1511304 h 1511306"/>
+              <a:gd name="connsiteX12" fmla="*/ 2405743 w 7346605"/>
+              <a:gd name="connsiteY12" fmla="*/ 1511306 h 1511306"/>
+              <a:gd name="connsiteX13" fmla="*/ 1333411 w 7346605"/>
+              <a:gd name="connsiteY13" fmla="*/ 1511306 h 1511306"/>
+              <a:gd name="connsiteX14" fmla="*/ 1219208 w 7346605"/>
+              <a:gd name="connsiteY14" fmla="*/ 1511306 h 1511306"/>
+              <a:gd name="connsiteX15" fmla="*/ 1209568 w 7346605"/>
+              <a:gd name="connsiteY15" fmla="*/ 1511306 h 1511306"/>
+              <a:gd name="connsiteX16" fmla="*/ 239486 w 7346605"/>
+              <a:gd name="connsiteY16" fmla="*/ 1511306 h 1511306"/>
+              <a:gd name="connsiteX17" fmla="*/ 0 w 7346605"/>
+              <a:gd name="connsiteY17" fmla="*/ 1511306 h 1511306"/>
+            </a:gdLst>
+            <a:ahLst/>
+            <a:cxnLst>
+              <a:cxn ang="0">
+                <a:pos x="connsiteX0" y="connsiteY0"/>
+              </a:cxn>
+              <a:cxn ang="0">
+                <a:pos x="connsiteX1" y="connsiteY1"/>
+              </a:cxn>
+              <a:cxn ang="0">
+                <a:pos x="connsiteX2" y="connsiteY2"/>
+              </a:cxn>
+              <a:cxn ang="0">
+                <a:pos x="connsiteX3" y="connsiteY3"/>
+              </a:cxn>
+              <a:cxn ang="0">
+                <a:pos x="connsiteX4" y="connsiteY4"/>
+              </a:cxn>
+              <a:cxn ang="0">
+                <a:pos x="connsiteX5" y="connsiteY5"/>
+              </a:cxn>
+              <a:cxn ang="0">
+                <a:pos x="connsiteX6" y="connsiteY6"/>
+              </a:cxn>
+              <a:cxn ang="0">
+                <a:pos x="connsiteX7" y="connsiteY7"/>
+              </a:cxn>
+              <a:cxn ang="0">
+                <a:pos x="connsiteX8" y="connsiteY8"/>
+              </a:cxn>
+              <a:cxn ang="0">
+                <a:pos x="connsiteX9" y="connsiteY9"/>
+              </a:cxn>
+              <a:cxn ang="0">
+                <a:pos x="connsiteX10" y="connsiteY10"/>
+              </a:cxn>
+              <a:cxn ang="0">
+                <a:pos x="connsiteX11" y="connsiteY11"/>
+              </a:cxn>
+              <a:cxn ang="0">
+                <a:pos x="connsiteX12" y="connsiteY12"/>
+              </a:cxn>
+              <a:cxn ang="0">
+                <a:pos x="connsiteX13" y="connsiteY13"/>
+              </a:cxn>
+              <a:cxn ang="0">
+                <a:pos x="connsiteX14" y="connsiteY14"/>
+              </a:cxn>
+              <a:cxn ang="0">
+                <a:pos x="connsiteX15" y="connsiteY15"/>
+              </a:cxn>
+              <a:cxn ang="0">
+                <a:pos x="connsiteX16" y="connsiteY16"/>
+              </a:cxn>
+              <a:cxn ang="0">
+                <a:pos x="connsiteX17" y="connsiteY17"/>
+              </a:cxn>
+            </a:cxnLst>
+            <a:rect l="l" t="t" r="r" b="b"/>
+            <a:pathLst>
+              <a:path w="7346605" h="1511306">
+                <a:moveTo>
+                  <a:pt x="0" y="0"/>
+                </a:moveTo>
+                <a:lnTo>
+                  <a:pt x="239486" y="0"/>
+                </a:lnTo>
+                <a:lnTo>
+                  <a:pt x="1209568" y="0"/>
+                </a:lnTo>
+                <a:lnTo>
+                  <a:pt x="2405743" y="0"/>
+                </a:lnTo>
+                <a:lnTo>
+                  <a:pt x="2405743" y="2544"/>
+                </a:lnTo>
+                <a:lnTo>
+                  <a:pt x="2801131" y="2544"/>
+                </a:lnTo>
+                <a:lnTo>
+                  <a:pt x="2801131" y="0"/>
+                </a:lnTo>
+                <a:lnTo>
+                  <a:pt x="7346605" y="0"/>
+                </a:lnTo>
+                <a:lnTo>
+                  <a:pt x="6648988" y="1511301"/>
+                </a:lnTo>
+                <a:lnTo>
+                  <a:pt x="2801132" y="1511301"/>
+                </a:lnTo>
+                <a:lnTo>
+                  <a:pt x="2801132" y="1511304"/>
+                </a:lnTo>
+                <a:lnTo>
+                  <a:pt x="2405743" y="1511304"/>
+                </a:lnTo>
+                <a:lnTo>
+                  <a:pt x="2405743" y="1511306"/>
+                </a:lnTo>
+                <a:lnTo>
+                  <a:pt x="1333411" y="1511306"/>
+                </a:lnTo>
+                <a:lnTo>
+                  <a:pt x="1219208" y="1511306"/>
+                </a:lnTo>
+                <a:lnTo>
+                  <a:pt x="1209568" y="1511306"/>
+                </a:lnTo>
+                <a:lnTo>
+                  <a:pt x="239486" y="1511306"/>
+                </a:lnTo>
+                <a:lnTo>
+                  <a:pt x="0" y="1511306"/>
+                </a:lnTo>
+                <a:close/>
+              </a:path>
+            </a:pathLst>
+          </a:custGeom>
+          <a:solidFill>
+            <a:srgbClr val="D0CECE"/>
+          </a:solidFill>
+          <a:ln>
+            <a:noFill/>
+          </a:ln>
+        </p:spPr>
+        <p:style>
+          <a:lnRef idx="2">
+            <a:schemeClr val="accent1">
+              <a:shade val="50000"/>
+            </a:schemeClr>
+          </a:lnRef>
+          <a:fillRef idx="1">
+            <a:schemeClr val="accent1"/>
+          </a:fillRef>
+          <a:effectRef idx="0">
+            <a:schemeClr val="accent1"/>
+          </a:effectRef>
+          <a:fontRef idx="minor">
+            <a:schemeClr val="lt1"/>
+          </a:fontRef>
+        </p:style>
+        <p:txBody>
+          <a:bodyPr rtlCol="0" anchor="ctr"/>
+          <a:lstStyle/>
+          <a:p>
+            <a:pPr marL="0" marR="0" lvl="0" indent="0" algn="ctr" defTabSz="914400" rtl="0" eaLnBrk="1" fontAlgn="auto" latinLnBrk="0" hangingPunct="1">
+              <a:lnSpc>
+                <a:spcPct val="100000"/>
+              </a:lnSpc>
+              <a:spcBef>
+                <a:spcPts val="0"/>
+              </a:spcBef>
+              <a:spcAft>
+                <a:spcPts val="0"/>
+              </a:spcAft>
+              <a:buClrTx/>
+              <a:buSzTx/>
+              <a:buFontTx/>
+              <a:buNone/>
+              <a:tabLst/>
+              <a:defRPr/>
+            </a:pPr>
+            <a:endParaRPr kumimoji="0" lang="en-US" sz="1800" b="0" i="0" u="none" strike="noStrike" kern="1200" cap="none" spc="0" normalizeH="0" baseline="0" noProof="0">
+              <a:ln>
+                <a:noFill/>
+              </a:ln>
+              <a:solidFill>
+                <a:prstClr val="white">
+                  <a:lumMod val="95000"/>
+                </a:prstClr>
+              </a:solidFill>
+              <a:effectLst/>
+              <a:uLnTx/>
+              <a:uFillTx/>
+              <a:latin typeface="Calibri" panose="020F0502020204030204"/>
+              <a:ea typeface="+mn-ea"/>
+              <a:cs typeface="+mn-cs"/>
+            </a:endParaRPr>
+          </a:p>
+        </p:txBody>
+      </p:sp>
+      <p:sp>
+        <p:nvSpPr>
+          <p:cNvPr id="4" name="TextBox 3">
+            <a:extLst>
+              <a:ext uri="{FF2B5EF4-FFF2-40B4-BE49-F238E27FC236}">
+                <a16:creationId xmlns:a16="http://schemas.microsoft.com/office/drawing/2014/main" id="{A5BA8CC1-6104-BA42-9471-B17DC550FCC8}"/>
+              </a:ext>
+            </a:extLst>
+          </p:cNvPr>
+          <p:cNvSpPr txBox="1"/>
+          <p:nvPr/>
+        </p:nvSpPr>
+        <p:spPr>
+          <a:xfrm>
+            <a:off x="389683" y="5529884"/>
+            <a:ext cx="5693783" cy="1096331"/>
+          </a:xfrm>
+          <a:prstGeom prst="rect">
+            <a:avLst/>
+          </a:prstGeom>
+        </p:spPr>
+        <p:txBody>
+          <a:bodyPr vert="horz" lIns="91440" tIns="45720" rIns="91440" bIns="45720" rtlCol="0" anchor="ctr">
+            <a:normAutofit/>
+          </a:bodyPr>
+          <a:lstStyle/>
+          <a:p>
+            <a:pPr marL="0" marR="0" lvl="0" indent="0" algn="l" defTabSz="914400" rtl="0" eaLnBrk="1" fontAlgn="auto" latinLnBrk="0" hangingPunct="1">
+              <a:lnSpc>
+                <a:spcPct val="90000"/>
+              </a:lnSpc>
+              <a:spcBef>
+                <a:spcPct val="0"/>
+              </a:spcBef>
+              <a:spcAft>
+                <a:spcPts val="600"/>
+              </a:spcAft>
+              <a:buClrTx/>
+              <a:buSzTx/>
+              <a:buFontTx/>
+              <a:buNone/>
+              <a:tabLst/>
+              <a:defRPr/>
+            </a:pPr>
+            <a:r>
+              <a:rPr kumimoji="0" lang="en-US" sz="4000" b="1" i="0" u="none" strike="noStrike" kern="1200" cap="none" spc="0" normalizeH="0" baseline="0" noProof="0" dirty="0" smtClean="0">
+                <a:ln>
+                  <a:noFill/>
+                </a:ln>
+                <a:solidFill>
+                  <a:srgbClr val="303030"/>
+                </a:solidFill>
+                <a:effectLst/>
+                <a:uLnTx/>
+                <a:uFillTx/>
+                <a:latin typeface="Calibri Light" panose="020F0302020204030204"/>
+                <a:ea typeface="+mn-ea"/>
+                <a:cs typeface="+mn-cs"/>
+              </a:rPr>
+              <a:t>AGENDA: Visualization</a:t>
+            </a:r>
+            <a:endParaRPr kumimoji="0" lang="en-US" sz="4000" b="1" i="0" u="none" strike="noStrike" kern="1200" cap="none" spc="0" normalizeH="0" baseline="0" noProof="0" dirty="0">
+              <a:ln>
+                <a:noFill/>
+              </a:ln>
+              <a:solidFill>
+                <a:srgbClr val="303030"/>
+              </a:solidFill>
+              <a:effectLst/>
+              <a:uLnTx/>
+              <a:uFillTx/>
+              <a:latin typeface="Calibri Light" panose="020F0302020204030204"/>
+              <a:ea typeface="+mn-ea"/>
+              <a:cs typeface="+mn-cs"/>
+            </a:endParaRPr>
+          </a:p>
+        </p:txBody>
+      </p:sp>
+      <p:pic>
+        <p:nvPicPr>
+          <p:cNvPr id="3" name="Picture 2">
+            <a:extLst>
+              <a:ext uri="{FF2B5EF4-FFF2-40B4-BE49-F238E27FC236}">
+                <a16:creationId xmlns:a16="http://schemas.microsoft.com/office/drawing/2014/main" id="{B0A5B9B6-518A-9340-A2D6-5B840631FCD2}"/>
+              </a:ext>
+            </a:extLst>
+          </p:cNvPr>
+          <p:cNvPicPr>
+            <a:picLocks noChangeAspect="1"/>
+          </p:cNvPicPr>
+          <p:nvPr/>
+        </p:nvPicPr>
+        <p:blipFill>
+          <a:blip r:embed="rId2">
+            <a:extLst>
+              <a:ext uri="{28A0092B-C50C-407E-A947-70E740481C1C}">
+                <a14:useLocalDpi xmlns:a14="http://schemas.microsoft.com/office/drawing/2010/main" val="0"/>
+              </a:ext>
+            </a:extLst>
+          </a:blip>
+          <a:stretch>
+            <a:fillRect/>
+          </a:stretch>
+        </p:blipFill>
+        <p:spPr>
+          <a:xfrm>
+            <a:off x="6447259" y="1021104"/>
+            <a:ext cx="5280002" cy="3259720"/>
+          </a:xfrm>
+          <a:prstGeom prst="rect">
+            <a:avLst/>
+          </a:prstGeom>
+        </p:spPr>
+      </p:pic>
+      <p:sp>
+        <p:nvSpPr>
+          <p:cNvPr id="5" name="TextBox 4">
+            <a:extLst>
+              <a:ext uri="{FF2B5EF4-FFF2-40B4-BE49-F238E27FC236}">
+                <a16:creationId xmlns:a16="http://schemas.microsoft.com/office/drawing/2014/main" id="{9F801A05-8D8A-A049-B385-4AC7E25D26EF}"/>
+              </a:ext>
+            </a:extLst>
+          </p:cNvPr>
+          <p:cNvSpPr txBox="1"/>
+          <p:nvPr/>
+        </p:nvSpPr>
+        <p:spPr>
+          <a:xfrm>
+            <a:off x="392440" y="181998"/>
+            <a:ext cx="6561724" cy="5036251"/>
+          </a:xfrm>
+          <a:prstGeom prst="rect">
+            <a:avLst/>
+          </a:prstGeom>
+        </p:spPr>
+        <p:txBody>
+          <a:bodyPr vert="horz" lIns="91440" tIns="45720" rIns="91440" bIns="45720" rtlCol="0" anchor="ctr">
+            <a:noAutofit/>
+          </a:bodyPr>
+          <a:lstStyle/>
+          <a:p>
+            <a:pPr marL="0" marR="0" lvl="0" indent="0" algn="l" defTabSz="914400" rtl="0" eaLnBrk="1" fontAlgn="auto" latinLnBrk="0" hangingPunct="1">
+              <a:lnSpc>
+                <a:spcPct val="140000"/>
+              </a:lnSpc>
+              <a:spcBef>
+                <a:spcPts val="0"/>
+              </a:spcBef>
+              <a:spcAft>
+                <a:spcPts val="600"/>
+              </a:spcAft>
+              <a:buClrTx/>
+              <a:buSzTx/>
+              <a:buFontTx/>
+              <a:buNone/>
+              <a:tabLst/>
+              <a:defRPr/>
+            </a:pPr>
+            <a:r>
+              <a:rPr kumimoji="0" lang="en-US" sz="2000" b="0" i="0" u="none" strike="noStrike" kern="1200" cap="none" spc="0" normalizeH="0" baseline="0" noProof="0" dirty="0" smtClean="0">
+                <a:ln>
+                  <a:noFill/>
+                </a:ln>
+                <a:solidFill>
+                  <a:prstClr val="black"/>
+                </a:solidFill>
+                <a:effectLst/>
+                <a:uLnTx/>
+                <a:uFillTx/>
+                <a:latin typeface="Calibri" panose="020F0502020204030204"/>
+                <a:ea typeface="+mn-ea"/>
+                <a:cs typeface="+mn-cs"/>
+              </a:rPr>
+              <a:t>Why </a:t>
+            </a:r>
+            <a:r>
+              <a:rPr kumimoji="0" lang="en-US" sz="2000" b="0" i="0" u="none" strike="noStrike" kern="1200" cap="none" spc="0" normalizeH="0" baseline="0" noProof="0" dirty="0" err="1">
+                <a:ln>
+                  <a:noFill/>
+                </a:ln>
+                <a:solidFill>
+                  <a:prstClr val="black"/>
+                </a:solidFill>
+                <a:effectLst/>
+                <a:uLnTx/>
+                <a:uFillTx/>
+                <a:latin typeface="Calibri" panose="020F0502020204030204"/>
+                <a:ea typeface="+mn-ea"/>
+                <a:cs typeface="+mn-cs"/>
+              </a:rPr>
+              <a:t>g</a:t>
+            </a:r>
+            <a:r>
+              <a:rPr kumimoji="0" lang="en-US" sz="2000" b="0" i="0" u="none" strike="noStrike" kern="1200" cap="none" spc="0" normalizeH="0" baseline="0" noProof="0" dirty="0" err="1" smtClean="0">
+                <a:ln>
+                  <a:noFill/>
+                </a:ln>
+                <a:solidFill>
+                  <a:prstClr val="black"/>
+                </a:solidFill>
+                <a:effectLst/>
+                <a:uLnTx/>
+                <a:uFillTx/>
+                <a:latin typeface="Calibri" panose="020F0502020204030204"/>
+                <a:ea typeface="+mn-ea"/>
+                <a:cs typeface="+mn-cs"/>
+              </a:rPr>
+              <a:t>gplot</a:t>
+            </a:r>
+            <a:r>
+              <a:rPr kumimoji="0" lang="en-US" sz="2000" b="0" i="0" u="none" strike="noStrike" kern="1200" cap="none" spc="0" normalizeH="0" baseline="0" noProof="0" dirty="0" smtClean="0">
+                <a:ln>
+                  <a:noFill/>
+                </a:ln>
+                <a:solidFill>
+                  <a:prstClr val="black"/>
+                </a:solidFill>
+                <a:effectLst/>
+                <a:uLnTx/>
+                <a:uFillTx/>
+                <a:latin typeface="Calibri" panose="020F0502020204030204"/>
+                <a:ea typeface="+mn-ea"/>
+                <a:cs typeface="+mn-cs"/>
+              </a:rPr>
+              <a:t>? (5mins) (QT)</a:t>
+            </a:r>
+            <a:endParaRPr kumimoji="0" lang="en-US" sz="2000" b="0" i="0" u="none" strike="noStrike" kern="1200" cap="none" spc="0" normalizeH="0" baseline="0" noProof="0" dirty="0">
+              <a:ln>
+                <a:noFill/>
+              </a:ln>
+              <a:solidFill>
+                <a:prstClr val="black"/>
+              </a:solidFill>
+              <a:effectLst/>
+              <a:uLnTx/>
+              <a:uFillTx/>
+              <a:latin typeface="Calibri" panose="020F0502020204030204"/>
+              <a:ea typeface="+mn-ea"/>
+              <a:cs typeface="+mn-cs"/>
+            </a:endParaRPr>
+          </a:p>
+          <a:p>
+            <a:pPr marL="800100" marR="0" lvl="1" indent="-342900" algn="l" defTabSz="914400" rtl="0" eaLnBrk="1" fontAlgn="auto" latinLnBrk="0" hangingPunct="1">
+              <a:lnSpc>
+                <a:spcPct val="120000"/>
+              </a:lnSpc>
+              <a:spcBef>
+                <a:spcPts val="0"/>
+              </a:spcBef>
+              <a:spcAft>
+                <a:spcPts val="600"/>
+              </a:spcAft>
+              <a:buClrTx/>
+              <a:buSzTx/>
+              <a:buFont typeface="Arial" panose="020B0604020202020204" pitchFamily="34" charset="0"/>
+              <a:buChar char="•"/>
+              <a:tabLst/>
+              <a:defRPr/>
+            </a:pPr>
+            <a:r>
+              <a:rPr kumimoji="0" lang="en-US" sz="2000" b="0" i="0" u="none" strike="noStrike" kern="1200" cap="none" spc="0" normalizeH="0" baseline="0" noProof="0" dirty="0" smtClean="0">
+                <a:ln>
+                  <a:noFill/>
+                </a:ln>
+                <a:solidFill>
+                  <a:prstClr val="black"/>
+                </a:solidFill>
+                <a:effectLst/>
+                <a:uLnTx/>
+                <a:uFillTx/>
+                <a:latin typeface="Calibri" panose="020F0502020204030204"/>
+                <a:ea typeface="+mn-ea"/>
+                <a:cs typeface="+mn-cs"/>
+              </a:rPr>
+              <a:t>	Grammar of Graphics concept – 7 layers</a:t>
+            </a:r>
+            <a:endParaRPr kumimoji="0" lang="en-US" sz="2000" b="0" i="0" u="none" strike="noStrike" kern="1200" cap="none" spc="0" normalizeH="0" baseline="0" noProof="0" dirty="0">
+              <a:ln>
+                <a:noFill/>
+              </a:ln>
+              <a:solidFill>
+                <a:prstClr val="black"/>
+              </a:solidFill>
+              <a:effectLst/>
+              <a:uLnTx/>
+              <a:uFillTx/>
+              <a:latin typeface="Calibri" panose="020F0502020204030204"/>
+              <a:ea typeface="+mn-ea"/>
+              <a:cs typeface="+mn-cs"/>
+            </a:endParaRPr>
+          </a:p>
+          <a:p>
+            <a:pPr marL="0" marR="0" lvl="0" indent="0" algn="l" defTabSz="914400" rtl="0" eaLnBrk="1" fontAlgn="auto" latinLnBrk="0" hangingPunct="1">
+              <a:lnSpc>
+                <a:spcPct val="140000"/>
+              </a:lnSpc>
+              <a:spcBef>
+                <a:spcPts val="0"/>
+              </a:spcBef>
+              <a:spcAft>
+                <a:spcPts val="600"/>
+              </a:spcAft>
+              <a:buClrTx/>
+              <a:buSzTx/>
+              <a:buFontTx/>
+              <a:buNone/>
+              <a:tabLst/>
+              <a:defRPr/>
+            </a:pPr>
+            <a:r>
+              <a:rPr kumimoji="0" lang="en-US" sz="2000" b="0" i="0" u="none" strike="noStrike" kern="1200" cap="none" spc="0" normalizeH="0" baseline="0" noProof="0" dirty="0" smtClean="0">
+                <a:ln>
+                  <a:noFill/>
+                </a:ln>
+                <a:solidFill>
+                  <a:prstClr val="black"/>
+                </a:solidFill>
+                <a:effectLst/>
+                <a:uLnTx/>
+                <a:uFillTx/>
+                <a:latin typeface="Calibri" panose="020F0502020204030204"/>
+                <a:ea typeface="+mn-ea"/>
+                <a:cs typeface="+mn-cs"/>
+              </a:rPr>
+              <a:t>The Generic Function of </a:t>
+            </a:r>
+            <a:r>
+              <a:rPr kumimoji="0" lang="en-US" sz="2000" b="0" i="0" u="none" strike="noStrike" kern="1200" cap="none" spc="0" normalizeH="0" baseline="0" noProof="0" dirty="0" err="1">
+                <a:ln>
+                  <a:noFill/>
+                </a:ln>
+                <a:solidFill>
+                  <a:prstClr val="black"/>
+                </a:solidFill>
+                <a:effectLst/>
+                <a:uLnTx/>
+                <a:uFillTx/>
+                <a:latin typeface="Calibri" panose="020F0502020204030204"/>
+                <a:ea typeface="+mn-ea"/>
+                <a:cs typeface="+mn-cs"/>
+              </a:rPr>
+              <a:t>g</a:t>
+            </a:r>
+            <a:r>
+              <a:rPr kumimoji="0" lang="en-US" sz="2000" b="0" i="0" u="none" strike="noStrike" kern="1200" cap="none" spc="0" normalizeH="0" baseline="0" noProof="0" dirty="0" err="1" smtClean="0">
+                <a:ln>
+                  <a:noFill/>
+                </a:ln>
+                <a:solidFill>
+                  <a:prstClr val="black"/>
+                </a:solidFill>
+                <a:effectLst/>
+                <a:uLnTx/>
+                <a:uFillTx/>
+                <a:latin typeface="Calibri" panose="020F0502020204030204"/>
+                <a:ea typeface="+mn-ea"/>
+                <a:cs typeface="+mn-cs"/>
+              </a:rPr>
+              <a:t>gplot</a:t>
+            </a:r>
+            <a:r>
+              <a:rPr kumimoji="0" lang="en-US" sz="2000" b="0" i="0" u="none" strike="noStrike" kern="1200" cap="none" spc="0" normalizeH="0" baseline="0" noProof="0" dirty="0" smtClean="0">
+                <a:ln>
+                  <a:noFill/>
+                </a:ln>
+                <a:solidFill>
+                  <a:prstClr val="black"/>
+                </a:solidFill>
+                <a:effectLst/>
+                <a:uLnTx/>
+                <a:uFillTx/>
+                <a:latin typeface="Calibri" panose="020F0502020204030204"/>
+                <a:ea typeface="+mn-ea"/>
+                <a:cs typeface="+mn-cs"/>
+              </a:rPr>
+              <a:t> (</a:t>
+            </a:r>
+            <a:r>
+              <a:rPr kumimoji="0" lang="en-US" sz="2000" b="0" i="0" u="none" strike="noStrike" kern="1200" cap="none" spc="0" normalizeH="0" baseline="0" noProof="0" smtClean="0">
+                <a:ln>
+                  <a:noFill/>
+                </a:ln>
+                <a:solidFill>
+                  <a:prstClr val="black"/>
+                </a:solidFill>
+                <a:effectLst/>
+                <a:uLnTx/>
+                <a:uFillTx/>
+                <a:latin typeface="Calibri" panose="020F0502020204030204"/>
+                <a:ea typeface="+mn-ea"/>
+                <a:cs typeface="+mn-cs"/>
+              </a:rPr>
+              <a:t>10mins) (QT)</a:t>
+            </a:r>
+            <a:endParaRPr kumimoji="0" lang="en-US" sz="2000" b="0" i="0" u="none" strike="noStrike" kern="1200" cap="none" spc="0" normalizeH="0" baseline="0" noProof="0" dirty="0" smtClean="0">
+              <a:ln>
+                <a:noFill/>
+              </a:ln>
+              <a:solidFill>
+                <a:prstClr val="black"/>
+              </a:solidFill>
+              <a:effectLst/>
+              <a:uLnTx/>
+              <a:uFillTx/>
+              <a:latin typeface="Calibri" panose="020F0502020204030204"/>
+              <a:ea typeface="+mn-ea"/>
+              <a:cs typeface="+mn-cs"/>
+            </a:endParaRPr>
+          </a:p>
+          <a:p>
+            <a:pPr marL="800100" marR="0" lvl="1" indent="-342900" algn="l" defTabSz="914400" rtl="0" eaLnBrk="1" fontAlgn="auto" latinLnBrk="0" hangingPunct="1">
+              <a:lnSpc>
+                <a:spcPct val="120000"/>
+              </a:lnSpc>
+              <a:spcBef>
+                <a:spcPts val="0"/>
+              </a:spcBef>
+              <a:spcAft>
+                <a:spcPts val="600"/>
+              </a:spcAft>
+              <a:buClrTx/>
+              <a:buSzTx/>
+              <a:buFont typeface="Arial" panose="020B0604020202020204" pitchFamily="34" charset="0"/>
+              <a:buChar char="•"/>
+              <a:tabLst/>
+              <a:defRPr/>
+            </a:pPr>
+            <a:r>
+              <a:rPr kumimoji="0" lang="en-US" sz="2000" b="0" i="0" u="none" strike="noStrike" kern="1200" cap="none" spc="0" normalizeH="0" baseline="0" noProof="0" dirty="0" smtClean="0">
+                <a:ln>
+                  <a:noFill/>
+                </a:ln>
+                <a:solidFill>
+                  <a:prstClr val="black"/>
+                </a:solidFill>
+                <a:effectLst/>
+                <a:uLnTx/>
+                <a:uFillTx/>
+                <a:latin typeface="Calibri" panose="020F0502020204030204"/>
+                <a:ea typeface="+mn-ea"/>
+                <a:cs typeface="+mn-cs"/>
+              </a:rPr>
+              <a:t>Data </a:t>
+            </a:r>
+            <a:r>
+              <a:rPr kumimoji="0" lang="en-US" sz="2000" b="0" i="0" u="none" strike="noStrike" kern="1200" cap="none" spc="0" normalizeH="0" baseline="0" noProof="0" dirty="0">
+                <a:ln>
+                  <a:noFill/>
+                </a:ln>
+                <a:solidFill>
+                  <a:prstClr val="black"/>
+                </a:solidFill>
+                <a:effectLst/>
+                <a:uLnTx/>
+                <a:uFillTx/>
+                <a:latin typeface="Calibri" panose="020F0502020204030204"/>
+                <a:ea typeface="+mn-ea"/>
+                <a:cs typeface="+mn-cs"/>
+              </a:rPr>
+              <a:t>&amp; Aesthetics</a:t>
+            </a:r>
+          </a:p>
+          <a:p>
+            <a:pPr marL="800100" marR="0" lvl="1" indent="-342900" algn="l" defTabSz="914400" rtl="0" eaLnBrk="1" fontAlgn="auto" latinLnBrk="0" hangingPunct="1">
+              <a:lnSpc>
+                <a:spcPct val="120000"/>
+              </a:lnSpc>
+              <a:spcBef>
+                <a:spcPts val="0"/>
+              </a:spcBef>
+              <a:spcAft>
+                <a:spcPts val="600"/>
+              </a:spcAft>
+              <a:buClrTx/>
+              <a:buSzTx/>
+              <a:buFont typeface="Arial" panose="020B0604020202020204" pitchFamily="34" charset="0"/>
+              <a:buChar char="•"/>
+              <a:tabLst/>
+              <a:defRPr/>
+            </a:pPr>
+            <a:r>
+              <a:rPr kumimoji="0" lang="en-US" sz="2000" b="0" i="0" u="none" strike="noStrike" kern="1200" cap="none" spc="0" normalizeH="0" baseline="0" noProof="0" dirty="0">
+                <a:ln>
+                  <a:noFill/>
+                </a:ln>
+                <a:solidFill>
+                  <a:prstClr val="black"/>
+                </a:solidFill>
+                <a:effectLst/>
+                <a:uLnTx/>
+                <a:uFillTx/>
+                <a:latin typeface="Calibri" panose="020F0502020204030204"/>
+                <a:ea typeface="+mn-ea"/>
+                <a:cs typeface="+mn-cs"/>
+              </a:rPr>
+              <a:t>Geometries</a:t>
+            </a:r>
+          </a:p>
+          <a:p>
+            <a:pPr marL="800100" marR="0" lvl="1" indent="-342900" algn="l" defTabSz="914400" rtl="0" eaLnBrk="1" fontAlgn="auto" latinLnBrk="0" hangingPunct="1">
+              <a:lnSpc>
+                <a:spcPct val="120000"/>
+              </a:lnSpc>
+              <a:spcBef>
+                <a:spcPts val="0"/>
+              </a:spcBef>
+              <a:spcAft>
+                <a:spcPts val="600"/>
+              </a:spcAft>
+              <a:buClrTx/>
+              <a:buSzTx/>
+              <a:buFont typeface="Arial" panose="020B0604020202020204" pitchFamily="34" charset="0"/>
+              <a:buChar char="•"/>
+              <a:tabLst/>
+              <a:defRPr/>
+            </a:pPr>
+            <a:r>
+              <a:rPr kumimoji="0" lang="en-US" sz="2000" b="0" i="0" u="none" strike="noStrike" kern="1200" cap="none" spc="0" normalizeH="0" baseline="0" noProof="0" dirty="0">
+                <a:ln>
+                  <a:noFill/>
+                </a:ln>
+                <a:solidFill>
+                  <a:prstClr val="black"/>
+                </a:solidFill>
+                <a:effectLst/>
+                <a:uLnTx/>
+                <a:uFillTx/>
+                <a:latin typeface="Calibri" panose="020F0502020204030204"/>
+                <a:ea typeface="+mn-ea"/>
+                <a:cs typeface="+mn-cs"/>
+              </a:rPr>
+              <a:t>Facets</a:t>
+            </a:r>
+          </a:p>
+          <a:p>
+            <a:pPr marL="800100" marR="0" lvl="1" indent="-342900" algn="l" defTabSz="914400" rtl="0" eaLnBrk="1" fontAlgn="auto" latinLnBrk="0" hangingPunct="1">
+              <a:lnSpc>
+                <a:spcPct val="120000"/>
+              </a:lnSpc>
+              <a:spcBef>
+                <a:spcPts val="0"/>
+              </a:spcBef>
+              <a:spcAft>
+                <a:spcPts val="600"/>
+              </a:spcAft>
+              <a:buClrTx/>
+              <a:buSzTx/>
+              <a:buFont typeface="Arial" panose="020B0604020202020204" pitchFamily="34" charset="0"/>
+              <a:buChar char="•"/>
+              <a:tabLst/>
+              <a:defRPr/>
+            </a:pPr>
+            <a:r>
+              <a:rPr kumimoji="0" lang="en-US" sz="2000" b="0" i="0" u="none" strike="noStrike" kern="1200" cap="none" spc="0" normalizeH="0" baseline="0" noProof="0" dirty="0">
+                <a:ln>
+                  <a:noFill/>
+                </a:ln>
+                <a:solidFill>
+                  <a:prstClr val="black"/>
+                </a:solidFill>
+                <a:effectLst/>
+                <a:uLnTx/>
+                <a:uFillTx/>
+                <a:latin typeface="Calibri" panose="020F0502020204030204"/>
+                <a:ea typeface="+mn-ea"/>
+                <a:cs typeface="+mn-cs"/>
+              </a:rPr>
+              <a:t>Statistics</a:t>
+            </a:r>
+          </a:p>
+          <a:p>
+            <a:pPr marL="800100" marR="0" lvl="1" indent="-342900" algn="l" defTabSz="914400" rtl="0" eaLnBrk="1" fontAlgn="auto" latinLnBrk="0" hangingPunct="1">
+              <a:lnSpc>
+                <a:spcPct val="120000"/>
+              </a:lnSpc>
+              <a:spcBef>
+                <a:spcPts val="0"/>
+              </a:spcBef>
+              <a:spcAft>
+                <a:spcPts val="600"/>
+              </a:spcAft>
+              <a:buClrTx/>
+              <a:buSzTx/>
+              <a:buFont typeface="Arial" panose="020B0604020202020204" pitchFamily="34" charset="0"/>
+              <a:buChar char="•"/>
+              <a:tabLst/>
+              <a:defRPr/>
+            </a:pPr>
+            <a:r>
+              <a:rPr kumimoji="0" lang="en-US" sz="2000" b="0" i="0" u="none" strike="noStrike" kern="1200" cap="none" spc="0" normalizeH="0" baseline="0" noProof="0" dirty="0">
+                <a:ln>
+                  <a:noFill/>
+                </a:ln>
+                <a:solidFill>
+                  <a:prstClr val="black"/>
+                </a:solidFill>
+                <a:effectLst/>
+                <a:uLnTx/>
+                <a:uFillTx/>
+                <a:latin typeface="Calibri" panose="020F0502020204030204"/>
+                <a:ea typeface="+mn-ea"/>
+                <a:cs typeface="+mn-cs"/>
+              </a:rPr>
+              <a:t>Coordinates</a:t>
+            </a:r>
+          </a:p>
+          <a:p>
+            <a:pPr marL="800100" marR="0" lvl="1" indent="-342900" algn="l" defTabSz="914400" rtl="0" eaLnBrk="1" fontAlgn="auto" latinLnBrk="0" hangingPunct="1">
+              <a:lnSpc>
+                <a:spcPct val="120000"/>
+              </a:lnSpc>
+              <a:spcBef>
+                <a:spcPts val="0"/>
+              </a:spcBef>
+              <a:spcAft>
+                <a:spcPts val="600"/>
+              </a:spcAft>
+              <a:buClrTx/>
+              <a:buSzTx/>
+              <a:buFont typeface="Arial" panose="020B0604020202020204" pitchFamily="34" charset="0"/>
+              <a:buChar char="•"/>
+              <a:tabLst/>
+              <a:defRPr/>
+            </a:pPr>
+            <a:r>
+              <a:rPr kumimoji="0" lang="en-US" sz="2000" b="0" i="0" u="none" strike="noStrike" kern="1200" cap="none" spc="0" normalizeH="0" baseline="0" noProof="0" dirty="0">
+                <a:ln>
+                  <a:noFill/>
+                </a:ln>
+                <a:solidFill>
+                  <a:prstClr val="black"/>
+                </a:solidFill>
+                <a:effectLst/>
+                <a:uLnTx/>
+                <a:uFillTx/>
+                <a:latin typeface="Calibri" panose="020F0502020204030204"/>
+                <a:ea typeface="+mn-ea"/>
+                <a:cs typeface="+mn-cs"/>
+              </a:rPr>
+              <a:t>Themes</a:t>
+            </a:r>
+          </a:p>
+          <a:p>
+            <a:pPr marL="0" marR="0" lvl="0" indent="0" algn="l" defTabSz="914400" rtl="0" eaLnBrk="1" fontAlgn="auto" latinLnBrk="0" hangingPunct="1">
+              <a:lnSpc>
+                <a:spcPct val="140000"/>
+              </a:lnSpc>
+              <a:spcBef>
+                <a:spcPts val="0"/>
+              </a:spcBef>
+              <a:spcAft>
+                <a:spcPts val="600"/>
+              </a:spcAft>
+              <a:buClrTx/>
+              <a:buSzTx/>
+              <a:buFontTx/>
+              <a:buNone/>
+              <a:tabLst/>
+              <a:defRPr/>
+            </a:pPr>
+            <a:r>
+              <a:rPr kumimoji="0" lang="en-US" sz="2000" b="0" i="0" u="none" strike="noStrike" kern="1200" cap="none" spc="0" normalizeH="0" baseline="0" noProof="0" dirty="0">
+                <a:ln>
+                  <a:noFill/>
+                </a:ln>
+                <a:solidFill>
+                  <a:prstClr val="black"/>
+                </a:solidFill>
+                <a:effectLst/>
+                <a:uLnTx/>
+                <a:uFillTx/>
+                <a:latin typeface="Calibri" panose="020F0502020204030204"/>
+                <a:ea typeface="+mn-ea"/>
+                <a:cs typeface="+mn-cs"/>
+              </a:rPr>
+              <a:t>CASE STUDY: U.S. Air Pollution Analysis (20mins) (XP</a:t>
+            </a:r>
+            <a:r>
+              <a:rPr kumimoji="0" lang="en-US" sz="2000" b="0" i="0" u="none" strike="noStrike" kern="1200" cap="none" spc="0" normalizeH="0" baseline="0" noProof="0" dirty="0" smtClean="0">
+                <a:ln>
+                  <a:noFill/>
+                </a:ln>
+                <a:solidFill>
+                  <a:prstClr val="black"/>
+                </a:solidFill>
+                <a:effectLst/>
+                <a:uLnTx/>
+                <a:uFillTx/>
+                <a:latin typeface="Calibri" panose="020F0502020204030204"/>
+                <a:ea typeface="+mn-ea"/>
+                <a:cs typeface="+mn-cs"/>
+              </a:rPr>
+              <a:t>) </a:t>
+            </a:r>
+            <a:r>
+              <a:rPr kumimoji="0" lang="en-US" sz="1600" b="0" i="1" u="none" strike="noStrike" kern="1200" cap="none" spc="0" normalizeH="0" baseline="0" noProof="0" dirty="0">
+                <a:ln>
+                  <a:noFill/>
+                </a:ln>
+                <a:solidFill>
+                  <a:prstClr val="black"/>
+                </a:solidFill>
+                <a:effectLst/>
+                <a:uLnTx/>
+                <a:uFillTx/>
+                <a:latin typeface="Calibri" panose="020F0502020204030204"/>
+                <a:ea typeface="+mn-ea"/>
+                <a:cs typeface="+mn-cs"/>
+              </a:rPr>
+              <a:t>(Following the previous session</a:t>
+            </a:r>
+            <a:r>
+              <a:rPr kumimoji="0" lang="en-US" sz="1600" b="0" i="1" u="none" strike="noStrike" kern="1200" cap="none" spc="0" normalizeH="0" baseline="0" noProof="0" dirty="0" smtClean="0">
+                <a:ln>
+                  <a:noFill/>
+                </a:ln>
+                <a:solidFill>
+                  <a:prstClr val="black"/>
+                </a:solidFill>
+                <a:effectLst/>
+                <a:uLnTx/>
+                <a:uFillTx/>
+                <a:latin typeface="Calibri" panose="020F0502020204030204"/>
+                <a:ea typeface="+mn-ea"/>
+                <a:cs typeface="+mn-cs"/>
+              </a:rPr>
+              <a:t>) </a:t>
+            </a:r>
+            <a:r>
+              <a:rPr kumimoji="0" lang="en-US" sz="1600" b="0" i="1" u="none" strike="noStrike" kern="1200" cap="none" spc="0" normalizeH="0" baseline="0" noProof="0" dirty="0">
+                <a:ln>
+                  <a:noFill/>
+                </a:ln>
+                <a:solidFill>
+                  <a:prstClr val="black"/>
+                </a:solidFill>
+                <a:effectLst/>
+                <a:uLnTx/>
+                <a:uFillTx/>
+                <a:latin typeface="Calibri" panose="020F0502020204030204"/>
+                <a:ea typeface="+mn-ea"/>
+                <a:cs typeface="+mn-cs"/>
+                <a:hlinkClick r:id="rId3"/>
+              </a:rPr>
+              <a:t>https://</a:t>
+            </a:r>
+            <a:r>
+              <a:rPr kumimoji="0" lang="en-US" sz="1600" b="0" i="1" u="none" strike="noStrike" kern="1200" cap="none" spc="0" normalizeH="0" baseline="0" noProof="0" dirty="0" smtClean="0">
+                <a:ln>
+                  <a:noFill/>
+                </a:ln>
+                <a:solidFill>
+                  <a:prstClr val="black"/>
+                </a:solidFill>
+                <a:effectLst/>
+                <a:uLnTx/>
+                <a:uFillTx/>
+                <a:latin typeface="Calibri" panose="020F0502020204030204"/>
+                <a:ea typeface="+mn-ea"/>
+                <a:cs typeface="+mn-cs"/>
+                <a:hlinkClick r:id="rId3"/>
+              </a:rPr>
+              <a:t>rpubs.com/monkey08091992/503363</a:t>
+            </a:r>
+            <a:endParaRPr kumimoji="0" lang="en-US" sz="1600" b="0" i="1" u="none" strike="noStrike" kern="1200" cap="none" spc="0" normalizeH="0" baseline="0" noProof="0" dirty="0">
+              <a:ln>
+                <a:noFill/>
+              </a:ln>
+              <a:solidFill>
+                <a:prstClr val="black"/>
+              </a:solidFill>
+              <a:effectLst/>
+              <a:uLnTx/>
+              <a:uFillTx/>
+              <a:latin typeface="Calibri" panose="020F0502020204030204"/>
+              <a:ea typeface="+mn-ea"/>
+              <a:cs typeface="+mn-cs"/>
+            </a:endParaRPr>
+          </a:p>
+        </p:txBody>
+      </p:sp>
+    </p:spTree>
+    <p:extLst>
+      <p:ext uri="{BB962C8B-B14F-4D97-AF65-F5344CB8AC3E}">
+        <p14:creationId xmlns:p14="http://schemas.microsoft.com/office/powerpoint/2010/main" val="153310920"/>
+      </p:ext>
+    </p:extLst>
+  </p:cSld>
+  <p:clrMapOvr>
+    <a:masterClrMapping/>
+  </p:clrMapOvr>
+</p:sld>
+</file>
+
+<file path=ppt/slides/slide4.xml><?xml version="1.0" encoding="utf-8"?>
 <p:sld xmlns:a="http://schemas.openxmlformats.org/drawingml/2006/main" xmlns:r="http://schemas.openxmlformats.org/officeDocument/2006/relationships" xmlns:p="http://schemas.openxmlformats.org/presentationml/2006/main">
   <p:cSld>
     <p:spTree>
@@ -13606,7 +19220,7 @@
 </p:sld>
 </file>
 
-<file path=ppt/slides/slide3.xml><?xml version="1.0" encoding="utf-8"?>
+<file path=ppt/slides/slide5.xml><?xml version="1.0" encoding="utf-8"?>
 <p:sld xmlns:a="http://schemas.openxmlformats.org/drawingml/2006/main" xmlns:r="http://schemas.openxmlformats.org/officeDocument/2006/relationships" xmlns:p="http://schemas.openxmlformats.org/presentationml/2006/main">
   <p:cSld>
     <p:spTree>
@@ -13728,7 +19342,7 @@
           <p:nvPr/>
         </p:nvPicPr>
         <p:blipFill>
-          <a:blip r:embed="rId3">
+          <a:blip r:embed="rId3" cstate="hqprint">
             <a:extLst>
               <a:ext uri="{28A0092B-C50C-407E-A947-70E740481C1C}">
                 <a14:useLocalDpi xmlns:a14="http://schemas.microsoft.com/office/drawing/2010/main" val="0"/>
@@ -13764,7 +19378,7 @@
           <p:nvPr/>
         </p:nvPicPr>
         <p:blipFill>
-          <a:blip r:embed="rId4">
+          <a:blip r:embed="rId4" cstate="hqprint">
             <a:extLst>
               <a:ext uri="{28A0092B-C50C-407E-A947-70E740481C1C}">
                 <a14:useLocalDpi xmlns:a14="http://schemas.microsoft.com/office/drawing/2010/main" val="0"/>
@@ -13800,7 +19414,7 @@
           <p:nvPr/>
         </p:nvPicPr>
         <p:blipFill>
-          <a:blip r:embed="rId5">
+          <a:blip r:embed="rId5" cstate="hqprint">
             <a:extLst>
               <a:ext uri="{28A0092B-C50C-407E-A947-70E740481C1C}">
                 <a14:useLocalDpi xmlns:a14="http://schemas.microsoft.com/office/drawing/2010/main" val="0"/>
@@ -15030,7 +20644,7 @@
           <p:nvPr/>
         </p:nvPicPr>
         <p:blipFill>
-          <a:blip r:embed="rId6">
+          <a:blip r:embed="rId6" cstate="hqprint">
             <a:extLst>
               <a:ext uri="{28A0092B-C50C-407E-A947-70E740481C1C}">
                 <a14:useLocalDpi xmlns:a14="http://schemas.microsoft.com/office/drawing/2010/main" val="0"/>
@@ -15066,7 +20680,7 @@
           <p:nvPr/>
         </p:nvPicPr>
         <p:blipFill>
-          <a:blip r:embed="rId7">
+          <a:blip r:embed="rId7" cstate="hqprint">
             <a:extLst>
               <a:ext uri="{28A0092B-C50C-407E-A947-70E740481C1C}">
                 <a14:useLocalDpi xmlns:a14="http://schemas.microsoft.com/office/drawing/2010/main" val="0"/>
@@ -15414,7 +21028,7 @@
 </p:sld>
 </file>
 
-<file path=ppt/slides/slide4.xml><?xml version="1.0" encoding="utf-8"?>
+<file path=ppt/slides/slide6.xml><?xml version="1.0" encoding="utf-8"?>
 <p:sld xmlns:a="http://schemas.openxmlformats.org/drawingml/2006/main" xmlns:r="http://schemas.openxmlformats.org/officeDocument/2006/relationships" xmlns:p="http://schemas.openxmlformats.org/presentationml/2006/main" show="0">
   <p:cSld>
     <p:spTree>
@@ -15477,10 +21091,18 @@
   <p:clrMapOvr>
     <a:masterClrMapping/>
   </p:clrMapOvr>
+  <mc:AlternateContent xmlns:mc="http://schemas.openxmlformats.org/markup-compatibility/2006">
+    <mc:Choice xmlns:p14="http://schemas.microsoft.com/office/powerpoint/2010/main" Requires="p14">
+      <p:transition spd="slow" p14:dur="2000"/>
+    </mc:Choice>
+    <mc:Fallback>
+      <p:transition spd="slow"/>
+    </mc:Fallback>
+  </mc:AlternateContent>
 </p:sld>
 </file>
 
-<file path=ppt/slides/slide5.xml><?xml version="1.0" encoding="utf-8"?>
+<file path=ppt/slides/slide7.xml><?xml version="1.0" encoding="utf-8"?>
 <p:sld xmlns:a="http://schemas.openxmlformats.org/drawingml/2006/main" xmlns:r="http://schemas.openxmlformats.org/officeDocument/2006/relationships" xmlns:p="http://schemas.openxmlformats.org/presentationml/2006/main">
   <p:cSld>
     <p:spTree>
@@ -15992,7 +21614,7 @@
 </p:sld>
 </file>
 
-<file path=ppt/slides/slide6.xml><?xml version="1.0" encoding="utf-8"?>
+<file path=ppt/slides/slide8.xml><?xml version="1.0" encoding="utf-8"?>
 <p:sld xmlns:a="http://schemas.openxmlformats.org/drawingml/2006/main" xmlns:r="http://schemas.openxmlformats.org/officeDocument/2006/relationships" xmlns:p="http://schemas.openxmlformats.org/presentationml/2006/main">
   <p:cSld>
     <p:spTree>
@@ -16052,7 +21674,7 @@
 </p:sld>
 </file>
 
-<file path=ppt/slides/slide7.xml><?xml version="1.0" encoding="utf-8"?>
+<file path=ppt/slides/slide9.xml><?xml version="1.0" encoding="utf-8"?>
 <p:sld xmlns:a="http://schemas.openxmlformats.org/drawingml/2006/main" xmlns:r="http://schemas.openxmlformats.org/officeDocument/2006/relationships" xmlns:p="http://schemas.openxmlformats.org/presentationml/2006/main">
   <p:cSld>
     <p:spTree>
@@ -16103,126 +21725,6 @@
     <p:extLst>
       <p:ext uri="{BB962C8B-B14F-4D97-AF65-F5344CB8AC3E}">
         <p14:creationId xmlns:p14="http://schemas.microsoft.com/office/powerpoint/2010/main" val="2572163309"/>
-      </p:ext>
-    </p:extLst>
-  </p:cSld>
-  <p:clrMapOvr>
-    <a:masterClrMapping/>
-  </p:clrMapOvr>
-</p:sld>
-</file>
-
-<file path=ppt/slides/slide8.xml><?xml version="1.0" encoding="utf-8"?>
-<p:sld xmlns:a="http://schemas.openxmlformats.org/drawingml/2006/main" xmlns:r="http://schemas.openxmlformats.org/officeDocument/2006/relationships" xmlns:p="http://schemas.openxmlformats.org/presentationml/2006/main">
-  <p:cSld>
-    <p:spTree>
-      <p:nvGrpSpPr>
-        <p:cNvPr id="1" name=""/>
-        <p:cNvGrpSpPr/>
-        <p:nvPr/>
-      </p:nvGrpSpPr>
-      <p:grpSpPr>
-        <a:xfrm>
-          <a:off x="0" y="0"/>
-          <a:ext cx="0" cy="0"/>
-          <a:chOff x="0" y="0"/>
-          <a:chExt cx="0" cy="0"/>
-        </a:xfrm>
-      </p:grpSpPr>
-      <p:pic>
-        <p:nvPicPr>
-          <p:cNvPr id="2" name="Picture 1">
-            <a:extLst>
-              <a:ext uri="{FF2B5EF4-FFF2-40B4-BE49-F238E27FC236}">
-                <a16:creationId xmlns:a16="http://schemas.microsoft.com/office/drawing/2014/main" id="{FE898BED-CE7E-428D-B5D5-016500288809}"/>
-              </a:ext>
-            </a:extLst>
-          </p:cNvPr>
-          <p:cNvPicPr>
-            <a:picLocks noChangeAspect="1"/>
-          </p:cNvPicPr>
-          <p:nvPr/>
-        </p:nvPicPr>
-        <p:blipFill>
-          <a:blip r:embed="rId2"/>
-          <a:stretch>
-            <a:fillRect/>
-          </a:stretch>
-        </p:blipFill>
-        <p:spPr>
-          <a:xfrm>
-            <a:off x="936654" y="-1"/>
-            <a:ext cx="10318692" cy="6858002"/>
-          </a:xfrm>
-          <a:prstGeom prst="rect">
-            <a:avLst/>
-          </a:prstGeom>
-        </p:spPr>
-      </p:pic>
-    </p:spTree>
-    <p:extLst>
-      <p:ext uri="{BB962C8B-B14F-4D97-AF65-F5344CB8AC3E}">
-        <p14:creationId xmlns:p14="http://schemas.microsoft.com/office/powerpoint/2010/main" val="1664749927"/>
-      </p:ext>
-    </p:extLst>
-  </p:cSld>
-  <p:clrMapOvr>
-    <a:masterClrMapping/>
-  </p:clrMapOvr>
-</p:sld>
-</file>
-
-<file path=ppt/slides/slide9.xml><?xml version="1.0" encoding="utf-8"?>
-<p:sld xmlns:a="http://schemas.openxmlformats.org/drawingml/2006/main" xmlns:r="http://schemas.openxmlformats.org/officeDocument/2006/relationships" xmlns:p="http://schemas.openxmlformats.org/presentationml/2006/main">
-  <p:cSld>
-    <p:spTree>
-      <p:nvGrpSpPr>
-        <p:cNvPr id="1" name=""/>
-        <p:cNvGrpSpPr/>
-        <p:nvPr/>
-      </p:nvGrpSpPr>
-      <p:grpSpPr>
-        <a:xfrm>
-          <a:off x="0" y="0"/>
-          <a:ext cx="0" cy="0"/>
-          <a:chOff x="0" y="0"/>
-          <a:chExt cx="0" cy="0"/>
-        </a:xfrm>
-      </p:grpSpPr>
-      <p:pic>
-        <p:nvPicPr>
-          <p:cNvPr id="2" name="Picture 1">
-            <a:extLst>
-              <a:ext uri="{FF2B5EF4-FFF2-40B4-BE49-F238E27FC236}">
-                <a16:creationId xmlns:a16="http://schemas.microsoft.com/office/drawing/2014/main" id="{754B4131-3045-4B27-B166-78DF89DCEF37}"/>
-              </a:ext>
-            </a:extLst>
-          </p:cNvPr>
-          <p:cNvPicPr>
-            <a:picLocks noChangeAspect="1"/>
-          </p:cNvPicPr>
-          <p:nvPr/>
-        </p:nvPicPr>
-        <p:blipFill>
-          <a:blip r:embed="rId2"/>
-          <a:stretch>
-            <a:fillRect/>
-          </a:stretch>
-        </p:blipFill>
-        <p:spPr>
-          <a:xfrm>
-            <a:off x="1947862" y="323850"/>
-            <a:ext cx="8296275" cy="6210300"/>
-          </a:xfrm>
-          <a:prstGeom prst="rect">
-            <a:avLst/>
-          </a:prstGeom>
-        </p:spPr>
-      </p:pic>
-    </p:spTree>
-    <p:extLst>
-      <p:ext uri="{BB962C8B-B14F-4D97-AF65-F5344CB8AC3E}">
-        <p14:creationId xmlns:p14="http://schemas.microsoft.com/office/powerpoint/2010/main" val="1857644472"/>
       </p:ext>
     </p:extLst>
   </p:cSld>
@@ -16885,4 +22387,299 @@
   </a:objectDefaults>
   <a:extraClrSchemeLst/>
 </a:theme>
+</file>
+
+<file path=ppt/theme/theme3.xml><?xml version="1.0" encoding="utf-8"?>
+<a:theme xmlns:a="http://schemas.openxmlformats.org/drawingml/2006/main" name="1_Office Theme">
+  <a:themeElements>
+    <a:clrScheme name="Office">
+      <a:dk1>
+        <a:sysClr val="windowText" lastClr="000000"/>
+      </a:dk1>
+      <a:lt1>
+        <a:sysClr val="window" lastClr="FFFFFF"/>
+      </a:lt1>
+      <a:dk2>
+        <a:srgbClr val="44546A"/>
+      </a:dk2>
+      <a:lt2>
+        <a:srgbClr val="E7E6E6"/>
+      </a:lt2>
+      <a:accent1>
+        <a:srgbClr val="4472C4"/>
+      </a:accent1>
+      <a:accent2>
+        <a:srgbClr val="ED7D31"/>
+      </a:accent2>
+      <a:accent3>
+        <a:srgbClr val="A5A5A5"/>
+      </a:accent3>
+      <a:accent4>
+        <a:srgbClr val="FFC000"/>
+      </a:accent4>
+      <a:accent5>
+        <a:srgbClr val="5B9BD5"/>
+      </a:accent5>
+      <a:accent6>
+        <a:srgbClr val="70AD47"/>
+      </a:accent6>
+      <a:hlink>
+        <a:srgbClr val="0563C1"/>
+      </a:hlink>
+      <a:folHlink>
+        <a:srgbClr val="954F72"/>
+      </a:folHlink>
+    </a:clrScheme>
+    <a:fontScheme name="Office">
+      <a:majorFont>
+        <a:latin typeface="Calibri Light" panose="020F0302020204030204"/>
+        <a:ea typeface=""/>
+        <a:cs typeface=""/>
+        <a:font script="Jpan" typeface="游ゴシック Light"/>
+        <a:font script="Hang" typeface="맑은 고딕"/>
+        <a:font script="Hans" typeface="等线 Light"/>
+        <a:font script="Hant" typeface="新細明體"/>
+        <a:font script="Arab" typeface="Times New Roman"/>
+        <a:font script="Hebr" typeface="Times New Roman"/>
+        <a:font script="Thai" typeface="Angsana New"/>
+        <a:font script="Ethi" typeface="Nyala"/>
+        <a:font script="Beng" typeface="Vrinda"/>
+        <a:font script="Gujr" typeface="Shruti"/>
+        <a:font script="Khmr" typeface="MoolBoran"/>
+        <a:font script="Knda" typeface="Tunga"/>
+        <a:font script="Guru" typeface="Raavi"/>
+        <a:font script="Cans" typeface="Euphemia"/>
+        <a:font script="Cher" typeface="Plantagenet Cherokee"/>
+        <a:font script="Yiii" typeface="Microsoft Yi Baiti"/>
+        <a:font script="Tibt" typeface="Microsoft Himalaya"/>
+        <a:font script="Thaa" typeface="MV Boli"/>
+        <a:font script="Deva" typeface="Mangal"/>
+        <a:font script="Telu" typeface="Gautami"/>
+        <a:font script="Taml" typeface="Latha"/>
+        <a:font script="Syrc" typeface="Estrangelo Edessa"/>
+        <a:font script="Orya" typeface="Kalinga"/>
+        <a:font script="Mlym" typeface="Kartika"/>
+        <a:font script="Laoo" typeface="DokChampa"/>
+        <a:font script="Sinh" typeface="Iskoola Pota"/>
+        <a:font script="Mong" typeface="Mongolian Baiti"/>
+        <a:font script="Viet" typeface="Times New Roman"/>
+        <a:font script="Uigh" typeface="Microsoft Uighur"/>
+        <a:font script="Geor" typeface="Sylfaen"/>
+        <a:font script="Armn" typeface="Arial"/>
+        <a:font script="Bugi" typeface="Leelawadee UI"/>
+        <a:font script="Bopo" typeface="Microsoft JhengHei"/>
+        <a:font script="Java" typeface="Javanese Text"/>
+        <a:font script="Lisu" typeface="Segoe UI"/>
+        <a:font script="Mymr" typeface="Myanmar Text"/>
+        <a:font script="Nkoo" typeface="Ebrima"/>
+        <a:font script="Olck" typeface="Nirmala UI"/>
+        <a:font script="Osma" typeface="Ebrima"/>
+        <a:font script="Phag" typeface="Phagspa"/>
+        <a:font script="Syrn" typeface="Estrangelo Edessa"/>
+        <a:font script="Syrj" typeface="Estrangelo Edessa"/>
+        <a:font script="Syre" typeface="Estrangelo Edessa"/>
+        <a:font script="Sora" typeface="Nirmala UI"/>
+        <a:font script="Tale" typeface="Microsoft Tai Le"/>
+        <a:font script="Talu" typeface="Microsoft New Tai Lue"/>
+        <a:font script="Tfng" typeface="Ebrima"/>
+      </a:majorFont>
+      <a:minorFont>
+        <a:latin typeface="Calibri" panose="020F0502020204030204"/>
+        <a:ea typeface=""/>
+        <a:cs typeface=""/>
+        <a:font script="Jpan" typeface="游ゴシック"/>
+        <a:font script="Hang" typeface="맑은 고딕"/>
+        <a:font script="Hans" typeface="等线"/>
+        <a:font script="Hant" typeface="新細明體"/>
+        <a:font script="Arab" typeface="Arial"/>
+        <a:font script="Hebr" typeface="Arial"/>
+        <a:font script="Thai" typeface="Cordia New"/>
+        <a:font script="Ethi" typeface="Nyala"/>
+        <a:font script="Beng" typeface="Vrinda"/>
+        <a:font script="Gujr" typeface="Shruti"/>
+        <a:font script="Khmr" typeface="DaunPenh"/>
+        <a:font script="Knda" typeface="Tunga"/>
+        <a:font script="Guru" typeface="Raavi"/>
+        <a:font script="Cans" typeface="Euphemia"/>
+        <a:font script="Cher" typeface="Plantagenet Cherokee"/>
+        <a:font script="Yiii" typeface="Microsoft Yi Baiti"/>
+        <a:font script="Tibt" typeface="Microsoft Himalaya"/>
+        <a:font script="Thaa" typeface="MV Boli"/>
+        <a:font script="Deva" typeface="Mangal"/>
+        <a:font script="Telu" typeface="Gautami"/>
+        <a:font script="Taml" typeface="Latha"/>
+        <a:font script="Syrc" typeface="Estrangelo Edessa"/>
+        <a:font script="Orya" typeface="Kalinga"/>
+        <a:font script="Mlym" typeface="Kartika"/>
+        <a:font script="Laoo" typeface="DokChampa"/>
+        <a:font script="Sinh" typeface="Iskoola Pota"/>
+        <a:font script="Mong" typeface="Mongolian Baiti"/>
+        <a:font script="Viet" typeface="Arial"/>
+        <a:font script="Uigh" typeface="Microsoft Uighur"/>
+        <a:font script="Geor" typeface="Sylfaen"/>
+        <a:font script="Armn" typeface="Arial"/>
+        <a:font script="Bugi" typeface="Leelawadee UI"/>
+        <a:font script="Bopo" typeface="Microsoft JhengHei"/>
+        <a:font script="Java" typeface="Javanese Text"/>
+        <a:font script="Lisu" typeface="Segoe UI"/>
+        <a:font script="Mymr" typeface="Myanmar Text"/>
+        <a:font script="Nkoo" typeface="Ebrima"/>
+        <a:font script="Olck" typeface="Nirmala UI"/>
+        <a:font script="Osma" typeface="Ebrima"/>
+        <a:font script="Phag" typeface="Phagspa"/>
+        <a:font script="Syrn" typeface="Estrangelo Edessa"/>
+        <a:font script="Syrj" typeface="Estrangelo Edessa"/>
+        <a:font script="Syre" typeface="Estrangelo Edessa"/>
+        <a:font script="Sora" typeface="Nirmala UI"/>
+        <a:font script="Tale" typeface="Microsoft Tai Le"/>
+        <a:font script="Talu" typeface="Microsoft New Tai Lue"/>
+        <a:font script="Tfng" typeface="Ebrima"/>
+      </a:minorFont>
+    </a:fontScheme>
+    <a:fmtScheme name="Office">
+      <a:fillStyleLst>
+        <a:solidFill>
+          <a:schemeClr val="phClr"/>
+        </a:solidFill>
+        <a:gradFill rotWithShape="1">
+          <a:gsLst>
+            <a:gs pos="0">
+              <a:schemeClr val="phClr">
+                <a:lumMod val="110000"/>
+                <a:satMod val="105000"/>
+                <a:tint val="67000"/>
+              </a:schemeClr>
+            </a:gs>
+            <a:gs pos="50000">
+              <a:schemeClr val="phClr">
+                <a:lumMod val="105000"/>
+                <a:satMod val="103000"/>
+                <a:tint val="73000"/>
+              </a:schemeClr>
+            </a:gs>
+            <a:gs pos="100000">
+              <a:schemeClr val="phClr">
+                <a:lumMod val="105000"/>
+                <a:satMod val="109000"/>
+                <a:tint val="81000"/>
+              </a:schemeClr>
+            </a:gs>
+          </a:gsLst>
+          <a:lin ang="5400000" scaled="0"/>
+        </a:gradFill>
+        <a:gradFill rotWithShape="1">
+          <a:gsLst>
+            <a:gs pos="0">
+              <a:schemeClr val="phClr">
+                <a:satMod val="103000"/>
+                <a:lumMod val="102000"/>
+                <a:tint val="94000"/>
+              </a:schemeClr>
+            </a:gs>
+            <a:gs pos="50000">
+              <a:schemeClr val="phClr">
+                <a:satMod val="110000"/>
+                <a:lumMod val="100000"/>
+                <a:shade val="100000"/>
+              </a:schemeClr>
+            </a:gs>
+            <a:gs pos="100000">
+              <a:schemeClr val="phClr">
+                <a:lumMod val="99000"/>
+                <a:satMod val="120000"/>
+                <a:shade val="78000"/>
+              </a:schemeClr>
+            </a:gs>
+          </a:gsLst>
+          <a:lin ang="5400000" scaled="0"/>
+        </a:gradFill>
+      </a:fillStyleLst>
+      <a:lnStyleLst>
+        <a:ln w="6350" cap="flat" cmpd="sng" algn="ctr">
+          <a:solidFill>
+            <a:schemeClr val="phClr"/>
+          </a:solidFill>
+          <a:prstDash val="solid"/>
+          <a:miter lim="800000"/>
+        </a:ln>
+        <a:ln w="12700" cap="flat" cmpd="sng" algn="ctr">
+          <a:solidFill>
+            <a:schemeClr val="phClr"/>
+          </a:solidFill>
+          <a:prstDash val="solid"/>
+          <a:miter lim="800000"/>
+        </a:ln>
+        <a:ln w="19050" cap="flat" cmpd="sng" algn="ctr">
+          <a:solidFill>
+            <a:schemeClr val="phClr"/>
+          </a:solidFill>
+          <a:prstDash val="solid"/>
+          <a:miter lim="800000"/>
+        </a:ln>
+      </a:lnStyleLst>
+      <a:effectStyleLst>
+        <a:effectStyle>
+          <a:effectLst/>
+        </a:effectStyle>
+        <a:effectStyle>
+          <a:effectLst/>
+        </a:effectStyle>
+        <a:effectStyle>
+          <a:effectLst>
+            <a:outerShdw blurRad="57150" dist="19050" dir="5400000" algn="ctr" rotWithShape="0">
+              <a:srgbClr val="000000">
+                <a:alpha val="63000"/>
+              </a:srgbClr>
+            </a:outerShdw>
+          </a:effectLst>
+        </a:effectStyle>
+      </a:effectStyleLst>
+      <a:bgFillStyleLst>
+        <a:solidFill>
+          <a:schemeClr val="phClr"/>
+        </a:solidFill>
+        <a:solidFill>
+          <a:schemeClr val="phClr">
+            <a:tint val="95000"/>
+            <a:satMod val="170000"/>
+          </a:schemeClr>
+        </a:solidFill>
+        <a:gradFill rotWithShape="1">
+          <a:gsLst>
+            <a:gs pos="0">
+              <a:schemeClr val="phClr">
+                <a:tint val="93000"/>
+                <a:satMod val="150000"/>
+                <a:shade val="98000"/>
+                <a:lumMod val="102000"/>
+              </a:schemeClr>
+            </a:gs>
+            <a:gs pos="50000">
+              <a:schemeClr val="phClr">
+                <a:tint val="98000"/>
+                <a:satMod val="130000"/>
+                <a:shade val="90000"/>
+                <a:lumMod val="103000"/>
+              </a:schemeClr>
+            </a:gs>
+            <a:gs pos="100000">
+              <a:schemeClr val="phClr">
+                <a:shade val="63000"/>
+                <a:satMod val="120000"/>
+              </a:schemeClr>
+            </a:gs>
+          </a:gsLst>
+          <a:lin ang="5400000" scaled="0"/>
+        </a:gradFill>
+      </a:bgFillStyleLst>
+    </a:fmtScheme>
+  </a:themeElements>
+  <a:objectDefaults/>
+  <a:extraClrSchemeLst/>
+  <a:extLst>
+    <a:ext uri="{05A4C25C-085E-4340-85A3-A5531E510DB2}">
+      <thm15:themeFamily xmlns:thm15="http://schemas.microsoft.com/office/thememl/2012/main" name="Office Theme" id="{62F939B6-93AF-4DB8-9C6B-D6C7DFDC589F}" vid="{4A3C46E8-61CC-4603-A589-7422A47A8E4A}"/>
+    </a:ext>
+  </a:extLst>
+</a:theme>
 </file>
--- a/Tidyverse presentation.pptx
+++ b/Tidyverse presentation.pptx
@@ -8,10 +8,10 @@
   </p:sldMasterIdLst>
   <p:sldIdLst>
     <p:sldId id="257" r:id="rId4"/>
-    <p:sldId id="267" r:id="rId5"/>
-    <p:sldId id="268" r:id="rId6"/>
-    <p:sldId id="258" r:id="rId7"/>
-    <p:sldId id="259" r:id="rId8"/>
+    <p:sldId id="258" r:id="rId5"/>
+    <p:sldId id="259" r:id="rId6"/>
+    <p:sldId id="267" r:id="rId7"/>
+    <p:sldId id="268" r:id="rId8"/>
     <p:sldId id="256" r:id="rId9"/>
     <p:sldId id="266" r:id="rId10"/>
     <p:sldId id="260" r:id="rId11"/>
@@ -284,7 +284,7 @@
           <a:p>
             <a:fld id="{BC1A65E1-0B5E-40C6-B8C7-3A260322B58E}" type="datetimeFigureOut">
               <a:rPr lang="en-US" smtClean="0"/>
-              <a:t>12/17/2019</a:t>
+              <a:t>17-12-2019</a:t>
             </a:fld>
             <a:endParaRPr lang="en-US"/>
           </a:p>
@@ -482,7 +482,7 @@
           <a:p>
             <a:fld id="{BC1A65E1-0B5E-40C6-B8C7-3A260322B58E}" type="datetimeFigureOut">
               <a:rPr lang="en-US" smtClean="0"/>
-              <a:t>12/17/2019</a:t>
+              <a:t>17-12-2019</a:t>
             </a:fld>
             <a:endParaRPr lang="en-US"/>
           </a:p>
@@ -690,7 +690,7 @@
           <a:p>
             <a:fld id="{BC1A65E1-0B5E-40C6-B8C7-3A260322B58E}" type="datetimeFigureOut">
               <a:rPr lang="en-US" smtClean="0"/>
-              <a:t>12/17/2019</a:t>
+              <a:t>17-12-2019</a:t>
             </a:fld>
             <a:endParaRPr lang="en-US"/>
           </a:p>
@@ -3279,7 +3279,7 @@
           <a:p>
             <a:fld id="{BC1A65E1-0B5E-40C6-B8C7-3A260322B58E}" type="datetimeFigureOut">
               <a:rPr lang="en-US" smtClean="0"/>
-              <a:t>12/17/2019</a:t>
+              <a:t>17-12-2019</a:t>
             </a:fld>
             <a:endParaRPr lang="en-US"/>
           </a:p>
@@ -10254,7 +10254,7 @@
           <a:p>
             <a:fld id="{BC1A65E1-0B5E-40C6-B8C7-3A260322B58E}" type="datetimeFigureOut">
               <a:rPr lang="en-US" smtClean="0"/>
-              <a:t>12/17/2019</a:t>
+              <a:t>17-12-2019</a:t>
             </a:fld>
             <a:endParaRPr lang="en-US"/>
           </a:p>
@@ -12745,7 +12745,7 @@
           <a:p>
             <a:fld id="{BC1A65E1-0B5E-40C6-B8C7-3A260322B58E}" type="datetimeFigureOut">
               <a:rPr lang="en-US" smtClean="0"/>
-              <a:t>12/17/2019</a:t>
+              <a:t>17-12-2019</a:t>
             </a:fld>
             <a:endParaRPr lang="en-US"/>
           </a:p>
@@ -13157,7 +13157,7 @@
           <a:p>
             <a:fld id="{BC1A65E1-0B5E-40C6-B8C7-3A260322B58E}" type="datetimeFigureOut">
               <a:rPr lang="en-US" smtClean="0"/>
-              <a:t>12/17/2019</a:t>
+              <a:t>17-12-2019</a:t>
             </a:fld>
             <a:endParaRPr lang="en-US"/>
           </a:p>
@@ -13298,7 +13298,7 @@
           <a:p>
             <a:fld id="{BC1A65E1-0B5E-40C6-B8C7-3A260322B58E}" type="datetimeFigureOut">
               <a:rPr lang="en-US" smtClean="0"/>
-              <a:t>12/17/2019</a:t>
+              <a:t>17-12-2019</a:t>
             </a:fld>
             <a:endParaRPr lang="en-US"/>
           </a:p>
@@ -13411,7 +13411,7 @@
           <a:p>
             <a:fld id="{BC1A65E1-0B5E-40C6-B8C7-3A260322B58E}" type="datetimeFigureOut">
               <a:rPr lang="en-US" smtClean="0"/>
-              <a:t>12/17/2019</a:t>
+              <a:t>17-12-2019</a:t>
             </a:fld>
             <a:endParaRPr lang="en-US"/>
           </a:p>
@@ -13722,7 +13722,7 @@
           <a:p>
             <a:fld id="{BC1A65E1-0B5E-40C6-B8C7-3A260322B58E}" type="datetimeFigureOut">
               <a:rPr lang="en-US" smtClean="0"/>
-              <a:t>12/17/2019</a:t>
+              <a:t>17-12-2019</a:t>
             </a:fld>
             <a:endParaRPr lang="en-US"/>
           </a:p>
@@ -14010,7 +14010,7 @@
           <a:p>
             <a:fld id="{BC1A65E1-0B5E-40C6-B8C7-3A260322B58E}" type="datetimeFigureOut">
               <a:rPr lang="en-US" smtClean="0"/>
-              <a:t>12/17/2019</a:t>
+              <a:t>17-12-2019</a:t>
             </a:fld>
             <a:endParaRPr lang="en-US"/>
           </a:p>
@@ -14251,7 +14251,7 @@
           <a:p>
             <a:fld id="{BC1A65E1-0B5E-40C6-B8C7-3A260322B58E}" type="datetimeFigureOut">
               <a:rPr lang="en-US" smtClean="0"/>
-              <a:t>12/17/2019</a:t>
+              <a:t>17-12-2019</a:t>
             </a:fld>
             <a:endParaRPr lang="en-US"/>
           </a:p>
@@ -16005,2274 +16005,6 @@
 </file>
 
 <file path=ppt/slides/slide2.xml><?xml version="1.0" encoding="utf-8"?>
-<p:sld xmlns:a="http://schemas.openxmlformats.org/drawingml/2006/main" xmlns:r="http://schemas.openxmlformats.org/officeDocument/2006/relationships" xmlns:p="http://schemas.openxmlformats.org/presentationml/2006/main">
-  <p:cSld>
-    <p:bg>
-      <p:bgPr>
-        <a:solidFill>
-          <a:schemeClr val="bg1"/>
-        </a:solidFill>
-        <a:effectLst/>
-      </p:bgPr>
-    </p:bg>
-    <p:spTree>
-      <p:nvGrpSpPr>
-        <p:cNvPr id="1" name=""/>
-        <p:cNvGrpSpPr/>
-        <p:nvPr/>
-      </p:nvGrpSpPr>
-      <p:grpSpPr>
-        <a:xfrm>
-          <a:off x="0" y="0"/>
-          <a:ext cx="0" cy="0"/>
-          <a:chOff x="0" y="0"/>
-          <a:chExt cx="0" cy="0"/>
-        </a:xfrm>
-      </p:grpSpPr>
-      <p:sp>
-        <p:nvSpPr>
-          <p:cNvPr id="13" name="Freeform: Shape 9">
-            <a:extLst>
-              <a:ext uri="{FF2B5EF4-FFF2-40B4-BE49-F238E27FC236}">
-                <a16:creationId xmlns:a16="http://schemas.microsoft.com/office/drawing/2014/main" id="{F60FCA6E-0894-46CD-BD49-5955A51E0084}"/>
-              </a:ext>
-              <a:ext uri="{C183D7F6-B498-43B3-948B-1728B52AA6E4}">
-                <adec:decorative xmlns="" xmlns:adec="http://schemas.microsoft.com/office/drawing/2017/decorative" val="1"/>
-              </a:ext>
-            </a:extLst>
-          </p:cNvPr>
-          <p:cNvSpPr>
-            <a:spLocks noGrp="1" noRot="1" noChangeAspect="1" noMove="1" noResize="1" noEditPoints="1" noAdjustHandles="1" noChangeArrowheads="1" noChangeShapeType="1" noTextEdit="1"/>
-          </p:cNvSpPr>
-          <p:nvPr>
-            <p:extLst>
-              <p:ext uri="{386F3935-93C4-4BCD-93E2-E3B085C9AB24}">
-                <p16:designElem xmlns:p16="http://schemas.microsoft.com/office/powerpoint/2015/main" val="1"/>
-              </p:ext>
-            </p:extLst>
-          </p:nvPr>
-        </p:nvSpPr>
-        <p:spPr>
-          <a:xfrm>
-            <a:off x="6831955" y="5346696"/>
-            <a:ext cx="5360045" cy="1511304"/>
-          </a:xfrm>
-          <a:custGeom>
-            <a:avLst/>
-            <a:gdLst>
-              <a:gd name="connsiteX0" fmla="*/ 4545473 w 5360045"/>
-              <a:gd name="connsiteY0" fmla="*/ 0 h 1511304"/>
-              <a:gd name="connsiteX1" fmla="*/ 5360045 w 5360045"/>
-              <a:gd name="connsiteY1" fmla="*/ 0 h 1511304"/>
-              <a:gd name="connsiteX2" fmla="*/ 5360045 w 5360045"/>
-              <a:gd name="connsiteY2" fmla="*/ 1046730 h 1511304"/>
-              <a:gd name="connsiteX3" fmla="*/ 5360045 w 5360045"/>
-              <a:gd name="connsiteY3" fmla="*/ 1508760 h 1511304"/>
-              <a:gd name="connsiteX4" fmla="*/ 5360045 w 5360045"/>
-              <a:gd name="connsiteY4" fmla="*/ 1511304 h 1511304"/>
-              <a:gd name="connsiteX5" fmla="*/ 4545474 w 5360045"/>
-              <a:gd name="connsiteY5" fmla="*/ 1511304 h 1511304"/>
-              <a:gd name="connsiteX6" fmla="*/ 2525897 w 5360045"/>
-              <a:gd name="connsiteY6" fmla="*/ 1511304 h 1511304"/>
-              <a:gd name="connsiteX7" fmla="*/ 0 w 5360045"/>
-              <a:gd name="connsiteY7" fmla="*/ 1511304 h 1511304"/>
-              <a:gd name="connsiteX8" fmla="*/ 697617 w 5360045"/>
-              <a:gd name="connsiteY8" fmla="*/ 3 h 1511304"/>
-              <a:gd name="connsiteX9" fmla="*/ 4545473 w 5360045"/>
-              <a:gd name="connsiteY9" fmla="*/ 3 h 1511304"/>
-            </a:gdLst>
-            <a:ahLst/>
-            <a:cxnLst>
-              <a:cxn ang="0">
-                <a:pos x="connsiteX0" y="connsiteY0"/>
-              </a:cxn>
-              <a:cxn ang="0">
-                <a:pos x="connsiteX1" y="connsiteY1"/>
-              </a:cxn>
-              <a:cxn ang="0">
-                <a:pos x="connsiteX2" y="connsiteY2"/>
-              </a:cxn>
-              <a:cxn ang="0">
-                <a:pos x="connsiteX3" y="connsiteY3"/>
-              </a:cxn>
-              <a:cxn ang="0">
-                <a:pos x="connsiteX4" y="connsiteY4"/>
-              </a:cxn>
-              <a:cxn ang="0">
-                <a:pos x="connsiteX5" y="connsiteY5"/>
-              </a:cxn>
-              <a:cxn ang="0">
-                <a:pos x="connsiteX6" y="connsiteY6"/>
-              </a:cxn>
-              <a:cxn ang="0">
-                <a:pos x="connsiteX7" y="connsiteY7"/>
-              </a:cxn>
-              <a:cxn ang="0">
-                <a:pos x="connsiteX8" y="connsiteY8"/>
-              </a:cxn>
-              <a:cxn ang="0">
-                <a:pos x="connsiteX9" y="connsiteY9"/>
-              </a:cxn>
-            </a:cxnLst>
-            <a:rect l="l" t="t" r="r" b="b"/>
-            <a:pathLst>
-              <a:path w="5360045" h="1511304">
-                <a:moveTo>
-                  <a:pt x="4545473" y="0"/>
-                </a:moveTo>
-                <a:lnTo>
-                  <a:pt x="5360045" y="0"/>
-                </a:lnTo>
-                <a:lnTo>
-                  <a:pt x="5360045" y="1046730"/>
-                </a:lnTo>
-                <a:lnTo>
-                  <a:pt x="5360045" y="1508760"/>
-                </a:lnTo>
-                <a:lnTo>
-                  <a:pt x="5360045" y="1511304"/>
-                </a:lnTo>
-                <a:lnTo>
-                  <a:pt x="4545474" y="1511304"/>
-                </a:lnTo>
-                <a:lnTo>
-                  <a:pt x="2525897" y="1511304"/>
-                </a:lnTo>
-                <a:lnTo>
-                  <a:pt x="0" y="1511304"/>
-                </a:lnTo>
-                <a:lnTo>
-                  <a:pt x="697617" y="3"/>
-                </a:lnTo>
-                <a:lnTo>
-                  <a:pt x="4545473" y="3"/>
-                </a:lnTo>
-                <a:close/>
-              </a:path>
-            </a:pathLst>
-          </a:custGeom>
-          <a:solidFill>
-            <a:srgbClr val="404040">
-              <a:alpha val="84706"/>
-            </a:srgbClr>
-          </a:solidFill>
-          <a:ln>
-            <a:noFill/>
-          </a:ln>
-        </p:spPr>
-        <p:style>
-          <a:lnRef idx="2">
-            <a:schemeClr val="accent1">
-              <a:shade val="50000"/>
-            </a:schemeClr>
-          </a:lnRef>
-          <a:fillRef idx="1">
-            <a:schemeClr val="accent1"/>
-          </a:fillRef>
-          <a:effectRef idx="0">
-            <a:schemeClr val="accent1"/>
-          </a:effectRef>
-          <a:fontRef idx="minor">
-            <a:schemeClr val="lt1"/>
-          </a:fontRef>
-        </p:style>
-        <p:txBody>
-          <a:bodyPr wrap="square" rtlCol="0" anchor="ctr">
-            <a:noAutofit/>
-          </a:bodyPr>
-          <a:lstStyle/>
-          <a:p>
-            <a:pPr marL="0" marR="0" lvl="0" indent="0" algn="ctr" defTabSz="914400" rtl="0" eaLnBrk="1" fontAlgn="auto" latinLnBrk="0" hangingPunct="1">
-              <a:lnSpc>
-                <a:spcPct val="100000"/>
-              </a:lnSpc>
-              <a:spcBef>
-                <a:spcPts val="0"/>
-              </a:spcBef>
-              <a:spcAft>
-                <a:spcPts val="0"/>
-              </a:spcAft>
-              <a:buClrTx/>
-              <a:buSzTx/>
-              <a:buFontTx/>
-              <a:buNone/>
-              <a:tabLst/>
-              <a:defRPr/>
-            </a:pPr>
-            <a:endParaRPr kumimoji="0" lang="en-US" sz="1800" b="0" i="0" u="none" strike="noStrike" kern="1200" cap="none" spc="0" normalizeH="0" baseline="0" noProof="0">
-              <a:ln>
-                <a:noFill/>
-              </a:ln>
-              <a:solidFill>
-                <a:prstClr val="white"/>
-              </a:solidFill>
-              <a:effectLst/>
-              <a:uLnTx/>
-              <a:uFillTx/>
-              <a:latin typeface="Calibri" panose="020F0502020204030204"/>
-              <a:ea typeface="+mn-ea"/>
-              <a:cs typeface="+mn-cs"/>
-            </a:endParaRPr>
-          </a:p>
-        </p:txBody>
-      </p:sp>
-      <p:sp>
-        <p:nvSpPr>
-          <p:cNvPr id="12" name="Freeform: Shape 11">
-            <a:extLst>
-              <a:ext uri="{FF2B5EF4-FFF2-40B4-BE49-F238E27FC236}">
-                <a16:creationId xmlns:a16="http://schemas.microsoft.com/office/drawing/2014/main" id="{E78C6E4B-A1F1-4B6C-97EC-BE997495D6AC}"/>
-              </a:ext>
-              <a:ext uri="{C183D7F6-B498-43B3-948B-1728B52AA6E4}">
-                <adec:decorative xmlns="" xmlns:adec="http://schemas.microsoft.com/office/drawing/2017/decorative" val="1"/>
-              </a:ext>
-            </a:extLst>
-          </p:cNvPr>
-          <p:cNvSpPr>
-            <a:spLocks noGrp="1" noRot="1" noChangeAspect="1" noMove="1" noResize="1" noEditPoints="1" noAdjustHandles="1" noChangeArrowheads="1" noChangeShapeType="1" noTextEdit="1"/>
-          </p:cNvSpPr>
-          <p:nvPr>
-            <p:extLst>
-              <p:ext uri="{386F3935-93C4-4BCD-93E2-E3B085C9AB24}">
-                <p16:designElem xmlns:p16="http://schemas.microsoft.com/office/powerpoint/2015/main" val="1"/>
-              </p:ext>
-            </p:extLst>
-          </p:nvPr>
-        </p:nvSpPr>
-        <p:spPr>
-          <a:xfrm>
-            <a:off x="0" y="5346694"/>
-            <a:ext cx="7346605" cy="1511306"/>
-          </a:xfrm>
-          <a:custGeom>
-            <a:avLst/>
-            <a:gdLst>
-              <a:gd name="connsiteX0" fmla="*/ 0 w 7346605"/>
-              <a:gd name="connsiteY0" fmla="*/ 0 h 1511306"/>
-              <a:gd name="connsiteX1" fmla="*/ 239486 w 7346605"/>
-              <a:gd name="connsiteY1" fmla="*/ 0 h 1511306"/>
-              <a:gd name="connsiteX2" fmla="*/ 1209568 w 7346605"/>
-              <a:gd name="connsiteY2" fmla="*/ 0 h 1511306"/>
-              <a:gd name="connsiteX3" fmla="*/ 2405743 w 7346605"/>
-              <a:gd name="connsiteY3" fmla="*/ 0 h 1511306"/>
-              <a:gd name="connsiteX4" fmla="*/ 2405743 w 7346605"/>
-              <a:gd name="connsiteY4" fmla="*/ 2544 h 1511306"/>
-              <a:gd name="connsiteX5" fmla="*/ 2801131 w 7346605"/>
-              <a:gd name="connsiteY5" fmla="*/ 2544 h 1511306"/>
-              <a:gd name="connsiteX6" fmla="*/ 2801131 w 7346605"/>
-              <a:gd name="connsiteY6" fmla="*/ 0 h 1511306"/>
-              <a:gd name="connsiteX7" fmla="*/ 7346605 w 7346605"/>
-              <a:gd name="connsiteY7" fmla="*/ 0 h 1511306"/>
-              <a:gd name="connsiteX8" fmla="*/ 6648988 w 7346605"/>
-              <a:gd name="connsiteY8" fmla="*/ 1511301 h 1511306"/>
-              <a:gd name="connsiteX9" fmla="*/ 2801132 w 7346605"/>
-              <a:gd name="connsiteY9" fmla="*/ 1511301 h 1511306"/>
-              <a:gd name="connsiteX10" fmla="*/ 2801132 w 7346605"/>
-              <a:gd name="connsiteY10" fmla="*/ 1511304 h 1511306"/>
-              <a:gd name="connsiteX11" fmla="*/ 2405743 w 7346605"/>
-              <a:gd name="connsiteY11" fmla="*/ 1511304 h 1511306"/>
-              <a:gd name="connsiteX12" fmla="*/ 2405743 w 7346605"/>
-              <a:gd name="connsiteY12" fmla="*/ 1511306 h 1511306"/>
-              <a:gd name="connsiteX13" fmla="*/ 1333411 w 7346605"/>
-              <a:gd name="connsiteY13" fmla="*/ 1511306 h 1511306"/>
-              <a:gd name="connsiteX14" fmla="*/ 1219208 w 7346605"/>
-              <a:gd name="connsiteY14" fmla="*/ 1511306 h 1511306"/>
-              <a:gd name="connsiteX15" fmla="*/ 1209568 w 7346605"/>
-              <a:gd name="connsiteY15" fmla="*/ 1511306 h 1511306"/>
-              <a:gd name="connsiteX16" fmla="*/ 239486 w 7346605"/>
-              <a:gd name="connsiteY16" fmla="*/ 1511306 h 1511306"/>
-              <a:gd name="connsiteX17" fmla="*/ 0 w 7346605"/>
-              <a:gd name="connsiteY17" fmla="*/ 1511306 h 1511306"/>
-            </a:gdLst>
-            <a:ahLst/>
-            <a:cxnLst>
-              <a:cxn ang="0">
-                <a:pos x="connsiteX0" y="connsiteY0"/>
-              </a:cxn>
-              <a:cxn ang="0">
-                <a:pos x="connsiteX1" y="connsiteY1"/>
-              </a:cxn>
-              <a:cxn ang="0">
-                <a:pos x="connsiteX2" y="connsiteY2"/>
-              </a:cxn>
-              <a:cxn ang="0">
-                <a:pos x="connsiteX3" y="connsiteY3"/>
-              </a:cxn>
-              <a:cxn ang="0">
-                <a:pos x="connsiteX4" y="connsiteY4"/>
-              </a:cxn>
-              <a:cxn ang="0">
-                <a:pos x="connsiteX5" y="connsiteY5"/>
-              </a:cxn>
-              <a:cxn ang="0">
-                <a:pos x="connsiteX6" y="connsiteY6"/>
-              </a:cxn>
-              <a:cxn ang="0">
-                <a:pos x="connsiteX7" y="connsiteY7"/>
-              </a:cxn>
-              <a:cxn ang="0">
-                <a:pos x="connsiteX8" y="connsiteY8"/>
-              </a:cxn>
-              <a:cxn ang="0">
-                <a:pos x="connsiteX9" y="connsiteY9"/>
-              </a:cxn>
-              <a:cxn ang="0">
-                <a:pos x="connsiteX10" y="connsiteY10"/>
-              </a:cxn>
-              <a:cxn ang="0">
-                <a:pos x="connsiteX11" y="connsiteY11"/>
-              </a:cxn>
-              <a:cxn ang="0">
-                <a:pos x="connsiteX12" y="connsiteY12"/>
-              </a:cxn>
-              <a:cxn ang="0">
-                <a:pos x="connsiteX13" y="connsiteY13"/>
-              </a:cxn>
-              <a:cxn ang="0">
-                <a:pos x="connsiteX14" y="connsiteY14"/>
-              </a:cxn>
-              <a:cxn ang="0">
-                <a:pos x="connsiteX15" y="connsiteY15"/>
-              </a:cxn>
-              <a:cxn ang="0">
-                <a:pos x="connsiteX16" y="connsiteY16"/>
-              </a:cxn>
-              <a:cxn ang="0">
-                <a:pos x="connsiteX17" y="connsiteY17"/>
-              </a:cxn>
-            </a:cxnLst>
-            <a:rect l="l" t="t" r="r" b="b"/>
-            <a:pathLst>
-              <a:path w="7346605" h="1511306">
-                <a:moveTo>
-                  <a:pt x="0" y="0"/>
-                </a:moveTo>
-                <a:lnTo>
-                  <a:pt x="239486" y="0"/>
-                </a:lnTo>
-                <a:lnTo>
-                  <a:pt x="1209568" y="0"/>
-                </a:lnTo>
-                <a:lnTo>
-                  <a:pt x="2405743" y="0"/>
-                </a:lnTo>
-                <a:lnTo>
-                  <a:pt x="2405743" y="2544"/>
-                </a:lnTo>
-                <a:lnTo>
-                  <a:pt x="2801131" y="2544"/>
-                </a:lnTo>
-                <a:lnTo>
-                  <a:pt x="2801131" y="0"/>
-                </a:lnTo>
-                <a:lnTo>
-                  <a:pt x="7346605" y="0"/>
-                </a:lnTo>
-                <a:lnTo>
-                  <a:pt x="6648988" y="1511301"/>
-                </a:lnTo>
-                <a:lnTo>
-                  <a:pt x="2801132" y="1511301"/>
-                </a:lnTo>
-                <a:lnTo>
-                  <a:pt x="2801132" y="1511304"/>
-                </a:lnTo>
-                <a:lnTo>
-                  <a:pt x="2405743" y="1511304"/>
-                </a:lnTo>
-                <a:lnTo>
-                  <a:pt x="2405743" y="1511306"/>
-                </a:lnTo>
-                <a:lnTo>
-                  <a:pt x="1333411" y="1511306"/>
-                </a:lnTo>
-                <a:lnTo>
-                  <a:pt x="1219208" y="1511306"/>
-                </a:lnTo>
-                <a:lnTo>
-                  <a:pt x="1209568" y="1511306"/>
-                </a:lnTo>
-                <a:lnTo>
-                  <a:pt x="239486" y="1511306"/>
-                </a:lnTo>
-                <a:lnTo>
-                  <a:pt x="0" y="1511306"/>
-                </a:lnTo>
-                <a:close/>
-              </a:path>
-            </a:pathLst>
-          </a:custGeom>
-          <a:solidFill>
-            <a:srgbClr val="D0CECE"/>
-          </a:solidFill>
-          <a:ln>
-            <a:noFill/>
-          </a:ln>
-        </p:spPr>
-        <p:style>
-          <a:lnRef idx="2">
-            <a:schemeClr val="accent1">
-              <a:shade val="50000"/>
-            </a:schemeClr>
-          </a:lnRef>
-          <a:fillRef idx="1">
-            <a:schemeClr val="accent1"/>
-          </a:fillRef>
-          <a:effectRef idx="0">
-            <a:schemeClr val="accent1"/>
-          </a:effectRef>
-          <a:fontRef idx="minor">
-            <a:schemeClr val="lt1"/>
-          </a:fontRef>
-        </p:style>
-        <p:txBody>
-          <a:bodyPr rtlCol="0" anchor="ctr"/>
-          <a:lstStyle/>
-          <a:p>
-            <a:pPr marL="0" marR="0" lvl="0" indent="0" algn="ctr" defTabSz="914400" rtl="0" eaLnBrk="1" fontAlgn="auto" latinLnBrk="0" hangingPunct="1">
-              <a:lnSpc>
-                <a:spcPct val="100000"/>
-              </a:lnSpc>
-              <a:spcBef>
-                <a:spcPts val="0"/>
-              </a:spcBef>
-              <a:spcAft>
-                <a:spcPts val="0"/>
-              </a:spcAft>
-              <a:buClrTx/>
-              <a:buSzTx/>
-              <a:buFontTx/>
-              <a:buNone/>
-              <a:tabLst/>
-              <a:defRPr/>
-            </a:pPr>
-            <a:endParaRPr kumimoji="0" lang="en-US" sz="1800" b="0" i="0" u="none" strike="noStrike" kern="1200" cap="none" spc="0" normalizeH="0" baseline="0" noProof="0">
-              <a:ln>
-                <a:noFill/>
-              </a:ln>
-              <a:solidFill>
-                <a:prstClr val="white">
-                  <a:lumMod val="95000"/>
-                </a:prstClr>
-              </a:solidFill>
-              <a:effectLst/>
-              <a:uLnTx/>
-              <a:uFillTx/>
-              <a:latin typeface="Calibri" panose="020F0502020204030204"/>
-              <a:ea typeface="+mn-ea"/>
-              <a:cs typeface="+mn-cs"/>
-            </a:endParaRPr>
-          </a:p>
-        </p:txBody>
-      </p:sp>
-      <p:sp>
-        <p:nvSpPr>
-          <p:cNvPr id="4" name="TextBox 3">
-            <a:extLst>
-              <a:ext uri="{FF2B5EF4-FFF2-40B4-BE49-F238E27FC236}">
-                <a16:creationId xmlns:a16="http://schemas.microsoft.com/office/drawing/2014/main" id="{A5BA8CC1-6104-BA42-9471-B17DC550FCC8}"/>
-              </a:ext>
-            </a:extLst>
-          </p:cNvPr>
-          <p:cNvSpPr txBox="1"/>
-          <p:nvPr/>
-        </p:nvSpPr>
-        <p:spPr>
-          <a:xfrm>
-            <a:off x="389683" y="5529884"/>
-            <a:ext cx="5693783" cy="1096331"/>
-          </a:xfrm>
-          <a:prstGeom prst="rect">
-            <a:avLst/>
-          </a:prstGeom>
-        </p:spPr>
-        <p:txBody>
-          <a:bodyPr vert="horz" lIns="91440" tIns="45720" rIns="91440" bIns="45720" rtlCol="0" anchor="ctr">
-            <a:normAutofit/>
-          </a:bodyPr>
-          <a:lstStyle/>
-          <a:p>
-            <a:pPr marL="0" marR="0" lvl="0" indent="0" algn="l" defTabSz="914400" rtl="0" eaLnBrk="1" fontAlgn="auto" latinLnBrk="0" hangingPunct="1">
-              <a:lnSpc>
-                <a:spcPct val="90000"/>
-              </a:lnSpc>
-              <a:spcBef>
-                <a:spcPct val="0"/>
-              </a:spcBef>
-              <a:spcAft>
-                <a:spcPts val="600"/>
-              </a:spcAft>
-              <a:buClrTx/>
-              <a:buSzTx/>
-              <a:buFontTx/>
-              <a:buNone/>
-              <a:tabLst/>
-              <a:defRPr/>
-            </a:pPr>
-            <a:r>
-              <a:rPr kumimoji="0" lang="en-US" sz="4000" b="1" i="0" u="none" strike="noStrike" kern="1200" cap="none" spc="0" normalizeH="0" baseline="0" noProof="0" dirty="0" smtClean="0">
-                <a:ln>
-                  <a:noFill/>
-                </a:ln>
-                <a:solidFill>
-                  <a:srgbClr val="303030"/>
-                </a:solidFill>
-                <a:effectLst/>
-                <a:uLnTx/>
-                <a:uFillTx/>
-                <a:latin typeface="Calibri Light" panose="020F0302020204030204"/>
-                <a:ea typeface="+mn-ea"/>
-                <a:cs typeface="+mn-cs"/>
-              </a:rPr>
-              <a:t>AGENDA: Manipulation</a:t>
-            </a:r>
-            <a:endParaRPr kumimoji="0" lang="en-US" sz="4000" b="1" i="0" u="none" strike="noStrike" kern="1200" cap="none" spc="0" normalizeH="0" baseline="0" noProof="0" dirty="0">
-              <a:ln>
-                <a:noFill/>
-              </a:ln>
-              <a:solidFill>
-                <a:srgbClr val="303030"/>
-              </a:solidFill>
-              <a:effectLst/>
-              <a:uLnTx/>
-              <a:uFillTx/>
-              <a:latin typeface="Calibri Light" panose="020F0302020204030204"/>
-              <a:ea typeface="+mn-ea"/>
-              <a:cs typeface="+mn-cs"/>
-            </a:endParaRPr>
-          </a:p>
-        </p:txBody>
-      </p:sp>
-      <p:pic>
-        <p:nvPicPr>
-          <p:cNvPr id="3" name="Picture 2">
-            <a:extLst>
-              <a:ext uri="{FF2B5EF4-FFF2-40B4-BE49-F238E27FC236}">
-                <a16:creationId xmlns:a16="http://schemas.microsoft.com/office/drawing/2014/main" id="{B0A5B9B6-518A-9340-A2D6-5B840631FCD2}"/>
-              </a:ext>
-            </a:extLst>
-          </p:cNvPr>
-          <p:cNvPicPr>
-            <a:picLocks noChangeAspect="1"/>
-          </p:cNvPicPr>
-          <p:nvPr/>
-        </p:nvPicPr>
-        <p:blipFill>
-          <a:blip r:embed="rId2"/>
-          <a:stretch>
-            <a:fillRect/>
-          </a:stretch>
-        </p:blipFill>
-        <p:spPr>
-          <a:xfrm>
-            <a:off x="6831955" y="1213079"/>
-            <a:ext cx="5061218" cy="2468880"/>
-          </a:xfrm>
-          <a:prstGeom prst="rect">
-            <a:avLst/>
-          </a:prstGeom>
-        </p:spPr>
-      </p:pic>
-      <p:sp>
-        <p:nvSpPr>
-          <p:cNvPr id="5" name="TextBox 4">
-            <a:extLst>
-              <a:ext uri="{FF2B5EF4-FFF2-40B4-BE49-F238E27FC236}">
-                <a16:creationId xmlns:a16="http://schemas.microsoft.com/office/drawing/2014/main" id="{9F801A05-8D8A-A049-B385-4AC7E25D26EF}"/>
-              </a:ext>
-            </a:extLst>
-          </p:cNvPr>
-          <p:cNvSpPr txBox="1"/>
-          <p:nvPr/>
-        </p:nvSpPr>
-        <p:spPr>
-          <a:xfrm>
-            <a:off x="389683" y="640735"/>
-            <a:ext cx="6561724" cy="4020458"/>
-          </a:xfrm>
-          <a:prstGeom prst="rect">
-            <a:avLst/>
-          </a:prstGeom>
-        </p:spPr>
-        <p:txBody>
-          <a:bodyPr vert="horz" lIns="91440" tIns="45720" rIns="91440" bIns="45720" rtlCol="0" anchor="ctr">
-            <a:normAutofit lnSpcReduction="10000"/>
-          </a:bodyPr>
-          <a:lstStyle/>
-          <a:p>
-            <a:pPr marL="0" marR="0" lvl="0" indent="0" algn="l" defTabSz="914400" rtl="0" eaLnBrk="1" fontAlgn="auto" latinLnBrk="0" hangingPunct="1">
-              <a:lnSpc>
-                <a:spcPct val="150000"/>
-              </a:lnSpc>
-              <a:spcBef>
-                <a:spcPts val="0"/>
-              </a:spcBef>
-              <a:spcAft>
-                <a:spcPts val="600"/>
-              </a:spcAft>
-              <a:buClrTx/>
-              <a:buSzTx/>
-              <a:buFontTx/>
-              <a:buNone/>
-              <a:tabLst/>
-              <a:defRPr/>
-            </a:pPr>
-            <a:r>
-              <a:rPr kumimoji="0" lang="en-US" sz="2000" b="0" i="0" u="none" strike="noStrike" kern="1200" cap="none" spc="0" normalizeH="0" baseline="0" noProof="0" dirty="0">
-                <a:ln>
-                  <a:noFill/>
-                </a:ln>
-                <a:solidFill>
-                  <a:prstClr val="black"/>
-                </a:solidFill>
-                <a:effectLst/>
-                <a:uLnTx/>
-                <a:uFillTx/>
-                <a:latin typeface="Calibri" panose="020F0502020204030204"/>
-                <a:ea typeface="+mn-ea"/>
-                <a:cs typeface="+mn-cs"/>
-              </a:rPr>
-              <a:t>Data analysis process in </a:t>
-            </a:r>
-            <a:r>
-              <a:rPr kumimoji="0" lang="en-US" sz="2000" b="0" i="0" u="none" strike="noStrike" kern="1200" cap="none" spc="0" normalizeH="0" baseline="0" noProof="0" dirty="0" err="1">
-                <a:ln>
-                  <a:noFill/>
-                </a:ln>
-                <a:solidFill>
-                  <a:prstClr val="black"/>
-                </a:solidFill>
-                <a:effectLst/>
-                <a:uLnTx/>
-                <a:uFillTx/>
-                <a:latin typeface="Calibri" panose="020F0502020204030204"/>
-                <a:ea typeface="+mn-ea"/>
-                <a:cs typeface="+mn-cs"/>
-              </a:rPr>
-              <a:t>Tidyverse</a:t>
-            </a:r>
-            <a:r>
-              <a:rPr kumimoji="0" lang="en-US" sz="2000" b="0" i="0" u="none" strike="noStrike" kern="1200" cap="none" spc="0" normalizeH="0" baseline="0" noProof="0" dirty="0">
-                <a:ln>
-                  <a:noFill/>
-                </a:ln>
-                <a:solidFill>
-                  <a:prstClr val="black"/>
-                </a:solidFill>
-                <a:effectLst/>
-                <a:uLnTx/>
-                <a:uFillTx/>
-                <a:latin typeface="Calibri" panose="020F0502020204030204"/>
-                <a:ea typeface="+mn-ea"/>
-                <a:cs typeface="+mn-cs"/>
-              </a:rPr>
-              <a:t> ecosystem (5mins) (XP)</a:t>
-            </a:r>
-          </a:p>
-          <a:p>
-            <a:pPr marL="0" marR="0" lvl="0" indent="0" algn="l" defTabSz="914400" rtl="0" eaLnBrk="1" fontAlgn="auto" latinLnBrk="0" hangingPunct="1">
-              <a:lnSpc>
-                <a:spcPct val="150000"/>
-              </a:lnSpc>
-              <a:spcBef>
-                <a:spcPts val="0"/>
-              </a:spcBef>
-              <a:spcAft>
-                <a:spcPts val="600"/>
-              </a:spcAft>
-              <a:buClrTx/>
-              <a:buSzTx/>
-              <a:buFontTx/>
-              <a:buNone/>
-              <a:tabLst/>
-              <a:defRPr/>
-            </a:pPr>
-            <a:r>
-              <a:rPr kumimoji="0" lang="en-US" sz="2000" b="0" i="0" u="none" strike="noStrike" kern="1200" cap="none" spc="0" normalizeH="0" baseline="0" noProof="0" dirty="0">
-                <a:ln>
-                  <a:noFill/>
-                </a:ln>
-                <a:solidFill>
-                  <a:prstClr val="black"/>
-                </a:solidFill>
-                <a:effectLst/>
-                <a:uLnTx/>
-                <a:uFillTx/>
-                <a:latin typeface="Calibri" panose="020F0502020204030204"/>
-                <a:ea typeface="+mn-ea"/>
-                <a:cs typeface="+mn-cs"/>
-              </a:rPr>
-              <a:t>Introducing key functions in </a:t>
-            </a:r>
-            <a:r>
-              <a:rPr kumimoji="0" lang="en-US" sz="2000" b="0" i="0" u="none" strike="noStrike" kern="1200" cap="none" spc="0" normalizeH="0" baseline="0" noProof="0" dirty="0" err="1">
-                <a:ln>
-                  <a:noFill/>
-                </a:ln>
-                <a:solidFill>
-                  <a:prstClr val="black"/>
-                </a:solidFill>
-                <a:effectLst/>
-                <a:uLnTx/>
-                <a:uFillTx/>
-                <a:latin typeface="Calibri" panose="020F0502020204030204"/>
-                <a:ea typeface="+mn-ea"/>
-                <a:cs typeface="+mn-cs"/>
-              </a:rPr>
-              <a:t>Tidyverse</a:t>
-            </a:r>
-            <a:r>
-              <a:rPr kumimoji="0" lang="en-US" sz="2000" b="0" i="0" u="none" strike="noStrike" kern="1200" cap="none" spc="0" normalizeH="0" baseline="0" noProof="0" dirty="0">
-                <a:ln>
-                  <a:noFill/>
-                </a:ln>
-                <a:solidFill>
-                  <a:prstClr val="black"/>
-                </a:solidFill>
-                <a:effectLst/>
-                <a:uLnTx/>
-                <a:uFillTx/>
-                <a:latin typeface="Calibri" panose="020F0502020204030204"/>
-                <a:ea typeface="+mn-ea"/>
-                <a:cs typeface="+mn-cs"/>
-              </a:rPr>
-              <a:t> (20mins) (QT)</a:t>
-            </a:r>
-          </a:p>
-          <a:p>
-            <a:pPr marL="1485900" marR="0" lvl="2" indent="-457200" algn="l" defTabSz="914400" rtl="0" eaLnBrk="1" fontAlgn="auto" latinLnBrk="0" hangingPunct="1">
-              <a:lnSpc>
-                <a:spcPct val="150000"/>
-              </a:lnSpc>
-              <a:spcBef>
-                <a:spcPts val="0"/>
-              </a:spcBef>
-              <a:spcAft>
-                <a:spcPts val="600"/>
-              </a:spcAft>
-              <a:buClrTx/>
-              <a:buSzTx/>
-              <a:buFont typeface="+mj-lt"/>
-              <a:buAutoNum type="arabicPeriod"/>
-              <a:tabLst/>
-              <a:defRPr/>
-            </a:pPr>
-            <a:r>
-              <a:rPr kumimoji="0" lang="en-US" sz="2000" b="0" i="0" u="none" strike="noStrike" kern="1200" cap="none" spc="0" normalizeH="0" baseline="0" noProof="0" dirty="0">
-                <a:ln>
-                  <a:noFill/>
-                </a:ln>
-                <a:solidFill>
-                  <a:prstClr val="black"/>
-                </a:solidFill>
-                <a:effectLst/>
-                <a:uLnTx/>
-                <a:uFillTx/>
-                <a:latin typeface="Calibri" panose="020F0502020204030204"/>
-                <a:ea typeface="+mn-ea"/>
-                <a:cs typeface="+mn-cs"/>
-              </a:rPr>
-              <a:t>Import</a:t>
-            </a:r>
-          </a:p>
-          <a:p>
-            <a:pPr marL="1485900" marR="0" lvl="2" indent="-457200" algn="l" defTabSz="914400" rtl="0" eaLnBrk="1" fontAlgn="auto" latinLnBrk="0" hangingPunct="1">
-              <a:lnSpc>
-                <a:spcPct val="150000"/>
-              </a:lnSpc>
-              <a:spcBef>
-                <a:spcPts val="0"/>
-              </a:spcBef>
-              <a:spcAft>
-                <a:spcPts val="600"/>
-              </a:spcAft>
-              <a:buClrTx/>
-              <a:buSzTx/>
-              <a:buFont typeface="+mj-lt"/>
-              <a:buAutoNum type="arabicPeriod"/>
-              <a:tabLst/>
-              <a:defRPr/>
-            </a:pPr>
-            <a:r>
-              <a:rPr kumimoji="0" lang="en-US" sz="2000" b="0" i="0" u="none" strike="noStrike" kern="1200" cap="none" spc="0" normalizeH="0" baseline="0" noProof="0" dirty="0">
-                <a:ln>
-                  <a:noFill/>
-                </a:ln>
-                <a:solidFill>
-                  <a:prstClr val="black"/>
-                </a:solidFill>
-                <a:effectLst/>
-                <a:uLnTx/>
-                <a:uFillTx/>
-                <a:latin typeface="Calibri" panose="020F0502020204030204"/>
-                <a:ea typeface="+mn-ea"/>
-                <a:cs typeface="+mn-cs"/>
-              </a:rPr>
-              <a:t>Tidy</a:t>
-            </a:r>
-          </a:p>
-          <a:p>
-            <a:pPr marL="1485900" marR="0" lvl="2" indent="-457200" algn="l" defTabSz="914400" rtl="0" eaLnBrk="1" fontAlgn="auto" latinLnBrk="0" hangingPunct="1">
-              <a:lnSpc>
-                <a:spcPct val="150000"/>
-              </a:lnSpc>
-              <a:spcBef>
-                <a:spcPts val="0"/>
-              </a:spcBef>
-              <a:spcAft>
-                <a:spcPts val="600"/>
-              </a:spcAft>
-              <a:buClrTx/>
-              <a:buSzTx/>
-              <a:buFont typeface="+mj-lt"/>
-              <a:buAutoNum type="arabicPeriod"/>
-              <a:tabLst/>
-              <a:defRPr/>
-            </a:pPr>
-            <a:r>
-              <a:rPr kumimoji="0" lang="en-US" sz="2000" b="0" i="0" u="none" strike="noStrike" kern="1200" cap="none" spc="0" normalizeH="0" baseline="0" noProof="0" dirty="0">
-                <a:ln>
-                  <a:noFill/>
-                </a:ln>
-                <a:solidFill>
-                  <a:prstClr val="black"/>
-                </a:solidFill>
-                <a:effectLst/>
-                <a:uLnTx/>
-                <a:uFillTx/>
-                <a:latin typeface="Calibri" panose="020F0502020204030204"/>
-                <a:ea typeface="+mn-ea"/>
-                <a:cs typeface="+mn-cs"/>
-              </a:rPr>
-              <a:t>Transformation</a:t>
-            </a:r>
-          </a:p>
-          <a:p>
-            <a:pPr marL="1485900" marR="0" lvl="2" indent="-457200" algn="l" defTabSz="914400" rtl="0" eaLnBrk="1" fontAlgn="auto" latinLnBrk="0" hangingPunct="1">
-              <a:lnSpc>
-                <a:spcPct val="150000"/>
-              </a:lnSpc>
-              <a:spcBef>
-                <a:spcPts val="0"/>
-              </a:spcBef>
-              <a:spcAft>
-                <a:spcPts val="600"/>
-              </a:spcAft>
-              <a:buClrTx/>
-              <a:buSzTx/>
-              <a:buFont typeface="+mj-lt"/>
-              <a:buAutoNum type="arabicPeriod"/>
-              <a:tabLst/>
-              <a:defRPr/>
-            </a:pPr>
-            <a:r>
-              <a:rPr kumimoji="0" lang="en-US" sz="2000" b="0" i="0" u="none" strike="noStrike" kern="1200" cap="none" spc="0" normalizeH="0" baseline="0" noProof="0" dirty="0" smtClean="0">
-                <a:ln>
-                  <a:noFill/>
-                </a:ln>
-                <a:solidFill>
-                  <a:prstClr val="black"/>
-                </a:solidFill>
-                <a:effectLst/>
-                <a:uLnTx/>
-                <a:uFillTx/>
-                <a:latin typeface="Calibri" panose="020F0502020204030204"/>
-                <a:ea typeface="+mn-ea"/>
-                <a:cs typeface="+mn-cs"/>
-              </a:rPr>
-              <a:t>Visualization (covered in next session)</a:t>
-            </a:r>
-            <a:endParaRPr kumimoji="0" lang="en-US" sz="2000" b="0" i="0" u="none" strike="noStrike" kern="1200" cap="none" spc="0" normalizeH="0" baseline="0" noProof="0" dirty="0">
-              <a:ln>
-                <a:noFill/>
-              </a:ln>
-              <a:solidFill>
-                <a:prstClr val="black"/>
-              </a:solidFill>
-              <a:effectLst/>
-              <a:uLnTx/>
-              <a:uFillTx/>
-              <a:latin typeface="Calibri" panose="020F0502020204030204"/>
-              <a:ea typeface="+mn-ea"/>
-              <a:cs typeface="+mn-cs"/>
-            </a:endParaRPr>
-          </a:p>
-          <a:p>
-            <a:pPr marL="0" marR="0" lvl="0" indent="0" algn="l" defTabSz="914400" rtl="0" eaLnBrk="1" fontAlgn="auto" latinLnBrk="0" hangingPunct="1">
-              <a:lnSpc>
-                <a:spcPct val="150000"/>
-              </a:lnSpc>
-              <a:spcBef>
-                <a:spcPts val="0"/>
-              </a:spcBef>
-              <a:spcAft>
-                <a:spcPts val="600"/>
-              </a:spcAft>
-              <a:buClrTx/>
-              <a:buSzTx/>
-              <a:buFontTx/>
-              <a:buNone/>
-              <a:tabLst/>
-              <a:defRPr/>
-            </a:pPr>
-            <a:r>
-              <a:rPr kumimoji="0" lang="en-US" sz="2000" b="0" i="0" u="none" strike="noStrike" kern="1200" cap="none" spc="0" normalizeH="0" baseline="0" noProof="0" dirty="0">
-                <a:ln>
-                  <a:noFill/>
-                </a:ln>
-                <a:solidFill>
-                  <a:prstClr val="black"/>
-                </a:solidFill>
-                <a:effectLst/>
-                <a:uLnTx/>
-                <a:uFillTx/>
-                <a:latin typeface="Calibri" panose="020F0502020204030204"/>
-                <a:ea typeface="+mn-ea"/>
-                <a:cs typeface="+mn-cs"/>
-              </a:rPr>
-              <a:t>Case Study: U.S. Air Pollution Analysis (20mins) (XP)</a:t>
-            </a:r>
-          </a:p>
-          <a:p>
-            <a:pPr marL="0" marR="0" lvl="0" indent="0" algn="l" defTabSz="914400" rtl="0" eaLnBrk="1" fontAlgn="auto" latinLnBrk="0" hangingPunct="1">
-              <a:lnSpc>
-                <a:spcPct val="150000"/>
-              </a:lnSpc>
-              <a:spcBef>
-                <a:spcPts val="0"/>
-              </a:spcBef>
-              <a:spcAft>
-                <a:spcPts val="600"/>
-              </a:spcAft>
-              <a:buClrTx/>
-              <a:buSzTx/>
-              <a:buFontTx/>
-              <a:buNone/>
-              <a:tabLst/>
-              <a:defRPr/>
-            </a:pPr>
-            <a:r>
-              <a:rPr kumimoji="0" lang="en-US" sz="1600" b="0" i="1" u="none" strike="noStrike" kern="1200" cap="none" spc="0" normalizeH="0" baseline="0" noProof="0" dirty="0">
-                <a:ln>
-                  <a:noFill/>
-                </a:ln>
-                <a:solidFill>
-                  <a:prstClr val="black"/>
-                </a:solidFill>
-                <a:effectLst/>
-                <a:uLnTx/>
-                <a:uFillTx/>
-                <a:latin typeface="Calibri" panose="020F0502020204030204"/>
-                <a:ea typeface="+mn-ea"/>
-                <a:cs typeface="+mn-cs"/>
-                <a:hlinkClick r:id="rId3"/>
-              </a:rPr>
-              <a:t>https://</a:t>
-            </a:r>
-            <a:r>
-              <a:rPr kumimoji="0" lang="en-US" sz="1600" b="0" i="1" u="none" strike="noStrike" kern="1200" cap="none" spc="0" normalizeH="0" baseline="0" noProof="0" dirty="0" smtClean="0">
-                <a:ln>
-                  <a:noFill/>
-                </a:ln>
-                <a:solidFill>
-                  <a:prstClr val="black"/>
-                </a:solidFill>
-                <a:effectLst/>
-                <a:uLnTx/>
-                <a:uFillTx/>
-                <a:latin typeface="Calibri" panose="020F0502020204030204"/>
-                <a:ea typeface="+mn-ea"/>
-                <a:cs typeface="+mn-cs"/>
-                <a:hlinkClick r:id="rId3"/>
-              </a:rPr>
-              <a:t>rpubs.com/monkey08091992/503363</a:t>
-            </a:r>
-            <a:endParaRPr kumimoji="0" lang="en-US" sz="1600" b="0" i="1" u="none" strike="noStrike" kern="1200" cap="none" spc="0" normalizeH="0" baseline="0" noProof="0" dirty="0">
-              <a:ln>
-                <a:noFill/>
-              </a:ln>
-              <a:solidFill>
-                <a:prstClr val="black"/>
-              </a:solidFill>
-              <a:effectLst/>
-              <a:uLnTx/>
-              <a:uFillTx/>
-              <a:latin typeface="Calibri" panose="020F0502020204030204"/>
-              <a:ea typeface="+mn-ea"/>
-              <a:cs typeface="+mn-cs"/>
-            </a:endParaRPr>
-          </a:p>
-        </p:txBody>
-      </p:sp>
-    </p:spTree>
-    <p:extLst>
-      <p:ext uri="{BB962C8B-B14F-4D97-AF65-F5344CB8AC3E}">
-        <p14:creationId xmlns:p14="http://schemas.microsoft.com/office/powerpoint/2010/main" val="3704867243"/>
-      </p:ext>
-    </p:extLst>
-  </p:cSld>
-  <p:clrMapOvr>
-    <a:masterClrMapping/>
-  </p:clrMapOvr>
-</p:sld>
-</file>
-
-<file path=ppt/slides/slide3.xml><?xml version="1.0" encoding="utf-8"?>
-<p:sld xmlns:a="http://schemas.openxmlformats.org/drawingml/2006/main" xmlns:r="http://schemas.openxmlformats.org/officeDocument/2006/relationships" xmlns:p="http://schemas.openxmlformats.org/presentationml/2006/main">
-  <p:cSld>
-    <p:bg>
-      <p:bgPr>
-        <a:solidFill>
-          <a:schemeClr val="bg1"/>
-        </a:solidFill>
-        <a:effectLst/>
-      </p:bgPr>
-    </p:bg>
-    <p:spTree>
-      <p:nvGrpSpPr>
-        <p:cNvPr id="1" name=""/>
-        <p:cNvGrpSpPr/>
-        <p:nvPr/>
-      </p:nvGrpSpPr>
-      <p:grpSpPr>
-        <a:xfrm>
-          <a:off x="0" y="0"/>
-          <a:ext cx="0" cy="0"/>
-          <a:chOff x="0" y="0"/>
-          <a:chExt cx="0" cy="0"/>
-        </a:xfrm>
-      </p:grpSpPr>
-      <p:sp>
-        <p:nvSpPr>
-          <p:cNvPr id="13" name="Freeform: Shape 9">
-            <a:extLst>
-              <a:ext uri="{FF2B5EF4-FFF2-40B4-BE49-F238E27FC236}">
-                <a16:creationId xmlns:a16="http://schemas.microsoft.com/office/drawing/2014/main" id="{F60FCA6E-0894-46CD-BD49-5955A51E0084}"/>
-              </a:ext>
-              <a:ext uri="{C183D7F6-B498-43B3-948B-1728B52AA6E4}">
-                <adec:decorative xmlns="" xmlns:adec="http://schemas.microsoft.com/office/drawing/2017/decorative" val="1"/>
-              </a:ext>
-            </a:extLst>
-          </p:cNvPr>
-          <p:cNvSpPr>
-            <a:spLocks noGrp="1" noRot="1" noChangeAspect="1" noMove="1" noResize="1" noEditPoints="1" noAdjustHandles="1" noChangeArrowheads="1" noChangeShapeType="1" noTextEdit="1"/>
-          </p:cNvSpPr>
-          <p:nvPr>
-            <p:extLst>
-              <p:ext uri="{386F3935-93C4-4BCD-93E2-E3B085C9AB24}">
-                <p16:designElem xmlns:p16="http://schemas.microsoft.com/office/powerpoint/2015/main" val="1"/>
-              </p:ext>
-            </p:extLst>
-          </p:nvPr>
-        </p:nvSpPr>
-        <p:spPr>
-          <a:xfrm>
-            <a:off x="6831955" y="5346696"/>
-            <a:ext cx="5360045" cy="1511304"/>
-          </a:xfrm>
-          <a:custGeom>
-            <a:avLst/>
-            <a:gdLst>
-              <a:gd name="connsiteX0" fmla="*/ 4545473 w 5360045"/>
-              <a:gd name="connsiteY0" fmla="*/ 0 h 1511304"/>
-              <a:gd name="connsiteX1" fmla="*/ 5360045 w 5360045"/>
-              <a:gd name="connsiteY1" fmla="*/ 0 h 1511304"/>
-              <a:gd name="connsiteX2" fmla="*/ 5360045 w 5360045"/>
-              <a:gd name="connsiteY2" fmla="*/ 1046730 h 1511304"/>
-              <a:gd name="connsiteX3" fmla="*/ 5360045 w 5360045"/>
-              <a:gd name="connsiteY3" fmla="*/ 1508760 h 1511304"/>
-              <a:gd name="connsiteX4" fmla="*/ 5360045 w 5360045"/>
-              <a:gd name="connsiteY4" fmla="*/ 1511304 h 1511304"/>
-              <a:gd name="connsiteX5" fmla="*/ 4545474 w 5360045"/>
-              <a:gd name="connsiteY5" fmla="*/ 1511304 h 1511304"/>
-              <a:gd name="connsiteX6" fmla="*/ 2525897 w 5360045"/>
-              <a:gd name="connsiteY6" fmla="*/ 1511304 h 1511304"/>
-              <a:gd name="connsiteX7" fmla="*/ 0 w 5360045"/>
-              <a:gd name="connsiteY7" fmla="*/ 1511304 h 1511304"/>
-              <a:gd name="connsiteX8" fmla="*/ 697617 w 5360045"/>
-              <a:gd name="connsiteY8" fmla="*/ 3 h 1511304"/>
-              <a:gd name="connsiteX9" fmla="*/ 4545473 w 5360045"/>
-              <a:gd name="connsiteY9" fmla="*/ 3 h 1511304"/>
-            </a:gdLst>
-            <a:ahLst/>
-            <a:cxnLst>
-              <a:cxn ang="0">
-                <a:pos x="connsiteX0" y="connsiteY0"/>
-              </a:cxn>
-              <a:cxn ang="0">
-                <a:pos x="connsiteX1" y="connsiteY1"/>
-              </a:cxn>
-              <a:cxn ang="0">
-                <a:pos x="connsiteX2" y="connsiteY2"/>
-              </a:cxn>
-              <a:cxn ang="0">
-                <a:pos x="connsiteX3" y="connsiteY3"/>
-              </a:cxn>
-              <a:cxn ang="0">
-                <a:pos x="connsiteX4" y="connsiteY4"/>
-              </a:cxn>
-              <a:cxn ang="0">
-                <a:pos x="connsiteX5" y="connsiteY5"/>
-              </a:cxn>
-              <a:cxn ang="0">
-                <a:pos x="connsiteX6" y="connsiteY6"/>
-              </a:cxn>
-              <a:cxn ang="0">
-                <a:pos x="connsiteX7" y="connsiteY7"/>
-              </a:cxn>
-              <a:cxn ang="0">
-                <a:pos x="connsiteX8" y="connsiteY8"/>
-              </a:cxn>
-              <a:cxn ang="0">
-                <a:pos x="connsiteX9" y="connsiteY9"/>
-              </a:cxn>
-            </a:cxnLst>
-            <a:rect l="l" t="t" r="r" b="b"/>
-            <a:pathLst>
-              <a:path w="5360045" h="1511304">
-                <a:moveTo>
-                  <a:pt x="4545473" y="0"/>
-                </a:moveTo>
-                <a:lnTo>
-                  <a:pt x="5360045" y="0"/>
-                </a:lnTo>
-                <a:lnTo>
-                  <a:pt x="5360045" y="1046730"/>
-                </a:lnTo>
-                <a:lnTo>
-                  <a:pt x="5360045" y="1508760"/>
-                </a:lnTo>
-                <a:lnTo>
-                  <a:pt x="5360045" y="1511304"/>
-                </a:lnTo>
-                <a:lnTo>
-                  <a:pt x="4545474" y="1511304"/>
-                </a:lnTo>
-                <a:lnTo>
-                  <a:pt x="2525897" y="1511304"/>
-                </a:lnTo>
-                <a:lnTo>
-                  <a:pt x="0" y="1511304"/>
-                </a:lnTo>
-                <a:lnTo>
-                  <a:pt x="697617" y="3"/>
-                </a:lnTo>
-                <a:lnTo>
-                  <a:pt x="4545473" y="3"/>
-                </a:lnTo>
-                <a:close/>
-              </a:path>
-            </a:pathLst>
-          </a:custGeom>
-          <a:solidFill>
-            <a:srgbClr val="404040">
-              <a:alpha val="84706"/>
-            </a:srgbClr>
-          </a:solidFill>
-          <a:ln>
-            <a:noFill/>
-          </a:ln>
-        </p:spPr>
-        <p:style>
-          <a:lnRef idx="2">
-            <a:schemeClr val="accent1">
-              <a:shade val="50000"/>
-            </a:schemeClr>
-          </a:lnRef>
-          <a:fillRef idx="1">
-            <a:schemeClr val="accent1"/>
-          </a:fillRef>
-          <a:effectRef idx="0">
-            <a:schemeClr val="accent1"/>
-          </a:effectRef>
-          <a:fontRef idx="minor">
-            <a:schemeClr val="lt1"/>
-          </a:fontRef>
-        </p:style>
-        <p:txBody>
-          <a:bodyPr wrap="square" rtlCol="0" anchor="ctr">
-            <a:noAutofit/>
-          </a:bodyPr>
-          <a:lstStyle/>
-          <a:p>
-            <a:pPr marL="0" marR="0" lvl="0" indent="0" algn="ctr" defTabSz="914400" rtl="0" eaLnBrk="1" fontAlgn="auto" latinLnBrk="0" hangingPunct="1">
-              <a:lnSpc>
-                <a:spcPct val="100000"/>
-              </a:lnSpc>
-              <a:spcBef>
-                <a:spcPts val="0"/>
-              </a:spcBef>
-              <a:spcAft>
-                <a:spcPts val="0"/>
-              </a:spcAft>
-              <a:buClrTx/>
-              <a:buSzTx/>
-              <a:buFontTx/>
-              <a:buNone/>
-              <a:tabLst/>
-              <a:defRPr/>
-            </a:pPr>
-            <a:endParaRPr kumimoji="0" lang="en-US" sz="1800" b="0" i="0" u="none" strike="noStrike" kern="1200" cap="none" spc="0" normalizeH="0" baseline="0" noProof="0">
-              <a:ln>
-                <a:noFill/>
-              </a:ln>
-              <a:solidFill>
-                <a:prstClr val="white"/>
-              </a:solidFill>
-              <a:effectLst/>
-              <a:uLnTx/>
-              <a:uFillTx/>
-              <a:latin typeface="Calibri" panose="020F0502020204030204"/>
-              <a:ea typeface="+mn-ea"/>
-              <a:cs typeface="+mn-cs"/>
-            </a:endParaRPr>
-          </a:p>
-        </p:txBody>
-      </p:sp>
-      <p:sp>
-        <p:nvSpPr>
-          <p:cNvPr id="12" name="Freeform: Shape 11">
-            <a:extLst>
-              <a:ext uri="{FF2B5EF4-FFF2-40B4-BE49-F238E27FC236}">
-                <a16:creationId xmlns:a16="http://schemas.microsoft.com/office/drawing/2014/main" id="{E78C6E4B-A1F1-4B6C-97EC-BE997495D6AC}"/>
-              </a:ext>
-              <a:ext uri="{C183D7F6-B498-43B3-948B-1728B52AA6E4}">
-                <adec:decorative xmlns="" xmlns:adec="http://schemas.microsoft.com/office/drawing/2017/decorative" val="1"/>
-              </a:ext>
-            </a:extLst>
-          </p:cNvPr>
-          <p:cNvSpPr>
-            <a:spLocks noGrp="1" noRot="1" noChangeAspect="1" noMove="1" noResize="1" noEditPoints="1" noAdjustHandles="1" noChangeArrowheads="1" noChangeShapeType="1" noTextEdit="1"/>
-          </p:cNvSpPr>
-          <p:nvPr>
-            <p:extLst>
-              <p:ext uri="{386F3935-93C4-4BCD-93E2-E3B085C9AB24}">
-                <p16:designElem xmlns:p16="http://schemas.microsoft.com/office/powerpoint/2015/main" val="1"/>
-              </p:ext>
-            </p:extLst>
-          </p:nvPr>
-        </p:nvSpPr>
-        <p:spPr>
-          <a:xfrm>
-            <a:off x="0" y="5346694"/>
-            <a:ext cx="7346605" cy="1511306"/>
-          </a:xfrm>
-          <a:custGeom>
-            <a:avLst/>
-            <a:gdLst>
-              <a:gd name="connsiteX0" fmla="*/ 0 w 7346605"/>
-              <a:gd name="connsiteY0" fmla="*/ 0 h 1511306"/>
-              <a:gd name="connsiteX1" fmla="*/ 239486 w 7346605"/>
-              <a:gd name="connsiteY1" fmla="*/ 0 h 1511306"/>
-              <a:gd name="connsiteX2" fmla="*/ 1209568 w 7346605"/>
-              <a:gd name="connsiteY2" fmla="*/ 0 h 1511306"/>
-              <a:gd name="connsiteX3" fmla="*/ 2405743 w 7346605"/>
-              <a:gd name="connsiteY3" fmla="*/ 0 h 1511306"/>
-              <a:gd name="connsiteX4" fmla="*/ 2405743 w 7346605"/>
-              <a:gd name="connsiteY4" fmla="*/ 2544 h 1511306"/>
-              <a:gd name="connsiteX5" fmla="*/ 2801131 w 7346605"/>
-              <a:gd name="connsiteY5" fmla="*/ 2544 h 1511306"/>
-              <a:gd name="connsiteX6" fmla="*/ 2801131 w 7346605"/>
-              <a:gd name="connsiteY6" fmla="*/ 0 h 1511306"/>
-              <a:gd name="connsiteX7" fmla="*/ 7346605 w 7346605"/>
-              <a:gd name="connsiteY7" fmla="*/ 0 h 1511306"/>
-              <a:gd name="connsiteX8" fmla="*/ 6648988 w 7346605"/>
-              <a:gd name="connsiteY8" fmla="*/ 1511301 h 1511306"/>
-              <a:gd name="connsiteX9" fmla="*/ 2801132 w 7346605"/>
-              <a:gd name="connsiteY9" fmla="*/ 1511301 h 1511306"/>
-              <a:gd name="connsiteX10" fmla="*/ 2801132 w 7346605"/>
-              <a:gd name="connsiteY10" fmla="*/ 1511304 h 1511306"/>
-              <a:gd name="connsiteX11" fmla="*/ 2405743 w 7346605"/>
-              <a:gd name="connsiteY11" fmla="*/ 1511304 h 1511306"/>
-              <a:gd name="connsiteX12" fmla="*/ 2405743 w 7346605"/>
-              <a:gd name="connsiteY12" fmla="*/ 1511306 h 1511306"/>
-              <a:gd name="connsiteX13" fmla="*/ 1333411 w 7346605"/>
-              <a:gd name="connsiteY13" fmla="*/ 1511306 h 1511306"/>
-              <a:gd name="connsiteX14" fmla="*/ 1219208 w 7346605"/>
-              <a:gd name="connsiteY14" fmla="*/ 1511306 h 1511306"/>
-              <a:gd name="connsiteX15" fmla="*/ 1209568 w 7346605"/>
-              <a:gd name="connsiteY15" fmla="*/ 1511306 h 1511306"/>
-              <a:gd name="connsiteX16" fmla="*/ 239486 w 7346605"/>
-              <a:gd name="connsiteY16" fmla="*/ 1511306 h 1511306"/>
-              <a:gd name="connsiteX17" fmla="*/ 0 w 7346605"/>
-              <a:gd name="connsiteY17" fmla="*/ 1511306 h 1511306"/>
-            </a:gdLst>
-            <a:ahLst/>
-            <a:cxnLst>
-              <a:cxn ang="0">
-                <a:pos x="connsiteX0" y="connsiteY0"/>
-              </a:cxn>
-              <a:cxn ang="0">
-                <a:pos x="connsiteX1" y="connsiteY1"/>
-              </a:cxn>
-              <a:cxn ang="0">
-                <a:pos x="connsiteX2" y="connsiteY2"/>
-              </a:cxn>
-              <a:cxn ang="0">
-                <a:pos x="connsiteX3" y="connsiteY3"/>
-              </a:cxn>
-              <a:cxn ang="0">
-                <a:pos x="connsiteX4" y="connsiteY4"/>
-              </a:cxn>
-              <a:cxn ang="0">
-                <a:pos x="connsiteX5" y="connsiteY5"/>
-              </a:cxn>
-              <a:cxn ang="0">
-                <a:pos x="connsiteX6" y="connsiteY6"/>
-              </a:cxn>
-              <a:cxn ang="0">
-                <a:pos x="connsiteX7" y="connsiteY7"/>
-              </a:cxn>
-              <a:cxn ang="0">
-                <a:pos x="connsiteX8" y="connsiteY8"/>
-              </a:cxn>
-              <a:cxn ang="0">
-                <a:pos x="connsiteX9" y="connsiteY9"/>
-              </a:cxn>
-              <a:cxn ang="0">
-                <a:pos x="connsiteX10" y="connsiteY10"/>
-              </a:cxn>
-              <a:cxn ang="0">
-                <a:pos x="connsiteX11" y="connsiteY11"/>
-              </a:cxn>
-              <a:cxn ang="0">
-                <a:pos x="connsiteX12" y="connsiteY12"/>
-              </a:cxn>
-              <a:cxn ang="0">
-                <a:pos x="connsiteX13" y="connsiteY13"/>
-              </a:cxn>
-              <a:cxn ang="0">
-                <a:pos x="connsiteX14" y="connsiteY14"/>
-              </a:cxn>
-              <a:cxn ang="0">
-                <a:pos x="connsiteX15" y="connsiteY15"/>
-              </a:cxn>
-              <a:cxn ang="0">
-                <a:pos x="connsiteX16" y="connsiteY16"/>
-              </a:cxn>
-              <a:cxn ang="0">
-                <a:pos x="connsiteX17" y="connsiteY17"/>
-              </a:cxn>
-            </a:cxnLst>
-            <a:rect l="l" t="t" r="r" b="b"/>
-            <a:pathLst>
-              <a:path w="7346605" h="1511306">
-                <a:moveTo>
-                  <a:pt x="0" y="0"/>
-                </a:moveTo>
-                <a:lnTo>
-                  <a:pt x="239486" y="0"/>
-                </a:lnTo>
-                <a:lnTo>
-                  <a:pt x="1209568" y="0"/>
-                </a:lnTo>
-                <a:lnTo>
-                  <a:pt x="2405743" y="0"/>
-                </a:lnTo>
-                <a:lnTo>
-                  <a:pt x="2405743" y="2544"/>
-                </a:lnTo>
-                <a:lnTo>
-                  <a:pt x="2801131" y="2544"/>
-                </a:lnTo>
-                <a:lnTo>
-                  <a:pt x="2801131" y="0"/>
-                </a:lnTo>
-                <a:lnTo>
-                  <a:pt x="7346605" y="0"/>
-                </a:lnTo>
-                <a:lnTo>
-                  <a:pt x="6648988" y="1511301"/>
-                </a:lnTo>
-                <a:lnTo>
-                  <a:pt x="2801132" y="1511301"/>
-                </a:lnTo>
-                <a:lnTo>
-                  <a:pt x="2801132" y="1511304"/>
-                </a:lnTo>
-                <a:lnTo>
-                  <a:pt x="2405743" y="1511304"/>
-                </a:lnTo>
-                <a:lnTo>
-                  <a:pt x="2405743" y="1511306"/>
-                </a:lnTo>
-                <a:lnTo>
-                  <a:pt x="1333411" y="1511306"/>
-                </a:lnTo>
-                <a:lnTo>
-                  <a:pt x="1219208" y="1511306"/>
-                </a:lnTo>
-                <a:lnTo>
-                  <a:pt x="1209568" y="1511306"/>
-                </a:lnTo>
-                <a:lnTo>
-                  <a:pt x="239486" y="1511306"/>
-                </a:lnTo>
-                <a:lnTo>
-                  <a:pt x="0" y="1511306"/>
-                </a:lnTo>
-                <a:close/>
-              </a:path>
-            </a:pathLst>
-          </a:custGeom>
-          <a:solidFill>
-            <a:srgbClr val="D0CECE"/>
-          </a:solidFill>
-          <a:ln>
-            <a:noFill/>
-          </a:ln>
-        </p:spPr>
-        <p:style>
-          <a:lnRef idx="2">
-            <a:schemeClr val="accent1">
-              <a:shade val="50000"/>
-            </a:schemeClr>
-          </a:lnRef>
-          <a:fillRef idx="1">
-            <a:schemeClr val="accent1"/>
-          </a:fillRef>
-          <a:effectRef idx="0">
-            <a:schemeClr val="accent1"/>
-          </a:effectRef>
-          <a:fontRef idx="minor">
-            <a:schemeClr val="lt1"/>
-          </a:fontRef>
-        </p:style>
-        <p:txBody>
-          <a:bodyPr rtlCol="0" anchor="ctr"/>
-          <a:lstStyle/>
-          <a:p>
-            <a:pPr marL="0" marR="0" lvl="0" indent="0" algn="ctr" defTabSz="914400" rtl="0" eaLnBrk="1" fontAlgn="auto" latinLnBrk="0" hangingPunct="1">
-              <a:lnSpc>
-                <a:spcPct val="100000"/>
-              </a:lnSpc>
-              <a:spcBef>
-                <a:spcPts val="0"/>
-              </a:spcBef>
-              <a:spcAft>
-                <a:spcPts val="0"/>
-              </a:spcAft>
-              <a:buClrTx/>
-              <a:buSzTx/>
-              <a:buFontTx/>
-              <a:buNone/>
-              <a:tabLst/>
-              <a:defRPr/>
-            </a:pPr>
-            <a:endParaRPr kumimoji="0" lang="en-US" sz="1800" b="0" i="0" u="none" strike="noStrike" kern="1200" cap="none" spc="0" normalizeH="0" baseline="0" noProof="0">
-              <a:ln>
-                <a:noFill/>
-              </a:ln>
-              <a:solidFill>
-                <a:prstClr val="white">
-                  <a:lumMod val="95000"/>
-                </a:prstClr>
-              </a:solidFill>
-              <a:effectLst/>
-              <a:uLnTx/>
-              <a:uFillTx/>
-              <a:latin typeface="Calibri" panose="020F0502020204030204"/>
-              <a:ea typeface="+mn-ea"/>
-              <a:cs typeface="+mn-cs"/>
-            </a:endParaRPr>
-          </a:p>
-        </p:txBody>
-      </p:sp>
-      <p:sp>
-        <p:nvSpPr>
-          <p:cNvPr id="4" name="TextBox 3">
-            <a:extLst>
-              <a:ext uri="{FF2B5EF4-FFF2-40B4-BE49-F238E27FC236}">
-                <a16:creationId xmlns:a16="http://schemas.microsoft.com/office/drawing/2014/main" id="{A5BA8CC1-6104-BA42-9471-B17DC550FCC8}"/>
-              </a:ext>
-            </a:extLst>
-          </p:cNvPr>
-          <p:cNvSpPr txBox="1"/>
-          <p:nvPr/>
-        </p:nvSpPr>
-        <p:spPr>
-          <a:xfrm>
-            <a:off x="389683" y="5529884"/>
-            <a:ext cx="5693783" cy="1096331"/>
-          </a:xfrm>
-          <a:prstGeom prst="rect">
-            <a:avLst/>
-          </a:prstGeom>
-        </p:spPr>
-        <p:txBody>
-          <a:bodyPr vert="horz" lIns="91440" tIns="45720" rIns="91440" bIns="45720" rtlCol="0" anchor="ctr">
-            <a:normAutofit/>
-          </a:bodyPr>
-          <a:lstStyle/>
-          <a:p>
-            <a:pPr marL="0" marR="0" lvl="0" indent="0" algn="l" defTabSz="914400" rtl="0" eaLnBrk="1" fontAlgn="auto" latinLnBrk="0" hangingPunct="1">
-              <a:lnSpc>
-                <a:spcPct val="90000"/>
-              </a:lnSpc>
-              <a:spcBef>
-                <a:spcPct val="0"/>
-              </a:spcBef>
-              <a:spcAft>
-                <a:spcPts val="600"/>
-              </a:spcAft>
-              <a:buClrTx/>
-              <a:buSzTx/>
-              <a:buFontTx/>
-              <a:buNone/>
-              <a:tabLst/>
-              <a:defRPr/>
-            </a:pPr>
-            <a:r>
-              <a:rPr kumimoji="0" lang="en-US" sz="4000" b="1" i="0" u="none" strike="noStrike" kern="1200" cap="none" spc="0" normalizeH="0" baseline="0" noProof="0" dirty="0" smtClean="0">
-                <a:ln>
-                  <a:noFill/>
-                </a:ln>
-                <a:solidFill>
-                  <a:srgbClr val="303030"/>
-                </a:solidFill>
-                <a:effectLst/>
-                <a:uLnTx/>
-                <a:uFillTx/>
-                <a:latin typeface="Calibri Light" panose="020F0302020204030204"/>
-                <a:ea typeface="+mn-ea"/>
-                <a:cs typeface="+mn-cs"/>
-              </a:rPr>
-              <a:t>AGENDA: Visualization</a:t>
-            </a:r>
-            <a:endParaRPr kumimoji="0" lang="en-US" sz="4000" b="1" i="0" u="none" strike="noStrike" kern="1200" cap="none" spc="0" normalizeH="0" baseline="0" noProof="0" dirty="0">
-              <a:ln>
-                <a:noFill/>
-              </a:ln>
-              <a:solidFill>
-                <a:srgbClr val="303030"/>
-              </a:solidFill>
-              <a:effectLst/>
-              <a:uLnTx/>
-              <a:uFillTx/>
-              <a:latin typeface="Calibri Light" panose="020F0302020204030204"/>
-              <a:ea typeface="+mn-ea"/>
-              <a:cs typeface="+mn-cs"/>
-            </a:endParaRPr>
-          </a:p>
-        </p:txBody>
-      </p:sp>
-      <p:pic>
-        <p:nvPicPr>
-          <p:cNvPr id="3" name="Picture 2">
-            <a:extLst>
-              <a:ext uri="{FF2B5EF4-FFF2-40B4-BE49-F238E27FC236}">
-                <a16:creationId xmlns:a16="http://schemas.microsoft.com/office/drawing/2014/main" id="{B0A5B9B6-518A-9340-A2D6-5B840631FCD2}"/>
-              </a:ext>
-            </a:extLst>
-          </p:cNvPr>
-          <p:cNvPicPr>
-            <a:picLocks noChangeAspect="1"/>
-          </p:cNvPicPr>
-          <p:nvPr/>
-        </p:nvPicPr>
-        <p:blipFill>
-          <a:blip r:embed="rId2">
-            <a:extLst>
-              <a:ext uri="{28A0092B-C50C-407E-A947-70E740481C1C}">
-                <a14:useLocalDpi xmlns:a14="http://schemas.microsoft.com/office/drawing/2010/main" val="0"/>
-              </a:ext>
-            </a:extLst>
-          </a:blip>
-          <a:stretch>
-            <a:fillRect/>
-          </a:stretch>
-        </p:blipFill>
-        <p:spPr>
-          <a:xfrm>
-            <a:off x="6447259" y="1021104"/>
-            <a:ext cx="5280002" cy="3259720"/>
-          </a:xfrm>
-          <a:prstGeom prst="rect">
-            <a:avLst/>
-          </a:prstGeom>
-        </p:spPr>
-      </p:pic>
-      <p:sp>
-        <p:nvSpPr>
-          <p:cNvPr id="5" name="TextBox 4">
-            <a:extLst>
-              <a:ext uri="{FF2B5EF4-FFF2-40B4-BE49-F238E27FC236}">
-                <a16:creationId xmlns:a16="http://schemas.microsoft.com/office/drawing/2014/main" id="{9F801A05-8D8A-A049-B385-4AC7E25D26EF}"/>
-              </a:ext>
-            </a:extLst>
-          </p:cNvPr>
-          <p:cNvSpPr txBox="1"/>
-          <p:nvPr/>
-        </p:nvSpPr>
-        <p:spPr>
-          <a:xfrm>
-            <a:off x="392440" y="181998"/>
-            <a:ext cx="6561724" cy="5036251"/>
-          </a:xfrm>
-          <a:prstGeom prst="rect">
-            <a:avLst/>
-          </a:prstGeom>
-        </p:spPr>
-        <p:txBody>
-          <a:bodyPr vert="horz" lIns="91440" tIns="45720" rIns="91440" bIns="45720" rtlCol="0" anchor="ctr">
-            <a:noAutofit/>
-          </a:bodyPr>
-          <a:lstStyle/>
-          <a:p>
-            <a:pPr marL="0" marR="0" lvl="0" indent="0" algn="l" defTabSz="914400" rtl="0" eaLnBrk="1" fontAlgn="auto" latinLnBrk="0" hangingPunct="1">
-              <a:lnSpc>
-                <a:spcPct val="140000"/>
-              </a:lnSpc>
-              <a:spcBef>
-                <a:spcPts val="0"/>
-              </a:spcBef>
-              <a:spcAft>
-                <a:spcPts val="600"/>
-              </a:spcAft>
-              <a:buClrTx/>
-              <a:buSzTx/>
-              <a:buFontTx/>
-              <a:buNone/>
-              <a:tabLst/>
-              <a:defRPr/>
-            </a:pPr>
-            <a:r>
-              <a:rPr kumimoji="0" lang="en-US" sz="2000" b="0" i="0" u="none" strike="noStrike" kern="1200" cap="none" spc="0" normalizeH="0" baseline="0" noProof="0" dirty="0" smtClean="0">
-                <a:ln>
-                  <a:noFill/>
-                </a:ln>
-                <a:solidFill>
-                  <a:prstClr val="black"/>
-                </a:solidFill>
-                <a:effectLst/>
-                <a:uLnTx/>
-                <a:uFillTx/>
-                <a:latin typeface="Calibri" panose="020F0502020204030204"/>
-                <a:ea typeface="+mn-ea"/>
-                <a:cs typeface="+mn-cs"/>
-              </a:rPr>
-              <a:t>Why </a:t>
-            </a:r>
-            <a:r>
-              <a:rPr kumimoji="0" lang="en-US" sz="2000" b="0" i="0" u="none" strike="noStrike" kern="1200" cap="none" spc="0" normalizeH="0" baseline="0" noProof="0" dirty="0" err="1">
-                <a:ln>
-                  <a:noFill/>
-                </a:ln>
-                <a:solidFill>
-                  <a:prstClr val="black"/>
-                </a:solidFill>
-                <a:effectLst/>
-                <a:uLnTx/>
-                <a:uFillTx/>
-                <a:latin typeface="Calibri" panose="020F0502020204030204"/>
-                <a:ea typeface="+mn-ea"/>
-                <a:cs typeface="+mn-cs"/>
-              </a:rPr>
-              <a:t>g</a:t>
-            </a:r>
-            <a:r>
-              <a:rPr kumimoji="0" lang="en-US" sz="2000" b="0" i="0" u="none" strike="noStrike" kern="1200" cap="none" spc="0" normalizeH="0" baseline="0" noProof="0" dirty="0" err="1" smtClean="0">
-                <a:ln>
-                  <a:noFill/>
-                </a:ln>
-                <a:solidFill>
-                  <a:prstClr val="black"/>
-                </a:solidFill>
-                <a:effectLst/>
-                <a:uLnTx/>
-                <a:uFillTx/>
-                <a:latin typeface="Calibri" panose="020F0502020204030204"/>
-                <a:ea typeface="+mn-ea"/>
-                <a:cs typeface="+mn-cs"/>
-              </a:rPr>
-              <a:t>gplot</a:t>
-            </a:r>
-            <a:r>
-              <a:rPr kumimoji="0" lang="en-US" sz="2000" b="0" i="0" u="none" strike="noStrike" kern="1200" cap="none" spc="0" normalizeH="0" baseline="0" noProof="0" dirty="0" smtClean="0">
-                <a:ln>
-                  <a:noFill/>
-                </a:ln>
-                <a:solidFill>
-                  <a:prstClr val="black"/>
-                </a:solidFill>
-                <a:effectLst/>
-                <a:uLnTx/>
-                <a:uFillTx/>
-                <a:latin typeface="Calibri" panose="020F0502020204030204"/>
-                <a:ea typeface="+mn-ea"/>
-                <a:cs typeface="+mn-cs"/>
-              </a:rPr>
-              <a:t>? (5mins) (QT)</a:t>
-            </a:r>
-            <a:endParaRPr kumimoji="0" lang="en-US" sz="2000" b="0" i="0" u="none" strike="noStrike" kern="1200" cap="none" spc="0" normalizeH="0" baseline="0" noProof="0" dirty="0">
-              <a:ln>
-                <a:noFill/>
-              </a:ln>
-              <a:solidFill>
-                <a:prstClr val="black"/>
-              </a:solidFill>
-              <a:effectLst/>
-              <a:uLnTx/>
-              <a:uFillTx/>
-              <a:latin typeface="Calibri" panose="020F0502020204030204"/>
-              <a:ea typeface="+mn-ea"/>
-              <a:cs typeface="+mn-cs"/>
-            </a:endParaRPr>
-          </a:p>
-          <a:p>
-            <a:pPr marL="800100" marR="0" lvl="1" indent="-342900" algn="l" defTabSz="914400" rtl="0" eaLnBrk="1" fontAlgn="auto" latinLnBrk="0" hangingPunct="1">
-              <a:lnSpc>
-                <a:spcPct val="120000"/>
-              </a:lnSpc>
-              <a:spcBef>
-                <a:spcPts val="0"/>
-              </a:spcBef>
-              <a:spcAft>
-                <a:spcPts val="600"/>
-              </a:spcAft>
-              <a:buClrTx/>
-              <a:buSzTx/>
-              <a:buFont typeface="Arial" panose="020B0604020202020204" pitchFamily="34" charset="0"/>
-              <a:buChar char="•"/>
-              <a:tabLst/>
-              <a:defRPr/>
-            </a:pPr>
-            <a:r>
-              <a:rPr kumimoji="0" lang="en-US" sz="2000" b="0" i="0" u="none" strike="noStrike" kern="1200" cap="none" spc="0" normalizeH="0" baseline="0" noProof="0" dirty="0" smtClean="0">
-                <a:ln>
-                  <a:noFill/>
-                </a:ln>
-                <a:solidFill>
-                  <a:prstClr val="black"/>
-                </a:solidFill>
-                <a:effectLst/>
-                <a:uLnTx/>
-                <a:uFillTx/>
-                <a:latin typeface="Calibri" panose="020F0502020204030204"/>
-                <a:ea typeface="+mn-ea"/>
-                <a:cs typeface="+mn-cs"/>
-              </a:rPr>
-              <a:t>	Grammar of Graphics concept – 7 layers</a:t>
-            </a:r>
-            <a:endParaRPr kumimoji="0" lang="en-US" sz="2000" b="0" i="0" u="none" strike="noStrike" kern="1200" cap="none" spc="0" normalizeH="0" baseline="0" noProof="0" dirty="0">
-              <a:ln>
-                <a:noFill/>
-              </a:ln>
-              <a:solidFill>
-                <a:prstClr val="black"/>
-              </a:solidFill>
-              <a:effectLst/>
-              <a:uLnTx/>
-              <a:uFillTx/>
-              <a:latin typeface="Calibri" panose="020F0502020204030204"/>
-              <a:ea typeface="+mn-ea"/>
-              <a:cs typeface="+mn-cs"/>
-            </a:endParaRPr>
-          </a:p>
-          <a:p>
-            <a:pPr marL="0" marR="0" lvl="0" indent="0" algn="l" defTabSz="914400" rtl="0" eaLnBrk="1" fontAlgn="auto" latinLnBrk="0" hangingPunct="1">
-              <a:lnSpc>
-                <a:spcPct val="140000"/>
-              </a:lnSpc>
-              <a:spcBef>
-                <a:spcPts val="0"/>
-              </a:spcBef>
-              <a:spcAft>
-                <a:spcPts val="600"/>
-              </a:spcAft>
-              <a:buClrTx/>
-              <a:buSzTx/>
-              <a:buFontTx/>
-              <a:buNone/>
-              <a:tabLst/>
-              <a:defRPr/>
-            </a:pPr>
-            <a:r>
-              <a:rPr kumimoji="0" lang="en-US" sz="2000" b="0" i="0" u="none" strike="noStrike" kern="1200" cap="none" spc="0" normalizeH="0" baseline="0" noProof="0" dirty="0" smtClean="0">
-                <a:ln>
-                  <a:noFill/>
-                </a:ln>
-                <a:solidFill>
-                  <a:prstClr val="black"/>
-                </a:solidFill>
-                <a:effectLst/>
-                <a:uLnTx/>
-                <a:uFillTx/>
-                <a:latin typeface="Calibri" panose="020F0502020204030204"/>
-                <a:ea typeface="+mn-ea"/>
-                <a:cs typeface="+mn-cs"/>
-              </a:rPr>
-              <a:t>The Generic Function of </a:t>
-            </a:r>
-            <a:r>
-              <a:rPr kumimoji="0" lang="en-US" sz="2000" b="0" i="0" u="none" strike="noStrike" kern="1200" cap="none" spc="0" normalizeH="0" baseline="0" noProof="0" dirty="0" err="1">
-                <a:ln>
-                  <a:noFill/>
-                </a:ln>
-                <a:solidFill>
-                  <a:prstClr val="black"/>
-                </a:solidFill>
-                <a:effectLst/>
-                <a:uLnTx/>
-                <a:uFillTx/>
-                <a:latin typeface="Calibri" panose="020F0502020204030204"/>
-                <a:ea typeface="+mn-ea"/>
-                <a:cs typeface="+mn-cs"/>
-              </a:rPr>
-              <a:t>g</a:t>
-            </a:r>
-            <a:r>
-              <a:rPr kumimoji="0" lang="en-US" sz="2000" b="0" i="0" u="none" strike="noStrike" kern="1200" cap="none" spc="0" normalizeH="0" baseline="0" noProof="0" dirty="0" err="1" smtClean="0">
-                <a:ln>
-                  <a:noFill/>
-                </a:ln>
-                <a:solidFill>
-                  <a:prstClr val="black"/>
-                </a:solidFill>
-                <a:effectLst/>
-                <a:uLnTx/>
-                <a:uFillTx/>
-                <a:latin typeface="Calibri" panose="020F0502020204030204"/>
-                <a:ea typeface="+mn-ea"/>
-                <a:cs typeface="+mn-cs"/>
-              </a:rPr>
-              <a:t>gplot</a:t>
-            </a:r>
-            <a:r>
-              <a:rPr kumimoji="0" lang="en-US" sz="2000" b="0" i="0" u="none" strike="noStrike" kern="1200" cap="none" spc="0" normalizeH="0" baseline="0" noProof="0" dirty="0" smtClean="0">
-                <a:ln>
-                  <a:noFill/>
-                </a:ln>
-                <a:solidFill>
-                  <a:prstClr val="black"/>
-                </a:solidFill>
-                <a:effectLst/>
-                <a:uLnTx/>
-                <a:uFillTx/>
-                <a:latin typeface="Calibri" panose="020F0502020204030204"/>
-                <a:ea typeface="+mn-ea"/>
-                <a:cs typeface="+mn-cs"/>
-              </a:rPr>
-              <a:t> (</a:t>
-            </a:r>
-            <a:r>
-              <a:rPr kumimoji="0" lang="en-US" sz="2000" b="0" i="0" u="none" strike="noStrike" kern="1200" cap="none" spc="0" normalizeH="0" baseline="0" noProof="0" smtClean="0">
-                <a:ln>
-                  <a:noFill/>
-                </a:ln>
-                <a:solidFill>
-                  <a:prstClr val="black"/>
-                </a:solidFill>
-                <a:effectLst/>
-                <a:uLnTx/>
-                <a:uFillTx/>
-                <a:latin typeface="Calibri" panose="020F0502020204030204"/>
-                <a:ea typeface="+mn-ea"/>
-                <a:cs typeface="+mn-cs"/>
-              </a:rPr>
-              <a:t>10mins) (QT)</a:t>
-            </a:r>
-            <a:endParaRPr kumimoji="0" lang="en-US" sz="2000" b="0" i="0" u="none" strike="noStrike" kern="1200" cap="none" spc="0" normalizeH="0" baseline="0" noProof="0" dirty="0" smtClean="0">
-              <a:ln>
-                <a:noFill/>
-              </a:ln>
-              <a:solidFill>
-                <a:prstClr val="black"/>
-              </a:solidFill>
-              <a:effectLst/>
-              <a:uLnTx/>
-              <a:uFillTx/>
-              <a:latin typeface="Calibri" panose="020F0502020204030204"/>
-              <a:ea typeface="+mn-ea"/>
-              <a:cs typeface="+mn-cs"/>
-            </a:endParaRPr>
-          </a:p>
-          <a:p>
-            <a:pPr marL="800100" marR="0" lvl="1" indent="-342900" algn="l" defTabSz="914400" rtl="0" eaLnBrk="1" fontAlgn="auto" latinLnBrk="0" hangingPunct="1">
-              <a:lnSpc>
-                <a:spcPct val="120000"/>
-              </a:lnSpc>
-              <a:spcBef>
-                <a:spcPts val="0"/>
-              </a:spcBef>
-              <a:spcAft>
-                <a:spcPts val="600"/>
-              </a:spcAft>
-              <a:buClrTx/>
-              <a:buSzTx/>
-              <a:buFont typeface="Arial" panose="020B0604020202020204" pitchFamily="34" charset="0"/>
-              <a:buChar char="•"/>
-              <a:tabLst/>
-              <a:defRPr/>
-            </a:pPr>
-            <a:r>
-              <a:rPr kumimoji="0" lang="en-US" sz="2000" b="0" i="0" u="none" strike="noStrike" kern="1200" cap="none" spc="0" normalizeH="0" baseline="0" noProof="0" dirty="0" smtClean="0">
-                <a:ln>
-                  <a:noFill/>
-                </a:ln>
-                <a:solidFill>
-                  <a:prstClr val="black"/>
-                </a:solidFill>
-                <a:effectLst/>
-                <a:uLnTx/>
-                <a:uFillTx/>
-                <a:latin typeface="Calibri" panose="020F0502020204030204"/>
-                <a:ea typeface="+mn-ea"/>
-                <a:cs typeface="+mn-cs"/>
-              </a:rPr>
-              <a:t>Data </a:t>
-            </a:r>
-            <a:r>
-              <a:rPr kumimoji="0" lang="en-US" sz="2000" b="0" i="0" u="none" strike="noStrike" kern="1200" cap="none" spc="0" normalizeH="0" baseline="0" noProof="0" dirty="0">
-                <a:ln>
-                  <a:noFill/>
-                </a:ln>
-                <a:solidFill>
-                  <a:prstClr val="black"/>
-                </a:solidFill>
-                <a:effectLst/>
-                <a:uLnTx/>
-                <a:uFillTx/>
-                <a:latin typeface="Calibri" panose="020F0502020204030204"/>
-                <a:ea typeface="+mn-ea"/>
-                <a:cs typeface="+mn-cs"/>
-              </a:rPr>
-              <a:t>&amp; Aesthetics</a:t>
-            </a:r>
-          </a:p>
-          <a:p>
-            <a:pPr marL="800100" marR="0" lvl="1" indent="-342900" algn="l" defTabSz="914400" rtl="0" eaLnBrk="1" fontAlgn="auto" latinLnBrk="0" hangingPunct="1">
-              <a:lnSpc>
-                <a:spcPct val="120000"/>
-              </a:lnSpc>
-              <a:spcBef>
-                <a:spcPts val="0"/>
-              </a:spcBef>
-              <a:spcAft>
-                <a:spcPts val="600"/>
-              </a:spcAft>
-              <a:buClrTx/>
-              <a:buSzTx/>
-              <a:buFont typeface="Arial" panose="020B0604020202020204" pitchFamily="34" charset="0"/>
-              <a:buChar char="•"/>
-              <a:tabLst/>
-              <a:defRPr/>
-            </a:pPr>
-            <a:r>
-              <a:rPr kumimoji="0" lang="en-US" sz="2000" b="0" i="0" u="none" strike="noStrike" kern="1200" cap="none" spc="0" normalizeH="0" baseline="0" noProof="0" dirty="0">
-                <a:ln>
-                  <a:noFill/>
-                </a:ln>
-                <a:solidFill>
-                  <a:prstClr val="black"/>
-                </a:solidFill>
-                <a:effectLst/>
-                <a:uLnTx/>
-                <a:uFillTx/>
-                <a:latin typeface="Calibri" panose="020F0502020204030204"/>
-                <a:ea typeface="+mn-ea"/>
-                <a:cs typeface="+mn-cs"/>
-              </a:rPr>
-              <a:t>Geometries</a:t>
-            </a:r>
-          </a:p>
-          <a:p>
-            <a:pPr marL="800100" marR="0" lvl="1" indent="-342900" algn="l" defTabSz="914400" rtl="0" eaLnBrk="1" fontAlgn="auto" latinLnBrk="0" hangingPunct="1">
-              <a:lnSpc>
-                <a:spcPct val="120000"/>
-              </a:lnSpc>
-              <a:spcBef>
-                <a:spcPts val="0"/>
-              </a:spcBef>
-              <a:spcAft>
-                <a:spcPts val="600"/>
-              </a:spcAft>
-              <a:buClrTx/>
-              <a:buSzTx/>
-              <a:buFont typeface="Arial" panose="020B0604020202020204" pitchFamily="34" charset="0"/>
-              <a:buChar char="•"/>
-              <a:tabLst/>
-              <a:defRPr/>
-            </a:pPr>
-            <a:r>
-              <a:rPr kumimoji="0" lang="en-US" sz="2000" b="0" i="0" u="none" strike="noStrike" kern="1200" cap="none" spc="0" normalizeH="0" baseline="0" noProof="0" dirty="0">
-                <a:ln>
-                  <a:noFill/>
-                </a:ln>
-                <a:solidFill>
-                  <a:prstClr val="black"/>
-                </a:solidFill>
-                <a:effectLst/>
-                <a:uLnTx/>
-                <a:uFillTx/>
-                <a:latin typeface="Calibri" panose="020F0502020204030204"/>
-                <a:ea typeface="+mn-ea"/>
-                <a:cs typeface="+mn-cs"/>
-              </a:rPr>
-              <a:t>Facets</a:t>
-            </a:r>
-          </a:p>
-          <a:p>
-            <a:pPr marL="800100" marR="0" lvl="1" indent="-342900" algn="l" defTabSz="914400" rtl="0" eaLnBrk="1" fontAlgn="auto" latinLnBrk="0" hangingPunct="1">
-              <a:lnSpc>
-                <a:spcPct val="120000"/>
-              </a:lnSpc>
-              <a:spcBef>
-                <a:spcPts val="0"/>
-              </a:spcBef>
-              <a:spcAft>
-                <a:spcPts val="600"/>
-              </a:spcAft>
-              <a:buClrTx/>
-              <a:buSzTx/>
-              <a:buFont typeface="Arial" panose="020B0604020202020204" pitchFamily="34" charset="0"/>
-              <a:buChar char="•"/>
-              <a:tabLst/>
-              <a:defRPr/>
-            </a:pPr>
-            <a:r>
-              <a:rPr kumimoji="0" lang="en-US" sz="2000" b="0" i="0" u="none" strike="noStrike" kern="1200" cap="none" spc="0" normalizeH="0" baseline="0" noProof="0" dirty="0">
-                <a:ln>
-                  <a:noFill/>
-                </a:ln>
-                <a:solidFill>
-                  <a:prstClr val="black"/>
-                </a:solidFill>
-                <a:effectLst/>
-                <a:uLnTx/>
-                <a:uFillTx/>
-                <a:latin typeface="Calibri" panose="020F0502020204030204"/>
-                <a:ea typeface="+mn-ea"/>
-                <a:cs typeface="+mn-cs"/>
-              </a:rPr>
-              <a:t>Statistics</a:t>
-            </a:r>
-          </a:p>
-          <a:p>
-            <a:pPr marL="800100" marR="0" lvl="1" indent="-342900" algn="l" defTabSz="914400" rtl="0" eaLnBrk="1" fontAlgn="auto" latinLnBrk="0" hangingPunct="1">
-              <a:lnSpc>
-                <a:spcPct val="120000"/>
-              </a:lnSpc>
-              <a:spcBef>
-                <a:spcPts val="0"/>
-              </a:spcBef>
-              <a:spcAft>
-                <a:spcPts val="600"/>
-              </a:spcAft>
-              <a:buClrTx/>
-              <a:buSzTx/>
-              <a:buFont typeface="Arial" panose="020B0604020202020204" pitchFamily="34" charset="0"/>
-              <a:buChar char="•"/>
-              <a:tabLst/>
-              <a:defRPr/>
-            </a:pPr>
-            <a:r>
-              <a:rPr kumimoji="0" lang="en-US" sz="2000" b="0" i="0" u="none" strike="noStrike" kern="1200" cap="none" spc="0" normalizeH="0" baseline="0" noProof="0" dirty="0">
-                <a:ln>
-                  <a:noFill/>
-                </a:ln>
-                <a:solidFill>
-                  <a:prstClr val="black"/>
-                </a:solidFill>
-                <a:effectLst/>
-                <a:uLnTx/>
-                <a:uFillTx/>
-                <a:latin typeface="Calibri" panose="020F0502020204030204"/>
-                <a:ea typeface="+mn-ea"/>
-                <a:cs typeface="+mn-cs"/>
-              </a:rPr>
-              <a:t>Coordinates</a:t>
-            </a:r>
-          </a:p>
-          <a:p>
-            <a:pPr marL="800100" marR="0" lvl="1" indent="-342900" algn="l" defTabSz="914400" rtl="0" eaLnBrk="1" fontAlgn="auto" latinLnBrk="0" hangingPunct="1">
-              <a:lnSpc>
-                <a:spcPct val="120000"/>
-              </a:lnSpc>
-              <a:spcBef>
-                <a:spcPts val="0"/>
-              </a:spcBef>
-              <a:spcAft>
-                <a:spcPts val="600"/>
-              </a:spcAft>
-              <a:buClrTx/>
-              <a:buSzTx/>
-              <a:buFont typeface="Arial" panose="020B0604020202020204" pitchFamily="34" charset="0"/>
-              <a:buChar char="•"/>
-              <a:tabLst/>
-              <a:defRPr/>
-            </a:pPr>
-            <a:r>
-              <a:rPr kumimoji="0" lang="en-US" sz="2000" b="0" i="0" u="none" strike="noStrike" kern="1200" cap="none" spc="0" normalizeH="0" baseline="0" noProof="0" dirty="0">
-                <a:ln>
-                  <a:noFill/>
-                </a:ln>
-                <a:solidFill>
-                  <a:prstClr val="black"/>
-                </a:solidFill>
-                <a:effectLst/>
-                <a:uLnTx/>
-                <a:uFillTx/>
-                <a:latin typeface="Calibri" panose="020F0502020204030204"/>
-                <a:ea typeface="+mn-ea"/>
-                <a:cs typeface="+mn-cs"/>
-              </a:rPr>
-              <a:t>Themes</a:t>
-            </a:r>
-          </a:p>
-          <a:p>
-            <a:pPr marL="0" marR="0" lvl="0" indent="0" algn="l" defTabSz="914400" rtl="0" eaLnBrk="1" fontAlgn="auto" latinLnBrk="0" hangingPunct="1">
-              <a:lnSpc>
-                <a:spcPct val="140000"/>
-              </a:lnSpc>
-              <a:spcBef>
-                <a:spcPts val="0"/>
-              </a:spcBef>
-              <a:spcAft>
-                <a:spcPts val="600"/>
-              </a:spcAft>
-              <a:buClrTx/>
-              <a:buSzTx/>
-              <a:buFontTx/>
-              <a:buNone/>
-              <a:tabLst/>
-              <a:defRPr/>
-            </a:pPr>
-            <a:r>
-              <a:rPr kumimoji="0" lang="en-US" sz="2000" b="0" i="0" u="none" strike="noStrike" kern="1200" cap="none" spc="0" normalizeH="0" baseline="0" noProof="0" dirty="0">
-                <a:ln>
-                  <a:noFill/>
-                </a:ln>
-                <a:solidFill>
-                  <a:prstClr val="black"/>
-                </a:solidFill>
-                <a:effectLst/>
-                <a:uLnTx/>
-                <a:uFillTx/>
-                <a:latin typeface="Calibri" panose="020F0502020204030204"/>
-                <a:ea typeface="+mn-ea"/>
-                <a:cs typeface="+mn-cs"/>
-              </a:rPr>
-              <a:t>CASE STUDY: U.S. Air Pollution Analysis (20mins) (XP</a:t>
-            </a:r>
-            <a:r>
-              <a:rPr kumimoji="0" lang="en-US" sz="2000" b="0" i="0" u="none" strike="noStrike" kern="1200" cap="none" spc="0" normalizeH="0" baseline="0" noProof="0" dirty="0" smtClean="0">
-                <a:ln>
-                  <a:noFill/>
-                </a:ln>
-                <a:solidFill>
-                  <a:prstClr val="black"/>
-                </a:solidFill>
-                <a:effectLst/>
-                <a:uLnTx/>
-                <a:uFillTx/>
-                <a:latin typeface="Calibri" panose="020F0502020204030204"/>
-                <a:ea typeface="+mn-ea"/>
-                <a:cs typeface="+mn-cs"/>
-              </a:rPr>
-              <a:t>) </a:t>
-            </a:r>
-            <a:r>
-              <a:rPr kumimoji="0" lang="en-US" sz="1600" b="0" i="1" u="none" strike="noStrike" kern="1200" cap="none" spc="0" normalizeH="0" baseline="0" noProof="0" dirty="0">
-                <a:ln>
-                  <a:noFill/>
-                </a:ln>
-                <a:solidFill>
-                  <a:prstClr val="black"/>
-                </a:solidFill>
-                <a:effectLst/>
-                <a:uLnTx/>
-                <a:uFillTx/>
-                <a:latin typeface="Calibri" panose="020F0502020204030204"/>
-                <a:ea typeface="+mn-ea"/>
-                <a:cs typeface="+mn-cs"/>
-              </a:rPr>
-              <a:t>(Following the previous session</a:t>
-            </a:r>
-            <a:r>
-              <a:rPr kumimoji="0" lang="en-US" sz="1600" b="0" i="1" u="none" strike="noStrike" kern="1200" cap="none" spc="0" normalizeH="0" baseline="0" noProof="0" dirty="0" smtClean="0">
-                <a:ln>
-                  <a:noFill/>
-                </a:ln>
-                <a:solidFill>
-                  <a:prstClr val="black"/>
-                </a:solidFill>
-                <a:effectLst/>
-                <a:uLnTx/>
-                <a:uFillTx/>
-                <a:latin typeface="Calibri" panose="020F0502020204030204"/>
-                <a:ea typeface="+mn-ea"/>
-                <a:cs typeface="+mn-cs"/>
-              </a:rPr>
-              <a:t>) </a:t>
-            </a:r>
-            <a:r>
-              <a:rPr kumimoji="0" lang="en-US" sz="1600" b="0" i="1" u="none" strike="noStrike" kern="1200" cap="none" spc="0" normalizeH="0" baseline="0" noProof="0" dirty="0">
-                <a:ln>
-                  <a:noFill/>
-                </a:ln>
-                <a:solidFill>
-                  <a:prstClr val="black"/>
-                </a:solidFill>
-                <a:effectLst/>
-                <a:uLnTx/>
-                <a:uFillTx/>
-                <a:latin typeface="Calibri" panose="020F0502020204030204"/>
-                <a:ea typeface="+mn-ea"/>
-                <a:cs typeface="+mn-cs"/>
-                <a:hlinkClick r:id="rId3"/>
-              </a:rPr>
-              <a:t>https://</a:t>
-            </a:r>
-            <a:r>
-              <a:rPr kumimoji="0" lang="en-US" sz="1600" b="0" i="1" u="none" strike="noStrike" kern="1200" cap="none" spc="0" normalizeH="0" baseline="0" noProof="0" dirty="0" smtClean="0">
-                <a:ln>
-                  <a:noFill/>
-                </a:ln>
-                <a:solidFill>
-                  <a:prstClr val="black"/>
-                </a:solidFill>
-                <a:effectLst/>
-                <a:uLnTx/>
-                <a:uFillTx/>
-                <a:latin typeface="Calibri" panose="020F0502020204030204"/>
-                <a:ea typeface="+mn-ea"/>
-                <a:cs typeface="+mn-cs"/>
-                <a:hlinkClick r:id="rId3"/>
-              </a:rPr>
-              <a:t>rpubs.com/monkey08091992/503363</a:t>
-            </a:r>
-            <a:endParaRPr kumimoji="0" lang="en-US" sz="1600" b="0" i="1" u="none" strike="noStrike" kern="1200" cap="none" spc="0" normalizeH="0" baseline="0" noProof="0" dirty="0">
-              <a:ln>
-                <a:noFill/>
-              </a:ln>
-              <a:solidFill>
-                <a:prstClr val="black"/>
-              </a:solidFill>
-              <a:effectLst/>
-              <a:uLnTx/>
-              <a:uFillTx/>
-              <a:latin typeface="Calibri" panose="020F0502020204030204"/>
-              <a:ea typeface="+mn-ea"/>
-              <a:cs typeface="+mn-cs"/>
-            </a:endParaRPr>
-          </a:p>
-        </p:txBody>
-      </p:sp>
-    </p:spTree>
-    <p:extLst>
-      <p:ext uri="{BB962C8B-B14F-4D97-AF65-F5344CB8AC3E}">
-        <p14:creationId xmlns:p14="http://schemas.microsoft.com/office/powerpoint/2010/main" val="153310920"/>
-      </p:ext>
-    </p:extLst>
-  </p:cSld>
-  <p:clrMapOvr>
-    <a:masterClrMapping/>
-  </p:clrMapOvr>
-</p:sld>
-</file>
-
-<file path=ppt/slides/slide4.xml><?xml version="1.0" encoding="utf-8"?>
 <p:sld xmlns:a="http://schemas.openxmlformats.org/drawingml/2006/main" xmlns:r="http://schemas.openxmlformats.org/officeDocument/2006/relationships" xmlns:p="http://schemas.openxmlformats.org/presentationml/2006/main">
   <p:cSld>
     <p:spTree>
@@ -19220,7 +16952,7 @@
 </p:sld>
 </file>
 
-<file path=ppt/slides/slide5.xml><?xml version="1.0" encoding="utf-8"?>
+<file path=ppt/slides/slide3.xml><?xml version="1.0" encoding="utf-8"?>
 <p:sld xmlns:a="http://schemas.openxmlformats.org/drawingml/2006/main" xmlns:r="http://schemas.openxmlformats.org/officeDocument/2006/relationships" xmlns:p="http://schemas.openxmlformats.org/presentationml/2006/main">
   <p:cSld>
     <p:spTree>
@@ -21028,6 +18760,2083 @@
 </p:sld>
 </file>
 
+<file path=ppt/slides/slide4.xml><?xml version="1.0" encoding="utf-8"?>
+<p:sld xmlns:a="http://schemas.openxmlformats.org/drawingml/2006/main" xmlns:r="http://schemas.openxmlformats.org/officeDocument/2006/relationships" xmlns:p="http://schemas.openxmlformats.org/presentationml/2006/main">
+  <p:cSld>
+    <p:bg>
+      <p:bgPr>
+        <a:solidFill>
+          <a:schemeClr val="bg1"/>
+        </a:solidFill>
+        <a:effectLst/>
+      </p:bgPr>
+    </p:bg>
+    <p:spTree>
+      <p:nvGrpSpPr>
+        <p:cNvPr id="1" name=""/>
+        <p:cNvGrpSpPr/>
+        <p:nvPr/>
+      </p:nvGrpSpPr>
+      <p:grpSpPr>
+        <a:xfrm>
+          <a:off x="0" y="0"/>
+          <a:ext cx="0" cy="0"/>
+          <a:chOff x="0" y="0"/>
+          <a:chExt cx="0" cy="0"/>
+        </a:xfrm>
+      </p:grpSpPr>
+      <p:sp>
+        <p:nvSpPr>
+          <p:cNvPr id="13" name="Freeform: Shape 9">
+            <a:extLst>
+              <a:ext uri="{FF2B5EF4-FFF2-40B4-BE49-F238E27FC236}">
+                <a16:creationId xmlns:a16="http://schemas.microsoft.com/office/drawing/2014/main" id="{F60FCA6E-0894-46CD-BD49-5955A51E0084}"/>
+              </a:ext>
+              <a:ext uri="{C183D7F6-B498-43B3-948B-1728B52AA6E4}">
+                <adec:decorative xmlns:adec="http://schemas.microsoft.com/office/drawing/2017/decorative" val="1"/>
+              </a:ext>
+            </a:extLst>
+          </p:cNvPr>
+          <p:cNvSpPr>
+            <a:spLocks noGrp="1" noRot="1" noChangeAspect="1" noMove="1" noResize="1" noEditPoints="1" noAdjustHandles="1" noChangeArrowheads="1" noChangeShapeType="1" noTextEdit="1"/>
+          </p:cNvSpPr>
+          <p:nvPr>
+            <p:extLst>
+              <p:ext uri="{386F3935-93C4-4BCD-93E2-E3B085C9AB24}">
+                <p16:designElem xmlns:p16="http://schemas.microsoft.com/office/powerpoint/2015/main" val="1"/>
+              </p:ext>
+            </p:extLst>
+          </p:nvPr>
+        </p:nvSpPr>
+        <p:spPr>
+          <a:xfrm>
+            <a:off x="6831955" y="5346696"/>
+            <a:ext cx="5360045" cy="1511304"/>
+          </a:xfrm>
+          <a:custGeom>
+            <a:avLst/>
+            <a:gdLst>
+              <a:gd name="connsiteX0" fmla="*/ 4545473 w 5360045"/>
+              <a:gd name="connsiteY0" fmla="*/ 0 h 1511304"/>
+              <a:gd name="connsiteX1" fmla="*/ 5360045 w 5360045"/>
+              <a:gd name="connsiteY1" fmla="*/ 0 h 1511304"/>
+              <a:gd name="connsiteX2" fmla="*/ 5360045 w 5360045"/>
+              <a:gd name="connsiteY2" fmla="*/ 1046730 h 1511304"/>
+              <a:gd name="connsiteX3" fmla="*/ 5360045 w 5360045"/>
+              <a:gd name="connsiteY3" fmla="*/ 1508760 h 1511304"/>
+              <a:gd name="connsiteX4" fmla="*/ 5360045 w 5360045"/>
+              <a:gd name="connsiteY4" fmla="*/ 1511304 h 1511304"/>
+              <a:gd name="connsiteX5" fmla="*/ 4545474 w 5360045"/>
+              <a:gd name="connsiteY5" fmla="*/ 1511304 h 1511304"/>
+              <a:gd name="connsiteX6" fmla="*/ 2525897 w 5360045"/>
+              <a:gd name="connsiteY6" fmla="*/ 1511304 h 1511304"/>
+              <a:gd name="connsiteX7" fmla="*/ 0 w 5360045"/>
+              <a:gd name="connsiteY7" fmla="*/ 1511304 h 1511304"/>
+              <a:gd name="connsiteX8" fmla="*/ 697617 w 5360045"/>
+              <a:gd name="connsiteY8" fmla="*/ 3 h 1511304"/>
+              <a:gd name="connsiteX9" fmla="*/ 4545473 w 5360045"/>
+              <a:gd name="connsiteY9" fmla="*/ 3 h 1511304"/>
+            </a:gdLst>
+            <a:ahLst/>
+            <a:cxnLst>
+              <a:cxn ang="0">
+                <a:pos x="connsiteX0" y="connsiteY0"/>
+              </a:cxn>
+              <a:cxn ang="0">
+                <a:pos x="connsiteX1" y="connsiteY1"/>
+              </a:cxn>
+              <a:cxn ang="0">
+                <a:pos x="connsiteX2" y="connsiteY2"/>
+              </a:cxn>
+              <a:cxn ang="0">
+                <a:pos x="connsiteX3" y="connsiteY3"/>
+              </a:cxn>
+              <a:cxn ang="0">
+                <a:pos x="connsiteX4" y="connsiteY4"/>
+              </a:cxn>
+              <a:cxn ang="0">
+                <a:pos x="connsiteX5" y="connsiteY5"/>
+              </a:cxn>
+              <a:cxn ang="0">
+                <a:pos x="connsiteX6" y="connsiteY6"/>
+              </a:cxn>
+              <a:cxn ang="0">
+                <a:pos x="connsiteX7" y="connsiteY7"/>
+              </a:cxn>
+              <a:cxn ang="0">
+                <a:pos x="connsiteX8" y="connsiteY8"/>
+              </a:cxn>
+              <a:cxn ang="0">
+                <a:pos x="connsiteX9" y="connsiteY9"/>
+              </a:cxn>
+            </a:cxnLst>
+            <a:rect l="l" t="t" r="r" b="b"/>
+            <a:pathLst>
+              <a:path w="5360045" h="1511304">
+                <a:moveTo>
+                  <a:pt x="4545473" y="0"/>
+                </a:moveTo>
+                <a:lnTo>
+                  <a:pt x="5360045" y="0"/>
+                </a:lnTo>
+                <a:lnTo>
+                  <a:pt x="5360045" y="1046730"/>
+                </a:lnTo>
+                <a:lnTo>
+                  <a:pt x="5360045" y="1508760"/>
+                </a:lnTo>
+                <a:lnTo>
+                  <a:pt x="5360045" y="1511304"/>
+                </a:lnTo>
+                <a:lnTo>
+                  <a:pt x="4545474" y="1511304"/>
+                </a:lnTo>
+                <a:lnTo>
+                  <a:pt x="2525897" y="1511304"/>
+                </a:lnTo>
+                <a:lnTo>
+                  <a:pt x="0" y="1511304"/>
+                </a:lnTo>
+                <a:lnTo>
+                  <a:pt x="697617" y="3"/>
+                </a:lnTo>
+                <a:lnTo>
+                  <a:pt x="4545473" y="3"/>
+                </a:lnTo>
+                <a:close/>
+              </a:path>
+            </a:pathLst>
+          </a:custGeom>
+          <a:solidFill>
+            <a:srgbClr val="404040">
+              <a:alpha val="84706"/>
+            </a:srgbClr>
+          </a:solidFill>
+          <a:ln>
+            <a:noFill/>
+          </a:ln>
+        </p:spPr>
+        <p:style>
+          <a:lnRef idx="2">
+            <a:schemeClr val="accent1">
+              <a:shade val="50000"/>
+            </a:schemeClr>
+          </a:lnRef>
+          <a:fillRef idx="1">
+            <a:schemeClr val="accent1"/>
+          </a:fillRef>
+          <a:effectRef idx="0">
+            <a:schemeClr val="accent1"/>
+          </a:effectRef>
+          <a:fontRef idx="minor">
+            <a:schemeClr val="lt1"/>
+          </a:fontRef>
+        </p:style>
+        <p:txBody>
+          <a:bodyPr wrap="square" rtlCol="0" anchor="ctr">
+            <a:noAutofit/>
+          </a:bodyPr>
+          <a:lstStyle/>
+          <a:p>
+            <a:pPr marL="0" marR="0" lvl="0" indent="0" algn="ctr" defTabSz="914400" rtl="0" eaLnBrk="1" fontAlgn="auto" latinLnBrk="0" hangingPunct="1">
+              <a:lnSpc>
+                <a:spcPct val="100000"/>
+              </a:lnSpc>
+              <a:spcBef>
+                <a:spcPts val="0"/>
+              </a:spcBef>
+              <a:spcAft>
+                <a:spcPts val="0"/>
+              </a:spcAft>
+              <a:buClrTx/>
+              <a:buSzTx/>
+              <a:buFontTx/>
+              <a:buNone/>
+              <a:tabLst/>
+              <a:defRPr/>
+            </a:pPr>
+            <a:endParaRPr kumimoji="0" lang="en-US" sz="1800" b="0" i="0" u="none" strike="noStrike" kern="1200" cap="none" spc="0" normalizeH="0" baseline="0" noProof="0">
+              <a:ln>
+                <a:noFill/>
+              </a:ln>
+              <a:solidFill>
+                <a:prstClr val="white"/>
+              </a:solidFill>
+              <a:effectLst/>
+              <a:uLnTx/>
+              <a:uFillTx/>
+              <a:latin typeface="Calibri" panose="020F0502020204030204"/>
+              <a:ea typeface="+mn-ea"/>
+              <a:cs typeface="+mn-cs"/>
+            </a:endParaRPr>
+          </a:p>
+        </p:txBody>
+      </p:sp>
+      <p:sp>
+        <p:nvSpPr>
+          <p:cNvPr id="12" name="Freeform: Shape 11">
+            <a:extLst>
+              <a:ext uri="{FF2B5EF4-FFF2-40B4-BE49-F238E27FC236}">
+                <a16:creationId xmlns:a16="http://schemas.microsoft.com/office/drawing/2014/main" id="{E78C6E4B-A1F1-4B6C-97EC-BE997495D6AC}"/>
+              </a:ext>
+              <a:ext uri="{C183D7F6-B498-43B3-948B-1728B52AA6E4}">
+                <adec:decorative xmlns:adec="http://schemas.microsoft.com/office/drawing/2017/decorative" val="1"/>
+              </a:ext>
+            </a:extLst>
+          </p:cNvPr>
+          <p:cNvSpPr>
+            <a:spLocks noGrp="1" noRot="1" noChangeAspect="1" noMove="1" noResize="1" noEditPoints="1" noAdjustHandles="1" noChangeArrowheads="1" noChangeShapeType="1" noTextEdit="1"/>
+          </p:cNvSpPr>
+          <p:nvPr>
+            <p:extLst>
+              <p:ext uri="{386F3935-93C4-4BCD-93E2-E3B085C9AB24}">
+                <p16:designElem xmlns:p16="http://schemas.microsoft.com/office/powerpoint/2015/main" val="1"/>
+              </p:ext>
+            </p:extLst>
+          </p:nvPr>
+        </p:nvSpPr>
+        <p:spPr>
+          <a:xfrm>
+            <a:off x="0" y="5346694"/>
+            <a:ext cx="7346605" cy="1511306"/>
+          </a:xfrm>
+          <a:custGeom>
+            <a:avLst/>
+            <a:gdLst>
+              <a:gd name="connsiteX0" fmla="*/ 0 w 7346605"/>
+              <a:gd name="connsiteY0" fmla="*/ 0 h 1511306"/>
+              <a:gd name="connsiteX1" fmla="*/ 239486 w 7346605"/>
+              <a:gd name="connsiteY1" fmla="*/ 0 h 1511306"/>
+              <a:gd name="connsiteX2" fmla="*/ 1209568 w 7346605"/>
+              <a:gd name="connsiteY2" fmla="*/ 0 h 1511306"/>
+              <a:gd name="connsiteX3" fmla="*/ 2405743 w 7346605"/>
+              <a:gd name="connsiteY3" fmla="*/ 0 h 1511306"/>
+              <a:gd name="connsiteX4" fmla="*/ 2405743 w 7346605"/>
+              <a:gd name="connsiteY4" fmla="*/ 2544 h 1511306"/>
+              <a:gd name="connsiteX5" fmla="*/ 2801131 w 7346605"/>
+              <a:gd name="connsiteY5" fmla="*/ 2544 h 1511306"/>
+              <a:gd name="connsiteX6" fmla="*/ 2801131 w 7346605"/>
+              <a:gd name="connsiteY6" fmla="*/ 0 h 1511306"/>
+              <a:gd name="connsiteX7" fmla="*/ 7346605 w 7346605"/>
+              <a:gd name="connsiteY7" fmla="*/ 0 h 1511306"/>
+              <a:gd name="connsiteX8" fmla="*/ 6648988 w 7346605"/>
+              <a:gd name="connsiteY8" fmla="*/ 1511301 h 1511306"/>
+              <a:gd name="connsiteX9" fmla="*/ 2801132 w 7346605"/>
+              <a:gd name="connsiteY9" fmla="*/ 1511301 h 1511306"/>
+              <a:gd name="connsiteX10" fmla="*/ 2801132 w 7346605"/>
+              <a:gd name="connsiteY10" fmla="*/ 1511304 h 1511306"/>
+              <a:gd name="connsiteX11" fmla="*/ 2405743 w 7346605"/>
+              <a:gd name="connsiteY11" fmla="*/ 1511304 h 1511306"/>
+              <a:gd name="connsiteX12" fmla="*/ 2405743 w 7346605"/>
+              <a:gd name="connsiteY12" fmla="*/ 1511306 h 1511306"/>
+              <a:gd name="connsiteX13" fmla="*/ 1333411 w 7346605"/>
+              <a:gd name="connsiteY13" fmla="*/ 1511306 h 1511306"/>
+              <a:gd name="connsiteX14" fmla="*/ 1219208 w 7346605"/>
+              <a:gd name="connsiteY14" fmla="*/ 1511306 h 1511306"/>
+              <a:gd name="connsiteX15" fmla="*/ 1209568 w 7346605"/>
+              <a:gd name="connsiteY15" fmla="*/ 1511306 h 1511306"/>
+              <a:gd name="connsiteX16" fmla="*/ 239486 w 7346605"/>
+              <a:gd name="connsiteY16" fmla="*/ 1511306 h 1511306"/>
+              <a:gd name="connsiteX17" fmla="*/ 0 w 7346605"/>
+              <a:gd name="connsiteY17" fmla="*/ 1511306 h 1511306"/>
+            </a:gdLst>
+            <a:ahLst/>
+            <a:cxnLst>
+              <a:cxn ang="0">
+                <a:pos x="connsiteX0" y="connsiteY0"/>
+              </a:cxn>
+              <a:cxn ang="0">
+                <a:pos x="connsiteX1" y="connsiteY1"/>
+              </a:cxn>
+              <a:cxn ang="0">
+                <a:pos x="connsiteX2" y="connsiteY2"/>
+              </a:cxn>
+              <a:cxn ang="0">
+                <a:pos x="connsiteX3" y="connsiteY3"/>
+              </a:cxn>
+              <a:cxn ang="0">
+                <a:pos x="connsiteX4" y="connsiteY4"/>
+              </a:cxn>
+              <a:cxn ang="0">
+                <a:pos x="connsiteX5" y="connsiteY5"/>
+              </a:cxn>
+              <a:cxn ang="0">
+                <a:pos x="connsiteX6" y="connsiteY6"/>
+              </a:cxn>
+              <a:cxn ang="0">
+                <a:pos x="connsiteX7" y="connsiteY7"/>
+              </a:cxn>
+              <a:cxn ang="0">
+                <a:pos x="connsiteX8" y="connsiteY8"/>
+              </a:cxn>
+              <a:cxn ang="0">
+                <a:pos x="connsiteX9" y="connsiteY9"/>
+              </a:cxn>
+              <a:cxn ang="0">
+                <a:pos x="connsiteX10" y="connsiteY10"/>
+              </a:cxn>
+              <a:cxn ang="0">
+                <a:pos x="connsiteX11" y="connsiteY11"/>
+              </a:cxn>
+              <a:cxn ang="0">
+                <a:pos x="connsiteX12" y="connsiteY12"/>
+              </a:cxn>
+              <a:cxn ang="0">
+                <a:pos x="connsiteX13" y="connsiteY13"/>
+              </a:cxn>
+              <a:cxn ang="0">
+                <a:pos x="connsiteX14" y="connsiteY14"/>
+              </a:cxn>
+              <a:cxn ang="0">
+                <a:pos x="connsiteX15" y="connsiteY15"/>
+              </a:cxn>
+              <a:cxn ang="0">
+                <a:pos x="connsiteX16" y="connsiteY16"/>
+              </a:cxn>
+              <a:cxn ang="0">
+                <a:pos x="connsiteX17" y="connsiteY17"/>
+              </a:cxn>
+            </a:cxnLst>
+            <a:rect l="l" t="t" r="r" b="b"/>
+            <a:pathLst>
+              <a:path w="7346605" h="1511306">
+                <a:moveTo>
+                  <a:pt x="0" y="0"/>
+                </a:moveTo>
+                <a:lnTo>
+                  <a:pt x="239486" y="0"/>
+                </a:lnTo>
+                <a:lnTo>
+                  <a:pt x="1209568" y="0"/>
+                </a:lnTo>
+                <a:lnTo>
+                  <a:pt x="2405743" y="0"/>
+                </a:lnTo>
+                <a:lnTo>
+                  <a:pt x="2405743" y="2544"/>
+                </a:lnTo>
+                <a:lnTo>
+                  <a:pt x="2801131" y="2544"/>
+                </a:lnTo>
+                <a:lnTo>
+                  <a:pt x="2801131" y="0"/>
+                </a:lnTo>
+                <a:lnTo>
+                  <a:pt x="7346605" y="0"/>
+                </a:lnTo>
+                <a:lnTo>
+                  <a:pt x="6648988" y="1511301"/>
+                </a:lnTo>
+                <a:lnTo>
+                  <a:pt x="2801132" y="1511301"/>
+                </a:lnTo>
+                <a:lnTo>
+                  <a:pt x="2801132" y="1511304"/>
+                </a:lnTo>
+                <a:lnTo>
+                  <a:pt x="2405743" y="1511304"/>
+                </a:lnTo>
+                <a:lnTo>
+                  <a:pt x="2405743" y="1511306"/>
+                </a:lnTo>
+                <a:lnTo>
+                  <a:pt x="1333411" y="1511306"/>
+                </a:lnTo>
+                <a:lnTo>
+                  <a:pt x="1219208" y="1511306"/>
+                </a:lnTo>
+                <a:lnTo>
+                  <a:pt x="1209568" y="1511306"/>
+                </a:lnTo>
+                <a:lnTo>
+                  <a:pt x="239486" y="1511306"/>
+                </a:lnTo>
+                <a:lnTo>
+                  <a:pt x="0" y="1511306"/>
+                </a:lnTo>
+                <a:close/>
+              </a:path>
+            </a:pathLst>
+          </a:custGeom>
+          <a:solidFill>
+            <a:srgbClr val="D0CECE"/>
+          </a:solidFill>
+          <a:ln>
+            <a:noFill/>
+          </a:ln>
+        </p:spPr>
+        <p:style>
+          <a:lnRef idx="2">
+            <a:schemeClr val="accent1">
+              <a:shade val="50000"/>
+            </a:schemeClr>
+          </a:lnRef>
+          <a:fillRef idx="1">
+            <a:schemeClr val="accent1"/>
+          </a:fillRef>
+          <a:effectRef idx="0">
+            <a:schemeClr val="accent1"/>
+          </a:effectRef>
+          <a:fontRef idx="minor">
+            <a:schemeClr val="lt1"/>
+          </a:fontRef>
+        </p:style>
+        <p:txBody>
+          <a:bodyPr rtlCol="0" anchor="ctr"/>
+          <a:lstStyle/>
+          <a:p>
+            <a:pPr marL="0" marR="0" lvl="0" indent="0" algn="ctr" defTabSz="914400" rtl="0" eaLnBrk="1" fontAlgn="auto" latinLnBrk="0" hangingPunct="1">
+              <a:lnSpc>
+                <a:spcPct val="100000"/>
+              </a:lnSpc>
+              <a:spcBef>
+                <a:spcPts val="0"/>
+              </a:spcBef>
+              <a:spcAft>
+                <a:spcPts val="0"/>
+              </a:spcAft>
+              <a:buClrTx/>
+              <a:buSzTx/>
+              <a:buFontTx/>
+              <a:buNone/>
+              <a:tabLst/>
+              <a:defRPr/>
+            </a:pPr>
+            <a:endParaRPr kumimoji="0" lang="en-US" sz="1800" b="0" i="0" u="none" strike="noStrike" kern="1200" cap="none" spc="0" normalizeH="0" baseline="0" noProof="0">
+              <a:ln>
+                <a:noFill/>
+              </a:ln>
+              <a:solidFill>
+                <a:prstClr val="white">
+                  <a:lumMod val="95000"/>
+                </a:prstClr>
+              </a:solidFill>
+              <a:effectLst/>
+              <a:uLnTx/>
+              <a:uFillTx/>
+              <a:latin typeface="Calibri" panose="020F0502020204030204"/>
+              <a:ea typeface="+mn-ea"/>
+              <a:cs typeface="+mn-cs"/>
+            </a:endParaRPr>
+          </a:p>
+        </p:txBody>
+      </p:sp>
+      <p:sp>
+        <p:nvSpPr>
+          <p:cNvPr id="4" name="TextBox 3">
+            <a:extLst>
+              <a:ext uri="{FF2B5EF4-FFF2-40B4-BE49-F238E27FC236}">
+                <a16:creationId xmlns:a16="http://schemas.microsoft.com/office/drawing/2014/main" id="{A5BA8CC1-6104-BA42-9471-B17DC550FCC8}"/>
+              </a:ext>
+            </a:extLst>
+          </p:cNvPr>
+          <p:cNvSpPr txBox="1"/>
+          <p:nvPr/>
+        </p:nvSpPr>
+        <p:spPr>
+          <a:xfrm>
+            <a:off x="389683" y="5529884"/>
+            <a:ext cx="5693783" cy="1096331"/>
+          </a:xfrm>
+          <a:prstGeom prst="rect">
+            <a:avLst/>
+          </a:prstGeom>
+        </p:spPr>
+        <p:txBody>
+          <a:bodyPr vert="horz" lIns="91440" tIns="45720" rIns="91440" bIns="45720" rtlCol="0" anchor="ctr">
+            <a:normAutofit/>
+          </a:bodyPr>
+          <a:lstStyle/>
+          <a:p>
+            <a:pPr marL="0" marR="0" lvl="0" indent="0" algn="l" defTabSz="914400" rtl="0" eaLnBrk="1" fontAlgn="auto" latinLnBrk="0" hangingPunct="1">
+              <a:lnSpc>
+                <a:spcPct val="90000"/>
+              </a:lnSpc>
+              <a:spcBef>
+                <a:spcPct val="0"/>
+              </a:spcBef>
+              <a:spcAft>
+                <a:spcPts val="600"/>
+              </a:spcAft>
+              <a:buClrTx/>
+              <a:buSzTx/>
+              <a:buFontTx/>
+              <a:buNone/>
+              <a:tabLst/>
+              <a:defRPr/>
+            </a:pPr>
+            <a:r>
+              <a:rPr kumimoji="0" lang="en-US" sz="4000" b="1" i="0" u="none" strike="noStrike" kern="1200" cap="none" spc="0" normalizeH="0" baseline="0" noProof="0" dirty="0">
+                <a:ln>
+                  <a:noFill/>
+                </a:ln>
+                <a:solidFill>
+                  <a:srgbClr val="303030"/>
+                </a:solidFill>
+                <a:effectLst/>
+                <a:uLnTx/>
+                <a:uFillTx/>
+                <a:latin typeface="Calibri Light" panose="020F0302020204030204"/>
+                <a:ea typeface="+mn-ea"/>
+                <a:cs typeface="+mn-cs"/>
+              </a:rPr>
+              <a:t>AGENDA: Manipulation</a:t>
+            </a:r>
+          </a:p>
+        </p:txBody>
+      </p:sp>
+      <p:pic>
+        <p:nvPicPr>
+          <p:cNvPr id="3" name="Picture 2">
+            <a:extLst>
+              <a:ext uri="{FF2B5EF4-FFF2-40B4-BE49-F238E27FC236}">
+                <a16:creationId xmlns:a16="http://schemas.microsoft.com/office/drawing/2014/main" id="{B0A5B9B6-518A-9340-A2D6-5B840631FCD2}"/>
+              </a:ext>
+            </a:extLst>
+          </p:cNvPr>
+          <p:cNvPicPr>
+            <a:picLocks noChangeAspect="1"/>
+          </p:cNvPicPr>
+          <p:nvPr/>
+        </p:nvPicPr>
+        <p:blipFill>
+          <a:blip r:embed="rId2"/>
+          <a:stretch>
+            <a:fillRect/>
+          </a:stretch>
+        </p:blipFill>
+        <p:spPr>
+          <a:xfrm>
+            <a:off x="6831955" y="1213079"/>
+            <a:ext cx="5061218" cy="2468880"/>
+          </a:xfrm>
+          <a:prstGeom prst="rect">
+            <a:avLst/>
+          </a:prstGeom>
+        </p:spPr>
+      </p:pic>
+      <p:sp>
+        <p:nvSpPr>
+          <p:cNvPr id="5" name="TextBox 4">
+            <a:extLst>
+              <a:ext uri="{FF2B5EF4-FFF2-40B4-BE49-F238E27FC236}">
+                <a16:creationId xmlns:a16="http://schemas.microsoft.com/office/drawing/2014/main" id="{9F801A05-8D8A-A049-B385-4AC7E25D26EF}"/>
+              </a:ext>
+            </a:extLst>
+          </p:cNvPr>
+          <p:cNvSpPr txBox="1"/>
+          <p:nvPr/>
+        </p:nvSpPr>
+        <p:spPr>
+          <a:xfrm>
+            <a:off x="389683" y="640735"/>
+            <a:ext cx="6561724" cy="4020458"/>
+          </a:xfrm>
+          <a:prstGeom prst="rect">
+            <a:avLst/>
+          </a:prstGeom>
+        </p:spPr>
+        <p:txBody>
+          <a:bodyPr vert="horz" lIns="91440" tIns="45720" rIns="91440" bIns="45720" rtlCol="0" anchor="ctr">
+            <a:normAutofit lnSpcReduction="10000"/>
+          </a:bodyPr>
+          <a:lstStyle/>
+          <a:p>
+            <a:pPr marL="0" marR="0" lvl="0" indent="0" algn="l" defTabSz="914400" rtl="0" eaLnBrk="1" fontAlgn="auto" latinLnBrk="0" hangingPunct="1">
+              <a:lnSpc>
+                <a:spcPct val="150000"/>
+              </a:lnSpc>
+              <a:spcBef>
+                <a:spcPts val="0"/>
+              </a:spcBef>
+              <a:spcAft>
+                <a:spcPts val="600"/>
+              </a:spcAft>
+              <a:buClrTx/>
+              <a:buSzTx/>
+              <a:buFontTx/>
+              <a:buNone/>
+              <a:tabLst/>
+              <a:defRPr/>
+            </a:pPr>
+            <a:r>
+              <a:rPr kumimoji="0" lang="en-US" sz="2000" b="0" i="0" u="none" strike="noStrike" kern="1200" cap="none" spc="0" normalizeH="0" baseline="0" noProof="0" dirty="0">
+                <a:ln>
+                  <a:noFill/>
+                </a:ln>
+                <a:solidFill>
+                  <a:prstClr val="black"/>
+                </a:solidFill>
+                <a:effectLst/>
+                <a:uLnTx/>
+                <a:uFillTx/>
+                <a:latin typeface="Calibri" panose="020F0502020204030204"/>
+                <a:ea typeface="+mn-ea"/>
+                <a:cs typeface="+mn-cs"/>
+              </a:rPr>
+              <a:t>Data analysis process in </a:t>
+            </a:r>
+            <a:r>
+              <a:rPr kumimoji="0" lang="en-US" sz="2000" b="0" i="0" u="none" strike="noStrike" kern="1200" cap="none" spc="0" normalizeH="0" baseline="0" noProof="0" dirty="0" err="1">
+                <a:ln>
+                  <a:noFill/>
+                </a:ln>
+                <a:solidFill>
+                  <a:prstClr val="black"/>
+                </a:solidFill>
+                <a:effectLst/>
+                <a:uLnTx/>
+                <a:uFillTx/>
+                <a:latin typeface="Calibri" panose="020F0502020204030204"/>
+                <a:ea typeface="+mn-ea"/>
+                <a:cs typeface="+mn-cs"/>
+              </a:rPr>
+              <a:t>Tidyverse</a:t>
+            </a:r>
+            <a:r>
+              <a:rPr kumimoji="0" lang="en-US" sz="2000" b="0" i="0" u="none" strike="noStrike" kern="1200" cap="none" spc="0" normalizeH="0" baseline="0" noProof="0" dirty="0">
+                <a:ln>
+                  <a:noFill/>
+                </a:ln>
+                <a:solidFill>
+                  <a:prstClr val="black"/>
+                </a:solidFill>
+                <a:effectLst/>
+                <a:uLnTx/>
+                <a:uFillTx/>
+                <a:latin typeface="Calibri" panose="020F0502020204030204"/>
+                <a:ea typeface="+mn-ea"/>
+                <a:cs typeface="+mn-cs"/>
+              </a:rPr>
+              <a:t> ecosystem (5mins) (XP)</a:t>
+            </a:r>
+          </a:p>
+          <a:p>
+            <a:pPr marL="0" marR="0" lvl="0" indent="0" algn="l" defTabSz="914400" rtl="0" eaLnBrk="1" fontAlgn="auto" latinLnBrk="0" hangingPunct="1">
+              <a:lnSpc>
+                <a:spcPct val="150000"/>
+              </a:lnSpc>
+              <a:spcBef>
+                <a:spcPts val="0"/>
+              </a:spcBef>
+              <a:spcAft>
+                <a:spcPts val="600"/>
+              </a:spcAft>
+              <a:buClrTx/>
+              <a:buSzTx/>
+              <a:buFontTx/>
+              <a:buNone/>
+              <a:tabLst/>
+              <a:defRPr/>
+            </a:pPr>
+            <a:r>
+              <a:rPr kumimoji="0" lang="en-US" sz="2000" b="0" i="0" u="none" strike="noStrike" kern="1200" cap="none" spc="0" normalizeH="0" baseline="0" noProof="0" dirty="0">
+                <a:ln>
+                  <a:noFill/>
+                </a:ln>
+                <a:solidFill>
+                  <a:prstClr val="black"/>
+                </a:solidFill>
+                <a:effectLst/>
+                <a:uLnTx/>
+                <a:uFillTx/>
+                <a:latin typeface="Calibri" panose="020F0502020204030204"/>
+                <a:ea typeface="+mn-ea"/>
+                <a:cs typeface="+mn-cs"/>
+              </a:rPr>
+              <a:t>Introducing key functions in </a:t>
+            </a:r>
+            <a:r>
+              <a:rPr kumimoji="0" lang="en-US" sz="2000" b="0" i="0" u="none" strike="noStrike" kern="1200" cap="none" spc="0" normalizeH="0" baseline="0" noProof="0" dirty="0" err="1">
+                <a:ln>
+                  <a:noFill/>
+                </a:ln>
+                <a:solidFill>
+                  <a:prstClr val="black"/>
+                </a:solidFill>
+                <a:effectLst/>
+                <a:uLnTx/>
+                <a:uFillTx/>
+                <a:latin typeface="Calibri" panose="020F0502020204030204"/>
+                <a:ea typeface="+mn-ea"/>
+                <a:cs typeface="+mn-cs"/>
+              </a:rPr>
+              <a:t>Tidyverse</a:t>
+            </a:r>
+            <a:r>
+              <a:rPr kumimoji="0" lang="en-US" sz="2000" b="0" i="0" u="none" strike="noStrike" kern="1200" cap="none" spc="0" normalizeH="0" baseline="0" noProof="0" dirty="0">
+                <a:ln>
+                  <a:noFill/>
+                </a:ln>
+                <a:solidFill>
+                  <a:prstClr val="black"/>
+                </a:solidFill>
+                <a:effectLst/>
+                <a:uLnTx/>
+                <a:uFillTx/>
+                <a:latin typeface="Calibri" panose="020F0502020204030204"/>
+                <a:ea typeface="+mn-ea"/>
+                <a:cs typeface="+mn-cs"/>
+              </a:rPr>
+              <a:t> (20mins) (QT)</a:t>
+            </a:r>
+          </a:p>
+          <a:p>
+            <a:pPr marL="1485900" marR="0" lvl="2" indent="-457200" algn="l" defTabSz="914400" rtl="0" eaLnBrk="1" fontAlgn="auto" latinLnBrk="0" hangingPunct="1">
+              <a:lnSpc>
+                <a:spcPct val="150000"/>
+              </a:lnSpc>
+              <a:spcBef>
+                <a:spcPts val="0"/>
+              </a:spcBef>
+              <a:spcAft>
+                <a:spcPts val="600"/>
+              </a:spcAft>
+              <a:buClrTx/>
+              <a:buSzTx/>
+              <a:buFont typeface="+mj-lt"/>
+              <a:buAutoNum type="arabicPeriod"/>
+              <a:tabLst/>
+              <a:defRPr/>
+            </a:pPr>
+            <a:r>
+              <a:rPr kumimoji="0" lang="en-US" sz="2000" b="0" i="0" u="none" strike="noStrike" kern="1200" cap="none" spc="0" normalizeH="0" baseline="0" noProof="0" dirty="0">
+                <a:ln>
+                  <a:noFill/>
+                </a:ln>
+                <a:solidFill>
+                  <a:prstClr val="black"/>
+                </a:solidFill>
+                <a:effectLst/>
+                <a:uLnTx/>
+                <a:uFillTx/>
+                <a:latin typeface="Calibri" panose="020F0502020204030204"/>
+                <a:ea typeface="+mn-ea"/>
+                <a:cs typeface="+mn-cs"/>
+              </a:rPr>
+              <a:t>Import</a:t>
+            </a:r>
+          </a:p>
+          <a:p>
+            <a:pPr marL="1485900" marR="0" lvl="2" indent="-457200" algn="l" defTabSz="914400" rtl="0" eaLnBrk="1" fontAlgn="auto" latinLnBrk="0" hangingPunct="1">
+              <a:lnSpc>
+                <a:spcPct val="150000"/>
+              </a:lnSpc>
+              <a:spcBef>
+                <a:spcPts val="0"/>
+              </a:spcBef>
+              <a:spcAft>
+                <a:spcPts val="600"/>
+              </a:spcAft>
+              <a:buClrTx/>
+              <a:buSzTx/>
+              <a:buFont typeface="+mj-lt"/>
+              <a:buAutoNum type="arabicPeriod"/>
+              <a:tabLst/>
+              <a:defRPr/>
+            </a:pPr>
+            <a:r>
+              <a:rPr kumimoji="0" lang="en-US" sz="2000" b="0" i="0" u="none" strike="noStrike" kern="1200" cap="none" spc="0" normalizeH="0" baseline="0" noProof="0" dirty="0">
+                <a:ln>
+                  <a:noFill/>
+                </a:ln>
+                <a:solidFill>
+                  <a:prstClr val="black"/>
+                </a:solidFill>
+                <a:effectLst/>
+                <a:uLnTx/>
+                <a:uFillTx/>
+                <a:latin typeface="Calibri" panose="020F0502020204030204"/>
+                <a:ea typeface="+mn-ea"/>
+                <a:cs typeface="+mn-cs"/>
+              </a:rPr>
+              <a:t>Tidy</a:t>
+            </a:r>
+          </a:p>
+          <a:p>
+            <a:pPr marL="1485900" marR="0" lvl="2" indent="-457200" algn="l" defTabSz="914400" rtl="0" eaLnBrk="1" fontAlgn="auto" latinLnBrk="0" hangingPunct="1">
+              <a:lnSpc>
+                <a:spcPct val="150000"/>
+              </a:lnSpc>
+              <a:spcBef>
+                <a:spcPts val="0"/>
+              </a:spcBef>
+              <a:spcAft>
+                <a:spcPts val="600"/>
+              </a:spcAft>
+              <a:buClrTx/>
+              <a:buSzTx/>
+              <a:buFont typeface="+mj-lt"/>
+              <a:buAutoNum type="arabicPeriod"/>
+              <a:tabLst/>
+              <a:defRPr/>
+            </a:pPr>
+            <a:r>
+              <a:rPr kumimoji="0" lang="en-US" sz="2000" b="0" i="0" u="none" strike="noStrike" kern="1200" cap="none" spc="0" normalizeH="0" baseline="0" noProof="0" dirty="0">
+                <a:ln>
+                  <a:noFill/>
+                </a:ln>
+                <a:solidFill>
+                  <a:prstClr val="black"/>
+                </a:solidFill>
+                <a:effectLst/>
+                <a:uLnTx/>
+                <a:uFillTx/>
+                <a:latin typeface="Calibri" panose="020F0502020204030204"/>
+                <a:ea typeface="+mn-ea"/>
+                <a:cs typeface="+mn-cs"/>
+              </a:rPr>
+              <a:t>Transformation</a:t>
+            </a:r>
+          </a:p>
+          <a:p>
+            <a:pPr marL="1485900" marR="0" lvl="2" indent="-457200" algn="l" defTabSz="914400" rtl="0" eaLnBrk="1" fontAlgn="auto" latinLnBrk="0" hangingPunct="1">
+              <a:lnSpc>
+                <a:spcPct val="150000"/>
+              </a:lnSpc>
+              <a:spcBef>
+                <a:spcPts val="0"/>
+              </a:spcBef>
+              <a:spcAft>
+                <a:spcPts val="600"/>
+              </a:spcAft>
+              <a:buClrTx/>
+              <a:buSzTx/>
+              <a:buFont typeface="+mj-lt"/>
+              <a:buAutoNum type="arabicPeriod"/>
+              <a:tabLst/>
+              <a:defRPr/>
+            </a:pPr>
+            <a:r>
+              <a:rPr kumimoji="0" lang="en-US" sz="2000" b="0" i="0" u="none" strike="noStrike" kern="1200" cap="none" spc="0" normalizeH="0" baseline="0" noProof="0" dirty="0">
+                <a:ln>
+                  <a:noFill/>
+                </a:ln>
+                <a:solidFill>
+                  <a:prstClr val="black"/>
+                </a:solidFill>
+                <a:effectLst/>
+                <a:uLnTx/>
+                <a:uFillTx/>
+                <a:latin typeface="Calibri" panose="020F0502020204030204"/>
+                <a:ea typeface="+mn-ea"/>
+                <a:cs typeface="+mn-cs"/>
+              </a:rPr>
+              <a:t>Visualization (covered in next session)</a:t>
+            </a:r>
+          </a:p>
+          <a:p>
+            <a:pPr marL="0" marR="0" lvl="0" indent="0" algn="l" defTabSz="914400" rtl="0" eaLnBrk="1" fontAlgn="auto" latinLnBrk="0" hangingPunct="1">
+              <a:lnSpc>
+                <a:spcPct val="150000"/>
+              </a:lnSpc>
+              <a:spcBef>
+                <a:spcPts val="0"/>
+              </a:spcBef>
+              <a:spcAft>
+                <a:spcPts val="600"/>
+              </a:spcAft>
+              <a:buClrTx/>
+              <a:buSzTx/>
+              <a:buFontTx/>
+              <a:buNone/>
+              <a:tabLst/>
+              <a:defRPr/>
+            </a:pPr>
+            <a:r>
+              <a:rPr kumimoji="0" lang="en-US" sz="2000" b="0" i="0" u="none" strike="noStrike" kern="1200" cap="none" spc="0" normalizeH="0" baseline="0" noProof="0" dirty="0">
+                <a:ln>
+                  <a:noFill/>
+                </a:ln>
+                <a:solidFill>
+                  <a:prstClr val="black"/>
+                </a:solidFill>
+                <a:effectLst/>
+                <a:uLnTx/>
+                <a:uFillTx/>
+                <a:latin typeface="Calibri" panose="020F0502020204030204"/>
+                <a:ea typeface="+mn-ea"/>
+                <a:cs typeface="+mn-cs"/>
+              </a:rPr>
+              <a:t>Case Study: U.S. Air Pollution Analysis (20mins) (XP)</a:t>
+            </a:r>
+          </a:p>
+          <a:p>
+            <a:pPr marL="0" marR="0" lvl="0" indent="0" algn="l" defTabSz="914400" rtl="0" eaLnBrk="1" fontAlgn="auto" latinLnBrk="0" hangingPunct="1">
+              <a:lnSpc>
+                <a:spcPct val="150000"/>
+              </a:lnSpc>
+              <a:spcBef>
+                <a:spcPts val="0"/>
+              </a:spcBef>
+              <a:spcAft>
+                <a:spcPts val="600"/>
+              </a:spcAft>
+              <a:buClrTx/>
+              <a:buSzTx/>
+              <a:buFontTx/>
+              <a:buNone/>
+              <a:tabLst/>
+              <a:defRPr/>
+            </a:pPr>
+            <a:r>
+              <a:rPr kumimoji="0" lang="en-US" sz="1600" b="0" i="1" u="none" strike="noStrike" kern="1200" cap="none" spc="0" normalizeH="0" baseline="0" noProof="0" dirty="0">
+                <a:ln>
+                  <a:noFill/>
+                </a:ln>
+                <a:solidFill>
+                  <a:prstClr val="black"/>
+                </a:solidFill>
+                <a:effectLst/>
+                <a:uLnTx/>
+                <a:uFillTx/>
+                <a:latin typeface="Calibri" panose="020F0502020204030204"/>
+                <a:ea typeface="+mn-ea"/>
+                <a:cs typeface="+mn-cs"/>
+                <a:hlinkClick r:id="rId3"/>
+              </a:rPr>
+              <a:t>https://rpubs.com/monkey08091992/503363</a:t>
+            </a:r>
+            <a:endParaRPr kumimoji="0" lang="en-US" sz="1600" b="0" i="1" u="none" strike="noStrike" kern="1200" cap="none" spc="0" normalizeH="0" baseline="0" noProof="0" dirty="0">
+              <a:ln>
+                <a:noFill/>
+              </a:ln>
+              <a:solidFill>
+                <a:prstClr val="black"/>
+              </a:solidFill>
+              <a:effectLst/>
+              <a:uLnTx/>
+              <a:uFillTx/>
+              <a:latin typeface="Calibri" panose="020F0502020204030204"/>
+              <a:ea typeface="+mn-ea"/>
+              <a:cs typeface="+mn-cs"/>
+            </a:endParaRPr>
+          </a:p>
+        </p:txBody>
+      </p:sp>
+    </p:spTree>
+    <p:extLst>
+      <p:ext uri="{BB962C8B-B14F-4D97-AF65-F5344CB8AC3E}">
+        <p14:creationId xmlns:p14="http://schemas.microsoft.com/office/powerpoint/2010/main" val="3704867243"/>
+      </p:ext>
+    </p:extLst>
+  </p:cSld>
+  <p:clrMapOvr>
+    <a:masterClrMapping/>
+  </p:clrMapOvr>
+</p:sld>
+</file>
+
+<file path=ppt/slides/slide5.xml><?xml version="1.0" encoding="utf-8"?>
+<p:sld xmlns:a="http://schemas.openxmlformats.org/drawingml/2006/main" xmlns:r="http://schemas.openxmlformats.org/officeDocument/2006/relationships" xmlns:p="http://schemas.openxmlformats.org/presentationml/2006/main">
+  <p:cSld>
+    <p:bg>
+      <p:bgPr>
+        <a:solidFill>
+          <a:schemeClr val="bg1"/>
+        </a:solidFill>
+        <a:effectLst/>
+      </p:bgPr>
+    </p:bg>
+    <p:spTree>
+      <p:nvGrpSpPr>
+        <p:cNvPr id="1" name=""/>
+        <p:cNvGrpSpPr/>
+        <p:nvPr/>
+      </p:nvGrpSpPr>
+      <p:grpSpPr>
+        <a:xfrm>
+          <a:off x="0" y="0"/>
+          <a:ext cx="0" cy="0"/>
+          <a:chOff x="0" y="0"/>
+          <a:chExt cx="0" cy="0"/>
+        </a:xfrm>
+      </p:grpSpPr>
+      <p:sp>
+        <p:nvSpPr>
+          <p:cNvPr id="13" name="Freeform: Shape 9">
+            <a:extLst>
+              <a:ext uri="{FF2B5EF4-FFF2-40B4-BE49-F238E27FC236}">
+                <a16:creationId xmlns:a16="http://schemas.microsoft.com/office/drawing/2014/main" id="{F60FCA6E-0894-46CD-BD49-5955A51E0084}"/>
+              </a:ext>
+              <a:ext uri="{C183D7F6-B498-43B3-948B-1728B52AA6E4}">
+                <adec:decorative xmlns:adec="http://schemas.microsoft.com/office/drawing/2017/decorative" val="1"/>
+              </a:ext>
+            </a:extLst>
+          </p:cNvPr>
+          <p:cNvSpPr>
+            <a:spLocks noGrp="1" noRot="1" noChangeAspect="1" noMove="1" noResize="1" noEditPoints="1" noAdjustHandles="1" noChangeArrowheads="1" noChangeShapeType="1" noTextEdit="1"/>
+          </p:cNvSpPr>
+          <p:nvPr>
+            <p:extLst>
+              <p:ext uri="{386F3935-93C4-4BCD-93E2-E3B085C9AB24}">
+                <p16:designElem xmlns:p16="http://schemas.microsoft.com/office/powerpoint/2015/main" val="1"/>
+              </p:ext>
+            </p:extLst>
+          </p:nvPr>
+        </p:nvSpPr>
+        <p:spPr>
+          <a:xfrm>
+            <a:off x="6831955" y="5346696"/>
+            <a:ext cx="5360045" cy="1511304"/>
+          </a:xfrm>
+          <a:custGeom>
+            <a:avLst/>
+            <a:gdLst>
+              <a:gd name="connsiteX0" fmla="*/ 4545473 w 5360045"/>
+              <a:gd name="connsiteY0" fmla="*/ 0 h 1511304"/>
+              <a:gd name="connsiteX1" fmla="*/ 5360045 w 5360045"/>
+              <a:gd name="connsiteY1" fmla="*/ 0 h 1511304"/>
+              <a:gd name="connsiteX2" fmla="*/ 5360045 w 5360045"/>
+              <a:gd name="connsiteY2" fmla="*/ 1046730 h 1511304"/>
+              <a:gd name="connsiteX3" fmla="*/ 5360045 w 5360045"/>
+              <a:gd name="connsiteY3" fmla="*/ 1508760 h 1511304"/>
+              <a:gd name="connsiteX4" fmla="*/ 5360045 w 5360045"/>
+              <a:gd name="connsiteY4" fmla="*/ 1511304 h 1511304"/>
+              <a:gd name="connsiteX5" fmla="*/ 4545474 w 5360045"/>
+              <a:gd name="connsiteY5" fmla="*/ 1511304 h 1511304"/>
+              <a:gd name="connsiteX6" fmla="*/ 2525897 w 5360045"/>
+              <a:gd name="connsiteY6" fmla="*/ 1511304 h 1511304"/>
+              <a:gd name="connsiteX7" fmla="*/ 0 w 5360045"/>
+              <a:gd name="connsiteY7" fmla="*/ 1511304 h 1511304"/>
+              <a:gd name="connsiteX8" fmla="*/ 697617 w 5360045"/>
+              <a:gd name="connsiteY8" fmla="*/ 3 h 1511304"/>
+              <a:gd name="connsiteX9" fmla="*/ 4545473 w 5360045"/>
+              <a:gd name="connsiteY9" fmla="*/ 3 h 1511304"/>
+            </a:gdLst>
+            <a:ahLst/>
+            <a:cxnLst>
+              <a:cxn ang="0">
+                <a:pos x="connsiteX0" y="connsiteY0"/>
+              </a:cxn>
+              <a:cxn ang="0">
+                <a:pos x="connsiteX1" y="connsiteY1"/>
+              </a:cxn>
+              <a:cxn ang="0">
+                <a:pos x="connsiteX2" y="connsiteY2"/>
+              </a:cxn>
+              <a:cxn ang="0">
+                <a:pos x="connsiteX3" y="connsiteY3"/>
+              </a:cxn>
+              <a:cxn ang="0">
+                <a:pos x="connsiteX4" y="connsiteY4"/>
+              </a:cxn>
+              <a:cxn ang="0">
+                <a:pos x="connsiteX5" y="connsiteY5"/>
+              </a:cxn>
+              <a:cxn ang="0">
+                <a:pos x="connsiteX6" y="connsiteY6"/>
+              </a:cxn>
+              <a:cxn ang="0">
+                <a:pos x="connsiteX7" y="connsiteY7"/>
+              </a:cxn>
+              <a:cxn ang="0">
+                <a:pos x="connsiteX8" y="connsiteY8"/>
+              </a:cxn>
+              <a:cxn ang="0">
+                <a:pos x="connsiteX9" y="connsiteY9"/>
+              </a:cxn>
+            </a:cxnLst>
+            <a:rect l="l" t="t" r="r" b="b"/>
+            <a:pathLst>
+              <a:path w="5360045" h="1511304">
+                <a:moveTo>
+                  <a:pt x="4545473" y="0"/>
+                </a:moveTo>
+                <a:lnTo>
+                  <a:pt x="5360045" y="0"/>
+                </a:lnTo>
+                <a:lnTo>
+                  <a:pt x="5360045" y="1046730"/>
+                </a:lnTo>
+                <a:lnTo>
+                  <a:pt x="5360045" y="1508760"/>
+                </a:lnTo>
+                <a:lnTo>
+                  <a:pt x="5360045" y="1511304"/>
+                </a:lnTo>
+                <a:lnTo>
+                  <a:pt x="4545474" y="1511304"/>
+                </a:lnTo>
+                <a:lnTo>
+                  <a:pt x="2525897" y="1511304"/>
+                </a:lnTo>
+                <a:lnTo>
+                  <a:pt x="0" y="1511304"/>
+                </a:lnTo>
+                <a:lnTo>
+                  <a:pt x="697617" y="3"/>
+                </a:lnTo>
+                <a:lnTo>
+                  <a:pt x="4545473" y="3"/>
+                </a:lnTo>
+                <a:close/>
+              </a:path>
+            </a:pathLst>
+          </a:custGeom>
+          <a:solidFill>
+            <a:srgbClr val="404040">
+              <a:alpha val="84706"/>
+            </a:srgbClr>
+          </a:solidFill>
+          <a:ln>
+            <a:noFill/>
+          </a:ln>
+        </p:spPr>
+        <p:style>
+          <a:lnRef idx="2">
+            <a:schemeClr val="accent1">
+              <a:shade val="50000"/>
+            </a:schemeClr>
+          </a:lnRef>
+          <a:fillRef idx="1">
+            <a:schemeClr val="accent1"/>
+          </a:fillRef>
+          <a:effectRef idx="0">
+            <a:schemeClr val="accent1"/>
+          </a:effectRef>
+          <a:fontRef idx="minor">
+            <a:schemeClr val="lt1"/>
+          </a:fontRef>
+        </p:style>
+        <p:txBody>
+          <a:bodyPr wrap="square" rtlCol="0" anchor="ctr">
+            <a:noAutofit/>
+          </a:bodyPr>
+          <a:lstStyle/>
+          <a:p>
+            <a:pPr marL="0" marR="0" lvl="0" indent="0" algn="ctr" defTabSz="914400" rtl="0" eaLnBrk="1" fontAlgn="auto" latinLnBrk="0" hangingPunct="1">
+              <a:lnSpc>
+                <a:spcPct val="100000"/>
+              </a:lnSpc>
+              <a:spcBef>
+                <a:spcPts val="0"/>
+              </a:spcBef>
+              <a:spcAft>
+                <a:spcPts val="0"/>
+              </a:spcAft>
+              <a:buClrTx/>
+              <a:buSzTx/>
+              <a:buFontTx/>
+              <a:buNone/>
+              <a:tabLst/>
+              <a:defRPr/>
+            </a:pPr>
+            <a:endParaRPr kumimoji="0" lang="en-US" sz="1800" b="0" i="0" u="none" strike="noStrike" kern="1200" cap="none" spc="0" normalizeH="0" baseline="0" noProof="0">
+              <a:ln>
+                <a:noFill/>
+              </a:ln>
+              <a:solidFill>
+                <a:prstClr val="white"/>
+              </a:solidFill>
+              <a:effectLst/>
+              <a:uLnTx/>
+              <a:uFillTx/>
+              <a:latin typeface="Calibri" panose="020F0502020204030204"/>
+              <a:ea typeface="+mn-ea"/>
+              <a:cs typeface="+mn-cs"/>
+            </a:endParaRPr>
+          </a:p>
+        </p:txBody>
+      </p:sp>
+      <p:sp>
+        <p:nvSpPr>
+          <p:cNvPr id="12" name="Freeform: Shape 11">
+            <a:extLst>
+              <a:ext uri="{FF2B5EF4-FFF2-40B4-BE49-F238E27FC236}">
+                <a16:creationId xmlns:a16="http://schemas.microsoft.com/office/drawing/2014/main" id="{E78C6E4B-A1F1-4B6C-97EC-BE997495D6AC}"/>
+              </a:ext>
+              <a:ext uri="{C183D7F6-B498-43B3-948B-1728B52AA6E4}">
+                <adec:decorative xmlns:adec="http://schemas.microsoft.com/office/drawing/2017/decorative" val="1"/>
+              </a:ext>
+            </a:extLst>
+          </p:cNvPr>
+          <p:cNvSpPr>
+            <a:spLocks noGrp="1" noRot="1" noChangeAspect="1" noMove="1" noResize="1" noEditPoints="1" noAdjustHandles="1" noChangeArrowheads="1" noChangeShapeType="1" noTextEdit="1"/>
+          </p:cNvSpPr>
+          <p:nvPr>
+            <p:extLst>
+              <p:ext uri="{386F3935-93C4-4BCD-93E2-E3B085C9AB24}">
+                <p16:designElem xmlns:p16="http://schemas.microsoft.com/office/powerpoint/2015/main" val="1"/>
+              </p:ext>
+            </p:extLst>
+          </p:nvPr>
+        </p:nvSpPr>
+        <p:spPr>
+          <a:xfrm>
+            <a:off x="0" y="5346694"/>
+            <a:ext cx="7346605" cy="1511306"/>
+          </a:xfrm>
+          <a:custGeom>
+            <a:avLst/>
+            <a:gdLst>
+              <a:gd name="connsiteX0" fmla="*/ 0 w 7346605"/>
+              <a:gd name="connsiteY0" fmla="*/ 0 h 1511306"/>
+              <a:gd name="connsiteX1" fmla="*/ 239486 w 7346605"/>
+              <a:gd name="connsiteY1" fmla="*/ 0 h 1511306"/>
+              <a:gd name="connsiteX2" fmla="*/ 1209568 w 7346605"/>
+              <a:gd name="connsiteY2" fmla="*/ 0 h 1511306"/>
+              <a:gd name="connsiteX3" fmla="*/ 2405743 w 7346605"/>
+              <a:gd name="connsiteY3" fmla="*/ 0 h 1511306"/>
+              <a:gd name="connsiteX4" fmla="*/ 2405743 w 7346605"/>
+              <a:gd name="connsiteY4" fmla="*/ 2544 h 1511306"/>
+              <a:gd name="connsiteX5" fmla="*/ 2801131 w 7346605"/>
+              <a:gd name="connsiteY5" fmla="*/ 2544 h 1511306"/>
+              <a:gd name="connsiteX6" fmla="*/ 2801131 w 7346605"/>
+              <a:gd name="connsiteY6" fmla="*/ 0 h 1511306"/>
+              <a:gd name="connsiteX7" fmla="*/ 7346605 w 7346605"/>
+              <a:gd name="connsiteY7" fmla="*/ 0 h 1511306"/>
+              <a:gd name="connsiteX8" fmla="*/ 6648988 w 7346605"/>
+              <a:gd name="connsiteY8" fmla="*/ 1511301 h 1511306"/>
+              <a:gd name="connsiteX9" fmla="*/ 2801132 w 7346605"/>
+              <a:gd name="connsiteY9" fmla="*/ 1511301 h 1511306"/>
+              <a:gd name="connsiteX10" fmla="*/ 2801132 w 7346605"/>
+              <a:gd name="connsiteY10" fmla="*/ 1511304 h 1511306"/>
+              <a:gd name="connsiteX11" fmla="*/ 2405743 w 7346605"/>
+              <a:gd name="connsiteY11" fmla="*/ 1511304 h 1511306"/>
+              <a:gd name="connsiteX12" fmla="*/ 2405743 w 7346605"/>
+              <a:gd name="connsiteY12" fmla="*/ 1511306 h 1511306"/>
+              <a:gd name="connsiteX13" fmla="*/ 1333411 w 7346605"/>
+              <a:gd name="connsiteY13" fmla="*/ 1511306 h 1511306"/>
+              <a:gd name="connsiteX14" fmla="*/ 1219208 w 7346605"/>
+              <a:gd name="connsiteY14" fmla="*/ 1511306 h 1511306"/>
+              <a:gd name="connsiteX15" fmla="*/ 1209568 w 7346605"/>
+              <a:gd name="connsiteY15" fmla="*/ 1511306 h 1511306"/>
+              <a:gd name="connsiteX16" fmla="*/ 239486 w 7346605"/>
+              <a:gd name="connsiteY16" fmla="*/ 1511306 h 1511306"/>
+              <a:gd name="connsiteX17" fmla="*/ 0 w 7346605"/>
+              <a:gd name="connsiteY17" fmla="*/ 1511306 h 1511306"/>
+            </a:gdLst>
+            <a:ahLst/>
+            <a:cxnLst>
+              <a:cxn ang="0">
+                <a:pos x="connsiteX0" y="connsiteY0"/>
+              </a:cxn>
+              <a:cxn ang="0">
+                <a:pos x="connsiteX1" y="connsiteY1"/>
+              </a:cxn>
+              <a:cxn ang="0">
+                <a:pos x="connsiteX2" y="connsiteY2"/>
+              </a:cxn>
+              <a:cxn ang="0">
+                <a:pos x="connsiteX3" y="connsiteY3"/>
+              </a:cxn>
+              <a:cxn ang="0">
+                <a:pos x="connsiteX4" y="connsiteY4"/>
+              </a:cxn>
+              <a:cxn ang="0">
+                <a:pos x="connsiteX5" y="connsiteY5"/>
+              </a:cxn>
+              <a:cxn ang="0">
+                <a:pos x="connsiteX6" y="connsiteY6"/>
+              </a:cxn>
+              <a:cxn ang="0">
+                <a:pos x="connsiteX7" y="connsiteY7"/>
+              </a:cxn>
+              <a:cxn ang="0">
+                <a:pos x="connsiteX8" y="connsiteY8"/>
+              </a:cxn>
+              <a:cxn ang="0">
+                <a:pos x="connsiteX9" y="connsiteY9"/>
+              </a:cxn>
+              <a:cxn ang="0">
+                <a:pos x="connsiteX10" y="connsiteY10"/>
+              </a:cxn>
+              <a:cxn ang="0">
+                <a:pos x="connsiteX11" y="connsiteY11"/>
+              </a:cxn>
+              <a:cxn ang="0">
+                <a:pos x="connsiteX12" y="connsiteY12"/>
+              </a:cxn>
+              <a:cxn ang="0">
+                <a:pos x="connsiteX13" y="connsiteY13"/>
+              </a:cxn>
+              <a:cxn ang="0">
+                <a:pos x="connsiteX14" y="connsiteY14"/>
+              </a:cxn>
+              <a:cxn ang="0">
+                <a:pos x="connsiteX15" y="connsiteY15"/>
+              </a:cxn>
+              <a:cxn ang="0">
+                <a:pos x="connsiteX16" y="connsiteY16"/>
+              </a:cxn>
+              <a:cxn ang="0">
+                <a:pos x="connsiteX17" y="connsiteY17"/>
+              </a:cxn>
+            </a:cxnLst>
+            <a:rect l="l" t="t" r="r" b="b"/>
+            <a:pathLst>
+              <a:path w="7346605" h="1511306">
+                <a:moveTo>
+                  <a:pt x="0" y="0"/>
+                </a:moveTo>
+                <a:lnTo>
+                  <a:pt x="239486" y="0"/>
+                </a:lnTo>
+                <a:lnTo>
+                  <a:pt x="1209568" y="0"/>
+                </a:lnTo>
+                <a:lnTo>
+                  <a:pt x="2405743" y="0"/>
+                </a:lnTo>
+                <a:lnTo>
+                  <a:pt x="2405743" y="2544"/>
+                </a:lnTo>
+                <a:lnTo>
+                  <a:pt x="2801131" y="2544"/>
+                </a:lnTo>
+                <a:lnTo>
+                  <a:pt x="2801131" y="0"/>
+                </a:lnTo>
+                <a:lnTo>
+                  <a:pt x="7346605" y="0"/>
+                </a:lnTo>
+                <a:lnTo>
+                  <a:pt x="6648988" y="1511301"/>
+                </a:lnTo>
+                <a:lnTo>
+                  <a:pt x="2801132" y="1511301"/>
+                </a:lnTo>
+                <a:lnTo>
+                  <a:pt x="2801132" y="1511304"/>
+                </a:lnTo>
+                <a:lnTo>
+                  <a:pt x="2405743" y="1511304"/>
+                </a:lnTo>
+                <a:lnTo>
+                  <a:pt x="2405743" y="1511306"/>
+                </a:lnTo>
+                <a:lnTo>
+                  <a:pt x="1333411" y="1511306"/>
+                </a:lnTo>
+                <a:lnTo>
+                  <a:pt x="1219208" y="1511306"/>
+                </a:lnTo>
+                <a:lnTo>
+                  <a:pt x="1209568" y="1511306"/>
+                </a:lnTo>
+                <a:lnTo>
+                  <a:pt x="239486" y="1511306"/>
+                </a:lnTo>
+                <a:lnTo>
+                  <a:pt x="0" y="1511306"/>
+                </a:lnTo>
+                <a:close/>
+              </a:path>
+            </a:pathLst>
+          </a:custGeom>
+          <a:solidFill>
+            <a:srgbClr val="D0CECE"/>
+          </a:solidFill>
+          <a:ln>
+            <a:noFill/>
+          </a:ln>
+        </p:spPr>
+        <p:style>
+          <a:lnRef idx="2">
+            <a:schemeClr val="accent1">
+              <a:shade val="50000"/>
+            </a:schemeClr>
+          </a:lnRef>
+          <a:fillRef idx="1">
+            <a:schemeClr val="accent1"/>
+          </a:fillRef>
+          <a:effectRef idx="0">
+            <a:schemeClr val="accent1"/>
+          </a:effectRef>
+          <a:fontRef idx="minor">
+            <a:schemeClr val="lt1"/>
+          </a:fontRef>
+        </p:style>
+        <p:txBody>
+          <a:bodyPr rtlCol="0" anchor="ctr"/>
+          <a:lstStyle/>
+          <a:p>
+            <a:pPr marL="0" marR="0" lvl="0" indent="0" algn="ctr" defTabSz="914400" rtl="0" eaLnBrk="1" fontAlgn="auto" latinLnBrk="0" hangingPunct="1">
+              <a:lnSpc>
+                <a:spcPct val="100000"/>
+              </a:lnSpc>
+              <a:spcBef>
+                <a:spcPts val="0"/>
+              </a:spcBef>
+              <a:spcAft>
+                <a:spcPts val="0"/>
+              </a:spcAft>
+              <a:buClrTx/>
+              <a:buSzTx/>
+              <a:buFontTx/>
+              <a:buNone/>
+              <a:tabLst/>
+              <a:defRPr/>
+            </a:pPr>
+            <a:endParaRPr kumimoji="0" lang="en-US" sz="1800" b="0" i="0" u="none" strike="noStrike" kern="1200" cap="none" spc="0" normalizeH="0" baseline="0" noProof="0">
+              <a:ln>
+                <a:noFill/>
+              </a:ln>
+              <a:solidFill>
+                <a:prstClr val="white">
+                  <a:lumMod val="95000"/>
+                </a:prstClr>
+              </a:solidFill>
+              <a:effectLst/>
+              <a:uLnTx/>
+              <a:uFillTx/>
+              <a:latin typeface="Calibri" panose="020F0502020204030204"/>
+              <a:ea typeface="+mn-ea"/>
+              <a:cs typeface="+mn-cs"/>
+            </a:endParaRPr>
+          </a:p>
+        </p:txBody>
+      </p:sp>
+      <p:sp>
+        <p:nvSpPr>
+          <p:cNvPr id="4" name="TextBox 3">
+            <a:extLst>
+              <a:ext uri="{FF2B5EF4-FFF2-40B4-BE49-F238E27FC236}">
+                <a16:creationId xmlns:a16="http://schemas.microsoft.com/office/drawing/2014/main" id="{A5BA8CC1-6104-BA42-9471-B17DC550FCC8}"/>
+              </a:ext>
+            </a:extLst>
+          </p:cNvPr>
+          <p:cNvSpPr txBox="1"/>
+          <p:nvPr/>
+        </p:nvSpPr>
+        <p:spPr>
+          <a:xfrm>
+            <a:off x="389683" y="5529884"/>
+            <a:ext cx="5693783" cy="1096331"/>
+          </a:xfrm>
+          <a:prstGeom prst="rect">
+            <a:avLst/>
+          </a:prstGeom>
+        </p:spPr>
+        <p:txBody>
+          <a:bodyPr vert="horz" lIns="91440" tIns="45720" rIns="91440" bIns="45720" rtlCol="0" anchor="ctr">
+            <a:normAutofit/>
+          </a:bodyPr>
+          <a:lstStyle/>
+          <a:p>
+            <a:pPr marL="0" marR="0" lvl="0" indent="0" algn="l" defTabSz="914400" rtl="0" eaLnBrk="1" fontAlgn="auto" latinLnBrk="0" hangingPunct="1">
+              <a:lnSpc>
+                <a:spcPct val="90000"/>
+              </a:lnSpc>
+              <a:spcBef>
+                <a:spcPct val="0"/>
+              </a:spcBef>
+              <a:spcAft>
+                <a:spcPts val="600"/>
+              </a:spcAft>
+              <a:buClrTx/>
+              <a:buSzTx/>
+              <a:buFontTx/>
+              <a:buNone/>
+              <a:tabLst/>
+              <a:defRPr/>
+            </a:pPr>
+            <a:r>
+              <a:rPr kumimoji="0" lang="en-US" sz="4000" b="1" i="0" u="none" strike="noStrike" kern="1200" cap="none" spc="0" normalizeH="0" baseline="0" noProof="0" dirty="0">
+                <a:ln>
+                  <a:noFill/>
+                </a:ln>
+                <a:solidFill>
+                  <a:srgbClr val="303030"/>
+                </a:solidFill>
+                <a:effectLst/>
+                <a:uLnTx/>
+                <a:uFillTx/>
+                <a:latin typeface="Calibri Light" panose="020F0302020204030204"/>
+                <a:ea typeface="+mn-ea"/>
+                <a:cs typeface="+mn-cs"/>
+              </a:rPr>
+              <a:t>AGENDA: Visualization</a:t>
+            </a:r>
+          </a:p>
+        </p:txBody>
+      </p:sp>
+      <p:pic>
+        <p:nvPicPr>
+          <p:cNvPr id="3" name="Picture 2">
+            <a:extLst>
+              <a:ext uri="{FF2B5EF4-FFF2-40B4-BE49-F238E27FC236}">
+                <a16:creationId xmlns:a16="http://schemas.microsoft.com/office/drawing/2014/main" id="{B0A5B9B6-518A-9340-A2D6-5B840631FCD2}"/>
+              </a:ext>
+            </a:extLst>
+          </p:cNvPr>
+          <p:cNvPicPr>
+            <a:picLocks noChangeAspect="1"/>
+          </p:cNvPicPr>
+          <p:nvPr/>
+        </p:nvPicPr>
+        <p:blipFill>
+          <a:blip r:embed="rId2">
+            <a:extLst>
+              <a:ext uri="{28A0092B-C50C-407E-A947-70E740481C1C}">
+                <a14:useLocalDpi xmlns:a14="http://schemas.microsoft.com/office/drawing/2010/main" val="0"/>
+              </a:ext>
+            </a:extLst>
+          </a:blip>
+          <a:stretch>
+            <a:fillRect/>
+          </a:stretch>
+        </p:blipFill>
+        <p:spPr>
+          <a:xfrm>
+            <a:off x="6447259" y="1021104"/>
+            <a:ext cx="5280002" cy="3259720"/>
+          </a:xfrm>
+          <a:prstGeom prst="rect">
+            <a:avLst/>
+          </a:prstGeom>
+        </p:spPr>
+      </p:pic>
+      <p:sp>
+        <p:nvSpPr>
+          <p:cNvPr id="5" name="TextBox 4">
+            <a:extLst>
+              <a:ext uri="{FF2B5EF4-FFF2-40B4-BE49-F238E27FC236}">
+                <a16:creationId xmlns:a16="http://schemas.microsoft.com/office/drawing/2014/main" id="{9F801A05-8D8A-A049-B385-4AC7E25D26EF}"/>
+              </a:ext>
+            </a:extLst>
+          </p:cNvPr>
+          <p:cNvSpPr txBox="1"/>
+          <p:nvPr/>
+        </p:nvSpPr>
+        <p:spPr>
+          <a:xfrm>
+            <a:off x="392440" y="181998"/>
+            <a:ext cx="6561724" cy="5036251"/>
+          </a:xfrm>
+          <a:prstGeom prst="rect">
+            <a:avLst/>
+          </a:prstGeom>
+        </p:spPr>
+        <p:txBody>
+          <a:bodyPr vert="horz" lIns="91440" tIns="45720" rIns="91440" bIns="45720" rtlCol="0" anchor="ctr">
+            <a:noAutofit/>
+          </a:bodyPr>
+          <a:lstStyle/>
+          <a:p>
+            <a:pPr marL="0" marR="0" lvl="0" indent="0" algn="l" defTabSz="914400" rtl="0" eaLnBrk="1" fontAlgn="auto" latinLnBrk="0" hangingPunct="1">
+              <a:lnSpc>
+                <a:spcPct val="140000"/>
+              </a:lnSpc>
+              <a:spcBef>
+                <a:spcPts val="0"/>
+              </a:spcBef>
+              <a:spcAft>
+                <a:spcPts val="600"/>
+              </a:spcAft>
+              <a:buClrTx/>
+              <a:buSzTx/>
+              <a:buFontTx/>
+              <a:buNone/>
+              <a:tabLst/>
+              <a:defRPr/>
+            </a:pPr>
+            <a:r>
+              <a:rPr kumimoji="0" lang="en-US" sz="2000" b="0" i="0" u="none" strike="noStrike" kern="1200" cap="none" spc="0" normalizeH="0" baseline="0" noProof="0" dirty="0">
+                <a:ln>
+                  <a:noFill/>
+                </a:ln>
+                <a:solidFill>
+                  <a:prstClr val="black"/>
+                </a:solidFill>
+                <a:effectLst/>
+                <a:uLnTx/>
+                <a:uFillTx/>
+                <a:latin typeface="Calibri" panose="020F0502020204030204"/>
+                <a:ea typeface="+mn-ea"/>
+                <a:cs typeface="+mn-cs"/>
+              </a:rPr>
+              <a:t>Why </a:t>
+            </a:r>
+            <a:r>
+              <a:rPr kumimoji="0" lang="en-US" sz="2000" b="0" i="0" u="none" strike="noStrike" kern="1200" cap="none" spc="0" normalizeH="0" baseline="0" noProof="0" dirty="0" err="1">
+                <a:ln>
+                  <a:noFill/>
+                </a:ln>
+                <a:solidFill>
+                  <a:prstClr val="black"/>
+                </a:solidFill>
+                <a:effectLst/>
+                <a:uLnTx/>
+                <a:uFillTx/>
+                <a:latin typeface="Calibri" panose="020F0502020204030204"/>
+                <a:ea typeface="+mn-ea"/>
+                <a:cs typeface="+mn-cs"/>
+              </a:rPr>
+              <a:t>ggplot</a:t>
+            </a:r>
+            <a:r>
+              <a:rPr kumimoji="0" lang="en-US" sz="2000" b="0" i="0" u="none" strike="noStrike" kern="1200" cap="none" spc="0" normalizeH="0" baseline="0" noProof="0" dirty="0">
+                <a:ln>
+                  <a:noFill/>
+                </a:ln>
+                <a:solidFill>
+                  <a:prstClr val="black"/>
+                </a:solidFill>
+                <a:effectLst/>
+                <a:uLnTx/>
+                <a:uFillTx/>
+                <a:latin typeface="Calibri" panose="020F0502020204030204"/>
+                <a:ea typeface="+mn-ea"/>
+                <a:cs typeface="+mn-cs"/>
+              </a:rPr>
+              <a:t>? (5mins) (QT)</a:t>
+            </a:r>
+          </a:p>
+          <a:p>
+            <a:pPr marL="800100" marR="0" lvl="1" indent="-342900" algn="l" defTabSz="914400" rtl="0" eaLnBrk="1" fontAlgn="auto" latinLnBrk="0" hangingPunct="1">
+              <a:lnSpc>
+                <a:spcPct val="120000"/>
+              </a:lnSpc>
+              <a:spcBef>
+                <a:spcPts val="0"/>
+              </a:spcBef>
+              <a:spcAft>
+                <a:spcPts val="600"/>
+              </a:spcAft>
+              <a:buClrTx/>
+              <a:buSzTx/>
+              <a:buFont typeface="Arial" panose="020B0604020202020204" pitchFamily="34" charset="0"/>
+              <a:buChar char="•"/>
+              <a:tabLst/>
+              <a:defRPr/>
+            </a:pPr>
+            <a:r>
+              <a:rPr kumimoji="0" lang="en-US" sz="2000" b="0" i="0" u="none" strike="noStrike" kern="1200" cap="none" spc="0" normalizeH="0" baseline="0" noProof="0" dirty="0">
+                <a:ln>
+                  <a:noFill/>
+                </a:ln>
+                <a:solidFill>
+                  <a:prstClr val="black"/>
+                </a:solidFill>
+                <a:effectLst/>
+                <a:uLnTx/>
+                <a:uFillTx/>
+                <a:latin typeface="Calibri" panose="020F0502020204030204"/>
+                <a:ea typeface="+mn-ea"/>
+                <a:cs typeface="+mn-cs"/>
+              </a:rPr>
+              <a:t>	Grammar of Graphics concept – 7 layers</a:t>
+            </a:r>
+          </a:p>
+          <a:p>
+            <a:pPr marL="0" marR="0" lvl="0" indent="0" algn="l" defTabSz="914400" rtl="0" eaLnBrk="1" fontAlgn="auto" latinLnBrk="0" hangingPunct="1">
+              <a:lnSpc>
+                <a:spcPct val="140000"/>
+              </a:lnSpc>
+              <a:spcBef>
+                <a:spcPts val="0"/>
+              </a:spcBef>
+              <a:spcAft>
+                <a:spcPts val="600"/>
+              </a:spcAft>
+              <a:buClrTx/>
+              <a:buSzTx/>
+              <a:buFontTx/>
+              <a:buNone/>
+              <a:tabLst/>
+              <a:defRPr/>
+            </a:pPr>
+            <a:r>
+              <a:rPr kumimoji="0" lang="en-US" sz="2000" b="0" i="0" u="none" strike="noStrike" kern="1200" cap="none" spc="0" normalizeH="0" baseline="0" noProof="0" dirty="0">
+                <a:ln>
+                  <a:noFill/>
+                </a:ln>
+                <a:solidFill>
+                  <a:prstClr val="black"/>
+                </a:solidFill>
+                <a:effectLst/>
+                <a:uLnTx/>
+                <a:uFillTx/>
+                <a:latin typeface="Calibri" panose="020F0502020204030204"/>
+                <a:ea typeface="+mn-ea"/>
+                <a:cs typeface="+mn-cs"/>
+              </a:rPr>
+              <a:t>The Generic Function of </a:t>
+            </a:r>
+            <a:r>
+              <a:rPr kumimoji="0" lang="en-US" sz="2000" b="0" i="0" u="none" strike="noStrike" kern="1200" cap="none" spc="0" normalizeH="0" baseline="0" noProof="0" dirty="0" err="1">
+                <a:ln>
+                  <a:noFill/>
+                </a:ln>
+                <a:solidFill>
+                  <a:prstClr val="black"/>
+                </a:solidFill>
+                <a:effectLst/>
+                <a:uLnTx/>
+                <a:uFillTx/>
+                <a:latin typeface="Calibri" panose="020F0502020204030204"/>
+                <a:ea typeface="+mn-ea"/>
+                <a:cs typeface="+mn-cs"/>
+              </a:rPr>
+              <a:t>ggplot</a:t>
+            </a:r>
+            <a:r>
+              <a:rPr kumimoji="0" lang="en-US" sz="2000" b="0" i="0" u="none" strike="noStrike" kern="1200" cap="none" spc="0" normalizeH="0" baseline="0" noProof="0" dirty="0">
+                <a:ln>
+                  <a:noFill/>
+                </a:ln>
+                <a:solidFill>
+                  <a:prstClr val="black"/>
+                </a:solidFill>
+                <a:effectLst/>
+                <a:uLnTx/>
+                <a:uFillTx/>
+                <a:latin typeface="Calibri" panose="020F0502020204030204"/>
+                <a:ea typeface="+mn-ea"/>
+                <a:cs typeface="+mn-cs"/>
+              </a:rPr>
+              <a:t> (</a:t>
+            </a:r>
+            <a:r>
+              <a:rPr kumimoji="0" lang="en-US" sz="2000" b="0" i="0" u="none" strike="noStrike" kern="1200" cap="none" spc="0" normalizeH="0" baseline="0" noProof="0">
+                <a:ln>
+                  <a:noFill/>
+                </a:ln>
+                <a:solidFill>
+                  <a:prstClr val="black"/>
+                </a:solidFill>
+                <a:effectLst/>
+                <a:uLnTx/>
+                <a:uFillTx/>
+                <a:latin typeface="Calibri" panose="020F0502020204030204"/>
+                <a:ea typeface="+mn-ea"/>
+                <a:cs typeface="+mn-cs"/>
+              </a:rPr>
+              <a:t>10mins) (QT)</a:t>
+            </a:r>
+            <a:endParaRPr kumimoji="0" lang="en-US" sz="2000" b="0" i="0" u="none" strike="noStrike" kern="1200" cap="none" spc="0" normalizeH="0" baseline="0" noProof="0" dirty="0">
+              <a:ln>
+                <a:noFill/>
+              </a:ln>
+              <a:solidFill>
+                <a:prstClr val="black"/>
+              </a:solidFill>
+              <a:effectLst/>
+              <a:uLnTx/>
+              <a:uFillTx/>
+              <a:latin typeface="Calibri" panose="020F0502020204030204"/>
+              <a:ea typeface="+mn-ea"/>
+              <a:cs typeface="+mn-cs"/>
+            </a:endParaRPr>
+          </a:p>
+          <a:p>
+            <a:pPr marL="800100" marR="0" lvl="1" indent="-342900" algn="l" defTabSz="914400" rtl="0" eaLnBrk="1" fontAlgn="auto" latinLnBrk="0" hangingPunct="1">
+              <a:lnSpc>
+                <a:spcPct val="120000"/>
+              </a:lnSpc>
+              <a:spcBef>
+                <a:spcPts val="0"/>
+              </a:spcBef>
+              <a:spcAft>
+                <a:spcPts val="600"/>
+              </a:spcAft>
+              <a:buClrTx/>
+              <a:buSzTx/>
+              <a:buFont typeface="Arial" panose="020B0604020202020204" pitchFamily="34" charset="0"/>
+              <a:buChar char="•"/>
+              <a:tabLst/>
+              <a:defRPr/>
+            </a:pPr>
+            <a:r>
+              <a:rPr kumimoji="0" lang="en-US" sz="2000" b="0" i="0" u="none" strike="noStrike" kern="1200" cap="none" spc="0" normalizeH="0" baseline="0" noProof="0" dirty="0">
+                <a:ln>
+                  <a:noFill/>
+                </a:ln>
+                <a:solidFill>
+                  <a:prstClr val="black"/>
+                </a:solidFill>
+                <a:effectLst/>
+                <a:uLnTx/>
+                <a:uFillTx/>
+                <a:latin typeface="Calibri" panose="020F0502020204030204"/>
+                <a:ea typeface="+mn-ea"/>
+                <a:cs typeface="+mn-cs"/>
+              </a:rPr>
+              <a:t>Data &amp; Aesthetics</a:t>
+            </a:r>
+          </a:p>
+          <a:p>
+            <a:pPr marL="800100" marR="0" lvl="1" indent="-342900" algn="l" defTabSz="914400" rtl="0" eaLnBrk="1" fontAlgn="auto" latinLnBrk="0" hangingPunct="1">
+              <a:lnSpc>
+                <a:spcPct val="120000"/>
+              </a:lnSpc>
+              <a:spcBef>
+                <a:spcPts val="0"/>
+              </a:spcBef>
+              <a:spcAft>
+                <a:spcPts val="600"/>
+              </a:spcAft>
+              <a:buClrTx/>
+              <a:buSzTx/>
+              <a:buFont typeface="Arial" panose="020B0604020202020204" pitchFamily="34" charset="0"/>
+              <a:buChar char="•"/>
+              <a:tabLst/>
+              <a:defRPr/>
+            </a:pPr>
+            <a:r>
+              <a:rPr kumimoji="0" lang="en-US" sz="2000" b="0" i="0" u="none" strike="noStrike" kern="1200" cap="none" spc="0" normalizeH="0" baseline="0" noProof="0" dirty="0">
+                <a:ln>
+                  <a:noFill/>
+                </a:ln>
+                <a:solidFill>
+                  <a:prstClr val="black"/>
+                </a:solidFill>
+                <a:effectLst/>
+                <a:uLnTx/>
+                <a:uFillTx/>
+                <a:latin typeface="Calibri" panose="020F0502020204030204"/>
+                <a:ea typeface="+mn-ea"/>
+                <a:cs typeface="+mn-cs"/>
+              </a:rPr>
+              <a:t>Geometries</a:t>
+            </a:r>
+          </a:p>
+          <a:p>
+            <a:pPr marL="800100" marR="0" lvl="1" indent="-342900" algn="l" defTabSz="914400" rtl="0" eaLnBrk="1" fontAlgn="auto" latinLnBrk="0" hangingPunct="1">
+              <a:lnSpc>
+                <a:spcPct val="120000"/>
+              </a:lnSpc>
+              <a:spcBef>
+                <a:spcPts val="0"/>
+              </a:spcBef>
+              <a:spcAft>
+                <a:spcPts val="600"/>
+              </a:spcAft>
+              <a:buClrTx/>
+              <a:buSzTx/>
+              <a:buFont typeface="Arial" panose="020B0604020202020204" pitchFamily="34" charset="0"/>
+              <a:buChar char="•"/>
+              <a:tabLst/>
+              <a:defRPr/>
+            </a:pPr>
+            <a:r>
+              <a:rPr kumimoji="0" lang="en-US" sz="2000" b="0" i="0" u="none" strike="noStrike" kern="1200" cap="none" spc="0" normalizeH="0" baseline="0" noProof="0" dirty="0">
+                <a:ln>
+                  <a:noFill/>
+                </a:ln>
+                <a:solidFill>
+                  <a:prstClr val="black"/>
+                </a:solidFill>
+                <a:effectLst/>
+                <a:uLnTx/>
+                <a:uFillTx/>
+                <a:latin typeface="Calibri" panose="020F0502020204030204"/>
+                <a:ea typeface="+mn-ea"/>
+                <a:cs typeface="+mn-cs"/>
+              </a:rPr>
+              <a:t>Facets</a:t>
+            </a:r>
+          </a:p>
+          <a:p>
+            <a:pPr marL="800100" marR="0" lvl="1" indent="-342900" algn="l" defTabSz="914400" rtl="0" eaLnBrk="1" fontAlgn="auto" latinLnBrk="0" hangingPunct="1">
+              <a:lnSpc>
+                <a:spcPct val="120000"/>
+              </a:lnSpc>
+              <a:spcBef>
+                <a:spcPts val="0"/>
+              </a:spcBef>
+              <a:spcAft>
+                <a:spcPts val="600"/>
+              </a:spcAft>
+              <a:buClrTx/>
+              <a:buSzTx/>
+              <a:buFont typeface="Arial" panose="020B0604020202020204" pitchFamily="34" charset="0"/>
+              <a:buChar char="•"/>
+              <a:tabLst/>
+              <a:defRPr/>
+            </a:pPr>
+            <a:r>
+              <a:rPr kumimoji="0" lang="en-US" sz="2000" b="0" i="0" u="none" strike="noStrike" kern="1200" cap="none" spc="0" normalizeH="0" baseline="0" noProof="0" dirty="0">
+                <a:ln>
+                  <a:noFill/>
+                </a:ln>
+                <a:solidFill>
+                  <a:prstClr val="black"/>
+                </a:solidFill>
+                <a:effectLst/>
+                <a:uLnTx/>
+                <a:uFillTx/>
+                <a:latin typeface="Calibri" panose="020F0502020204030204"/>
+                <a:ea typeface="+mn-ea"/>
+                <a:cs typeface="+mn-cs"/>
+              </a:rPr>
+              <a:t>Statistics</a:t>
+            </a:r>
+          </a:p>
+          <a:p>
+            <a:pPr marL="800100" marR="0" lvl="1" indent="-342900" algn="l" defTabSz="914400" rtl="0" eaLnBrk="1" fontAlgn="auto" latinLnBrk="0" hangingPunct="1">
+              <a:lnSpc>
+                <a:spcPct val="120000"/>
+              </a:lnSpc>
+              <a:spcBef>
+                <a:spcPts val="0"/>
+              </a:spcBef>
+              <a:spcAft>
+                <a:spcPts val="600"/>
+              </a:spcAft>
+              <a:buClrTx/>
+              <a:buSzTx/>
+              <a:buFont typeface="Arial" panose="020B0604020202020204" pitchFamily="34" charset="0"/>
+              <a:buChar char="•"/>
+              <a:tabLst/>
+              <a:defRPr/>
+            </a:pPr>
+            <a:r>
+              <a:rPr kumimoji="0" lang="en-US" sz="2000" b="0" i="0" u="none" strike="noStrike" kern="1200" cap="none" spc="0" normalizeH="0" baseline="0" noProof="0" dirty="0">
+                <a:ln>
+                  <a:noFill/>
+                </a:ln>
+                <a:solidFill>
+                  <a:prstClr val="black"/>
+                </a:solidFill>
+                <a:effectLst/>
+                <a:uLnTx/>
+                <a:uFillTx/>
+                <a:latin typeface="Calibri" panose="020F0502020204030204"/>
+                <a:ea typeface="+mn-ea"/>
+                <a:cs typeface="+mn-cs"/>
+              </a:rPr>
+              <a:t>Coordinates</a:t>
+            </a:r>
+          </a:p>
+          <a:p>
+            <a:pPr marL="800100" marR="0" lvl="1" indent="-342900" algn="l" defTabSz="914400" rtl="0" eaLnBrk="1" fontAlgn="auto" latinLnBrk="0" hangingPunct="1">
+              <a:lnSpc>
+                <a:spcPct val="120000"/>
+              </a:lnSpc>
+              <a:spcBef>
+                <a:spcPts val="0"/>
+              </a:spcBef>
+              <a:spcAft>
+                <a:spcPts val="600"/>
+              </a:spcAft>
+              <a:buClrTx/>
+              <a:buSzTx/>
+              <a:buFont typeface="Arial" panose="020B0604020202020204" pitchFamily="34" charset="0"/>
+              <a:buChar char="•"/>
+              <a:tabLst/>
+              <a:defRPr/>
+            </a:pPr>
+            <a:r>
+              <a:rPr kumimoji="0" lang="en-US" sz="2000" b="0" i="0" u="none" strike="noStrike" kern="1200" cap="none" spc="0" normalizeH="0" baseline="0" noProof="0" dirty="0">
+                <a:ln>
+                  <a:noFill/>
+                </a:ln>
+                <a:solidFill>
+                  <a:prstClr val="black"/>
+                </a:solidFill>
+                <a:effectLst/>
+                <a:uLnTx/>
+                <a:uFillTx/>
+                <a:latin typeface="Calibri" panose="020F0502020204030204"/>
+                <a:ea typeface="+mn-ea"/>
+                <a:cs typeface="+mn-cs"/>
+              </a:rPr>
+              <a:t>Themes</a:t>
+            </a:r>
+          </a:p>
+          <a:p>
+            <a:pPr marL="0" marR="0" lvl="0" indent="0" algn="l" defTabSz="914400" rtl="0" eaLnBrk="1" fontAlgn="auto" latinLnBrk="0" hangingPunct="1">
+              <a:lnSpc>
+                <a:spcPct val="140000"/>
+              </a:lnSpc>
+              <a:spcBef>
+                <a:spcPts val="0"/>
+              </a:spcBef>
+              <a:spcAft>
+                <a:spcPts val="600"/>
+              </a:spcAft>
+              <a:buClrTx/>
+              <a:buSzTx/>
+              <a:buFontTx/>
+              <a:buNone/>
+              <a:tabLst/>
+              <a:defRPr/>
+            </a:pPr>
+            <a:r>
+              <a:rPr kumimoji="0" lang="en-US" sz="2000" b="0" i="0" u="none" strike="noStrike" kern="1200" cap="none" spc="0" normalizeH="0" baseline="0" noProof="0" dirty="0">
+                <a:ln>
+                  <a:noFill/>
+                </a:ln>
+                <a:solidFill>
+                  <a:prstClr val="black"/>
+                </a:solidFill>
+                <a:effectLst/>
+                <a:uLnTx/>
+                <a:uFillTx/>
+                <a:latin typeface="Calibri" panose="020F0502020204030204"/>
+                <a:ea typeface="+mn-ea"/>
+                <a:cs typeface="+mn-cs"/>
+              </a:rPr>
+              <a:t>CASE STUDY: U.S. Air Pollution Analysis (20mins) (XP) </a:t>
+            </a:r>
+            <a:r>
+              <a:rPr kumimoji="0" lang="en-US" sz="1600" b="0" i="1" u="none" strike="noStrike" kern="1200" cap="none" spc="0" normalizeH="0" baseline="0" noProof="0" dirty="0">
+                <a:ln>
+                  <a:noFill/>
+                </a:ln>
+                <a:solidFill>
+                  <a:prstClr val="black"/>
+                </a:solidFill>
+                <a:effectLst/>
+                <a:uLnTx/>
+                <a:uFillTx/>
+                <a:latin typeface="Calibri" panose="020F0502020204030204"/>
+                <a:ea typeface="+mn-ea"/>
+                <a:cs typeface="+mn-cs"/>
+              </a:rPr>
+              <a:t>(Following the previous session) </a:t>
+            </a:r>
+            <a:r>
+              <a:rPr kumimoji="0" lang="en-US" sz="1600" b="0" i="1" u="none" strike="noStrike" kern="1200" cap="none" spc="0" normalizeH="0" baseline="0" noProof="0" dirty="0">
+                <a:ln>
+                  <a:noFill/>
+                </a:ln>
+                <a:solidFill>
+                  <a:prstClr val="black"/>
+                </a:solidFill>
+                <a:effectLst/>
+                <a:uLnTx/>
+                <a:uFillTx/>
+                <a:latin typeface="Calibri" panose="020F0502020204030204"/>
+                <a:ea typeface="+mn-ea"/>
+                <a:cs typeface="+mn-cs"/>
+                <a:hlinkClick r:id="rId3"/>
+              </a:rPr>
+              <a:t>https://rpubs.com/monkey08091992/503363</a:t>
+            </a:r>
+            <a:endParaRPr kumimoji="0" lang="en-US" sz="1600" b="0" i="1" u="none" strike="noStrike" kern="1200" cap="none" spc="0" normalizeH="0" baseline="0" noProof="0" dirty="0">
+              <a:ln>
+                <a:noFill/>
+              </a:ln>
+              <a:solidFill>
+                <a:prstClr val="black"/>
+              </a:solidFill>
+              <a:effectLst/>
+              <a:uLnTx/>
+              <a:uFillTx/>
+              <a:latin typeface="Calibri" panose="020F0502020204030204"/>
+              <a:ea typeface="+mn-ea"/>
+              <a:cs typeface="+mn-cs"/>
+            </a:endParaRPr>
+          </a:p>
+        </p:txBody>
+      </p:sp>
+    </p:spTree>
+    <p:extLst>
+      <p:ext uri="{BB962C8B-B14F-4D97-AF65-F5344CB8AC3E}">
+        <p14:creationId xmlns:p14="http://schemas.microsoft.com/office/powerpoint/2010/main" val="153310920"/>
+      </p:ext>
+    </p:extLst>
+  </p:cSld>
+  <p:clrMapOvr>
+    <a:masterClrMapping/>
+  </p:clrMapOvr>
+</p:sld>
+</file>
+
 <file path=ppt/slides/slide6.xml><?xml version="1.0" encoding="utf-8"?>
 <p:sld xmlns:a="http://schemas.openxmlformats.org/drawingml/2006/main" xmlns:r="http://schemas.openxmlformats.org/officeDocument/2006/relationships" xmlns:p="http://schemas.openxmlformats.org/presentationml/2006/main" show="0">
   <p:cSld>
@@ -21091,14 +20900,6 @@
   <p:clrMapOvr>
     <a:masterClrMapping/>
   </p:clrMapOvr>
-  <mc:AlternateContent xmlns:mc="http://schemas.openxmlformats.org/markup-compatibility/2006">
-    <mc:Choice xmlns:p14="http://schemas.microsoft.com/office/powerpoint/2010/main" Requires="p14">
-      <p:transition spd="slow" p14:dur="2000"/>
-    </mc:Choice>
-    <mc:Fallback>
-      <p:transition spd="slow"/>
-    </mc:Fallback>
-  </mc:AlternateContent>
 </p:sld>
 </file>
 

--- a/Tidyverse presentation.pptx
+++ b/Tidyverse presentation.pptx
@@ -7,33 +7,34 @@
     <p:sldMasterId id="2147483677" r:id="rId3"/>
   </p:sldMasterIdLst>
   <p:notesMasterIdLst>
-    <p:notesMasterId r:id="rId28"/>
+    <p:notesMasterId r:id="rId29"/>
   </p:notesMasterIdLst>
   <p:sldIdLst>
     <p:sldId id="280" r:id="rId4"/>
     <p:sldId id="258" r:id="rId5"/>
     <p:sldId id="259" r:id="rId6"/>
-    <p:sldId id="282" r:id="rId7"/>
-    <p:sldId id="281" r:id="rId8"/>
-    <p:sldId id="283" r:id="rId9"/>
-    <p:sldId id="284" r:id="rId10"/>
-    <p:sldId id="285" r:id="rId11"/>
-    <p:sldId id="269" r:id="rId12"/>
-    <p:sldId id="270" r:id="rId13"/>
-    <p:sldId id="271" r:id="rId14"/>
-    <p:sldId id="272" r:id="rId15"/>
-    <p:sldId id="273" r:id="rId16"/>
-    <p:sldId id="275" r:id="rId17"/>
-    <p:sldId id="277" r:id="rId18"/>
-    <p:sldId id="278" r:id="rId19"/>
-    <p:sldId id="279" r:id="rId20"/>
-    <p:sldId id="266" r:id="rId21"/>
-    <p:sldId id="260" r:id="rId22"/>
-    <p:sldId id="261" r:id="rId23"/>
-    <p:sldId id="262" r:id="rId24"/>
-    <p:sldId id="263" r:id="rId25"/>
-    <p:sldId id="264" r:id="rId26"/>
-    <p:sldId id="286" r:id="rId27"/>
+    <p:sldId id="287" r:id="rId7"/>
+    <p:sldId id="282" r:id="rId8"/>
+    <p:sldId id="281" r:id="rId9"/>
+    <p:sldId id="283" r:id="rId10"/>
+    <p:sldId id="284" r:id="rId11"/>
+    <p:sldId id="285" r:id="rId12"/>
+    <p:sldId id="269" r:id="rId13"/>
+    <p:sldId id="270" r:id="rId14"/>
+    <p:sldId id="271" r:id="rId15"/>
+    <p:sldId id="272" r:id="rId16"/>
+    <p:sldId id="273" r:id="rId17"/>
+    <p:sldId id="275" r:id="rId18"/>
+    <p:sldId id="277" r:id="rId19"/>
+    <p:sldId id="278" r:id="rId20"/>
+    <p:sldId id="279" r:id="rId21"/>
+    <p:sldId id="266" r:id="rId22"/>
+    <p:sldId id="260" r:id="rId23"/>
+    <p:sldId id="261" r:id="rId24"/>
+    <p:sldId id="262" r:id="rId25"/>
+    <p:sldId id="263" r:id="rId26"/>
+    <p:sldId id="264" r:id="rId27"/>
+    <p:sldId id="286" r:id="rId28"/>
   </p:sldIdLst>
   <p:sldSz cx="12192000" cy="6858000"/>
   <p:notesSz cx="6858000" cy="9144000"/>
@@ -711,7 +712,7 @@
           <a:p>
             <a:fld id="{4BCF6B1C-8EF0-354C-87AA-9C86AE97C292}" type="slidenum">
               <a:rPr lang="en-CA" smtClean="0"/>
-              <a:t>11</a:t>
+              <a:t>12</a:t>
             </a:fld>
             <a:endParaRPr lang="en-CA"/>
           </a:p>
@@ -799,7 +800,7 @@
           <a:p>
             <a:fld id="{4BCF6B1C-8EF0-354C-87AA-9C86AE97C292}" type="slidenum">
               <a:rPr lang="en-CA" smtClean="0"/>
-              <a:t>12</a:t>
+              <a:t>13</a:t>
             </a:fld>
             <a:endParaRPr lang="en-CA"/>
           </a:p>
@@ -883,7 +884,7 @@
           <a:p>
             <a:fld id="{4BCF6B1C-8EF0-354C-87AA-9C86AE97C292}" type="slidenum">
               <a:rPr lang="en-CA" smtClean="0"/>
-              <a:t>13</a:t>
+              <a:t>14</a:t>
             </a:fld>
             <a:endParaRPr lang="en-CA"/>
           </a:p>
@@ -967,7 +968,7 @@
           <a:p>
             <a:fld id="{4BCF6B1C-8EF0-354C-87AA-9C86AE97C292}" type="slidenum">
               <a:rPr lang="en-CA" smtClean="0"/>
-              <a:t>14</a:t>
+              <a:t>15</a:t>
             </a:fld>
             <a:endParaRPr lang="en-CA"/>
           </a:p>
@@ -1063,7 +1064,7 @@
           <a:p>
             <a:fld id="{4BCF6B1C-8EF0-354C-87AA-9C86AE97C292}" type="slidenum">
               <a:rPr lang="en-CA" smtClean="0"/>
-              <a:t>15</a:t>
+              <a:t>16</a:t>
             </a:fld>
             <a:endParaRPr lang="en-CA"/>
           </a:p>
@@ -1159,7 +1160,7 @@
           <a:p>
             <a:fld id="{4BCF6B1C-8EF0-354C-87AA-9C86AE97C292}" type="slidenum">
               <a:rPr lang="en-CA" smtClean="0"/>
-              <a:t>16</a:t>
+              <a:t>17</a:t>
             </a:fld>
             <a:endParaRPr lang="en-CA"/>
           </a:p>
@@ -1255,7 +1256,7 @@
           <a:p>
             <a:fld id="{4BCF6B1C-8EF0-354C-87AA-9C86AE97C292}" type="slidenum">
               <a:rPr lang="en-CA" smtClean="0"/>
-              <a:t>17</a:t>
+              <a:t>18</a:t>
             </a:fld>
             <a:endParaRPr lang="en-CA"/>
           </a:p>
@@ -1386,7 +1387,7 @@
                 <a:tabLst/>
                 <a:defRPr/>
               </a:pPr>
-              <a:t>24</a:t>
+              <a:t>25</a:t>
             </a:fld>
             <a:endParaRPr kumimoji="0" lang="en-US" sz="1200" b="0" i="0" u="none" strike="noStrike" kern="1200" cap="none" spc="0" normalizeH="0" baseline="0" noProof="0">
               <a:ln>
@@ -17864,6 +17865,600 @@
 </file>
 
 <file path=ppt/slides/slide10.xml><?xml version="1.0" encoding="utf-8"?>
+<p:sld xmlns:a="http://schemas.openxmlformats.org/drawingml/2006/main" xmlns:r="http://schemas.openxmlformats.org/officeDocument/2006/relationships" xmlns:p="http://schemas.openxmlformats.org/presentationml/2006/main">
+  <p:cSld>
+    <p:spTree>
+      <p:nvGrpSpPr>
+        <p:cNvPr id="1" name=""/>
+        <p:cNvGrpSpPr/>
+        <p:nvPr/>
+      </p:nvGrpSpPr>
+      <p:grpSpPr>
+        <a:xfrm>
+          <a:off x="0" y="0"/>
+          <a:ext cx="0" cy="0"/>
+          <a:chOff x="0" y="0"/>
+          <a:chExt cx="0" cy="0"/>
+        </a:xfrm>
+      </p:grpSpPr>
+      <p:sp>
+        <p:nvSpPr>
+          <p:cNvPr id="2" name="Title 1"/>
+          <p:cNvSpPr>
+            <a:spLocks noGrp="1"/>
+          </p:cNvSpPr>
+          <p:nvPr>
+            <p:ph type="title"/>
+          </p:nvPr>
+        </p:nvSpPr>
+        <p:spPr>
+          <a:xfrm>
+            <a:off x="2955964" y="411736"/>
+            <a:ext cx="8832669" cy="918302"/>
+          </a:xfrm>
+        </p:spPr>
+        <p:txBody>
+          <a:bodyPr/>
+          <a:lstStyle/>
+          <a:p>
+            <a:r>
+              <a:rPr lang="en-CA" dirty="0"/>
+              <a:t>IMPORT DATA </a:t>
+            </a:r>
+          </a:p>
+        </p:txBody>
+      </p:sp>
+      <p:pic>
+        <p:nvPicPr>
+          <p:cNvPr id="4" name="Picture 3" descr="A close up of a sign&#10;&#10;Description automatically generated">
+            <a:extLst>
+              <a:ext uri="{FF2B5EF4-FFF2-40B4-BE49-F238E27FC236}">
+                <a16:creationId xmlns:a16="http://schemas.microsoft.com/office/drawing/2014/main" id="{B28C58EF-F1F9-4B81-B840-7FE0FA2E5089}"/>
+              </a:ext>
+            </a:extLst>
+          </p:cNvPr>
+          <p:cNvPicPr>
+            <a:picLocks noChangeAspect="1"/>
+          </p:cNvPicPr>
+          <p:nvPr/>
+        </p:nvPicPr>
+        <p:blipFill>
+          <a:blip r:embed="rId2">
+            <a:extLst>
+              <a:ext uri="{28A0092B-C50C-407E-A947-70E740481C1C}">
+                <a14:useLocalDpi xmlns:a14="http://schemas.microsoft.com/office/drawing/2010/main" val="0"/>
+              </a:ext>
+            </a:extLst>
+          </a:blip>
+          <a:stretch>
+            <a:fillRect/>
+          </a:stretch>
+        </p:blipFill>
+        <p:spPr>
+          <a:xfrm>
+            <a:off x="404640" y="110836"/>
+            <a:ext cx="1290128" cy="1494399"/>
+          </a:xfrm>
+          <a:prstGeom prst="rect">
+            <a:avLst/>
+          </a:prstGeom>
+        </p:spPr>
+      </p:pic>
+      <p:pic>
+        <p:nvPicPr>
+          <p:cNvPr id="5" name="Picture 4"/>
+          <p:cNvPicPr>
+            <a:picLocks noChangeAspect="1"/>
+          </p:cNvPicPr>
+          <p:nvPr/>
+        </p:nvPicPr>
+        <p:blipFill>
+          <a:blip r:embed="rId3"/>
+          <a:stretch>
+            <a:fillRect/>
+          </a:stretch>
+        </p:blipFill>
+        <p:spPr>
+          <a:xfrm>
+            <a:off x="1725496" y="130200"/>
+            <a:ext cx="1260948" cy="1460598"/>
+          </a:xfrm>
+          <a:prstGeom prst="rect">
+            <a:avLst/>
+          </a:prstGeom>
+        </p:spPr>
+      </p:pic>
+      <p:graphicFrame>
+        <p:nvGraphicFramePr>
+          <p:cNvPr id="9" name="Table 8"/>
+          <p:cNvGraphicFramePr>
+            <a:graphicFrameLocks noGrp="1"/>
+          </p:cNvGraphicFramePr>
+          <p:nvPr>
+            <p:extLst>
+              <p:ext uri="{D42A27DB-BD31-4B8C-83A1-F6EECF244321}">
+                <p14:modId xmlns:p14="http://schemas.microsoft.com/office/powerpoint/2010/main" val="625294059"/>
+              </p:ext>
+            </p:extLst>
+          </p:nvPr>
+        </p:nvGraphicFramePr>
+        <p:xfrm>
+          <a:off x="388423" y="2947159"/>
+          <a:ext cx="11484922" cy="1824983"/>
+        </p:xfrm>
+        <a:graphic>
+          <a:graphicData uri="http://schemas.openxmlformats.org/drawingml/2006/table">
+            <a:tbl>
+              <a:tblPr firstRow="1" bandRow="1">
+                <a:tableStyleId>{5C22544A-7EE6-4342-B048-85BDC9FD1C3A}</a:tableStyleId>
+              </a:tblPr>
+              <a:tblGrid>
+                <a:gridCol w="1235960">
+                  <a:extLst>
+                    <a:ext uri="{9D8B030D-6E8A-4147-A177-3AD203B41FA5}">
+                      <a16:colId xmlns:a16="http://schemas.microsoft.com/office/drawing/2014/main" val="20000"/>
+                    </a:ext>
+                  </a:extLst>
+                </a:gridCol>
+                <a:gridCol w="5095958">
+                  <a:extLst>
+                    <a:ext uri="{9D8B030D-6E8A-4147-A177-3AD203B41FA5}">
+                      <a16:colId xmlns:a16="http://schemas.microsoft.com/office/drawing/2014/main" val="20001"/>
+                    </a:ext>
+                  </a:extLst>
+                </a:gridCol>
+                <a:gridCol w="5153004">
+                  <a:extLst>
+                    <a:ext uri="{9D8B030D-6E8A-4147-A177-3AD203B41FA5}">
+                      <a16:colId xmlns:a16="http://schemas.microsoft.com/office/drawing/2014/main" val="20002"/>
+                    </a:ext>
+                  </a:extLst>
+                </a:gridCol>
+              </a:tblGrid>
+              <a:tr h="553829">
+                <a:tc>
+                  <a:txBody>
+                    <a:bodyPr/>
+                    <a:lstStyle/>
+                    <a:p>
+                      <a:pPr algn="ctr"/>
+                      <a:endParaRPr lang="en-CA" sz="3200" b="1" dirty="0"/>
+                    </a:p>
+                  </a:txBody>
+                  <a:tcPr anchor="ctr">
+                    <a:lnL w="12700" cap="flat" cmpd="sng" algn="ctr">
+                      <a:solidFill>
+                        <a:schemeClr val="tx1"/>
+                      </a:solidFill>
+                      <a:prstDash val="solid"/>
+                      <a:round/>
+                      <a:headEnd type="none" w="med" len="med"/>
+                      <a:tailEnd type="none" w="med" len="med"/>
+                    </a:lnL>
+                    <a:lnR w="12700" cap="flat" cmpd="sng" algn="ctr">
+                      <a:solidFill>
+                        <a:schemeClr val="tx1"/>
+                      </a:solidFill>
+                      <a:prstDash val="solid"/>
+                      <a:round/>
+                      <a:headEnd type="none" w="med" len="med"/>
+                      <a:tailEnd type="none" w="med" len="med"/>
+                    </a:lnR>
+                    <a:lnT w="12700" cap="flat" cmpd="sng" algn="ctr">
+                      <a:solidFill>
+                        <a:schemeClr val="tx1"/>
+                      </a:solidFill>
+                      <a:prstDash val="solid"/>
+                      <a:round/>
+                      <a:headEnd type="none" w="med" len="med"/>
+                      <a:tailEnd type="none" w="med" len="med"/>
+                    </a:lnT>
+                    <a:lnB w="12700" cap="flat" cmpd="sng" algn="ctr">
+                      <a:solidFill>
+                        <a:schemeClr val="tx1"/>
+                      </a:solidFill>
+                      <a:prstDash val="solid"/>
+                      <a:round/>
+                      <a:headEnd type="none" w="med" len="med"/>
+                      <a:tailEnd type="none" w="med" len="med"/>
+                    </a:lnB>
+                    <a:solidFill>
+                      <a:schemeClr val="accent1">
+                        <a:lumMod val="50000"/>
+                      </a:schemeClr>
+                    </a:solidFill>
+                  </a:tcPr>
+                </a:tc>
+                <a:tc>
+                  <a:txBody>
+                    <a:bodyPr/>
+                    <a:lstStyle/>
+                    <a:p>
+                      <a:pPr algn="ctr"/>
+                      <a:r>
+                        <a:rPr lang="en-CA" sz="3200" dirty="0" err="1"/>
+                        <a:t>readr</a:t>
+                      </a:r>
+                      <a:endParaRPr lang="en-CA" sz="3200" dirty="0"/>
+                    </a:p>
+                  </a:txBody>
+                  <a:tcPr>
+                    <a:lnL w="12700" cap="flat" cmpd="sng" algn="ctr">
+                      <a:solidFill>
+                        <a:schemeClr val="tx1"/>
+                      </a:solidFill>
+                      <a:prstDash val="solid"/>
+                      <a:round/>
+                      <a:headEnd type="none" w="med" len="med"/>
+                      <a:tailEnd type="none" w="med" len="med"/>
+                    </a:lnL>
+                    <a:lnR w="12700" cap="flat" cmpd="sng" algn="ctr">
+                      <a:solidFill>
+                        <a:schemeClr val="tx1"/>
+                      </a:solidFill>
+                      <a:prstDash val="solid"/>
+                      <a:round/>
+                      <a:headEnd type="none" w="med" len="med"/>
+                      <a:tailEnd type="none" w="med" len="med"/>
+                    </a:lnR>
+                    <a:lnT w="12700" cap="flat" cmpd="sng" algn="ctr">
+                      <a:solidFill>
+                        <a:schemeClr val="tx1"/>
+                      </a:solidFill>
+                      <a:prstDash val="solid"/>
+                      <a:round/>
+                      <a:headEnd type="none" w="med" len="med"/>
+                      <a:tailEnd type="none" w="med" len="med"/>
+                    </a:lnT>
+                    <a:lnB w="12700" cap="flat" cmpd="sng" algn="ctr">
+                      <a:solidFill>
+                        <a:schemeClr val="tx1"/>
+                      </a:solidFill>
+                      <a:prstDash val="solid"/>
+                      <a:round/>
+                      <a:headEnd type="none" w="med" len="med"/>
+                      <a:tailEnd type="none" w="med" len="med"/>
+                    </a:lnB>
+                    <a:solidFill>
+                      <a:schemeClr val="accent1">
+                        <a:lumMod val="50000"/>
+                      </a:schemeClr>
+                    </a:solidFill>
+                  </a:tcPr>
+                </a:tc>
+                <a:tc>
+                  <a:txBody>
+                    <a:bodyPr/>
+                    <a:lstStyle/>
+                    <a:p>
+                      <a:pPr algn="ctr"/>
+                      <a:r>
+                        <a:rPr lang="en-CA" sz="3200" dirty="0" err="1"/>
+                        <a:t>readxl</a:t>
+                      </a:r>
+                      <a:endParaRPr lang="en-CA" sz="3200" dirty="0"/>
+                    </a:p>
+                  </a:txBody>
+                  <a:tcPr>
+                    <a:lnL w="12700" cap="flat" cmpd="sng" algn="ctr">
+                      <a:solidFill>
+                        <a:schemeClr val="tx1"/>
+                      </a:solidFill>
+                      <a:prstDash val="solid"/>
+                      <a:round/>
+                      <a:headEnd type="none" w="med" len="med"/>
+                      <a:tailEnd type="none" w="med" len="med"/>
+                    </a:lnL>
+                    <a:lnR w="12700" cap="flat" cmpd="sng" algn="ctr">
+                      <a:solidFill>
+                        <a:schemeClr val="tx1"/>
+                      </a:solidFill>
+                      <a:prstDash val="solid"/>
+                      <a:round/>
+                      <a:headEnd type="none" w="med" len="med"/>
+                      <a:tailEnd type="none" w="med" len="med"/>
+                    </a:lnR>
+                    <a:lnT w="12700" cap="flat" cmpd="sng" algn="ctr">
+                      <a:solidFill>
+                        <a:schemeClr val="tx1"/>
+                      </a:solidFill>
+                      <a:prstDash val="solid"/>
+                      <a:round/>
+                      <a:headEnd type="none" w="med" len="med"/>
+                      <a:tailEnd type="none" w="med" len="med"/>
+                    </a:lnT>
+                    <a:lnB w="12700" cap="flat" cmpd="sng" algn="ctr">
+                      <a:solidFill>
+                        <a:schemeClr val="tx1"/>
+                      </a:solidFill>
+                      <a:prstDash val="solid"/>
+                      <a:round/>
+                      <a:headEnd type="none" w="med" len="med"/>
+                      <a:tailEnd type="none" w="med" len="med"/>
+                    </a:lnB>
+                    <a:solidFill>
+                      <a:schemeClr val="accent1">
+                        <a:lumMod val="50000"/>
+                      </a:schemeClr>
+                    </a:solidFill>
+                  </a:tcPr>
+                </a:tc>
+                <a:extLst>
+                  <a:ext uri="{0D108BD9-81ED-4DB2-BD59-A6C34878D82A}">
+                    <a16:rowId xmlns:a16="http://schemas.microsoft.com/office/drawing/2014/main" val="10000"/>
+                  </a:ext>
+                </a:extLst>
+              </a:tr>
+              <a:tr h="1245863">
+                <a:tc>
+                  <a:txBody>
+                    <a:bodyPr/>
+                    <a:lstStyle/>
+                    <a:p>
+                      <a:pPr algn="ctr"/>
+                      <a:r>
+                        <a:rPr lang="en-CA" b="1" dirty="0"/>
+                        <a:t>Generic</a:t>
+                      </a:r>
+                      <a:r>
+                        <a:rPr lang="en-CA" b="1" baseline="0" dirty="0"/>
+                        <a:t> Function</a:t>
+                      </a:r>
+                    </a:p>
+                    <a:p>
+                      <a:pPr algn="ctr"/>
+                      <a:endParaRPr lang="en-CA" b="1" dirty="0"/>
+                    </a:p>
+                  </a:txBody>
+                  <a:tcPr anchor="ctr">
+                    <a:lnL w="12700" cap="flat" cmpd="sng" algn="ctr">
+                      <a:solidFill>
+                        <a:schemeClr val="tx1"/>
+                      </a:solidFill>
+                      <a:prstDash val="solid"/>
+                      <a:round/>
+                      <a:headEnd type="none" w="med" len="med"/>
+                      <a:tailEnd type="none" w="med" len="med"/>
+                    </a:lnL>
+                    <a:lnR w="12700" cap="flat" cmpd="sng" algn="ctr">
+                      <a:solidFill>
+                        <a:schemeClr val="tx1"/>
+                      </a:solidFill>
+                      <a:prstDash val="solid"/>
+                      <a:round/>
+                      <a:headEnd type="none" w="med" len="med"/>
+                      <a:tailEnd type="none" w="med" len="med"/>
+                    </a:lnR>
+                    <a:lnT w="12700" cap="flat" cmpd="sng" algn="ctr">
+                      <a:solidFill>
+                        <a:schemeClr val="tx1"/>
+                      </a:solidFill>
+                      <a:prstDash val="solid"/>
+                      <a:round/>
+                      <a:headEnd type="none" w="med" len="med"/>
+                      <a:tailEnd type="none" w="med" len="med"/>
+                    </a:lnT>
+                    <a:lnB w="12700" cap="flat" cmpd="sng" algn="ctr">
+                      <a:solidFill>
+                        <a:schemeClr val="tx1"/>
+                      </a:solidFill>
+                      <a:prstDash val="solid"/>
+                      <a:round/>
+                      <a:headEnd type="none" w="med" len="med"/>
+                      <a:tailEnd type="none" w="med" len="med"/>
+                    </a:lnB>
+                    <a:noFill/>
+                  </a:tcPr>
+                </a:tc>
+                <a:tc>
+                  <a:txBody>
+                    <a:bodyPr/>
+                    <a:lstStyle/>
+                    <a:p>
+                      <a:pPr marL="0" marR="0" indent="0" algn="l" defTabSz="914400" rtl="0" eaLnBrk="1" fontAlgn="auto" latinLnBrk="0" hangingPunct="1">
+                        <a:lnSpc>
+                          <a:spcPct val="100000"/>
+                        </a:lnSpc>
+                        <a:spcBef>
+                          <a:spcPts val="0"/>
+                        </a:spcBef>
+                        <a:spcAft>
+                          <a:spcPts val="0"/>
+                        </a:spcAft>
+                        <a:buClrTx/>
+                        <a:buSzTx/>
+                        <a:buFontTx/>
+                        <a:buNone/>
+                        <a:tabLst/>
+                        <a:defRPr/>
+                      </a:pPr>
+                      <a:r>
+                        <a:rPr lang="en-CA" dirty="0" err="1">
+                          <a:latin typeface="Courier" charset="0"/>
+                          <a:ea typeface="Courier" charset="0"/>
+                          <a:cs typeface="Courier" charset="0"/>
+                        </a:rPr>
+                        <a:t>read_csv</a:t>
+                      </a:r>
+                      <a:r>
+                        <a:rPr lang="en-CA" dirty="0">
+                          <a:latin typeface="Courier" charset="0"/>
+                          <a:ea typeface="Courier" charset="0"/>
+                          <a:cs typeface="Courier" charset="0"/>
+                        </a:rPr>
+                        <a:t>(filename)</a:t>
+                      </a:r>
+                    </a:p>
+                    <a:p>
+                      <a:pPr algn="l"/>
+                      <a:endParaRPr lang="en-CA" dirty="0"/>
+                    </a:p>
+                  </a:txBody>
+                  <a:tcPr anchor="ctr">
+                    <a:lnL w="12700" cap="flat" cmpd="sng" algn="ctr">
+                      <a:solidFill>
+                        <a:schemeClr val="tx1"/>
+                      </a:solidFill>
+                      <a:prstDash val="solid"/>
+                      <a:round/>
+                      <a:headEnd type="none" w="med" len="med"/>
+                      <a:tailEnd type="none" w="med" len="med"/>
+                    </a:lnL>
+                    <a:lnR w="12700" cap="flat" cmpd="sng" algn="ctr">
+                      <a:solidFill>
+                        <a:schemeClr val="tx1"/>
+                      </a:solidFill>
+                      <a:prstDash val="solid"/>
+                      <a:round/>
+                      <a:headEnd type="none" w="med" len="med"/>
+                      <a:tailEnd type="none" w="med" len="med"/>
+                    </a:lnR>
+                    <a:lnT w="12700" cap="flat" cmpd="sng" algn="ctr">
+                      <a:solidFill>
+                        <a:schemeClr val="tx1"/>
+                      </a:solidFill>
+                      <a:prstDash val="solid"/>
+                      <a:round/>
+                      <a:headEnd type="none" w="med" len="med"/>
+                      <a:tailEnd type="none" w="med" len="med"/>
+                    </a:lnT>
+                    <a:lnB w="12700" cap="flat" cmpd="sng" algn="ctr">
+                      <a:solidFill>
+                        <a:schemeClr val="tx1"/>
+                      </a:solidFill>
+                      <a:prstDash val="solid"/>
+                      <a:round/>
+                      <a:headEnd type="none" w="med" len="med"/>
+                      <a:tailEnd type="none" w="med" len="med"/>
+                    </a:lnB>
+                    <a:noFill/>
+                  </a:tcPr>
+                </a:tc>
+                <a:tc>
+                  <a:txBody>
+                    <a:bodyPr/>
+                    <a:lstStyle/>
+                    <a:p>
+                      <a:pPr marL="0" marR="0" indent="0" algn="l" defTabSz="914400" rtl="0" eaLnBrk="1" fontAlgn="auto" latinLnBrk="0" hangingPunct="1">
+                        <a:lnSpc>
+                          <a:spcPct val="100000"/>
+                        </a:lnSpc>
+                        <a:spcBef>
+                          <a:spcPts val="0"/>
+                        </a:spcBef>
+                        <a:spcAft>
+                          <a:spcPts val="0"/>
+                        </a:spcAft>
+                        <a:buClrTx/>
+                        <a:buSzTx/>
+                        <a:buFontTx/>
+                        <a:buNone/>
+                        <a:tabLst/>
+                        <a:defRPr/>
+                      </a:pPr>
+                      <a:r>
+                        <a:rPr lang="en-US" dirty="0" err="1">
+                          <a:latin typeface="Courier" charset="0"/>
+                          <a:ea typeface="Courier" charset="0"/>
+                          <a:cs typeface="Courier" charset="0"/>
+                        </a:rPr>
+                        <a:t>read_excel</a:t>
+                      </a:r>
+                      <a:r>
+                        <a:rPr lang="en-US" dirty="0">
+                          <a:latin typeface="Courier" charset="0"/>
+                          <a:ea typeface="Courier" charset="0"/>
+                          <a:cs typeface="Courier" charset="0"/>
+                        </a:rPr>
+                        <a:t>(filename, </a:t>
+                      </a:r>
+                      <a:r>
+                        <a:rPr lang="en-US" dirty="0" err="1">
+                          <a:latin typeface="Courier" charset="0"/>
+                          <a:ea typeface="Courier" charset="0"/>
+                          <a:cs typeface="Courier" charset="0"/>
+                        </a:rPr>
+                        <a:t>sheetname</a:t>
+                      </a:r>
+                      <a:r>
+                        <a:rPr lang="en-US" dirty="0">
+                          <a:latin typeface="Courier" charset="0"/>
+                          <a:ea typeface="Courier" charset="0"/>
+                          <a:cs typeface="Courier" charset="0"/>
+                        </a:rPr>
+                        <a:t>)</a:t>
+                      </a:r>
+                      <a:endParaRPr lang="en-CA" dirty="0">
+                        <a:latin typeface="Courier" charset="0"/>
+                        <a:ea typeface="Courier" charset="0"/>
+                        <a:cs typeface="Courier" charset="0"/>
+                      </a:endParaRPr>
+                    </a:p>
+                  </a:txBody>
+                  <a:tcPr anchor="ctr">
+                    <a:lnL w="12700" cap="flat" cmpd="sng" algn="ctr">
+                      <a:solidFill>
+                        <a:schemeClr val="tx1"/>
+                      </a:solidFill>
+                      <a:prstDash val="solid"/>
+                      <a:round/>
+                      <a:headEnd type="none" w="med" len="med"/>
+                      <a:tailEnd type="none" w="med" len="med"/>
+                    </a:lnL>
+                    <a:lnR w="12700" cap="flat" cmpd="sng" algn="ctr">
+                      <a:solidFill>
+                        <a:schemeClr val="tx1"/>
+                      </a:solidFill>
+                      <a:prstDash val="solid"/>
+                      <a:round/>
+                      <a:headEnd type="none" w="med" len="med"/>
+                      <a:tailEnd type="none" w="med" len="med"/>
+                    </a:lnR>
+                    <a:lnT w="12700" cap="flat" cmpd="sng" algn="ctr">
+                      <a:solidFill>
+                        <a:schemeClr val="tx1"/>
+                      </a:solidFill>
+                      <a:prstDash val="solid"/>
+                      <a:round/>
+                      <a:headEnd type="none" w="med" len="med"/>
+                      <a:tailEnd type="none" w="med" len="med"/>
+                    </a:lnT>
+                    <a:lnB w="12700" cap="flat" cmpd="sng" algn="ctr">
+                      <a:solidFill>
+                        <a:schemeClr val="tx1"/>
+                      </a:solidFill>
+                      <a:prstDash val="solid"/>
+                      <a:round/>
+                      <a:headEnd type="none" w="med" len="med"/>
+                      <a:tailEnd type="none" w="med" len="med"/>
+                    </a:lnB>
+                    <a:noFill/>
+                  </a:tcPr>
+                </a:tc>
+                <a:extLst>
+                  <a:ext uri="{0D108BD9-81ED-4DB2-BD59-A6C34878D82A}">
+                    <a16:rowId xmlns:a16="http://schemas.microsoft.com/office/drawing/2014/main" val="10001"/>
+                  </a:ext>
+                </a:extLst>
+              </a:tr>
+            </a:tbl>
+          </a:graphicData>
+        </a:graphic>
+      </p:graphicFrame>
+    </p:spTree>
+    <p:extLst>
+      <p:ext uri="{BB962C8B-B14F-4D97-AF65-F5344CB8AC3E}">
+        <p14:creationId xmlns:p14="http://schemas.microsoft.com/office/powerpoint/2010/main" val="622106328"/>
+      </p:ext>
+    </p:extLst>
+  </p:cSld>
+  <p:clrMapOvr>
+    <a:masterClrMapping/>
+  </p:clrMapOvr>
+</p:sld>
+</file>
+
+<file path=ppt/slides/slide11.xml><?xml version="1.0" encoding="utf-8"?>
 <p:sld xmlns:a="http://schemas.openxmlformats.org/drawingml/2006/main" xmlns:r="http://schemas.openxmlformats.org/officeDocument/2006/relationships" xmlns:p="http://schemas.openxmlformats.org/presentationml/2006/main" show="0">
   <p:cSld>
     <p:spTree>
@@ -18384,191 +18979,6 @@
 </p:sld>
 </file>
 
-<file path=ppt/slides/slide11.xml><?xml version="1.0" encoding="utf-8"?>
-<p:sld xmlns:a="http://schemas.openxmlformats.org/drawingml/2006/main" xmlns:r="http://schemas.openxmlformats.org/officeDocument/2006/relationships" xmlns:p="http://schemas.openxmlformats.org/presentationml/2006/main">
-  <p:cSld>
-    <p:spTree>
-      <p:nvGrpSpPr>
-        <p:cNvPr id="1" name=""/>
-        <p:cNvGrpSpPr/>
-        <p:nvPr/>
-      </p:nvGrpSpPr>
-      <p:grpSpPr>
-        <a:xfrm>
-          <a:off x="0" y="0"/>
-          <a:ext cx="0" cy="0"/>
-          <a:chOff x="0" y="0"/>
-          <a:chExt cx="0" cy="0"/>
-        </a:xfrm>
-      </p:grpSpPr>
-      <p:pic>
-        <p:nvPicPr>
-          <p:cNvPr id="4" name="Picture 3" descr="A close up of a sign&#10;&#10;Description automatically generated">
-            <a:extLst>
-              <a:ext uri="{FF2B5EF4-FFF2-40B4-BE49-F238E27FC236}">
-                <a16:creationId xmlns:a16="http://schemas.microsoft.com/office/drawing/2014/main" id="{F724D372-4C64-457B-BA92-89BA8F7C26B0}"/>
-              </a:ext>
-            </a:extLst>
-          </p:cNvPr>
-          <p:cNvPicPr>
-            <a:picLocks noChangeAspect="1"/>
-          </p:cNvPicPr>
-          <p:nvPr/>
-        </p:nvPicPr>
-        <p:blipFill>
-          <a:blip r:embed="rId3" cstate="hqprint">
-            <a:extLst>
-              <a:ext uri="{28A0092B-C50C-407E-A947-70E740481C1C}">
-                <a14:useLocalDpi xmlns:a14="http://schemas.microsoft.com/office/drawing/2010/main" val="0"/>
-              </a:ext>
-            </a:extLst>
-          </a:blip>
-          <a:stretch>
-            <a:fillRect/>
-          </a:stretch>
-        </p:blipFill>
-        <p:spPr>
-          <a:xfrm>
-            <a:off x="422439" y="226250"/>
-            <a:ext cx="1428481" cy="1655564"/>
-          </a:xfrm>
-          <a:prstGeom prst="rect">
-            <a:avLst/>
-          </a:prstGeom>
-        </p:spPr>
-      </p:pic>
-      <p:sp>
-        <p:nvSpPr>
-          <p:cNvPr id="5" name="Title 1"/>
-          <p:cNvSpPr txBox="1">
-            <a:spLocks/>
-          </p:cNvSpPr>
-          <p:nvPr/>
-        </p:nvSpPr>
-        <p:spPr>
-          <a:xfrm>
-            <a:off x="2070460" y="594881"/>
-            <a:ext cx="8832669" cy="918302"/>
-          </a:xfrm>
-          <a:prstGeom prst="rect">
-            <a:avLst/>
-          </a:prstGeom>
-        </p:spPr>
-        <p:txBody>
-          <a:bodyPr vert="horz" lIns="91440" tIns="45720" rIns="91440" bIns="45720" rtlCol="0" anchor="ctr">
-            <a:normAutofit/>
-          </a:bodyPr>
-          <a:lstStyle>
-            <a:lvl1pPr algn="l" defTabSz="914400" rtl="0" eaLnBrk="1" latinLnBrk="0" hangingPunct="1">
-              <a:lnSpc>
-                <a:spcPct val="90000"/>
-              </a:lnSpc>
-              <a:spcBef>
-                <a:spcPct val="0"/>
-              </a:spcBef>
-              <a:buNone/>
-              <a:defRPr sz="4400" kern="1200">
-                <a:solidFill>
-                  <a:schemeClr val="tx1"/>
-                </a:solidFill>
-                <a:latin typeface="+mj-lt"/>
-                <a:ea typeface="+mj-ea"/>
-                <a:cs typeface="+mj-cs"/>
-              </a:defRPr>
-            </a:lvl1pPr>
-          </a:lstStyle>
-          <a:p>
-            <a:r>
-              <a:rPr lang="en-CA" dirty="0"/>
-              <a:t>TIDY DATA </a:t>
-            </a:r>
-            <a:r>
-              <a:rPr lang="mr-IN" dirty="0"/>
-              <a:t>–</a:t>
-            </a:r>
-            <a:r>
-              <a:rPr lang="en-CA" dirty="0"/>
-              <a:t> gather()</a:t>
-            </a:r>
-          </a:p>
-        </p:txBody>
-      </p:sp>
-      <p:pic>
-        <p:nvPicPr>
-          <p:cNvPr id="7" name="Picture 6"/>
-          <p:cNvPicPr>
-            <a:picLocks noChangeAspect="1"/>
-          </p:cNvPicPr>
-          <p:nvPr/>
-        </p:nvPicPr>
-        <p:blipFill>
-          <a:blip r:embed="rId4">
-            <a:extLst>
-              <a:ext uri="{28A0092B-C50C-407E-A947-70E740481C1C}">
-                <a14:useLocalDpi xmlns:a14="http://schemas.microsoft.com/office/drawing/2010/main" val="0"/>
-              </a:ext>
-            </a:extLst>
-          </a:blip>
-          <a:stretch>
-            <a:fillRect/>
-          </a:stretch>
-        </p:blipFill>
-        <p:spPr>
-          <a:xfrm>
-            <a:off x="2284242" y="2379336"/>
-            <a:ext cx="8170398" cy="4161431"/>
-          </a:xfrm>
-          <a:prstGeom prst="rect">
-            <a:avLst/>
-          </a:prstGeom>
-        </p:spPr>
-      </p:pic>
-      <p:sp>
-        <p:nvSpPr>
-          <p:cNvPr id="8" name="TextBox 7"/>
-          <p:cNvSpPr txBox="1"/>
-          <p:nvPr/>
-        </p:nvSpPr>
-        <p:spPr>
-          <a:xfrm>
-            <a:off x="1428399" y="1947844"/>
-            <a:ext cx="10248318" cy="369332"/>
-          </a:xfrm>
-          <a:prstGeom prst="rect">
-            <a:avLst/>
-          </a:prstGeom>
-          <a:noFill/>
-        </p:spPr>
-        <p:txBody>
-          <a:bodyPr wrap="none" rtlCol="0">
-            <a:spAutoFit/>
-          </a:bodyPr>
-          <a:lstStyle/>
-          <a:p>
-            <a:r>
-              <a:rPr lang="en-CA" dirty="0">
-                <a:latin typeface="Courier" charset="0"/>
-                <a:ea typeface="Courier" charset="0"/>
-                <a:cs typeface="Courier" charset="0"/>
-              </a:rPr>
-              <a:t>dataset %&gt;% gather(key = “spice”, value = “correct”, cinnamon_1:nutmeg_3)</a:t>
-            </a:r>
-          </a:p>
-        </p:txBody>
-      </p:sp>
-    </p:spTree>
-    <p:extLst>
-      <p:ext uri="{BB962C8B-B14F-4D97-AF65-F5344CB8AC3E}">
-        <p14:creationId xmlns:p14="http://schemas.microsoft.com/office/powerpoint/2010/main" val="1283038704"/>
-      </p:ext>
-    </p:extLst>
-  </p:cSld>
-  <p:clrMapOvr>
-    <a:masterClrMapping/>
-  </p:clrMapOvr>
-</p:sld>
-</file>
-
 <file path=ppt/slides/slide12.xml><?xml version="1.0" encoding="utf-8"?>
 <p:sld xmlns:a="http://schemas.openxmlformats.org/drawingml/2006/main" xmlns:r="http://schemas.openxmlformats.org/officeDocument/2006/relationships" xmlns:p="http://schemas.openxmlformats.org/presentationml/2006/main">
   <p:cSld>
@@ -18673,6 +19083,191 @@
             </a:r>
             <a:r>
               <a:rPr lang="en-CA" dirty="0"/>
+              <a:t> gather()</a:t>
+            </a:r>
+          </a:p>
+        </p:txBody>
+      </p:sp>
+      <p:pic>
+        <p:nvPicPr>
+          <p:cNvPr id="7" name="Picture 6"/>
+          <p:cNvPicPr>
+            <a:picLocks noChangeAspect="1"/>
+          </p:cNvPicPr>
+          <p:nvPr/>
+        </p:nvPicPr>
+        <p:blipFill>
+          <a:blip r:embed="rId4">
+            <a:extLst>
+              <a:ext uri="{28A0092B-C50C-407E-A947-70E740481C1C}">
+                <a14:useLocalDpi xmlns:a14="http://schemas.microsoft.com/office/drawing/2010/main" val="0"/>
+              </a:ext>
+            </a:extLst>
+          </a:blip>
+          <a:stretch>
+            <a:fillRect/>
+          </a:stretch>
+        </p:blipFill>
+        <p:spPr>
+          <a:xfrm>
+            <a:off x="2284242" y="2379336"/>
+            <a:ext cx="8170398" cy="4161431"/>
+          </a:xfrm>
+          <a:prstGeom prst="rect">
+            <a:avLst/>
+          </a:prstGeom>
+        </p:spPr>
+      </p:pic>
+      <p:sp>
+        <p:nvSpPr>
+          <p:cNvPr id="8" name="TextBox 7"/>
+          <p:cNvSpPr txBox="1"/>
+          <p:nvPr/>
+        </p:nvSpPr>
+        <p:spPr>
+          <a:xfrm>
+            <a:off x="1428399" y="1947844"/>
+            <a:ext cx="10248318" cy="369332"/>
+          </a:xfrm>
+          <a:prstGeom prst="rect">
+            <a:avLst/>
+          </a:prstGeom>
+          <a:noFill/>
+        </p:spPr>
+        <p:txBody>
+          <a:bodyPr wrap="none" rtlCol="0">
+            <a:spAutoFit/>
+          </a:bodyPr>
+          <a:lstStyle/>
+          <a:p>
+            <a:r>
+              <a:rPr lang="en-CA" dirty="0">
+                <a:latin typeface="Courier" charset="0"/>
+                <a:ea typeface="Courier" charset="0"/>
+                <a:cs typeface="Courier" charset="0"/>
+              </a:rPr>
+              <a:t>dataset %&gt;% gather(key = “spice”, value = “correct”, cinnamon_1:nutmeg_3)</a:t>
+            </a:r>
+          </a:p>
+        </p:txBody>
+      </p:sp>
+    </p:spTree>
+    <p:extLst>
+      <p:ext uri="{BB962C8B-B14F-4D97-AF65-F5344CB8AC3E}">
+        <p14:creationId xmlns:p14="http://schemas.microsoft.com/office/powerpoint/2010/main" val="1283038704"/>
+      </p:ext>
+    </p:extLst>
+  </p:cSld>
+  <p:clrMapOvr>
+    <a:masterClrMapping/>
+  </p:clrMapOvr>
+</p:sld>
+</file>
+
+<file path=ppt/slides/slide13.xml><?xml version="1.0" encoding="utf-8"?>
+<p:sld xmlns:a="http://schemas.openxmlformats.org/drawingml/2006/main" xmlns:r="http://schemas.openxmlformats.org/officeDocument/2006/relationships" xmlns:p="http://schemas.openxmlformats.org/presentationml/2006/main">
+  <p:cSld>
+    <p:spTree>
+      <p:nvGrpSpPr>
+        <p:cNvPr id="1" name=""/>
+        <p:cNvGrpSpPr/>
+        <p:nvPr/>
+      </p:nvGrpSpPr>
+      <p:grpSpPr>
+        <a:xfrm>
+          <a:off x="0" y="0"/>
+          <a:ext cx="0" cy="0"/>
+          <a:chOff x="0" y="0"/>
+          <a:chExt cx="0" cy="0"/>
+        </a:xfrm>
+      </p:grpSpPr>
+      <p:pic>
+        <p:nvPicPr>
+          <p:cNvPr id="4" name="Picture 3" descr="A close up of a sign&#10;&#10;Description automatically generated">
+            <a:extLst>
+              <a:ext uri="{FF2B5EF4-FFF2-40B4-BE49-F238E27FC236}">
+                <a16:creationId xmlns:a16="http://schemas.microsoft.com/office/drawing/2014/main" id="{F724D372-4C64-457B-BA92-89BA8F7C26B0}"/>
+              </a:ext>
+            </a:extLst>
+          </p:cNvPr>
+          <p:cNvPicPr>
+            <a:picLocks noChangeAspect="1"/>
+          </p:cNvPicPr>
+          <p:nvPr/>
+        </p:nvPicPr>
+        <p:blipFill>
+          <a:blip r:embed="rId3" cstate="hqprint">
+            <a:extLst>
+              <a:ext uri="{28A0092B-C50C-407E-A947-70E740481C1C}">
+                <a14:useLocalDpi xmlns:a14="http://schemas.microsoft.com/office/drawing/2010/main" val="0"/>
+              </a:ext>
+            </a:extLst>
+          </a:blip>
+          <a:stretch>
+            <a:fillRect/>
+          </a:stretch>
+        </p:blipFill>
+        <p:spPr>
+          <a:xfrm>
+            <a:off x="422439" y="226250"/>
+            <a:ext cx="1428481" cy="1655564"/>
+          </a:xfrm>
+          <a:prstGeom prst="rect">
+            <a:avLst/>
+          </a:prstGeom>
+        </p:spPr>
+      </p:pic>
+      <p:sp>
+        <p:nvSpPr>
+          <p:cNvPr id="5" name="Title 1"/>
+          <p:cNvSpPr txBox="1">
+            <a:spLocks/>
+          </p:cNvSpPr>
+          <p:nvPr/>
+        </p:nvSpPr>
+        <p:spPr>
+          <a:xfrm>
+            <a:off x="2070460" y="594881"/>
+            <a:ext cx="8832669" cy="918302"/>
+          </a:xfrm>
+          <a:prstGeom prst="rect">
+            <a:avLst/>
+          </a:prstGeom>
+        </p:spPr>
+        <p:txBody>
+          <a:bodyPr vert="horz" lIns="91440" tIns="45720" rIns="91440" bIns="45720" rtlCol="0" anchor="ctr">
+            <a:normAutofit/>
+          </a:bodyPr>
+          <a:lstStyle>
+            <a:lvl1pPr algn="l" defTabSz="914400" rtl="0" eaLnBrk="1" latinLnBrk="0" hangingPunct="1">
+              <a:lnSpc>
+                <a:spcPct val="90000"/>
+              </a:lnSpc>
+              <a:spcBef>
+                <a:spcPct val="0"/>
+              </a:spcBef>
+              <a:buNone/>
+              <a:defRPr sz="4400" kern="1200">
+                <a:solidFill>
+                  <a:schemeClr val="tx1"/>
+                </a:solidFill>
+                <a:latin typeface="+mj-lt"/>
+                <a:ea typeface="+mj-ea"/>
+                <a:cs typeface="+mj-cs"/>
+              </a:defRPr>
+            </a:lvl1pPr>
+          </a:lstStyle>
+          <a:p>
+            <a:r>
+              <a:rPr lang="en-CA" dirty="0"/>
+              <a:t>TIDY DATA </a:t>
+            </a:r>
+            <a:r>
+              <a:rPr lang="mr-IN" dirty="0"/>
+              <a:t>–</a:t>
+            </a:r>
+            <a:r>
+              <a:rPr lang="en-CA" dirty="0"/>
               <a:t> spread()</a:t>
             </a:r>
           </a:p>
@@ -18767,7 +19362,7 @@
 </p:sld>
 </file>
 
-<file path=ppt/slides/slide13.xml><?xml version="1.0" encoding="utf-8"?>
+<file path=ppt/slides/slide14.xml><?xml version="1.0" encoding="utf-8"?>
 <p:sld xmlns:a="http://schemas.openxmlformats.org/drawingml/2006/main" xmlns:r="http://schemas.openxmlformats.org/officeDocument/2006/relationships" xmlns:p="http://schemas.openxmlformats.org/presentationml/2006/main">
   <p:cSld>
     <p:spTree>
@@ -19525,7 +20120,7 @@
 </p:sld>
 </file>
 
-<file path=ppt/slides/slide14.xml><?xml version="1.0" encoding="utf-8"?>
+<file path=ppt/slides/slide15.xml><?xml version="1.0" encoding="utf-8"?>
 <p:sld xmlns:a="http://schemas.openxmlformats.org/drawingml/2006/main" xmlns:r="http://schemas.openxmlformats.org/officeDocument/2006/relationships" xmlns:p="http://schemas.openxmlformats.org/presentationml/2006/main">
   <p:cSld>
     <p:spTree>
@@ -20229,7 +20824,7 @@
 </p:sld>
 </file>
 
-<file path=ppt/slides/slide15.xml><?xml version="1.0" encoding="utf-8"?>
+<file path=ppt/slides/slide16.xml><?xml version="1.0" encoding="utf-8"?>
 <p:sld xmlns:a="http://schemas.openxmlformats.org/drawingml/2006/main" xmlns:r="http://schemas.openxmlformats.org/officeDocument/2006/relationships" xmlns:p="http://schemas.openxmlformats.org/presentationml/2006/main">
   <p:cSld>
     <p:spTree>
@@ -20762,7 +21357,7 @@
 </p:sld>
 </file>
 
-<file path=ppt/slides/slide16.xml><?xml version="1.0" encoding="utf-8"?>
+<file path=ppt/slides/slide17.xml><?xml version="1.0" encoding="utf-8"?>
 <p:sld xmlns:a="http://schemas.openxmlformats.org/drawingml/2006/main" xmlns:r="http://schemas.openxmlformats.org/officeDocument/2006/relationships" xmlns:p="http://schemas.openxmlformats.org/presentationml/2006/main">
   <p:cSld>
     <p:spTree>
@@ -21207,7 +21802,7 @@
 </p:sld>
 </file>
 
-<file path=ppt/slides/slide17.xml><?xml version="1.0" encoding="utf-8"?>
+<file path=ppt/slides/slide18.xml><?xml version="1.0" encoding="utf-8"?>
 <p:sld xmlns:a="http://schemas.openxmlformats.org/drawingml/2006/main" xmlns:r="http://schemas.openxmlformats.org/officeDocument/2006/relationships" xmlns:p="http://schemas.openxmlformats.org/presentationml/2006/main">
   <p:cSld>
     <p:spTree>
@@ -21904,7 +22499,7 @@
 </p:sld>
 </file>
 
-<file path=ppt/slides/slide18.xml><?xml version="1.0" encoding="utf-8"?>
+<file path=ppt/slides/slide19.xml><?xml version="1.0" encoding="utf-8"?>
 <p:sld xmlns:a="http://schemas.openxmlformats.org/drawingml/2006/main" xmlns:r="http://schemas.openxmlformats.org/officeDocument/2006/relationships" xmlns:p="http://schemas.openxmlformats.org/presentationml/2006/main" show="0">
   <p:cSld>
     <p:spTree>
@@ -22401,78 +22996,18 @@
   <p:clrMapOvr>
     <a:masterClrMapping/>
   </p:clrMapOvr>
-  <mc:AlternateContent xmlns:mc="http://schemas.openxmlformats.org/markup-compatibility/2006">
-    <mc:Choice xmlns:p14="http://schemas.microsoft.com/office/powerpoint/2010/main" Requires="p14">
+  <mc:AlternateContent xmlns:mc="http://schemas.openxmlformats.org/markup-compatibility/2006" xmlns:p14="http://schemas.microsoft.com/office/powerpoint/2010/main">
+    <mc:Choice Requires="p14">
       <p:transition spd="med" p14:dur="700">
         <p:fade/>
       </p:transition>
     </mc:Choice>
-    <mc:Fallback>
+    <mc:Fallback xmlns="">
       <p:transition spd="med">
         <p:fade/>
       </p:transition>
     </mc:Fallback>
   </mc:AlternateContent>
-</p:sld>
-</file>
-
-<file path=ppt/slides/slide19.xml><?xml version="1.0" encoding="utf-8"?>
-<p:sld xmlns:a="http://schemas.openxmlformats.org/drawingml/2006/main" xmlns:r="http://schemas.openxmlformats.org/officeDocument/2006/relationships" xmlns:p="http://schemas.openxmlformats.org/presentationml/2006/main" show="0">
-  <p:cSld>
-    <p:spTree>
-      <p:nvGrpSpPr>
-        <p:cNvPr id="1" name=""/>
-        <p:cNvGrpSpPr/>
-        <p:nvPr/>
-      </p:nvGrpSpPr>
-      <p:grpSpPr>
-        <a:xfrm>
-          <a:off x="0" y="0"/>
-          <a:ext cx="0" cy="0"/>
-          <a:chOff x="0" y="0"/>
-          <a:chExt cx="0" cy="0"/>
-        </a:xfrm>
-      </p:grpSpPr>
-      <p:pic>
-        <p:nvPicPr>
-          <p:cNvPr id="2" name="Picture 1">
-            <a:extLst>
-              <a:ext uri="{FF2B5EF4-FFF2-40B4-BE49-F238E27FC236}">
-                <a16:creationId xmlns:a16="http://schemas.microsoft.com/office/drawing/2014/main" id="{A733A7EB-FF5A-490E-AD3B-06C116477F52}"/>
-              </a:ext>
-            </a:extLst>
-          </p:cNvPr>
-          <p:cNvPicPr>
-            <a:picLocks noChangeAspect="1"/>
-          </p:cNvPicPr>
-          <p:nvPr/>
-        </p:nvPicPr>
-        <p:blipFill>
-          <a:blip r:embed="rId2"/>
-          <a:stretch>
-            <a:fillRect/>
-          </a:stretch>
-        </p:blipFill>
-        <p:spPr>
-          <a:xfrm>
-            <a:off x="580916" y="0"/>
-            <a:ext cx="11030168" cy="6858000"/>
-          </a:xfrm>
-          <a:prstGeom prst="rect">
-            <a:avLst/>
-          </a:prstGeom>
-        </p:spPr>
-      </p:pic>
-    </p:spTree>
-    <p:extLst>
-      <p:ext uri="{BB962C8B-B14F-4D97-AF65-F5344CB8AC3E}">
-        <p14:creationId xmlns:p14="http://schemas.microsoft.com/office/powerpoint/2010/main" val="4202630570"/>
-      </p:ext>
-    </p:extLst>
-  </p:cSld>
-  <p:clrMapOvr>
-    <a:masterClrMapping/>
-  </p:clrMapOvr>
 </p:sld>
 </file>
 
@@ -23443,6 +23978,66 @@
       </p:grpSpPr>
       <p:pic>
         <p:nvPicPr>
+          <p:cNvPr id="2" name="Picture 1">
+            <a:extLst>
+              <a:ext uri="{FF2B5EF4-FFF2-40B4-BE49-F238E27FC236}">
+                <a16:creationId xmlns:a16="http://schemas.microsoft.com/office/drawing/2014/main" id="{A733A7EB-FF5A-490E-AD3B-06C116477F52}"/>
+              </a:ext>
+            </a:extLst>
+          </p:cNvPr>
+          <p:cNvPicPr>
+            <a:picLocks noChangeAspect="1"/>
+          </p:cNvPicPr>
+          <p:nvPr/>
+        </p:nvPicPr>
+        <p:blipFill>
+          <a:blip r:embed="rId2"/>
+          <a:stretch>
+            <a:fillRect/>
+          </a:stretch>
+        </p:blipFill>
+        <p:spPr>
+          <a:xfrm>
+            <a:off x="580916" y="0"/>
+            <a:ext cx="11030168" cy="6858000"/>
+          </a:xfrm>
+          <a:prstGeom prst="rect">
+            <a:avLst/>
+          </a:prstGeom>
+        </p:spPr>
+      </p:pic>
+    </p:spTree>
+    <p:extLst>
+      <p:ext uri="{BB962C8B-B14F-4D97-AF65-F5344CB8AC3E}">
+        <p14:creationId xmlns:p14="http://schemas.microsoft.com/office/powerpoint/2010/main" val="4202630570"/>
+      </p:ext>
+    </p:extLst>
+  </p:cSld>
+  <p:clrMapOvr>
+    <a:masterClrMapping/>
+  </p:clrMapOvr>
+</p:sld>
+</file>
+
+<file path=ppt/slides/slide21.xml><?xml version="1.0" encoding="utf-8"?>
+<p:sld xmlns:a="http://schemas.openxmlformats.org/drawingml/2006/main" xmlns:r="http://schemas.openxmlformats.org/officeDocument/2006/relationships" xmlns:p="http://schemas.openxmlformats.org/presentationml/2006/main" show="0">
+  <p:cSld>
+    <p:spTree>
+      <p:nvGrpSpPr>
+        <p:cNvPr id="1" name=""/>
+        <p:cNvGrpSpPr/>
+        <p:nvPr/>
+      </p:nvGrpSpPr>
+      <p:grpSpPr>
+        <a:xfrm>
+          <a:off x="0" y="0"/>
+          <a:ext cx="0" cy="0"/>
+          <a:chOff x="0" y="0"/>
+          <a:chExt cx="0" cy="0"/>
+        </a:xfrm>
+      </p:grpSpPr>
+      <p:pic>
+        <p:nvPicPr>
           <p:cNvPr id="3" name="Picture 2">
             <a:extLst>
               <a:ext uri="{FF2B5EF4-FFF2-40B4-BE49-F238E27FC236}">
@@ -23484,7 +24079,7 @@
 </p:sld>
 </file>
 
-<file path=ppt/slides/slide21.xml><?xml version="1.0" encoding="utf-8"?>
+<file path=ppt/slides/slide22.xml><?xml version="1.0" encoding="utf-8"?>
 <p:sld xmlns:a="http://schemas.openxmlformats.org/drawingml/2006/main" xmlns:r="http://schemas.openxmlformats.org/officeDocument/2006/relationships" xmlns:p="http://schemas.openxmlformats.org/presentationml/2006/main" show="0">
   <p:cSld>
     <p:spTree>
@@ -23544,7 +24139,7 @@
 </p:sld>
 </file>
 
-<file path=ppt/slides/slide22.xml><?xml version="1.0" encoding="utf-8"?>
+<file path=ppt/slides/slide23.xml><?xml version="1.0" encoding="utf-8"?>
 <p:sld xmlns:a="http://schemas.openxmlformats.org/drawingml/2006/main" xmlns:r="http://schemas.openxmlformats.org/officeDocument/2006/relationships" xmlns:p="http://schemas.openxmlformats.org/presentationml/2006/main" show="0">
   <p:cSld>
     <p:spTree>
@@ -23604,7 +24199,7 @@
 </p:sld>
 </file>
 
-<file path=ppt/slides/slide23.xml><?xml version="1.0" encoding="utf-8"?>
+<file path=ppt/slides/slide24.xml><?xml version="1.0" encoding="utf-8"?>
 <p:sld xmlns:a="http://schemas.openxmlformats.org/drawingml/2006/main" xmlns:r="http://schemas.openxmlformats.org/officeDocument/2006/relationships" xmlns:p="http://schemas.openxmlformats.org/presentationml/2006/main" show="0">
   <p:cSld>
     <p:spTree>
@@ -23664,7 +24259,7 @@
 </p:sld>
 </file>
 
-<file path=ppt/slides/slide24.xml><?xml version="1.0" encoding="utf-8"?>
+<file path=ppt/slides/slide25.xml><?xml version="1.0" encoding="utf-8"?>
 <p:sld xmlns:a="http://schemas.openxmlformats.org/drawingml/2006/main" xmlns:r="http://schemas.openxmlformats.org/officeDocument/2006/relationships" xmlns:p="http://schemas.openxmlformats.org/presentationml/2006/main">
   <p:cSld>
     <p:spTree>
@@ -25669,6 +26264,200 @@
 </file>
 
 <file path=ppt/slides/slide4.xml><?xml version="1.0" encoding="utf-8"?>
+<p:sld xmlns:a="http://schemas.openxmlformats.org/drawingml/2006/main" xmlns:r="http://schemas.openxmlformats.org/officeDocument/2006/relationships" xmlns:p="http://schemas.openxmlformats.org/presentationml/2006/main">
+  <p:cSld>
+    <p:bg>
+      <p:bgPr>
+        <a:solidFill>
+          <a:schemeClr val="bg1"/>
+        </a:solidFill>
+        <a:effectLst/>
+      </p:bgPr>
+    </p:bg>
+    <p:spTree>
+      <p:nvGrpSpPr>
+        <p:cNvPr id="1" name=""/>
+        <p:cNvGrpSpPr/>
+        <p:nvPr/>
+      </p:nvGrpSpPr>
+      <p:grpSpPr>
+        <a:xfrm>
+          <a:off x="0" y="0"/>
+          <a:ext cx="0" cy="0"/>
+          <a:chOff x="0" y="0"/>
+          <a:chExt cx="0" cy="0"/>
+        </a:xfrm>
+      </p:grpSpPr>
+      <p:pic>
+        <p:nvPicPr>
+          <p:cNvPr id="3" name="Picture 2">
+            <a:extLst>
+              <a:ext uri="{FF2B5EF4-FFF2-40B4-BE49-F238E27FC236}">
+                <a16:creationId xmlns:a16="http://schemas.microsoft.com/office/drawing/2014/main" id="{F95310AB-E876-43ED-8872-122D1CC66CF9}"/>
+              </a:ext>
+            </a:extLst>
+          </p:cNvPr>
+          <p:cNvPicPr>
+            <a:picLocks noChangeAspect="1"/>
+          </p:cNvPicPr>
+          <p:nvPr/>
+        </p:nvPicPr>
+        <p:blipFill>
+          <a:blip r:embed="rId2">
+            <a:extLst>
+              <a:ext uri="{28A0092B-C50C-407E-A947-70E740481C1C}">
+                <a14:useLocalDpi xmlns:a14="http://schemas.microsoft.com/office/drawing/2010/main" val="0"/>
+              </a:ext>
+            </a:extLst>
+          </a:blip>
+          <a:stretch>
+            <a:fillRect/>
+          </a:stretch>
+        </p:blipFill>
+        <p:spPr>
+          <a:xfrm>
+            <a:off x="643467" y="648208"/>
+            <a:ext cx="10905066" cy="5561583"/>
+          </a:xfrm>
+          <a:prstGeom prst="rect">
+            <a:avLst/>
+          </a:prstGeom>
+        </p:spPr>
+      </p:pic>
+      <p:sp>
+        <p:nvSpPr>
+          <p:cNvPr id="4" name="Rectangle 3">
+            <a:extLst>
+              <a:ext uri="{FF2B5EF4-FFF2-40B4-BE49-F238E27FC236}">
+                <a16:creationId xmlns:a16="http://schemas.microsoft.com/office/drawing/2014/main" id="{99D6CB2A-B5A0-420C-A8B7-93F2801F3A46}"/>
+              </a:ext>
+            </a:extLst>
+          </p:cNvPr>
+          <p:cNvSpPr/>
+          <p:nvPr/>
+        </p:nvSpPr>
+        <p:spPr>
+          <a:xfrm>
+            <a:off x="972273" y="925975"/>
+            <a:ext cx="10104699" cy="4977114"/>
+          </a:xfrm>
+          <a:prstGeom prst="rect">
+            <a:avLst/>
+          </a:prstGeom>
+          <a:solidFill>
+            <a:schemeClr val="bg1"/>
+          </a:solidFill>
+        </p:spPr>
+        <p:style>
+          <a:lnRef idx="2">
+            <a:schemeClr val="accent1">
+              <a:shade val="50000"/>
+            </a:schemeClr>
+          </a:lnRef>
+          <a:fillRef idx="1">
+            <a:schemeClr val="accent1"/>
+          </a:fillRef>
+          <a:effectRef idx="0">
+            <a:schemeClr val="accent1"/>
+          </a:effectRef>
+          <a:fontRef idx="minor">
+            <a:schemeClr val="lt1"/>
+          </a:fontRef>
+        </p:style>
+        <p:txBody>
+          <a:bodyPr rtlCol="0" anchor="t"/>
+          <a:lstStyle/>
+          <a:p>
+            <a:r>
+              <a:rPr lang="en-US" sz="3200" dirty="0">
+                <a:solidFill>
+                  <a:schemeClr val="tx1"/>
+                </a:solidFill>
+              </a:rPr>
+              <a:t>Case study: Consumer attitude towards fish sauce products</a:t>
+            </a:r>
+          </a:p>
+          <a:p>
+            <a:endParaRPr lang="en-US" sz="3200" dirty="0">
+              <a:solidFill>
+                <a:schemeClr val="tx1"/>
+              </a:solidFill>
+            </a:endParaRPr>
+          </a:p>
+          <a:p>
+            <a:r>
+              <a:rPr lang="en-US" sz="3200" dirty="0">
+                <a:solidFill>
+                  <a:schemeClr val="tx1"/>
+                </a:solidFill>
+              </a:rPr>
+              <a:t>Output:</a:t>
+            </a:r>
+          </a:p>
+          <a:p>
+            <a:r>
+              <a:rPr lang="en-US" sz="3200" dirty="0">
+                <a:hlinkClick r:id="rId3"/>
+              </a:rPr>
+              <a:t>http://rpubs.com/monkey08091992/tidyverse001</a:t>
+            </a:r>
+            <a:endParaRPr lang="en-US" sz="3200" dirty="0"/>
+          </a:p>
+          <a:p>
+            <a:r>
+              <a:rPr lang="en-US" sz="3200" dirty="0">
+                <a:hlinkClick r:id="rId4"/>
+              </a:rPr>
+              <a:t>http://rpubs.com/monkey08091992/tidyverse002</a:t>
+            </a:r>
+            <a:endParaRPr lang="en-US" sz="3200" dirty="0"/>
+          </a:p>
+          <a:p>
+            <a:endParaRPr lang="en-US" sz="3200" dirty="0">
+              <a:solidFill>
+                <a:schemeClr val="tx1"/>
+              </a:solidFill>
+            </a:endParaRPr>
+          </a:p>
+          <a:p>
+            <a:r>
+              <a:rPr lang="en-US" sz="3200" dirty="0">
+                <a:solidFill>
+                  <a:schemeClr val="tx1"/>
+                </a:solidFill>
+              </a:rPr>
+              <a:t>Source code: </a:t>
+            </a:r>
+          </a:p>
+          <a:p>
+            <a:r>
+              <a:rPr lang="en-US" sz="3200" dirty="0">
+                <a:hlinkClick r:id="rId5"/>
+              </a:rPr>
+              <a:t>https://github.com/ptlxuan89/tidyverse_201912</a:t>
+            </a:r>
+            <a:endParaRPr lang="en-US" sz="3200" dirty="0">
+              <a:solidFill>
+                <a:schemeClr val="tx1"/>
+              </a:solidFill>
+            </a:endParaRPr>
+          </a:p>
+        </p:txBody>
+      </p:sp>
+    </p:spTree>
+    <p:extLst>
+      <p:ext uri="{BB962C8B-B14F-4D97-AF65-F5344CB8AC3E}">
+        <p14:creationId xmlns:p14="http://schemas.microsoft.com/office/powerpoint/2010/main" val="2122502659"/>
+      </p:ext>
+    </p:extLst>
+  </p:cSld>
+  <p:clrMapOvr>
+    <a:masterClrMapping/>
+  </p:clrMapOvr>
+</p:sld>
+</file>
+
+<file path=ppt/slides/slide5.xml><?xml version="1.0" encoding="utf-8"?>
 <p:sld xmlns:a="http://schemas.openxmlformats.org/drawingml/2006/main" xmlns:r="http://schemas.openxmlformats.org/officeDocument/2006/relationships" xmlns:p="http://schemas.openxmlformats.org/presentationml/2006/main" show="0">
   <p:cSld>
     <p:spTree>
@@ -25728,7 +26517,7 @@
 </p:sld>
 </file>
 
-<file path=ppt/slides/slide5.xml><?xml version="1.0" encoding="utf-8"?>
+<file path=ppt/slides/slide6.xml><?xml version="1.0" encoding="utf-8"?>
 <p:sld xmlns:a="http://schemas.openxmlformats.org/drawingml/2006/main" xmlns:r="http://schemas.openxmlformats.org/officeDocument/2006/relationships" xmlns:p="http://schemas.openxmlformats.org/presentationml/2006/main">
   <p:cSld>
     <p:spTree>
@@ -27402,7 +28191,7 @@
 </p:sld>
 </file>
 
-<file path=ppt/slides/slide6.xml><?xml version="1.0" encoding="utf-8"?>
+<file path=ppt/slides/slide7.xml><?xml version="1.0" encoding="utf-8"?>
 <p:sld xmlns:a="http://schemas.openxmlformats.org/drawingml/2006/main" xmlns:r="http://schemas.openxmlformats.org/officeDocument/2006/relationships" xmlns:p="http://schemas.openxmlformats.org/presentationml/2006/main">
   <p:cSld>
     <p:bg>
@@ -27744,7 +28533,7 @@
 </p:sld>
 </file>
 
-<file path=ppt/slides/slide7.xml><?xml version="1.0" encoding="utf-8"?>
+<file path=ppt/slides/slide8.xml><?xml version="1.0" encoding="utf-8"?>
 <p:sld xmlns:a="http://schemas.openxmlformats.org/drawingml/2006/main" xmlns:r="http://schemas.openxmlformats.org/officeDocument/2006/relationships" xmlns:p="http://schemas.openxmlformats.org/presentationml/2006/main" show="0">
   <p:cSld>
     <p:bg>
@@ -27811,7 +28600,7 @@
 </p:sld>
 </file>
 
-<file path=ppt/slides/slide8.xml><?xml version="1.0" encoding="utf-8"?>
+<file path=ppt/slides/slide9.xml><?xml version="1.0" encoding="utf-8"?>
 <p:sld xmlns:a="http://schemas.openxmlformats.org/drawingml/2006/main" xmlns:r="http://schemas.openxmlformats.org/officeDocument/2006/relationships" xmlns:p="http://schemas.openxmlformats.org/presentationml/2006/main">
   <p:cSld>
     <p:bg>
@@ -27869,600 +28658,6 @@
     <p:extLst>
       <p:ext uri="{BB962C8B-B14F-4D97-AF65-F5344CB8AC3E}">
         <p14:creationId xmlns:p14="http://schemas.microsoft.com/office/powerpoint/2010/main" val="2246667610"/>
-      </p:ext>
-    </p:extLst>
-  </p:cSld>
-  <p:clrMapOvr>
-    <a:masterClrMapping/>
-  </p:clrMapOvr>
-</p:sld>
-</file>
-
-<file path=ppt/slides/slide9.xml><?xml version="1.0" encoding="utf-8"?>
-<p:sld xmlns:a="http://schemas.openxmlformats.org/drawingml/2006/main" xmlns:r="http://schemas.openxmlformats.org/officeDocument/2006/relationships" xmlns:p="http://schemas.openxmlformats.org/presentationml/2006/main">
-  <p:cSld>
-    <p:spTree>
-      <p:nvGrpSpPr>
-        <p:cNvPr id="1" name=""/>
-        <p:cNvGrpSpPr/>
-        <p:nvPr/>
-      </p:nvGrpSpPr>
-      <p:grpSpPr>
-        <a:xfrm>
-          <a:off x="0" y="0"/>
-          <a:ext cx="0" cy="0"/>
-          <a:chOff x="0" y="0"/>
-          <a:chExt cx="0" cy="0"/>
-        </a:xfrm>
-      </p:grpSpPr>
-      <p:sp>
-        <p:nvSpPr>
-          <p:cNvPr id="2" name="Title 1"/>
-          <p:cNvSpPr>
-            <a:spLocks noGrp="1"/>
-          </p:cNvSpPr>
-          <p:nvPr>
-            <p:ph type="title"/>
-          </p:nvPr>
-        </p:nvSpPr>
-        <p:spPr>
-          <a:xfrm>
-            <a:off x="2955964" y="411736"/>
-            <a:ext cx="8832669" cy="918302"/>
-          </a:xfrm>
-        </p:spPr>
-        <p:txBody>
-          <a:bodyPr/>
-          <a:lstStyle/>
-          <a:p>
-            <a:r>
-              <a:rPr lang="en-CA" dirty="0"/>
-              <a:t>IMPORT DATA </a:t>
-            </a:r>
-          </a:p>
-        </p:txBody>
-      </p:sp>
-      <p:pic>
-        <p:nvPicPr>
-          <p:cNvPr id="4" name="Picture 3" descr="A close up of a sign&#10;&#10;Description automatically generated">
-            <a:extLst>
-              <a:ext uri="{FF2B5EF4-FFF2-40B4-BE49-F238E27FC236}">
-                <a16:creationId xmlns:a16="http://schemas.microsoft.com/office/drawing/2014/main" id="{B28C58EF-F1F9-4B81-B840-7FE0FA2E5089}"/>
-              </a:ext>
-            </a:extLst>
-          </p:cNvPr>
-          <p:cNvPicPr>
-            <a:picLocks noChangeAspect="1"/>
-          </p:cNvPicPr>
-          <p:nvPr/>
-        </p:nvPicPr>
-        <p:blipFill>
-          <a:blip r:embed="rId2">
-            <a:extLst>
-              <a:ext uri="{28A0092B-C50C-407E-A947-70E740481C1C}">
-                <a14:useLocalDpi xmlns:a14="http://schemas.microsoft.com/office/drawing/2010/main" val="0"/>
-              </a:ext>
-            </a:extLst>
-          </a:blip>
-          <a:stretch>
-            <a:fillRect/>
-          </a:stretch>
-        </p:blipFill>
-        <p:spPr>
-          <a:xfrm>
-            <a:off x="404640" y="110836"/>
-            <a:ext cx="1290128" cy="1494399"/>
-          </a:xfrm>
-          <a:prstGeom prst="rect">
-            <a:avLst/>
-          </a:prstGeom>
-        </p:spPr>
-      </p:pic>
-      <p:pic>
-        <p:nvPicPr>
-          <p:cNvPr id="5" name="Picture 4"/>
-          <p:cNvPicPr>
-            <a:picLocks noChangeAspect="1"/>
-          </p:cNvPicPr>
-          <p:nvPr/>
-        </p:nvPicPr>
-        <p:blipFill>
-          <a:blip r:embed="rId3"/>
-          <a:stretch>
-            <a:fillRect/>
-          </a:stretch>
-        </p:blipFill>
-        <p:spPr>
-          <a:xfrm>
-            <a:off x="1725496" y="130200"/>
-            <a:ext cx="1260948" cy="1460598"/>
-          </a:xfrm>
-          <a:prstGeom prst="rect">
-            <a:avLst/>
-          </a:prstGeom>
-        </p:spPr>
-      </p:pic>
-      <p:graphicFrame>
-        <p:nvGraphicFramePr>
-          <p:cNvPr id="9" name="Table 8"/>
-          <p:cNvGraphicFramePr>
-            <a:graphicFrameLocks noGrp="1"/>
-          </p:cNvGraphicFramePr>
-          <p:nvPr>
-            <p:extLst>
-              <p:ext uri="{D42A27DB-BD31-4B8C-83A1-F6EECF244321}">
-                <p14:modId xmlns:p14="http://schemas.microsoft.com/office/powerpoint/2010/main" val="625294059"/>
-              </p:ext>
-            </p:extLst>
-          </p:nvPr>
-        </p:nvGraphicFramePr>
-        <p:xfrm>
-          <a:off x="388423" y="2947159"/>
-          <a:ext cx="11484922" cy="1824983"/>
-        </p:xfrm>
-        <a:graphic>
-          <a:graphicData uri="http://schemas.openxmlformats.org/drawingml/2006/table">
-            <a:tbl>
-              <a:tblPr firstRow="1" bandRow="1">
-                <a:tableStyleId>{5C22544A-7EE6-4342-B048-85BDC9FD1C3A}</a:tableStyleId>
-              </a:tblPr>
-              <a:tblGrid>
-                <a:gridCol w="1235960">
-                  <a:extLst>
-                    <a:ext uri="{9D8B030D-6E8A-4147-A177-3AD203B41FA5}">
-                      <a16:colId xmlns:a16="http://schemas.microsoft.com/office/drawing/2014/main" val="20000"/>
-                    </a:ext>
-                  </a:extLst>
-                </a:gridCol>
-                <a:gridCol w="5095958">
-                  <a:extLst>
-                    <a:ext uri="{9D8B030D-6E8A-4147-A177-3AD203B41FA5}">
-                      <a16:colId xmlns:a16="http://schemas.microsoft.com/office/drawing/2014/main" val="20001"/>
-                    </a:ext>
-                  </a:extLst>
-                </a:gridCol>
-                <a:gridCol w="5153004">
-                  <a:extLst>
-                    <a:ext uri="{9D8B030D-6E8A-4147-A177-3AD203B41FA5}">
-                      <a16:colId xmlns:a16="http://schemas.microsoft.com/office/drawing/2014/main" val="20002"/>
-                    </a:ext>
-                  </a:extLst>
-                </a:gridCol>
-              </a:tblGrid>
-              <a:tr h="553829">
-                <a:tc>
-                  <a:txBody>
-                    <a:bodyPr/>
-                    <a:lstStyle/>
-                    <a:p>
-                      <a:pPr algn="ctr"/>
-                      <a:endParaRPr lang="en-CA" sz="3200" b="1" dirty="0"/>
-                    </a:p>
-                  </a:txBody>
-                  <a:tcPr anchor="ctr">
-                    <a:lnL w="12700" cap="flat" cmpd="sng" algn="ctr">
-                      <a:solidFill>
-                        <a:schemeClr val="tx1"/>
-                      </a:solidFill>
-                      <a:prstDash val="solid"/>
-                      <a:round/>
-                      <a:headEnd type="none" w="med" len="med"/>
-                      <a:tailEnd type="none" w="med" len="med"/>
-                    </a:lnL>
-                    <a:lnR w="12700" cap="flat" cmpd="sng" algn="ctr">
-                      <a:solidFill>
-                        <a:schemeClr val="tx1"/>
-                      </a:solidFill>
-                      <a:prstDash val="solid"/>
-                      <a:round/>
-                      <a:headEnd type="none" w="med" len="med"/>
-                      <a:tailEnd type="none" w="med" len="med"/>
-                    </a:lnR>
-                    <a:lnT w="12700" cap="flat" cmpd="sng" algn="ctr">
-                      <a:solidFill>
-                        <a:schemeClr val="tx1"/>
-                      </a:solidFill>
-                      <a:prstDash val="solid"/>
-                      <a:round/>
-                      <a:headEnd type="none" w="med" len="med"/>
-                      <a:tailEnd type="none" w="med" len="med"/>
-                    </a:lnT>
-                    <a:lnB w="12700" cap="flat" cmpd="sng" algn="ctr">
-                      <a:solidFill>
-                        <a:schemeClr val="tx1"/>
-                      </a:solidFill>
-                      <a:prstDash val="solid"/>
-                      <a:round/>
-                      <a:headEnd type="none" w="med" len="med"/>
-                      <a:tailEnd type="none" w="med" len="med"/>
-                    </a:lnB>
-                    <a:solidFill>
-                      <a:schemeClr val="accent1">
-                        <a:lumMod val="50000"/>
-                      </a:schemeClr>
-                    </a:solidFill>
-                  </a:tcPr>
-                </a:tc>
-                <a:tc>
-                  <a:txBody>
-                    <a:bodyPr/>
-                    <a:lstStyle/>
-                    <a:p>
-                      <a:pPr algn="ctr"/>
-                      <a:r>
-                        <a:rPr lang="en-CA" sz="3200" dirty="0" err="1"/>
-                        <a:t>readr</a:t>
-                      </a:r>
-                      <a:endParaRPr lang="en-CA" sz="3200" dirty="0"/>
-                    </a:p>
-                  </a:txBody>
-                  <a:tcPr>
-                    <a:lnL w="12700" cap="flat" cmpd="sng" algn="ctr">
-                      <a:solidFill>
-                        <a:schemeClr val="tx1"/>
-                      </a:solidFill>
-                      <a:prstDash val="solid"/>
-                      <a:round/>
-                      <a:headEnd type="none" w="med" len="med"/>
-                      <a:tailEnd type="none" w="med" len="med"/>
-                    </a:lnL>
-                    <a:lnR w="12700" cap="flat" cmpd="sng" algn="ctr">
-                      <a:solidFill>
-                        <a:schemeClr val="tx1"/>
-                      </a:solidFill>
-                      <a:prstDash val="solid"/>
-                      <a:round/>
-                      <a:headEnd type="none" w="med" len="med"/>
-                      <a:tailEnd type="none" w="med" len="med"/>
-                    </a:lnR>
-                    <a:lnT w="12700" cap="flat" cmpd="sng" algn="ctr">
-                      <a:solidFill>
-                        <a:schemeClr val="tx1"/>
-                      </a:solidFill>
-                      <a:prstDash val="solid"/>
-                      <a:round/>
-                      <a:headEnd type="none" w="med" len="med"/>
-                      <a:tailEnd type="none" w="med" len="med"/>
-                    </a:lnT>
-                    <a:lnB w="12700" cap="flat" cmpd="sng" algn="ctr">
-                      <a:solidFill>
-                        <a:schemeClr val="tx1"/>
-                      </a:solidFill>
-                      <a:prstDash val="solid"/>
-                      <a:round/>
-                      <a:headEnd type="none" w="med" len="med"/>
-                      <a:tailEnd type="none" w="med" len="med"/>
-                    </a:lnB>
-                    <a:solidFill>
-                      <a:schemeClr val="accent1">
-                        <a:lumMod val="50000"/>
-                      </a:schemeClr>
-                    </a:solidFill>
-                  </a:tcPr>
-                </a:tc>
-                <a:tc>
-                  <a:txBody>
-                    <a:bodyPr/>
-                    <a:lstStyle/>
-                    <a:p>
-                      <a:pPr algn="ctr"/>
-                      <a:r>
-                        <a:rPr lang="en-CA" sz="3200" dirty="0" err="1"/>
-                        <a:t>readxl</a:t>
-                      </a:r>
-                      <a:endParaRPr lang="en-CA" sz="3200" dirty="0"/>
-                    </a:p>
-                  </a:txBody>
-                  <a:tcPr>
-                    <a:lnL w="12700" cap="flat" cmpd="sng" algn="ctr">
-                      <a:solidFill>
-                        <a:schemeClr val="tx1"/>
-                      </a:solidFill>
-                      <a:prstDash val="solid"/>
-                      <a:round/>
-                      <a:headEnd type="none" w="med" len="med"/>
-                      <a:tailEnd type="none" w="med" len="med"/>
-                    </a:lnL>
-                    <a:lnR w="12700" cap="flat" cmpd="sng" algn="ctr">
-                      <a:solidFill>
-                        <a:schemeClr val="tx1"/>
-                      </a:solidFill>
-                      <a:prstDash val="solid"/>
-                      <a:round/>
-                      <a:headEnd type="none" w="med" len="med"/>
-                      <a:tailEnd type="none" w="med" len="med"/>
-                    </a:lnR>
-                    <a:lnT w="12700" cap="flat" cmpd="sng" algn="ctr">
-                      <a:solidFill>
-                        <a:schemeClr val="tx1"/>
-                      </a:solidFill>
-                      <a:prstDash val="solid"/>
-                      <a:round/>
-                      <a:headEnd type="none" w="med" len="med"/>
-                      <a:tailEnd type="none" w="med" len="med"/>
-                    </a:lnT>
-                    <a:lnB w="12700" cap="flat" cmpd="sng" algn="ctr">
-                      <a:solidFill>
-                        <a:schemeClr val="tx1"/>
-                      </a:solidFill>
-                      <a:prstDash val="solid"/>
-                      <a:round/>
-                      <a:headEnd type="none" w="med" len="med"/>
-                      <a:tailEnd type="none" w="med" len="med"/>
-                    </a:lnB>
-                    <a:solidFill>
-                      <a:schemeClr val="accent1">
-                        <a:lumMod val="50000"/>
-                      </a:schemeClr>
-                    </a:solidFill>
-                  </a:tcPr>
-                </a:tc>
-                <a:extLst>
-                  <a:ext uri="{0D108BD9-81ED-4DB2-BD59-A6C34878D82A}">
-                    <a16:rowId xmlns:a16="http://schemas.microsoft.com/office/drawing/2014/main" val="10000"/>
-                  </a:ext>
-                </a:extLst>
-              </a:tr>
-              <a:tr h="1245863">
-                <a:tc>
-                  <a:txBody>
-                    <a:bodyPr/>
-                    <a:lstStyle/>
-                    <a:p>
-                      <a:pPr algn="ctr"/>
-                      <a:r>
-                        <a:rPr lang="en-CA" b="1" dirty="0"/>
-                        <a:t>Generic</a:t>
-                      </a:r>
-                      <a:r>
-                        <a:rPr lang="en-CA" b="1" baseline="0" dirty="0"/>
-                        <a:t> Function</a:t>
-                      </a:r>
-                    </a:p>
-                    <a:p>
-                      <a:pPr algn="ctr"/>
-                      <a:endParaRPr lang="en-CA" b="1" dirty="0"/>
-                    </a:p>
-                  </a:txBody>
-                  <a:tcPr anchor="ctr">
-                    <a:lnL w="12700" cap="flat" cmpd="sng" algn="ctr">
-                      <a:solidFill>
-                        <a:schemeClr val="tx1"/>
-                      </a:solidFill>
-                      <a:prstDash val="solid"/>
-                      <a:round/>
-                      <a:headEnd type="none" w="med" len="med"/>
-                      <a:tailEnd type="none" w="med" len="med"/>
-                    </a:lnL>
-                    <a:lnR w="12700" cap="flat" cmpd="sng" algn="ctr">
-                      <a:solidFill>
-                        <a:schemeClr val="tx1"/>
-                      </a:solidFill>
-                      <a:prstDash val="solid"/>
-                      <a:round/>
-                      <a:headEnd type="none" w="med" len="med"/>
-                      <a:tailEnd type="none" w="med" len="med"/>
-                    </a:lnR>
-                    <a:lnT w="12700" cap="flat" cmpd="sng" algn="ctr">
-                      <a:solidFill>
-                        <a:schemeClr val="tx1"/>
-                      </a:solidFill>
-                      <a:prstDash val="solid"/>
-                      <a:round/>
-                      <a:headEnd type="none" w="med" len="med"/>
-                      <a:tailEnd type="none" w="med" len="med"/>
-                    </a:lnT>
-                    <a:lnB w="12700" cap="flat" cmpd="sng" algn="ctr">
-                      <a:solidFill>
-                        <a:schemeClr val="tx1"/>
-                      </a:solidFill>
-                      <a:prstDash val="solid"/>
-                      <a:round/>
-                      <a:headEnd type="none" w="med" len="med"/>
-                      <a:tailEnd type="none" w="med" len="med"/>
-                    </a:lnB>
-                    <a:noFill/>
-                  </a:tcPr>
-                </a:tc>
-                <a:tc>
-                  <a:txBody>
-                    <a:bodyPr/>
-                    <a:lstStyle/>
-                    <a:p>
-                      <a:pPr marL="0" marR="0" indent="0" algn="l" defTabSz="914400" rtl="0" eaLnBrk="1" fontAlgn="auto" latinLnBrk="0" hangingPunct="1">
-                        <a:lnSpc>
-                          <a:spcPct val="100000"/>
-                        </a:lnSpc>
-                        <a:spcBef>
-                          <a:spcPts val="0"/>
-                        </a:spcBef>
-                        <a:spcAft>
-                          <a:spcPts val="0"/>
-                        </a:spcAft>
-                        <a:buClrTx/>
-                        <a:buSzTx/>
-                        <a:buFontTx/>
-                        <a:buNone/>
-                        <a:tabLst/>
-                        <a:defRPr/>
-                      </a:pPr>
-                      <a:r>
-                        <a:rPr lang="en-CA" dirty="0" err="1">
-                          <a:latin typeface="Courier" charset="0"/>
-                          <a:ea typeface="Courier" charset="0"/>
-                          <a:cs typeface="Courier" charset="0"/>
-                        </a:rPr>
-                        <a:t>read_csv</a:t>
-                      </a:r>
-                      <a:r>
-                        <a:rPr lang="en-CA" dirty="0">
-                          <a:latin typeface="Courier" charset="0"/>
-                          <a:ea typeface="Courier" charset="0"/>
-                          <a:cs typeface="Courier" charset="0"/>
-                        </a:rPr>
-                        <a:t>(filename)</a:t>
-                      </a:r>
-                    </a:p>
-                    <a:p>
-                      <a:pPr algn="l"/>
-                      <a:endParaRPr lang="en-CA" dirty="0"/>
-                    </a:p>
-                  </a:txBody>
-                  <a:tcPr anchor="ctr">
-                    <a:lnL w="12700" cap="flat" cmpd="sng" algn="ctr">
-                      <a:solidFill>
-                        <a:schemeClr val="tx1"/>
-                      </a:solidFill>
-                      <a:prstDash val="solid"/>
-                      <a:round/>
-                      <a:headEnd type="none" w="med" len="med"/>
-                      <a:tailEnd type="none" w="med" len="med"/>
-                    </a:lnL>
-                    <a:lnR w="12700" cap="flat" cmpd="sng" algn="ctr">
-                      <a:solidFill>
-                        <a:schemeClr val="tx1"/>
-                      </a:solidFill>
-                      <a:prstDash val="solid"/>
-                      <a:round/>
-                      <a:headEnd type="none" w="med" len="med"/>
-                      <a:tailEnd type="none" w="med" len="med"/>
-                    </a:lnR>
-                    <a:lnT w="12700" cap="flat" cmpd="sng" algn="ctr">
-                      <a:solidFill>
-                        <a:schemeClr val="tx1"/>
-                      </a:solidFill>
-                      <a:prstDash val="solid"/>
-                      <a:round/>
-                      <a:headEnd type="none" w="med" len="med"/>
-                      <a:tailEnd type="none" w="med" len="med"/>
-                    </a:lnT>
-                    <a:lnB w="12700" cap="flat" cmpd="sng" algn="ctr">
-                      <a:solidFill>
-                        <a:schemeClr val="tx1"/>
-                      </a:solidFill>
-                      <a:prstDash val="solid"/>
-                      <a:round/>
-                      <a:headEnd type="none" w="med" len="med"/>
-                      <a:tailEnd type="none" w="med" len="med"/>
-                    </a:lnB>
-                    <a:noFill/>
-                  </a:tcPr>
-                </a:tc>
-                <a:tc>
-                  <a:txBody>
-                    <a:bodyPr/>
-                    <a:lstStyle/>
-                    <a:p>
-                      <a:pPr marL="0" marR="0" indent="0" algn="l" defTabSz="914400" rtl="0" eaLnBrk="1" fontAlgn="auto" latinLnBrk="0" hangingPunct="1">
-                        <a:lnSpc>
-                          <a:spcPct val="100000"/>
-                        </a:lnSpc>
-                        <a:spcBef>
-                          <a:spcPts val="0"/>
-                        </a:spcBef>
-                        <a:spcAft>
-                          <a:spcPts val="0"/>
-                        </a:spcAft>
-                        <a:buClrTx/>
-                        <a:buSzTx/>
-                        <a:buFontTx/>
-                        <a:buNone/>
-                        <a:tabLst/>
-                        <a:defRPr/>
-                      </a:pPr>
-                      <a:r>
-                        <a:rPr lang="en-US" dirty="0" err="1">
-                          <a:latin typeface="Courier" charset="0"/>
-                          <a:ea typeface="Courier" charset="0"/>
-                          <a:cs typeface="Courier" charset="0"/>
-                        </a:rPr>
-                        <a:t>read_excel</a:t>
-                      </a:r>
-                      <a:r>
-                        <a:rPr lang="en-US" dirty="0">
-                          <a:latin typeface="Courier" charset="0"/>
-                          <a:ea typeface="Courier" charset="0"/>
-                          <a:cs typeface="Courier" charset="0"/>
-                        </a:rPr>
-                        <a:t>(filename, </a:t>
-                      </a:r>
-                      <a:r>
-                        <a:rPr lang="en-US" dirty="0" err="1">
-                          <a:latin typeface="Courier" charset="0"/>
-                          <a:ea typeface="Courier" charset="0"/>
-                          <a:cs typeface="Courier" charset="0"/>
-                        </a:rPr>
-                        <a:t>sheetname</a:t>
-                      </a:r>
-                      <a:r>
-                        <a:rPr lang="en-US" dirty="0">
-                          <a:latin typeface="Courier" charset="0"/>
-                          <a:ea typeface="Courier" charset="0"/>
-                          <a:cs typeface="Courier" charset="0"/>
-                        </a:rPr>
-                        <a:t>)</a:t>
-                      </a:r>
-                      <a:endParaRPr lang="en-CA" dirty="0">
-                        <a:latin typeface="Courier" charset="0"/>
-                        <a:ea typeface="Courier" charset="0"/>
-                        <a:cs typeface="Courier" charset="0"/>
-                      </a:endParaRPr>
-                    </a:p>
-                  </a:txBody>
-                  <a:tcPr anchor="ctr">
-                    <a:lnL w="12700" cap="flat" cmpd="sng" algn="ctr">
-                      <a:solidFill>
-                        <a:schemeClr val="tx1"/>
-                      </a:solidFill>
-                      <a:prstDash val="solid"/>
-                      <a:round/>
-                      <a:headEnd type="none" w="med" len="med"/>
-                      <a:tailEnd type="none" w="med" len="med"/>
-                    </a:lnL>
-                    <a:lnR w="12700" cap="flat" cmpd="sng" algn="ctr">
-                      <a:solidFill>
-                        <a:schemeClr val="tx1"/>
-                      </a:solidFill>
-                      <a:prstDash val="solid"/>
-                      <a:round/>
-                      <a:headEnd type="none" w="med" len="med"/>
-                      <a:tailEnd type="none" w="med" len="med"/>
-                    </a:lnR>
-                    <a:lnT w="12700" cap="flat" cmpd="sng" algn="ctr">
-                      <a:solidFill>
-                        <a:schemeClr val="tx1"/>
-                      </a:solidFill>
-                      <a:prstDash val="solid"/>
-                      <a:round/>
-                      <a:headEnd type="none" w="med" len="med"/>
-                      <a:tailEnd type="none" w="med" len="med"/>
-                    </a:lnT>
-                    <a:lnB w="12700" cap="flat" cmpd="sng" algn="ctr">
-                      <a:solidFill>
-                        <a:schemeClr val="tx1"/>
-                      </a:solidFill>
-                      <a:prstDash val="solid"/>
-                      <a:round/>
-                      <a:headEnd type="none" w="med" len="med"/>
-                      <a:tailEnd type="none" w="med" len="med"/>
-                    </a:lnB>
-                    <a:noFill/>
-                  </a:tcPr>
-                </a:tc>
-                <a:extLst>
-                  <a:ext uri="{0D108BD9-81ED-4DB2-BD59-A6C34878D82A}">
-                    <a16:rowId xmlns:a16="http://schemas.microsoft.com/office/drawing/2014/main" val="10001"/>
-                  </a:ext>
-                </a:extLst>
-              </a:tr>
-            </a:tbl>
-          </a:graphicData>
-        </a:graphic>
-      </p:graphicFrame>
-    </p:spTree>
-    <p:extLst>
-      <p:ext uri="{BB962C8B-B14F-4D97-AF65-F5344CB8AC3E}">
-        <p14:creationId xmlns:p14="http://schemas.microsoft.com/office/powerpoint/2010/main" val="622106328"/>
       </p:ext>
     </p:extLst>
   </p:cSld>
